--- a/presentations/EPOC1804.pptx
+++ b/presentations/EPOC1804.pptx
@@ -109,6 +109,11 @@
       </a:defRPr>
     </a:lvl9pPr>
   </p:defaultTextStyle>
+  <p:extLst>
+    <p:ext uri="{EFAFB233-063F-42B5-8137-9DF3F51BA10A}">
+      <p15:sldGuideLst xmlns:p15="http://schemas.microsoft.com/office/powerpoint/2012/main"/>
+    </p:ext>
+  </p:extLst>
 </p:presentation>
 </file>
 
@@ -261,7 +266,7 @@
           <a:p>
             <a:fld id="{691368D4-E71B-4F1B-ACDB-D9BD9A03F85A}" type="datetimeFigureOut">
               <a:rPr lang="de-DE" smtClean="0"/>
-              <a:t>18.04.2024</a:t>
+              <a:t>19.04.2024</a:t>
             </a:fld>
             <a:endParaRPr lang="de-DE"/>
           </a:p>
@@ -461,7 +466,7 @@
           <a:p>
             <a:fld id="{691368D4-E71B-4F1B-ACDB-D9BD9A03F85A}" type="datetimeFigureOut">
               <a:rPr lang="de-DE" smtClean="0"/>
-              <a:t>18.04.2024</a:t>
+              <a:t>19.04.2024</a:t>
             </a:fld>
             <a:endParaRPr lang="de-DE"/>
           </a:p>
@@ -671,7 +676,7 @@
           <a:p>
             <a:fld id="{691368D4-E71B-4F1B-ACDB-D9BD9A03F85A}" type="datetimeFigureOut">
               <a:rPr lang="de-DE" smtClean="0"/>
-              <a:t>18.04.2024</a:t>
+              <a:t>19.04.2024</a:t>
             </a:fld>
             <a:endParaRPr lang="de-DE"/>
           </a:p>
@@ -871,7 +876,7 @@
           <a:p>
             <a:fld id="{691368D4-E71B-4F1B-ACDB-D9BD9A03F85A}" type="datetimeFigureOut">
               <a:rPr lang="de-DE" smtClean="0"/>
-              <a:t>18.04.2024</a:t>
+              <a:t>19.04.2024</a:t>
             </a:fld>
             <a:endParaRPr lang="de-DE"/>
           </a:p>
@@ -1147,7 +1152,7 @@
           <a:p>
             <a:fld id="{691368D4-E71B-4F1B-ACDB-D9BD9A03F85A}" type="datetimeFigureOut">
               <a:rPr lang="de-DE" smtClean="0"/>
-              <a:t>18.04.2024</a:t>
+              <a:t>19.04.2024</a:t>
             </a:fld>
             <a:endParaRPr lang="de-DE"/>
           </a:p>
@@ -1415,7 +1420,7 @@
           <a:p>
             <a:fld id="{691368D4-E71B-4F1B-ACDB-D9BD9A03F85A}" type="datetimeFigureOut">
               <a:rPr lang="de-DE" smtClean="0"/>
-              <a:t>18.04.2024</a:t>
+              <a:t>19.04.2024</a:t>
             </a:fld>
             <a:endParaRPr lang="de-DE"/>
           </a:p>
@@ -1830,7 +1835,7 @@
           <a:p>
             <a:fld id="{691368D4-E71B-4F1B-ACDB-D9BD9A03F85A}" type="datetimeFigureOut">
               <a:rPr lang="de-DE" smtClean="0"/>
-              <a:t>18.04.2024</a:t>
+              <a:t>19.04.2024</a:t>
             </a:fld>
             <a:endParaRPr lang="de-DE"/>
           </a:p>
@@ -1972,7 +1977,7 @@
           <a:p>
             <a:fld id="{691368D4-E71B-4F1B-ACDB-D9BD9A03F85A}" type="datetimeFigureOut">
               <a:rPr lang="de-DE" smtClean="0"/>
-              <a:t>18.04.2024</a:t>
+              <a:t>19.04.2024</a:t>
             </a:fld>
             <a:endParaRPr lang="de-DE"/>
           </a:p>
@@ -2085,7 +2090,7 @@
           <a:p>
             <a:fld id="{691368D4-E71B-4F1B-ACDB-D9BD9A03F85A}" type="datetimeFigureOut">
               <a:rPr lang="de-DE" smtClean="0"/>
-              <a:t>18.04.2024</a:t>
+              <a:t>19.04.2024</a:t>
             </a:fld>
             <a:endParaRPr lang="de-DE"/>
           </a:p>
@@ -2398,7 +2403,7 @@
           <a:p>
             <a:fld id="{691368D4-E71B-4F1B-ACDB-D9BD9A03F85A}" type="datetimeFigureOut">
               <a:rPr lang="de-DE" smtClean="0"/>
-              <a:t>18.04.2024</a:t>
+              <a:t>19.04.2024</a:t>
             </a:fld>
             <a:endParaRPr lang="de-DE"/>
           </a:p>
@@ -2687,7 +2692,7 @@
           <a:p>
             <a:fld id="{691368D4-E71B-4F1B-ACDB-D9BD9A03F85A}" type="datetimeFigureOut">
               <a:rPr lang="de-DE" smtClean="0"/>
-              <a:t>18.04.2024</a:t>
+              <a:t>19.04.2024</a:t>
             </a:fld>
             <a:endParaRPr lang="de-DE"/>
           </a:p>
@@ -2930,7 +2935,7 @@
           <a:p>
             <a:fld id="{691368D4-E71B-4F1B-ACDB-D9BD9A03F85A}" type="datetimeFigureOut">
               <a:rPr lang="de-DE" smtClean="0"/>
-              <a:t>18.04.2024</a:t>
+              <a:t>19.04.2024</a:t>
             </a:fld>
             <a:endParaRPr lang="de-DE"/>
           </a:p>
@@ -3792,6 +3797,76 @@
           </a:p>
         </p:txBody>
       </p:sp>
+      <p:sp>
+        <p:nvSpPr>
+          <p:cNvPr id="2" name="TextBox 1">
+            <a:extLst>
+              <a:ext uri="{FF2B5EF4-FFF2-40B4-BE49-F238E27FC236}">
+                <a16:creationId xmlns:a16="http://schemas.microsoft.com/office/drawing/2014/main" id="{68238E25-F181-A172-0779-970046AF775C}"/>
+              </a:ext>
+            </a:extLst>
+          </p:cNvPr>
+          <p:cNvSpPr txBox="1"/>
+          <p:nvPr/>
+        </p:nvSpPr>
+        <p:spPr>
+          <a:xfrm>
+            <a:off x="9180144" y="884125"/>
+            <a:ext cx="2148396" cy="1477328"/>
+          </a:xfrm>
+          <a:prstGeom prst="rect">
+            <a:avLst/>
+          </a:prstGeom>
+          <a:noFill/>
+        </p:spPr>
+        <p:txBody>
+          <a:bodyPr wrap="square" rtlCol="0">
+            <a:spAutoFit/>
+          </a:bodyPr>
+          <a:lstStyle/>
+          <a:p>
+            <a:r>
+              <a:rPr lang="de-DE" dirty="0"/>
+              <a:t>Anhand dieser kognitiven Variablen wurde das Clustering durchgeführt</a:t>
+            </a:r>
+          </a:p>
+        </p:txBody>
+      </p:sp>
+      <p:sp>
+        <p:nvSpPr>
+          <p:cNvPr id="3" name="TextBox 2">
+            <a:extLst>
+              <a:ext uri="{FF2B5EF4-FFF2-40B4-BE49-F238E27FC236}">
+                <a16:creationId xmlns:a16="http://schemas.microsoft.com/office/drawing/2014/main" id="{7FB4875A-3E3A-423E-9492-50C2367A5DF9}"/>
+              </a:ext>
+            </a:extLst>
+          </p:cNvPr>
+          <p:cNvSpPr txBox="1"/>
+          <p:nvPr/>
+        </p:nvSpPr>
+        <p:spPr>
+          <a:xfrm>
+            <a:off x="9180144" y="2792475"/>
+            <a:ext cx="2148396" cy="1477328"/>
+          </a:xfrm>
+          <a:prstGeom prst="rect">
+            <a:avLst/>
+          </a:prstGeom>
+          <a:noFill/>
+        </p:spPr>
+        <p:txBody>
+          <a:bodyPr wrap="square" rtlCol="0">
+            <a:spAutoFit/>
+          </a:bodyPr>
+          <a:lstStyle/>
+          <a:p>
+            <a:r>
+              <a:rPr lang="de-DE" dirty="0"/>
+              <a:t>Unterschiede zwischen den Clustern sind in allen Variablen signifikant</a:t>
+            </a:r>
+          </a:p>
+        </p:txBody>
+      </p:sp>
     </p:spTree>
     <p:extLst>
       <p:ext uri="{BB962C8B-B14F-4D97-AF65-F5344CB8AC3E}">
@@ -3885,7 +3960,7 @@
         </p:blipFill>
         <p:spPr>
           <a:xfrm>
-            <a:off x="163285" y="1817914"/>
+            <a:off x="163285" y="1404440"/>
             <a:ext cx="5968106" cy="4166077"/>
           </a:xfrm>
         </p:spPr>
@@ -3920,11 +3995,52 @@
         </p:blipFill>
         <p:spPr>
           <a:xfrm>
-            <a:off x="6131391" y="1935705"/>
+            <a:off x="6203986" y="1459411"/>
             <a:ext cx="5988014" cy="4111106"/>
           </a:xfrm>
         </p:spPr>
       </p:pic>
+      <p:sp>
+        <p:nvSpPr>
+          <p:cNvPr id="2" name="TextBox 1">
+            <a:extLst>
+              <a:ext uri="{FF2B5EF4-FFF2-40B4-BE49-F238E27FC236}">
+                <a16:creationId xmlns:a16="http://schemas.microsoft.com/office/drawing/2014/main" id="{001484A3-1C74-C5CB-378F-BE5AE096FFB5}"/>
+              </a:ext>
+            </a:extLst>
+          </p:cNvPr>
+          <p:cNvSpPr txBox="1"/>
+          <p:nvPr/>
+        </p:nvSpPr>
+        <p:spPr>
+          <a:xfrm>
+            <a:off x="435429" y="5661669"/>
+            <a:ext cx="11115341" cy="923330"/>
+          </a:xfrm>
+          <a:prstGeom prst="rect">
+            <a:avLst/>
+          </a:prstGeom>
+          <a:noFill/>
+        </p:spPr>
+        <p:txBody>
+          <a:bodyPr wrap="square" rtlCol="0">
+            <a:spAutoFit/>
+          </a:bodyPr>
+          <a:lstStyle/>
+          <a:p>
+            <a:r>
+              <a:rPr lang="de-DE" dirty="0"/>
+              <a:t>Signifikanter Unterschied im Alter zwischen den Clustern. Signifikanter Unterschied zwischen withPCS C1 und withPCS C2 genau wie zwischen withoutPCS C1 und withoutPCS C2.</a:t>
+            </a:r>
+          </a:p>
+          <a:p>
+            <a:r>
+              <a:rPr lang="de-DE" dirty="0"/>
+              <a:t>Kein signifikanter Unterschied im Alter zwischen withPCS und withoutPCS im C2 (p = 0.205)</a:t>
+            </a:r>
+          </a:p>
+        </p:txBody>
+      </p:sp>
     </p:spTree>
     <p:extLst>
       <p:ext uri="{BB962C8B-B14F-4D97-AF65-F5344CB8AC3E}">
@@ -4018,6 +4134,41 @@
           </a:xfrm>
         </p:spPr>
       </p:pic>
+      <p:sp>
+        <p:nvSpPr>
+          <p:cNvPr id="3" name="TextBox 2">
+            <a:extLst>
+              <a:ext uri="{FF2B5EF4-FFF2-40B4-BE49-F238E27FC236}">
+                <a16:creationId xmlns:a16="http://schemas.microsoft.com/office/drawing/2014/main" id="{35FD7E3F-6C38-67FF-F701-5C5EAE496CF8}"/>
+              </a:ext>
+            </a:extLst>
+          </p:cNvPr>
+          <p:cNvSpPr txBox="1"/>
+          <p:nvPr/>
+        </p:nvSpPr>
+        <p:spPr>
+          <a:xfrm>
+            <a:off x="915838" y="5495027"/>
+            <a:ext cx="1603075" cy="923330"/>
+          </a:xfrm>
+          <a:prstGeom prst="rect">
+            <a:avLst/>
+          </a:prstGeom>
+          <a:noFill/>
+        </p:spPr>
+        <p:txBody>
+          <a:bodyPr wrap="square" rtlCol="0">
+            <a:spAutoFit/>
+          </a:bodyPr>
+          <a:lstStyle/>
+          <a:p>
+            <a:r>
+              <a:rPr lang="de-DE" dirty="0"/>
+              <a:t>Keine signifikanten Unterschiede</a:t>
+            </a:r>
+          </a:p>
+        </p:txBody>
+      </p:sp>
     </p:spTree>
     <p:extLst>
       <p:ext uri="{BB962C8B-B14F-4D97-AF65-F5344CB8AC3E}">
@@ -4111,6 +4262,41 @@
           </a:xfrm>
         </p:spPr>
       </p:pic>
+      <p:sp>
+        <p:nvSpPr>
+          <p:cNvPr id="3" name="TextBox 2">
+            <a:extLst>
+              <a:ext uri="{FF2B5EF4-FFF2-40B4-BE49-F238E27FC236}">
+                <a16:creationId xmlns:a16="http://schemas.microsoft.com/office/drawing/2014/main" id="{189CA045-1F0A-3C05-A56D-1796CB731849}"/>
+              </a:ext>
+            </a:extLst>
+          </p:cNvPr>
+          <p:cNvSpPr txBox="1"/>
+          <p:nvPr/>
+        </p:nvSpPr>
+        <p:spPr>
+          <a:xfrm>
+            <a:off x="837276" y="1862111"/>
+            <a:ext cx="2810363" cy="1200329"/>
+          </a:xfrm>
+          <a:prstGeom prst="rect">
+            <a:avLst/>
+          </a:prstGeom>
+          <a:noFill/>
+        </p:spPr>
+        <p:txBody>
+          <a:bodyPr wrap="square" rtlCol="0">
+            <a:spAutoFit/>
+          </a:bodyPr>
+          <a:lstStyle/>
+          <a:p>
+            <a:r>
+              <a:rPr lang="de-DE" dirty="0"/>
+              <a:t>Facit: Signifikanter Unterschied zwischen withoutPCS und withPCS im Cluster 1 </a:t>
+            </a:r>
+          </a:p>
+        </p:txBody>
+      </p:sp>
     </p:spTree>
     <p:extLst>
       <p:ext uri="{BB962C8B-B14F-4D97-AF65-F5344CB8AC3E}">

--- a/presentations/EPOC1804.pptx
+++ b/presentations/EPOC1804.pptx
@@ -11,6 +11,21 @@
     <p:sldId id="261" r:id="rId5"/>
     <p:sldId id="263" r:id="rId6"/>
     <p:sldId id="262" r:id="rId7"/>
+    <p:sldId id="264" r:id="rId8"/>
+    <p:sldId id="266" r:id="rId9"/>
+    <p:sldId id="265" r:id="rId10"/>
+    <p:sldId id="267" r:id="rId11"/>
+    <p:sldId id="268" r:id="rId12"/>
+    <p:sldId id="270" r:id="rId13"/>
+    <p:sldId id="269" r:id="rId14"/>
+    <p:sldId id="271" r:id="rId15"/>
+    <p:sldId id="272" r:id="rId16"/>
+    <p:sldId id="274" r:id="rId17"/>
+    <p:sldId id="273" r:id="rId18"/>
+    <p:sldId id="275" r:id="rId19"/>
+    <p:sldId id="277" r:id="rId20"/>
+    <p:sldId id="276" r:id="rId21"/>
+    <p:sldId id="278" r:id="rId22"/>
   </p:sldIdLst>
   <p:sldSz cx="12192000" cy="6858000"/>
   <p:notesSz cx="6858000" cy="9144000"/>
@@ -266,7 +281,7 @@
           <a:p>
             <a:fld id="{691368D4-E71B-4F1B-ACDB-D9BD9A03F85A}" type="datetimeFigureOut">
               <a:rPr lang="de-DE" smtClean="0"/>
-              <a:t>19.04.2024</a:t>
+              <a:t>21.04.2024</a:t>
             </a:fld>
             <a:endParaRPr lang="de-DE"/>
           </a:p>
@@ -466,7 +481,7 @@
           <a:p>
             <a:fld id="{691368D4-E71B-4F1B-ACDB-D9BD9A03F85A}" type="datetimeFigureOut">
               <a:rPr lang="de-DE" smtClean="0"/>
-              <a:t>19.04.2024</a:t>
+              <a:t>21.04.2024</a:t>
             </a:fld>
             <a:endParaRPr lang="de-DE"/>
           </a:p>
@@ -676,7 +691,7 @@
           <a:p>
             <a:fld id="{691368D4-E71B-4F1B-ACDB-D9BD9A03F85A}" type="datetimeFigureOut">
               <a:rPr lang="de-DE" smtClean="0"/>
-              <a:t>19.04.2024</a:t>
+              <a:t>21.04.2024</a:t>
             </a:fld>
             <a:endParaRPr lang="de-DE"/>
           </a:p>
@@ -876,7 +891,7 @@
           <a:p>
             <a:fld id="{691368D4-E71B-4F1B-ACDB-D9BD9A03F85A}" type="datetimeFigureOut">
               <a:rPr lang="de-DE" smtClean="0"/>
-              <a:t>19.04.2024</a:t>
+              <a:t>21.04.2024</a:t>
             </a:fld>
             <a:endParaRPr lang="de-DE"/>
           </a:p>
@@ -1152,7 +1167,7 @@
           <a:p>
             <a:fld id="{691368D4-E71B-4F1B-ACDB-D9BD9A03F85A}" type="datetimeFigureOut">
               <a:rPr lang="de-DE" smtClean="0"/>
-              <a:t>19.04.2024</a:t>
+              <a:t>21.04.2024</a:t>
             </a:fld>
             <a:endParaRPr lang="de-DE"/>
           </a:p>
@@ -1420,7 +1435,7 @@
           <a:p>
             <a:fld id="{691368D4-E71B-4F1B-ACDB-D9BD9A03F85A}" type="datetimeFigureOut">
               <a:rPr lang="de-DE" smtClean="0"/>
-              <a:t>19.04.2024</a:t>
+              <a:t>21.04.2024</a:t>
             </a:fld>
             <a:endParaRPr lang="de-DE"/>
           </a:p>
@@ -1835,7 +1850,7 @@
           <a:p>
             <a:fld id="{691368D4-E71B-4F1B-ACDB-D9BD9A03F85A}" type="datetimeFigureOut">
               <a:rPr lang="de-DE" smtClean="0"/>
-              <a:t>19.04.2024</a:t>
+              <a:t>21.04.2024</a:t>
             </a:fld>
             <a:endParaRPr lang="de-DE"/>
           </a:p>
@@ -1977,7 +1992,7 @@
           <a:p>
             <a:fld id="{691368D4-E71B-4F1B-ACDB-D9BD9A03F85A}" type="datetimeFigureOut">
               <a:rPr lang="de-DE" smtClean="0"/>
-              <a:t>19.04.2024</a:t>
+              <a:t>21.04.2024</a:t>
             </a:fld>
             <a:endParaRPr lang="de-DE"/>
           </a:p>
@@ -2090,7 +2105,7 @@
           <a:p>
             <a:fld id="{691368D4-E71B-4F1B-ACDB-D9BD9A03F85A}" type="datetimeFigureOut">
               <a:rPr lang="de-DE" smtClean="0"/>
-              <a:t>19.04.2024</a:t>
+              <a:t>21.04.2024</a:t>
             </a:fld>
             <a:endParaRPr lang="de-DE"/>
           </a:p>
@@ -2403,7 +2418,7 @@
           <a:p>
             <a:fld id="{691368D4-E71B-4F1B-ACDB-D9BD9A03F85A}" type="datetimeFigureOut">
               <a:rPr lang="de-DE" smtClean="0"/>
-              <a:t>19.04.2024</a:t>
+              <a:t>21.04.2024</a:t>
             </a:fld>
             <a:endParaRPr lang="de-DE"/>
           </a:p>
@@ -2692,7 +2707,7 @@
           <a:p>
             <a:fld id="{691368D4-E71B-4F1B-ACDB-D9BD9A03F85A}" type="datetimeFigureOut">
               <a:rPr lang="de-DE" smtClean="0"/>
-              <a:t>19.04.2024</a:t>
+              <a:t>21.04.2024</a:t>
             </a:fld>
             <a:endParaRPr lang="de-DE"/>
           </a:p>
@@ -2935,7 +2950,7 @@
           <a:p>
             <a:fld id="{691368D4-E71B-4F1B-ACDB-D9BD9A03F85A}" type="datetimeFigureOut">
               <a:rPr lang="de-DE" smtClean="0"/>
-              <a:t>19.04.2024</a:t>
+              <a:t>21.04.2024</a:t>
             </a:fld>
             <a:endParaRPr lang="de-DE"/>
           </a:p>
@@ -3712,6 +3727,4719 @@
 </p:sld>
 </file>
 
+<file path=ppt/slides/slide10.xml><?xml version="1.0" encoding="utf-8"?>
+<p:sld xmlns:a="http://schemas.openxmlformats.org/drawingml/2006/main" xmlns:r="http://schemas.openxmlformats.org/officeDocument/2006/relationships" xmlns:p="http://schemas.openxmlformats.org/presentationml/2006/main">
+  <p:cSld>
+    <p:spTree>
+      <p:nvGrpSpPr>
+        <p:cNvPr id="1" name=""/>
+        <p:cNvGrpSpPr/>
+        <p:nvPr/>
+      </p:nvGrpSpPr>
+      <p:grpSpPr>
+        <a:xfrm>
+          <a:off x="0" y="0"/>
+          <a:ext cx="0" cy="0"/>
+          <a:chOff x="0" y="0"/>
+          <a:chExt cx="0" cy="0"/>
+        </a:xfrm>
+      </p:grpSpPr>
+      <p:sp>
+        <p:nvSpPr>
+          <p:cNvPr id="2" name="Title 1">
+            <a:extLst>
+              <a:ext uri="{FF2B5EF4-FFF2-40B4-BE49-F238E27FC236}">
+                <a16:creationId xmlns:a16="http://schemas.microsoft.com/office/drawing/2014/main" id="{5FA92E7E-ADAC-9CF6-FBAD-455FD9799F37}"/>
+              </a:ext>
+            </a:extLst>
+          </p:cNvPr>
+          <p:cNvSpPr>
+            <a:spLocks noGrp="1"/>
+          </p:cNvSpPr>
+          <p:nvPr>
+            <p:ph type="title"/>
+          </p:nvPr>
+        </p:nvSpPr>
+        <p:spPr/>
+        <p:txBody>
+          <a:bodyPr/>
+          <a:lstStyle/>
+          <a:p>
+            <a:r>
+              <a:rPr lang="de-DE" dirty="0"/>
+              <a:t>Z-Werte / 8 Altersgruppen</a:t>
+            </a:r>
+          </a:p>
+        </p:txBody>
+      </p:sp>
+      <p:graphicFrame>
+        <p:nvGraphicFramePr>
+          <p:cNvPr id="9" name="Table 8">
+            <a:extLst>
+              <a:ext uri="{FF2B5EF4-FFF2-40B4-BE49-F238E27FC236}">
+                <a16:creationId xmlns:a16="http://schemas.microsoft.com/office/drawing/2014/main" id="{15FB80B1-12F7-56EC-B5B5-062FA843F498}"/>
+              </a:ext>
+            </a:extLst>
+          </p:cNvPr>
+          <p:cNvGraphicFramePr>
+            <a:graphicFrameLocks noGrp="1"/>
+          </p:cNvGraphicFramePr>
+          <p:nvPr/>
+        </p:nvGraphicFramePr>
+        <p:xfrm>
+          <a:off x="8869380" y="14108"/>
+          <a:ext cx="3322620" cy="1604858"/>
+        </p:xfrm>
+        <a:graphic>
+          <a:graphicData uri="http://schemas.openxmlformats.org/drawingml/2006/table">
+            <a:tbl>
+              <a:tblPr firstRow="1" bandRow="1">
+                <a:tableStyleId>{5C22544A-7EE6-4342-B048-85BDC9FD1C3A}</a:tableStyleId>
+              </a:tblPr>
+              <a:tblGrid>
+                <a:gridCol w="1107540">
+                  <a:extLst>
+                    <a:ext uri="{9D8B030D-6E8A-4147-A177-3AD203B41FA5}">
+                      <a16:colId xmlns:a16="http://schemas.microsoft.com/office/drawing/2014/main" val="2087661091"/>
+                    </a:ext>
+                  </a:extLst>
+                </a:gridCol>
+                <a:gridCol w="1107540">
+                  <a:extLst>
+                    <a:ext uri="{9D8B030D-6E8A-4147-A177-3AD203B41FA5}">
+                      <a16:colId xmlns:a16="http://schemas.microsoft.com/office/drawing/2014/main" val="4161442789"/>
+                    </a:ext>
+                  </a:extLst>
+                </a:gridCol>
+                <a:gridCol w="1107540">
+                  <a:extLst>
+                    <a:ext uri="{9D8B030D-6E8A-4147-A177-3AD203B41FA5}">
+                      <a16:colId xmlns:a16="http://schemas.microsoft.com/office/drawing/2014/main" val="1065804868"/>
+                    </a:ext>
+                  </a:extLst>
+                </a:gridCol>
+              </a:tblGrid>
+              <a:tr h="518862">
+                <a:tc>
+                  <a:txBody>
+                    <a:bodyPr/>
+                    <a:lstStyle/>
+                    <a:p>
+                      <a:endParaRPr lang="de-DE" dirty="0">
+                        <a:solidFill>
+                          <a:schemeClr val="tx1"/>
+                        </a:solidFill>
+                      </a:endParaRPr>
+                    </a:p>
+                  </a:txBody>
+                  <a:tcPr>
+                    <a:noFill/>
+                  </a:tcPr>
+                </a:tc>
+                <a:tc>
+                  <a:txBody>
+                    <a:bodyPr/>
+                    <a:lstStyle/>
+                    <a:p>
+                      <a:r>
+                        <a:rPr lang="de-DE" dirty="0">
+                          <a:solidFill>
+                            <a:schemeClr val="tx1"/>
+                          </a:solidFill>
+                        </a:rPr>
+                        <a:t>Without</a:t>
+                      </a:r>
+                      <a:br>
+                        <a:rPr lang="de-DE" dirty="0">
+                          <a:solidFill>
+                            <a:schemeClr val="tx1"/>
+                          </a:solidFill>
+                        </a:rPr>
+                      </a:br>
+                      <a:r>
+                        <a:rPr lang="de-DE" dirty="0">
+                          <a:solidFill>
+                            <a:schemeClr val="tx1"/>
+                          </a:solidFill>
+                        </a:rPr>
+                        <a:t>PCS</a:t>
+                      </a:r>
+                    </a:p>
+                  </a:txBody>
+                  <a:tcPr>
+                    <a:noFill/>
+                  </a:tcPr>
+                </a:tc>
+                <a:tc>
+                  <a:txBody>
+                    <a:bodyPr/>
+                    <a:lstStyle/>
+                    <a:p>
+                      <a:r>
+                        <a:rPr lang="de-DE" dirty="0">
+                          <a:solidFill>
+                            <a:schemeClr val="tx1"/>
+                          </a:solidFill>
+                        </a:rPr>
+                        <a:t>With</a:t>
+                      </a:r>
+                      <a:br>
+                        <a:rPr lang="de-DE" dirty="0">
+                          <a:solidFill>
+                            <a:schemeClr val="tx1"/>
+                          </a:solidFill>
+                        </a:rPr>
+                      </a:br>
+                      <a:r>
+                        <a:rPr lang="de-DE" dirty="0">
+                          <a:solidFill>
+                            <a:schemeClr val="tx1"/>
+                          </a:solidFill>
+                        </a:rPr>
+                        <a:t>PCS</a:t>
+                      </a:r>
+                    </a:p>
+                  </a:txBody>
+                  <a:tcPr>
+                    <a:noFill/>
+                  </a:tcPr>
+                </a:tc>
+                <a:extLst>
+                  <a:ext uri="{0D108BD9-81ED-4DB2-BD59-A6C34878D82A}">
+                    <a16:rowId xmlns:a16="http://schemas.microsoft.com/office/drawing/2014/main" val="3931383551"/>
+                  </a:ext>
+                </a:extLst>
+              </a:tr>
+              <a:tr h="482389">
+                <a:tc>
+                  <a:txBody>
+                    <a:bodyPr/>
+                    <a:lstStyle/>
+                    <a:p>
+                      <a:r>
+                        <a:rPr lang="de-DE" dirty="0">
+                          <a:solidFill>
+                            <a:srgbClr val="FF0000"/>
+                          </a:solidFill>
+                        </a:rPr>
+                        <a:t>Cluster 1</a:t>
+                      </a:r>
+                    </a:p>
+                  </a:txBody>
+                  <a:tcPr>
+                    <a:noFill/>
+                  </a:tcPr>
+                </a:tc>
+                <a:tc>
+                  <a:txBody>
+                    <a:bodyPr/>
+                    <a:lstStyle/>
+                    <a:p>
+                      <a:r>
+                        <a:rPr lang="de-DE" dirty="0">
+                          <a:solidFill>
+                            <a:srgbClr val="FF0000"/>
+                          </a:solidFill>
+                        </a:rPr>
+                        <a:t>5</a:t>
+                      </a:r>
+                    </a:p>
+                  </a:txBody>
+                  <a:tcPr>
+                    <a:noFill/>
+                  </a:tcPr>
+                </a:tc>
+                <a:tc>
+                  <a:txBody>
+                    <a:bodyPr/>
+                    <a:lstStyle/>
+                    <a:p>
+                      <a:r>
+                        <a:rPr lang="de-DE" dirty="0">
+                          <a:solidFill>
+                            <a:srgbClr val="FF0000"/>
+                          </a:solidFill>
+                        </a:rPr>
+                        <a:t>23</a:t>
+                      </a:r>
+                    </a:p>
+                  </a:txBody>
+                  <a:tcPr>
+                    <a:noFill/>
+                  </a:tcPr>
+                </a:tc>
+                <a:extLst>
+                  <a:ext uri="{0D108BD9-81ED-4DB2-BD59-A6C34878D82A}">
+                    <a16:rowId xmlns:a16="http://schemas.microsoft.com/office/drawing/2014/main" val="3140929958"/>
+                  </a:ext>
+                </a:extLst>
+              </a:tr>
+              <a:tr h="482389">
+                <a:tc>
+                  <a:txBody>
+                    <a:bodyPr/>
+                    <a:lstStyle/>
+                    <a:p>
+                      <a:r>
+                        <a:rPr lang="de-DE" dirty="0">
+                          <a:solidFill>
+                            <a:srgbClr val="00B050"/>
+                          </a:solidFill>
+                        </a:rPr>
+                        <a:t>Cluster 2</a:t>
+                      </a:r>
+                    </a:p>
+                  </a:txBody>
+                  <a:tcPr>
+                    <a:noFill/>
+                  </a:tcPr>
+                </a:tc>
+                <a:tc>
+                  <a:txBody>
+                    <a:bodyPr/>
+                    <a:lstStyle/>
+                    <a:p>
+                      <a:r>
+                        <a:rPr lang="de-DE" dirty="0">
+                          <a:solidFill>
+                            <a:srgbClr val="00B050"/>
+                          </a:solidFill>
+                        </a:rPr>
+                        <a:t>22</a:t>
+                      </a:r>
+                    </a:p>
+                  </a:txBody>
+                  <a:tcPr>
+                    <a:noFill/>
+                  </a:tcPr>
+                </a:tc>
+                <a:tc>
+                  <a:txBody>
+                    <a:bodyPr/>
+                    <a:lstStyle/>
+                    <a:p>
+                      <a:r>
+                        <a:rPr lang="de-DE" dirty="0">
+                          <a:solidFill>
+                            <a:srgbClr val="00B050"/>
+                          </a:solidFill>
+                        </a:rPr>
+                        <a:t>20</a:t>
+                      </a:r>
+                    </a:p>
+                  </a:txBody>
+                  <a:tcPr>
+                    <a:noFill/>
+                  </a:tcPr>
+                </a:tc>
+                <a:extLst>
+                  <a:ext uri="{0D108BD9-81ED-4DB2-BD59-A6C34878D82A}">
+                    <a16:rowId xmlns:a16="http://schemas.microsoft.com/office/drawing/2014/main" val="2462120241"/>
+                  </a:ext>
+                </a:extLst>
+              </a:tr>
+            </a:tbl>
+          </a:graphicData>
+        </a:graphic>
+      </p:graphicFrame>
+      <p:sp>
+        <p:nvSpPr>
+          <p:cNvPr id="10" name="TextBox 9">
+            <a:extLst>
+              <a:ext uri="{FF2B5EF4-FFF2-40B4-BE49-F238E27FC236}">
+                <a16:creationId xmlns:a16="http://schemas.microsoft.com/office/drawing/2014/main" id="{140A12DA-0ECD-8045-A50A-F11B9BEC367D}"/>
+              </a:ext>
+            </a:extLst>
+          </p:cNvPr>
+          <p:cNvSpPr txBox="1"/>
+          <p:nvPr/>
+        </p:nvSpPr>
+        <p:spPr>
+          <a:xfrm>
+            <a:off x="978894" y="5631243"/>
+            <a:ext cx="10666766" cy="923330"/>
+          </a:xfrm>
+          <a:prstGeom prst="rect">
+            <a:avLst/>
+          </a:prstGeom>
+          <a:noFill/>
+        </p:spPr>
+        <p:txBody>
+          <a:bodyPr wrap="square" rtlCol="0">
+            <a:spAutoFit/>
+          </a:bodyPr>
+          <a:lstStyle/>
+          <a:p>
+            <a:r>
+              <a:rPr lang="de-DE" dirty="0"/>
+              <a:t>Abb1: Signifikanter Unterschied im Facit zwischen C1 und C2</a:t>
+            </a:r>
+          </a:p>
+          <a:p>
+            <a:r>
+              <a:rPr lang="de-DE" dirty="0"/>
+              <a:t>Abb2: Vergleich withPCS p=.08 / Vergleich innerhalb C1 p=.07 / Vergleich innerhalb C2 p=.02</a:t>
+            </a:r>
+          </a:p>
+          <a:p>
+            <a:r>
+              <a:rPr lang="de-DE" dirty="0"/>
+              <a:t>-&gt; Damit habe ich jetzt nicht gerechnet, dass Unterschied in C2 signifikant wird und in C1 nicht </a:t>
+            </a:r>
+          </a:p>
+        </p:txBody>
+      </p:sp>
+      <p:pic>
+        <p:nvPicPr>
+          <p:cNvPr id="5" name="Picture 4" descr="A group of graphs with text&#10;&#10;Description automatically generated with medium confidence">
+            <a:extLst>
+              <a:ext uri="{FF2B5EF4-FFF2-40B4-BE49-F238E27FC236}">
+                <a16:creationId xmlns:a16="http://schemas.microsoft.com/office/drawing/2014/main" id="{F365295E-99BC-E3DE-CEB9-1FE3F5A57791}"/>
+              </a:ext>
+            </a:extLst>
+          </p:cNvPr>
+          <p:cNvPicPr>
+            <a:picLocks noChangeAspect="1"/>
+          </p:cNvPicPr>
+          <p:nvPr/>
+        </p:nvPicPr>
+        <p:blipFill>
+          <a:blip r:embed="rId2">
+            <a:extLst>
+              <a:ext uri="{28A0092B-C50C-407E-A947-70E740481C1C}">
+                <a14:useLocalDpi xmlns:a14="http://schemas.microsoft.com/office/drawing/2010/main" val="0"/>
+              </a:ext>
+            </a:extLst>
+          </a:blip>
+          <a:stretch>
+            <a:fillRect/>
+          </a:stretch>
+        </p:blipFill>
+        <p:spPr>
+          <a:xfrm>
+            <a:off x="696946" y="1618966"/>
+            <a:ext cx="5121936" cy="3995025"/>
+          </a:xfrm>
+          <a:prstGeom prst="rect">
+            <a:avLst/>
+          </a:prstGeom>
+        </p:spPr>
+      </p:pic>
+      <p:pic>
+        <p:nvPicPr>
+          <p:cNvPr id="7" name="Picture 6" descr="A group of graphs with different colored squares&#10;&#10;Description automatically generated with medium confidence">
+            <a:extLst>
+              <a:ext uri="{FF2B5EF4-FFF2-40B4-BE49-F238E27FC236}">
+                <a16:creationId xmlns:a16="http://schemas.microsoft.com/office/drawing/2014/main" id="{B83D6A96-B146-FFAD-4D7F-55B0921E9822}"/>
+              </a:ext>
+            </a:extLst>
+          </p:cNvPr>
+          <p:cNvPicPr>
+            <a:picLocks noChangeAspect="1"/>
+          </p:cNvPicPr>
+          <p:nvPr/>
+        </p:nvPicPr>
+        <p:blipFill>
+          <a:blip r:embed="rId3">
+            <a:extLst>
+              <a:ext uri="{28A0092B-C50C-407E-A947-70E740481C1C}">
+                <a14:useLocalDpi xmlns:a14="http://schemas.microsoft.com/office/drawing/2010/main" val="0"/>
+              </a:ext>
+            </a:extLst>
+          </a:blip>
+          <a:stretch>
+            <a:fillRect/>
+          </a:stretch>
+        </p:blipFill>
+        <p:spPr>
+          <a:xfrm>
+            <a:off x="6096000" y="1522965"/>
+            <a:ext cx="5308617" cy="4137273"/>
+          </a:xfrm>
+          <a:prstGeom prst="rect">
+            <a:avLst/>
+          </a:prstGeom>
+        </p:spPr>
+      </p:pic>
+    </p:spTree>
+    <p:extLst>
+      <p:ext uri="{BB962C8B-B14F-4D97-AF65-F5344CB8AC3E}">
+        <p14:creationId xmlns:p14="http://schemas.microsoft.com/office/powerpoint/2010/main" val="2070142149"/>
+      </p:ext>
+    </p:extLst>
+  </p:cSld>
+  <p:clrMapOvr>
+    <a:masterClrMapping/>
+  </p:clrMapOvr>
+</p:sld>
+</file>
+
+<file path=ppt/slides/slide11.xml><?xml version="1.0" encoding="utf-8"?>
+<p:sld xmlns:a="http://schemas.openxmlformats.org/drawingml/2006/main" xmlns:r="http://schemas.openxmlformats.org/officeDocument/2006/relationships" xmlns:p="http://schemas.openxmlformats.org/presentationml/2006/main">
+  <p:cSld>
+    <p:spTree>
+      <p:nvGrpSpPr>
+        <p:cNvPr id="1" name=""/>
+        <p:cNvGrpSpPr/>
+        <p:nvPr/>
+      </p:nvGrpSpPr>
+      <p:grpSpPr>
+        <a:xfrm>
+          <a:off x="0" y="0"/>
+          <a:ext cx="0" cy="0"/>
+          <a:chOff x="0" y="0"/>
+          <a:chExt cx="0" cy="0"/>
+        </a:xfrm>
+      </p:grpSpPr>
+      <p:sp>
+        <p:nvSpPr>
+          <p:cNvPr id="2" name="Title 1">
+            <a:extLst>
+              <a:ext uri="{FF2B5EF4-FFF2-40B4-BE49-F238E27FC236}">
+                <a16:creationId xmlns:a16="http://schemas.microsoft.com/office/drawing/2014/main" id="{5FA92E7E-ADAC-9CF6-FBAD-455FD9799F37}"/>
+              </a:ext>
+            </a:extLst>
+          </p:cNvPr>
+          <p:cNvSpPr>
+            <a:spLocks noGrp="1"/>
+          </p:cNvSpPr>
+          <p:nvPr>
+            <p:ph type="title"/>
+          </p:nvPr>
+        </p:nvSpPr>
+        <p:spPr/>
+        <p:txBody>
+          <a:bodyPr/>
+          <a:lstStyle/>
+          <a:p>
+            <a:r>
+              <a:rPr lang="de-DE" dirty="0"/>
+              <a:t>Z-Werte / 4 Altersgruppen</a:t>
+            </a:r>
+          </a:p>
+        </p:txBody>
+      </p:sp>
+      <p:graphicFrame>
+        <p:nvGraphicFramePr>
+          <p:cNvPr id="6" name="Table 5">
+            <a:extLst>
+              <a:ext uri="{FF2B5EF4-FFF2-40B4-BE49-F238E27FC236}">
+                <a16:creationId xmlns:a16="http://schemas.microsoft.com/office/drawing/2014/main" id="{C34BBE34-C539-43D5-936F-D26836FFAE10}"/>
+              </a:ext>
+            </a:extLst>
+          </p:cNvPr>
+          <p:cNvGraphicFramePr>
+            <a:graphicFrameLocks noGrp="1"/>
+          </p:cNvGraphicFramePr>
+          <p:nvPr>
+            <p:extLst>
+              <p:ext uri="{D42A27DB-BD31-4B8C-83A1-F6EECF244321}">
+                <p14:modId xmlns:p14="http://schemas.microsoft.com/office/powerpoint/2010/main" val="3080420256"/>
+              </p:ext>
+            </p:extLst>
+          </p:nvPr>
+        </p:nvGraphicFramePr>
+        <p:xfrm>
+          <a:off x="3673403" y="3607204"/>
+          <a:ext cx="4015242" cy="1830252"/>
+        </p:xfrm>
+        <a:graphic>
+          <a:graphicData uri="http://schemas.openxmlformats.org/drawingml/2006/table">
+            <a:tbl>
+              <a:tblPr firstRow="1" bandRow="1">
+                <a:tableStyleId>{5C22544A-7EE6-4342-B048-85BDC9FD1C3A}</a:tableStyleId>
+              </a:tblPr>
+              <a:tblGrid>
+                <a:gridCol w="1338414">
+                  <a:extLst>
+                    <a:ext uri="{9D8B030D-6E8A-4147-A177-3AD203B41FA5}">
+                      <a16:colId xmlns:a16="http://schemas.microsoft.com/office/drawing/2014/main" val="2087661091"/>
+                    </a:ext>
+                  </a:extLst>
+                </a:gridCol>
+                <a:gridCol w="1338414">
+                  <a:extLst>
+                    <a:ext uri="{9D8B030D-6E8A-4147-A177-3AD203B41FA5}">
+                      <a16:colId xmlns:a16="http://schemas.microsoft.com/office/drawing/2014/main" val="4161442789"/>
+                    </a:ext>
+                  </a:extLst>
+                </a:gridCol>
+                <a:gridCol w="1338414">
+                  <a:extLst>
+                    <a:ext uri="{9D8B030D-6E8A-4147-A177-3AD203B41FA5}">
+                      <a16:colId xmlns:a16="http://schemas.microsoft.com/office/drawing/2014/main" val="1065804868"/>
+                    </a:ext>
+                  </a:extLst>
+                </a:gridCol>
+              </a:tblGrid>
+              <a:tr h="595086">
+                <a:tc>
+                  <a:txBody>
+                    <a:bodyPr/>
+                    <a:lstStyle/>
+                    <a:p>
+                      <a:endParaRPr lang="de-DE" dirty="0">
+                        <a:solidFill>
+                          <a:schemeClr val="tx1"/>
+                        </a:solidFill>
+                      </a:endParaRPr>
+                    </a:p>
+                  </a:txBody>
+                  <a:tcPr>
+                    <a:noFill/>
+                  </a:tcPr>
+                </a:tc>
+                <a:tc>
+                  <a:txBody>
+                    <a:bodyPr/>
+                    <a:lstStyle/>
+                    <a:p>
+                      <a:r>
+                        <a:rPr lang="de-DE" dirty="0">
+                          <a:solidFill>
+                            <a:schemeClr val="tx1"/>
+                          </a:solidFill>
+                        </a:rPr>
+                        <a:t>Without</a:t>
+                      </a:r>
+                      <a:br>
+                        <a:rPr lang="de-DE" dirty="0">
+                          <a:solidFill>
+                            <a:schemeClr val="tx1"/>
+                          </a:solidFill>
+                        </a:rPr>
+                      </a:br>
+                      <a:r>
+                        <a:rPr lang="de-DE" dirty="0">
+                          <a:solidFill>
+                            <a:schemeClr val="tx1"/>
+                          </a:solidFill>
+                        </a:rPr>
+                        <a:t>PCS</a:t>
+                      </a:r>
+                    </a:p>
+                  </a:txBody>
+                  <a:tcPr>
+                    <a:noFill/>
+                  </a:tcPr>
+                </a:tc>
+                <a:tc>
+                  <a:txBody>
+                    <a:bodyPr/>
+                    <a:lstStyle/>
+                    <a:p>
+                      <a:r>
+                        <a:rPr lang="de-DE" dirty="0">
+                          <a:solidFill>
+                            <a:schemeClr val="tx1"/>
+                          </a:solidFill>
+                        </a:rPr>
+                        <a:t>With</a:t>
+                      </a:r>
+                      <a:br>
+                        <a:rPr lang="de-DE" dirty="0">
+                          <a:solidFill>
+                            <a:schemeClr val="tx1"/>
+                          </a:solidFill>
+                        </a:rPr>
+                      </a:br>
+                      <a:r>
+                        <a:rPr lang="de-DE" dirty="0">
+                          <a:solidFill>
+                            <a:schemeClr val="tx1"/>
+                          </a:solidFill>
+                        </a:rPr>
+                        <a:t>PCS</a:t>
+                      </a:r>
+                    </a:p>
+                  </a:txBody>
+                  <a:tcPr>
+                    <a:noFill/>
+                  </a:tcPr>
+                </a:tc>
+                <a:extLst>
+                  <a:ext uri="{0D108BD9-81ED-4DB2-BD59-A6C34878D82A}">
+                    <a16:rowId xmlns:a16="http://schemas.microsoft.com/office/drawing/2014/main" val="3931383551"/>
+                  </a:ext>
+                </a:extLst>
+              </a:tr>
+              <a:tr h="595086">
+                <a:tc>
+                  <a:txBody>
+                    <a:bodyPr/>
+                    <a:lstStyle/>
+                    <a:p>
+                      <a:r>
+                        <a:rPr lang="de-DE" dirty="0">
+                          <a:solidFill>
+                            <a:srgbClr val="FF0000"/>
+                          </a:solidFill>
+                        </a:rPr>
+                        <a:t>Cluster 1</a:t>
+                      </a:r>
+                    </a:p>
+                  </a:txBody>
+                  <a:tcPr>
+                    <a:noFill/>
+                  </a:tcPr>
+                </a:tc>
+                <a:tc>
+                  <a:txBody>
+                    <a:bodyPr/>
+                    <a:lstStyle/>
+                    <a:p>
+                      <a:r>
+                        <a:rPr lang="de-DE" dirty="0">
+                          <a:solidFill>
+                            <a:srgbClr val="FF0000"/>
+                          </a:solidFill>
+                        </a:rPr>
+                        <a:t>7</a:t>
+                      </a:r>
+                    </a:p>
+                  </a:txBody>
+                  <a:tcPr>
+                    <a:noFill/>
+                  </a:tcPr>
+                </a:tc>
+                <a:tc>
+                  <a:txBody>
+                    <a:bodyPr/>
+                    <a:lstStyle/>
+                    <a:p>
+                      <a:r>
+                        <a:rPr lang="de-DE" dirty="0">
+                          <a:solidFill>
+                            <a:srgbClr val="FF0000"/>
+                          </a:solidFill>
+                        </a:rPr>
+                        <a:t>28</a:t>
+                      </a:r>
+                    </a:p>
+                  </a:txBody>
+                  <a:tcPr>
+                    <a:noFill/>
+                  </a:tcPr>
+                </a:tc>
+                <a:extLst>
+                  <a:ext uri="{0D108BD9-81ED-4DB2-BD59-A6C34878D82A}">
+                    <a16:rowId xmlns:a16="http://schemas.microsoft.com/office/drawing/2014/main" val="3140929958"/>
+                  </a:ext>
+                </a:extLst>
+              </a:tr>
+              <a:tr h="595086">
+                <a:tc>
+                  <a:txBody>
+                    <a:bodyPr/>
+                    <a:lstStyle/>
+                    <a:p>
+                      <a:r>
+                        <a:rPr lang="de-DE" dirty="0">
+                          <a:solidFill>
+                            <a:srgbClr val="00B050"/>
+                          </a:solidFill>
+                        </a:rPr>
+                        <a:t>Cluster 2</a:t>
+                      </a:r>
+                    </a:p>
+                  </a:txBody>
+                  <a:tcPr>
+                    <a:noFill/>
+                  </a:tcPr>
+                </a:tc>
+                <a:tc>
+                  <a:txBody>
+                    <a:bodyPr/>
+                    <a:lstStyle/>
+                    <a:p>
+                      <a:r>
+                        <a:rPr lang="de-DE" dirty="0">
+                          <a:solidFill>
+                            <a:srgbClr val="00B050"/>
+                          </a:solidFill>
+                        </a:rPr>
+                        <a:t>20</a:t>
+                      </a:r>
+                    </a:p>
+                  </a:txBody>
+                  <a:tcPr>
+                    <a:noFill/>
+                  </a:tcPr>
+                </a:tc>
+                <a:tc>
+                  <a:txBody>
+                    <a:bodyPr/>
+                    <a:lstStyle/>
+                    <a:p>
+                      <a:r>
+                        <a:rPr lang="de-DE" dirty="0">
+                          <a:solidFill>
+                            <a:srgbClr val="00B050"/>
+                          </a:solidFill>
+                        </a:rPr>
+                        <a:t>15</a:t>
+                      </a:r>
+                    </a:p>
+                  </a:txBody>
+                  <a:tcPr>
+                    <a:noFill/>
+                  </a:tcPr>
+                </a:tc>
+                <a:extLst>
+                  <a:ext uri="{0D108BD9-81ED-4DB2-BD59-A6C34878D82A}">
+                    <a16:rowId xmlns:a16="http://schemas.microsoft.com/office/drawing/2014/main" val="2462120241"/>
+                  </a:ext>
+                </a:extLst>
+              </a:tr>
+            </a:tbl>
+          </a:graphicData>
+        </a:graphic>
+      </p:graphicFrame>
+      <p:graphicFrame>
+        <p:nvGraphicFramePr>
+          <p:cNvPr id="7" name="Table 6">
+            <a:extLst>
+              <a:ext uri="{FF2B5EF4-FFF2-40B4-BE49-F238E27FC236}">
+                <a16:creationId xmlns:a16="http://schemas.microsoft.com/office/drawing/2014/main" id="{0A7E851C-A2D2-B8B5-9750-2F0D12F0550D}"/>
+              </a:ext>
+            </a:extLst>
+          </p:cNvPr>
+          <p:cNvGraphicFramePr>
+            <a:graphicFrameLocks noGrp="1"/>
+          </p:cNvGraphicFramePr>
+          <p:nvPr>
+            <p:extLst>
+              <p:ext uri="{D42A27DB-BD31-4B8C-83A1-F6EECF244321}">
+                <p14:modId xmlns:p14="http://schemas.microsoft.com/office/powerpoint/2010/main" val="125521986"/>
+              </p:ext>
+            </p:extLst>
+          </p:nvPr>
+        </p:nvGraphicFramePr>
+        <p:xfrm>
+          <a:off x="933091" y="1852160"/>
+          <a:ext cx="1817288" cy="1854200"/>
+        </p:xfrm>
+        <a:graphic>
+          <a:graphicData uri="http://schemas.openxmlformats.org/drawingml/2006/table">
+            <a:tbl>
+              <a:tblPr firstRow="1" bandRow="1">
+                <a:tableStyleId>{5C22544A-7EE6-4342-B048-85BDC9FD1C3A}</a:tableStyleId>
+              </a:tblPr>
+              <a:tblGrid>
+                <a:gridCol w="1220159">
+                  <a:extLst>
+                    <a:ext uri="{9D8B030D-6E8A-4147-A177-3AD203B41FA5}">
+                      <a16:colId xmlns:a16="http://schemas.microsoft.com/office/drawing/2014/main" val="3095421252"/>
+                    </a:ext>
+                  </a:extLst>
+                </a:gridCol>
+                <a:gridCol w="597129">
+                  <a:extLst>
+                    <a:ext uri="{9D8B030D-6E8A-4147-A177-3AD203B41FA5}">
+                      <a16:colId xmlns:a16="http://schemas.microsoft.com/office/drawing/2014/main" val="2138526489"/>
+                    </a:ext>
+                  </a:extLst>
+                </a:gridCol>
+              </a:tblGrid>
+              <a:tr h="370840">
+                <a:tc>
+                  <a:txBody>
+                    <a:bodyPr/>
+                    <a:lstStyle/>
+                    <a:p>
+                      <a:r>
+                        <a:rPr lang="de-DE" dirty="0">
+                          <a:solidFill>
+                            <a:schemeClr val="tx1"/>
+                          </a:solidFill>
+                        </a:rPr>
+                        <a:t>Age group</a:t>
+                      </a:r>
+                    </a:p>
+                  </a:txBody>
+                  <a:tcPr>
+                    <a:noFill/>
+                  </a:tcPr>
+                </a:tc>
+                <a:tc>
+                  <a:txBody>
+                    <a:bodyPr/>
+                    <a:lstStyle/>
+                    <a:p>
+                      <a:r>
+                        <a:rPr lang="de-DE" dirty="0">
+                          <a:solidFill>
+                            <a:schemeClr val="tx1"/>
+                          </a:solidFill>
+                        </a:rPr>
+                        <a:t>VPs</a:t>
+                      </a:r>
+                    </a:p>
+                  </a:txBody>
+                  <a:tcPr>
+                    <a:noFill/>
+                  </a:tcPr>
+                </a:tc>
+                <a:extLst>
+                  <a:ext uri="{0D108BD9-81ED-4DB2-BD59-A6C34878D82A}">
+                    <a16:rowId xmlns:a16="http://schemas.microsoft.com/office/drawing/2014/main" val="687688987"/>
+                  </a:ext>
+                </a:extLst>
+              </a:tr>
+              <a:tr h="370840">
+                <a:tc>
+                  <a:txBody>
+                    <a:bodyPr/>
+                    <a:lstStyle/>
+                    <a:p>
+                      <a:r>
+                        <a:rPr lang="de-DE" dirty="0"/>
+                        <a:t>18-34</a:t>
+                      </a:r>
+                    </a:p>
+                  </a:txBody>
+                  <a:tcPr>
+                    <a:noFill/>
+                  </a:tcPr>
+                </a:tc>
+                <a:tc>
+                  <a:txBody>
+                    <a:bodyPr/>
+                    <a:lstStyle/>
+                    <a:p>
+                      <a:r>
+                        <a:rPr lang="de-DE" dirty="0"/>
+                        <a:t>12</a:t>
+                      </a:r>
+                    </a:p>
+                  </a:txBody>
+                  <a:tcPr>
+                    <a:noFill/>
+                  </a:tcPr>
+                </a:tc>
+                <a:extLst>
+                  <a:ext uri="{0D108BD9-81ED-4DB2-BD59-A6C34878D82A}">
+                    <a16:rowId xmlns:a16="http://schemas.microsoft.com/office/drawing/2014/main" val="1424993290"/>
+                  </a:ext>
+                </a:extLst>
+              </a:tr>
+              <a:tr h="370840">
+                <a:tc>
+                  <a:txBody>
+                    <a:bodyPr/>
+                    <a:lstStyle/>
+                    <a:p>
+                      <a:r>
+                        <a:rPr lang="de-DE" dirty="0"/>
+                        <a:t>35-49</a:t>
+                      </a:r>
+                    </a:p>
+                  </a:txBody>
+                  <a:tcPr>
+                    <a:noFill/>
+                  </a:tcPr>
+                </a:tc>
+                <a:tc>
+                  <a:txBody>
+                    <a:bodyPr/>
+                    <a:lstStyle/>
+                    <a:p>
+                      <a:r>
+                        <a:rPr lang="de-DE" dirty="0"/>
+                        <a:t>19</a:t>
+                      </a:r>
+                    </a:p>
+                  </a:txBody>
+                  <a:tcPr>
+                    <a:noFill/>
+                  </a:tcPr>
+                </a:tc>
+                <a:extLst>
+                  <a:ext uri="{0D108BD9-81ED-4DB2-BD59-A6C34878D82A}">
+                    <a16:rowId xmlns:a16="http://schemas.microsoft.com/office/drawing/2014/main" val="640674437"/>
+                  </a:ext>
+                </a:extLst>
+              </a:tr>
+              <a:tr h="370840">
+                <a:tc>
+                  <a:txBody>
+                    <a:bodyPr/>
+                    <a:lstStyle/>
+                    <a:p>
+                      <a:r>
+                        <a:rPr lang="de-DE" dirty="0"/>
+                        <a:t>50-59</a:t>
+                      </a:r>
+                    </a:p>
+                  </a:txBody>
+                  <a:tcPr>
+                    <a:noFill/>
+                  </a:tcPr>
+                </a:tc>
+                <a:tc>
+                  <a:txBody>
+                    <a:bodyPr/>
+                    <a:lstStyle/>
+                    <a:p>
+                      <a:r>
+                        <a:rPr lang="de-DE" dirty="0"/>
+                        <a:t>25</a:t>
+                      </a:r>
+                    </a:p>
+                  </a:txBody>
+                  <a:tcPr>
+                    <a:noFill/>
+                  </a:tcPr>
+                </a:tc>
+                <a:extLst>
+                  <a:ext uri="{0D108BD9-81ED-4DB2-BD59-A6C34878D82A}">
+                    <a16:rowId xmlns:a16="http://schemas.microsoft.com/office/drawing/2014/main" val="4067803672"/>
+                  </a:ext>
+                </a:extLst>
+              </a:tr>
+              <a:tr h="370840">
+                <a:tc>
+                  <a:txBody>
+                    <a:bodyPr/>
+                    <a:lstStyle/>
+                    <a:p>
+                      <a:r>
+                        <a:rPr lang="de-DE" dirty="0"/>
+                        <a:t>60-80</a:t>
+                      </a:r>
+                    </a:p>
+                  </a:txBody>
+                  <a:tcPr>
+                    <a:noFill/>
+                  </a:tcPr>
+                </a:tc>
+                <a:tc>
+                  <a:txBody>
+                    <a:bodyPr/>
+                    <a:lstStyle/>
+                    <a:p>
+                      <a:r>
+                        <a:rPr lang="de-DE" dirty="0"/>
+                        <a:t>14</a:t>
+                      </a:r>
+                    </a:p>
+                  </a:txBody>
+                  <a:tcPr>
+                    <a:noFill/>
+                  </a:tcPr>
+                </a:tc>
+                <a:extLst>
+                  <a:ext uri="{0D108BD9-81ED-4DB2-BD59-A6C34878D82A}">
+                    <a16:rowId xmlns:a16="http://schemas.microsoft.com/office/drawing/2014/main" val="295450064"/>
+                  </a:ext>
+                </a:extLst>
+              </a:tr>
+            </a:tbl>
+          </a:graphicData>
+        </a:graphic>
+      </p:graphicFrame>
+    </p:spTree>
+    <p:extLst>
+      <p:ext uri="{BB962C8B-B14F-4D97-AF65-F5344CB8AC3E}">
+        <p14:creationId xmlns:p14="http://schemas.microsoft.com/office/powerpoint/2010/main" val="292597151"/>
+      </p:ext>
+    </p:extLst>
+  </p:cSld>
+  <p:clrMapOvr>
+    <a:masterClrMapping/>
+  </p:clrMapOvr>
+</p:sld>
+</file>
+
+<file path=ppt/slides/slide12.xml><?xml version="1.0" encoding="utf-8"?>
+<p:sld xmlns:a="http://schemas.openxmlformats.org/drawingml/2006/main" xmlns:r="http://schemas.openxmlformats.org/officeDocument/2006/relationships" xmlns:p="http://schemas.openxmlformats.org/presentationml/2006/main">
+  <p:cSld>
+    <p:spTree>
+      <p:nvGrpSpPr>
+        <p:cNvPr id="1" name=""/>
+        <p:cNvGrpSpPr/>
+        <p:nvPr/>
+      </p:nvGrpSpPr>
+      <p:grpSpPr>
+        <a:xfrm>
+          <a:off x="0" y="0"/>
+          <a:ext cx="0" cy="0"/>
+          <a:chOff x="0" y="0"/>
+          <a:chExt cx="0" cy="0"/>
+        </a:xfrm>
+      </p:grpSpPr>
+      <p:sp>
+        <p:nvSpPr>
+          <p:cNvPr id="2" name="Title 1">
+            <a:extLst>
+              <a:ext uri="{FF2B5EF4-FFF2-40B4-BE49-F238E27FC236}">
+                <a16:creationId xmlns:a16="http://schemas.microsoft.com/office/drawing/2014/main" id="{5FA92E7E-ADAC-9CF6-FBAD-455FD9799F37}"/>
+              </a:ext>
+            </a:extLst>
+          </p:cNvPr>
+          <p:cNvSpPr>
+            <a:spLocks noGrp="1"/>
+          </p:cNvSpPr>
+          <p:nvPr>
+            <p:ph type="title"/>
+          </p:nvPr>
+        </p:nvSpPr>
+        <p:spPr/>
+        <p:txBody>
+          <a:bodyPr/>
+          <a:lstStyle/>
+          <a:p>
+            <a:r>
+              <a:rPr lang="de-DE" dirty="0"/>
+              <a:t>Z-Werte / 4 Altersgruppen</a:t>
+            </a:r>
+          </a:p>
+        </p:txBody>
+      </p:sp>
+      <p:graphicFrame>
+        <p:nvGraphicFramePr>
+          <p:cNvPr id="3" name="Table 2">
+            <a:extLst>
+              <a:ext uri="{FF2B5EF4-FFF2-40B4-BE49-F238E27FC236}">
+                <a16:creationId xmlns:a16="http://schemas.microsoft.com/office/drawing/2014/main" id="{9A46BDE9-32B9-C49C-5956-514952B1FEBE}"/>
+              </a:ext>
+            </a:extLst>
+          </p:cNvPr>
+          <p:cNvGraphicFramePr>
+            <a:graphicFrameLocks noGrp="1"/>
+          </p:cNvGraphicFramePr>
+          <p:nvPr/>
+        </p:nvGraphicFramePr>
+        <p:xfrm>
+          <a:off x="8788868" y="0"/>
+          <a:ext cx="4015242" cy="1830252"/>
+        </p:xfrm>
+        <a:graphic>
+          <a:graphicData uri="http://schemas.openxmlformats.org/drawingml/2006/table">
+            <a:tbl>
+              <a:tblPr firstRow="1" bandRow="1">
+                <a:tableStyleId>{5C22544A-7EE6-4342-B048-85BDC9FD1C3A}</a:tableStyleId>
+              </a:tblPr>
+              <a:tblGrid>
+                <a:gridCol w="1338414">
+                  <a:extLst>
+                    <a:ext uri="{9D8B030D-6E8A-4147-A177-3AD203B41FA5}">
+                      <a16:colId xmlns:a16="http://schemas.microsoft.com/office/drawing/2014/main" val="2087661091"/>
+                    </a:ext>
+                  </a:extLst>
+                </a:gridCol>
+                <a:gridCol w="1338414">
+                  <a:extLst>
+                    <a:ext uri="{9D8B030D-6E8A-4147-A177-3AD203B41FA5}">
+                      <a16:colId xmlns:a16="http://schemas.microsoft.com/office/drawing/2014/main" val="4161442789"/>
+                    </a:ext>
+                  </a:extLst>
+                </a:gridCol>
+                <a:gridCol w="1338414">
+                  <a:extLst>
+                    <a:ext uri="{9D8B030D-6E8A-4147-A177-3AD203B41FA5}">
+                      <a16:colId xmlns:a16="http://schemas.microsoft.com/office/drawing/2014/main" val="1065804868"/>
+                    </a:ext>
+                  </a:extLst>
+                </a:gridCol>
+              </a:tblGrid>
+              <a:tr h="595086">
+                <a:tc>
+                  <a:txBody>
+                    <a:bodyPr/>
+                    <a:lstStyle/>
+                    <a:p>
+                      <a:endParaRPr lang="de-DE" dirty="0">
+                        <a:solidFill>
+                          <a:schemeClr val="tx1"/>
+                        </a:solidFill>
+                      </a:endParaRPr>
+                    </a:p>
+                  </a:txBody>
+                  <a:tcPr>
+                    <a:noFill/>
+                  </a:tcPr>
+                </a:tc>
+                <a:tc>
+                  <a:txBody>
+                    <a:bodyPr/>
+                    <a:lstStyle/>
+                    <a:p>
+                      <a:r>
+                        <a:rPr lang="de-DE" dirty="0">
+                          <a:solidFill>
+                            <a:schemeClr val="tx1"/>
+                          </a:solidFill>
+                        </a:rPr>
+                        <a:t>Without</a:t>
+                      </a:r>
+                      <a:br>
+                        <a:rPr lang="de-DE" dirty="0">
+                          <a:solidFill>
+                            <a:schemeClr val="tx1"/>
+                          </a:solidFill>
+                        </a:rPr>
+                      </a:br>
+                      <a:r>
+                        <a:rPr lang="de-DE" dirty="0">
+                          <a:solidFill>
+                            <a:schemeClr val="tx1"/>
+                          </a:solidFill>
+                        </a:rPr>
+                        <a:t>PCS</a:t>
+                      </a:r>
+                    </a:p>
+                  </a:txBody>
+                  <a:tcPr>
+                    <a:noFill/>
+                  </a:tcPr>
+                </a:tc>
+                <a:tc>
+                  <a:txBody>
+                    <a:bodyPr/>
+                    <a:lstStyle/>
+                    <a:p>
+                      <a:r>
+                        <a:rPr lang="de-DE" dirty="0">
+                          <a:solidFill>
+                            <a:schemeClr val="tx1"/>
+                          </a:solidFill>
+                        </a:rPr>
+                        <a:t>With</a:t>
+                      </a:r>
+                      <a:br>
+                        <a:rPr lang="de-DE" dirty="0">
+                          <a:solidFill>
+                            <a:schemeClr val="tx1"/>
+                          </a:solidFill>
+                        </a:rPr>
+                      </a:br>
+                      <a:r>
+                        <a:rPr lang="de-DE" dirty="0">
+                          <a:solidFill>
+                            <a:schemeClr val="tx1"/>
+                          </a:solidFill>
+                        </a:rPr>
+                        <a:t>PCS</a:t>
+                      </a:r>
+                    </a:p>
+                  </a:txBody>
+                  <a:tcPr>
+                    <a:noFill/>
+                  </a:tcPr>
+                </a:tc>
+                <a:extLst>
+                  <a:ext uri="{0D108BD9-81ED-4DB2-BD59-A6C34878D82A}">
+                    <a16:rowId xmlns:a16="http://schemas.microsoft.com/office/drawing/2014/main" val="3931383551"/>
+                  </a:ext>
+                </a:extLst>
+              </a:tr>
+              <a:tr h="595086">
+                <a:tc>
+                  <a:txBody>
+                    <a:bodyPr/>
+                    <a:lstStyle/>
+                    <a:p>
+                      <a:r>
+                        <a:rPr lang="de-DE" dirty="0">
+                          <a:solidFill>
+                            <a:srgbClr val="FF0000"/>
+                          </a:solidFill>
+                        </a:rPr>
+                        <a:t>Cluster 1</a:t>
+                      </a:r>
+                    </a:p>
+                  </a:txBody>
+                  <a:tcPr>
+                    <a:noFill/>
+                  </a:tcPr>
+                </a:tc>
+                <a:tc>
+                  <a:txBody>
+                    <a:bodyPr/>
+                    <a:lstStyle/>
+                    <a:p>
+                      <a:r>
+                        <a:rPr lang="de-DE" dirty="0">
+                          <a:solidFill>
+                            <a:srgbClr val="FF0000"/>
+                          </a:solidFill>
+                        </a:rPr>
+                        <a:t>7</a:t>
+                      </a:r>
+                    </a:p>
+                  </a:txBody>
+                  <a:tcPr>
+                    <a:noFill/>
+                  </a:tcPr>
+                </a:tc>
+                <a:tc>
+                  <a:txBody>
+                    <a:bodyPr/>
+                    <a:lstStyle/>
+                    <a:p>
+                      <a:r>
+                        <a:rPr lang="de-DE" dirty="0">
+                          <a:solidFill>
+                            <a:srgbClr val="FF0000"/>
+                          </a:solidFill>
+                        </a:rPr>
+                        <a:t>28</a:t>
+                      </a:r>
+                    </a:p>
+                  </a:txBody>
+                  <a:tcPr>
+                    <a:noFill/>
+                  </a:tcPr>
+                </a:tc>
+                <a:extLst>
+                  <a:ext uri="{0D108BD9-81ED-4DB2-BD59-A6C34878D82A}">
+                    <a16:rowId xmlns:a16="http://schemas.microsoft.com/office/drawing/2014/main" val="3140929958"/>
+                  </a:ext>
+                </a:extLst>
+              </a:tr>
+              <a:tr h="595086">
+                <a:tc>
+                  <a:txBody>
+                    <a:bodyPr/>
+                    <a:lstStyle/>
+                    <a:p>
+                      <a:r>
+                        <a:rPr lang="de-DE" dirty="0">
+                          <a:solidFill>
+                            <a:srgbClr val="00B050"/>
+                          </a:solidFill>
+                        </a:rPr>
+                        <a:t>Cluster 2</a:t>
+                      </a:r>
+                    </a:p>
+                  </a:txBody>
+                  <a:tcPr>
+                    <a:noFill/>
+                  </a:tcPr>
+                </a:tc>
+                <a:tc>
+                  <a:txBody>
+                    <a:bodyPr/>
+                    <a:lstStyle/>
+                    <a:p>
+                      <a:r>
+                        <a:rPr lang="de-DE" dirty="0">
+                          <a:solidFill>
+                            <a:srgbClr val="00B050"/>
+                          </a:solidFill>
+                        </a:rPr>
+                        <a:t>20</a:t>
+                      </a:r>
+                    </a:p>
+                  </a:txBody>
+                  <a:tcPr>
+                    <a:noFill/>
+                  </a:tcPr>
+                </a:tc>
+                <a:tc>
+                  <a:txBody>
+                    <a:bodyPr/>
+                    <a:lstStyle/>
+                    <a:p>
+                      <a:r>
+                        <a:rPr lang="de-DE" dirty="0">
+                          <a:solidFill>
+                            <a:srgbClr val="00B050"/>
+                          </a:solidFill>
+                        </a:rPr>
+                        <a:t>15</a:t>
+                      </a:r>
+                    </a:p>
+                  </a:txBody>
+                  <a:tcPr>
+                    <a:noFill/>
+                  </a:tcPr>
+                </a:tc>
+                <a:extLst>
+                  <a:ext uri="{0D108BD9-81ED-4DB2-BD59-A6C34878D82A}">
+                    <a16:rowId xmlns:a16="http://schemas.microsoft.com/office/drawing/2014/main" val="2462120241"/>
+                  </a:ext>
+                </a:extLst>
+              </a:tr>
+            </a:tbl>
+          </a:graphicData>
+        </a:graphic>
+      </p:graphicFrame>
+      <p:sp>
+        <p:nvSpPr>
+          <p:cNvPr id="7" name="TextBox 6">
+            <a:extLst>
+              <a:ext uri="{FF2B5EF4-FFF2-40B4-BE49-F238E27FC236}">
+                <a16:creationId xmlns:a16="http://schemas.microsoft.com/office/drawing/2014/main" id="{B3765F88-3B60-3F01-690F-9BCFADA149E1}"/>
+              </a:ext>
+            </a:extLst>
+          </p:cNvPr>
+          <p:cNvSpPr txBox="1"/>
+          <p:nvPr/>
+        </p:nvSpPr>
+        <p:spPr>
+          <a:xfrm>
+            <a:off x="629717" y="5822998"/>
+            <a:ext cx="8159151" cy="923330"/>
+          </a:xfrm>
+          <a:prstGeom prst="rect">
+            <a:avLst/>
+          </a:prstGeom>
+          <a:noFill/>
+        </p:spPr>
+        <p:txBody>
+          <a:bodyPr wrap="square" rtlCol="0">
+            <a:spAutoFit/>
+          </a:bodyPr>
+          <a:lstStyle/>
+          <a:p>
+            <a:r>
+              <a:rPr lang="de-DE" dirty="0"/>
+              <a:t>Abbildung1: Alle Unterschiede signifikant</a:t>
+            </a:r>
+          </a:p>
+          <a:p>
+            <a:r>
+              <a:rPr lang="de-DE" dirty="0"/>
+              <a:t>Abbildung 2:  Alle Unterschiede zwischen with(out) C1 und with(out) C2 signifikant (Wenn keine z-Werte, dann tmt_b nicht signifikant)</a:t>
+            </a:r>
+          </a:p>
+        </p:txBody>
+      </p:sp>
+      <p:pic>
+        <p:nvPicPr>
+          <p:cNvPr id="13" name="Picture 12" descr="A group of graphs with text&#10;&#10;Description automatically generated with medium confidence">
+            <a:extLst>
+              <a:ext uri="{FF2B5EF4-FFF2-40B4-BE49-F238E27FC236}">
+                <a16:creationId xmlns:a16="http://schemas.microsoft.com/office/drawing/2014/main" id="{7F2BFEBF-BB6F-3FDE-091A-5C5FF217B10F}"/>
+              </a:ext>
+            </a:extLst>
+          </p:cNvPr>
+          <p:cNvPicPr>
+            <a:picLocks noChangeAspect="1"/>
+          </p:cNvPicPr>
+          <p:nvPr/>
+        </p:nvPicPr>
+        <p:blipFill>
+          <a:blip r:embed="rId2">
+            <a:extLst>
+              <a:ext uri="{28A0092B-C50C-407E-A947-70E740481C1C}">
+                <a14:useLocalDpi xmlns:a14="http://schemas.microsoft.com/office/drawing/2010/main" val="0"/>
+              </a:ext>
+            </a:extLst>
+          </a:blip>
+          <a:stretch>
+            <a:fillRect/>
+          </a:stretch>
+        </p:blipFill>
+        <p:spPr>
+          <a:xfrm>
+            <a:off x="435193" y="1564882"/>
+            <a:ext cx="5518264" cy="4258116"/>
+          </a:xfrm>
+          <a:prstGeom prst="rect">
+            <a:avLst/>
+          </a:prstGeom>
+        </p:spPr>
+      </p:pic>
+      <p:pic>
+        <p:nvPicPr>
+          <p:cNvPr id="15" name="Picture 14" descr="A screenshot of a graph&#10;&#10;Description automatically generated">
+            <a:extLst>
+              <a:ext uri="{FF2B5EF4-FFF2-40B4-BE49-F238E27FC236}">
+                <a16:creationId xmlns:a16="http://schemas.microsoft.com/office/drawing/2014/main" id="{A723CD78-0F86-2E7C-E82C-D1F6ABA65A94}"/>
+              </a:ext>
+            </a:extLst>
+          </p:cNvPr>
+          <p:cNvPicPr>
+            <a:picLocks noChangeAspect="1"/>
+          </p:cNvPicPr>
+          <p:nvPr/>
+        </p:nvPicPr>
+        <p:blipFill>
+          <a:blip r:embed="rId3">
+            <a:extLst>
+              <a:ext uri="{28A0092B-C50C-407E-A947-70E740481C1C}">
+                <a14:useLocalDpi xmlns:a14="http://schemas.microsoft.com/office/drawing/2010/main" val="0"/>
+              </a:ext>
+            </a:extLst>
+          </a:blip>
+          <a:stretch>
+            <a:fillRect/>
+          </a:stretch>
+        </p:blipFill>
+        <p:spPr>
+          <a:xfrm>
+            <a:off x="6096000" y="1564882"/>
+            <a:ext cx="5882591" cy="4580226"/>
+          </a:xfrm>
+          <a:prstGeom prst="rect">
+            <a:avLst/>
+          </a:prstGeom>
+        </p:spPr>
+      </p:pic>
+    </p:spTree>
+    <p:extLst>
+      <p:ext uri="{BB962C8B-B14F-4D97-AF65-F5344CB8AC3E}">
+        <p14:creationId xmlns:p14="http://schemas.microsoft.com/office/powerpoint/2010/main" val="3929803191"/>
+      </p:ext>
+    </p:extLst>
+  </p:cSld>
+  <p:clrMapOvr>
+    <a:masterClrMapping/>
+  </p:clrMapOvr>
+</p:sld>
+</file>
+
+<file path=ppt/slides/slide13.xml><?xml version="1.0" encoding="utf-8"?>
+<p:sld xmlns:a="http://schemas.openxmlformats.org/drawingml/2006/main" xmlns:r="http://schemas.openxmlformats.org/officeDocument/2006/relationships" xmlns:p="http://schemas.openxmlformats.org/presentationml/2006/main">
+  <p:cSld>
+    <p:spTree>
+      <p:nvGrpSpPr>
+        <p:cNvPr id="1" name=""/>
+        <p:cNvGrpSpPr/>
+        <p:nvPr/>
+      </p:nvGrpSpPr>
+      <p:grpSpPr>
+        <a:xfrm>
+          <a:off x="0" y="0"/>
+          <a:ext cx="0" cy="0"/>
+          <a:chOff x="0" y="0"/>
+          <a:chExt cx="0" cy="0"/>
+        </a:xfrm>
+      </p:grpSpPr>
+      <p:sp>
+        <p:nvSpPr>
+          <p:cNvPr id="2" name="Title 1">
+            <a:extLst>
+              <a:ext uri="{FF2B5EF4-FFF2-40B4-BE49-F238E27FC236}">
+                <a16:creationId xmlns:a16="http://schemas.microsoft.com/office/drawing/2014/main" id="{5FA92E7E-ADAC-9CF6-FBAD-455FD9799F37}"/>
+              </a:ext>
+            </a:extLst>
+          </p:cNvPr>
+          <p:cNvSpPr>
+            <a:spLocks noGrp="1"/>
+          </p:cNvSpPr>
+          <p:nvPr>
+            <p:ph type="title"/>
+          </p:nvPr>
+        </p:nvSpPr>
+        <p:spPr/>
+        <p:txBody>
+          <a:bodyPr/>
+          <a:lstStyle/>
+          <a:p>
+            <a:r>
+              <a:rPr lang="de-DE" dirty="0"/>
+              <a:t>Z-Werte / 4 Altersgruppen</a:t>
+            </a:r>
+          </a:p>
+        </p:txBody>
+      </p:sp>
+      <p:sp>
+        <p:nvSpPr>
+          <p:cNvPr id="10" name="TextBox 9">
+            <a:extLst>
+              <a:ext uri="{FF2B5EF4-FFF2-40B4-BE49-F238E27FC236}">
+                <a16:creationId xmlns:a16="http://schemas.microsoft.com/office/drawing/2014/main" id="{140A12DA-0ECD-8045-A50A-F11B9BEC367D}"/>
+              </a:ext>
+            </a:extLst>
+          </p:cNvPr>
+          <p:cNvSpPr txBox="1"/>
+          <p:nvPr/>
+        </p:nvSpPr>
+        <p:spPr>
+          <a:xfrm>
+            <a:off x="978894" y="5824460"/>
+            <a:ext cx="6612352" cy="369332"/>
+          </a:xfrm>
+          <a:prstGeom prst="rect">
+            <a:avLst/>
+          </a:prstGeom>
+          <a:noFill/>
+        </p:spPr>
+        <p:txBody>
+          <a:bodyPr wrap="square" rtlCol="0">
+            <a:spAutoFit/>
+          </a:bodyPr>
+          <a:lstStyle/>
+          <a:p>
+            <a:r>
+              <a:rPr lang="de-DE" dirty="0"/>
+              <a:t>Keine signifikanten Unterschiede im Hinblick der Altersverteilung</a:t>
+            </a:r>
+          </a:p>
+        </p:txBody>
+      </p:sp>
+      <p:graphicFrame>
+        <p:nvGraphicFramePr>
+          <p:cNvPr id="3" name="Table 2">
+            <a:extLst>
+              <a:ext uri="{FF2B5EF4-FFF2-40B4-BE49-F238E27FC236}">
+                <a16:creationId xmlns:a16="http://schemas.microsoft.com/office/drawing/2014/main" id="{9A46BDE9-32B9-C49C-5956-514952B1FEBE}"/>
+              </a:ext>
+            </a:extLst>
+          </p:cNvPr>
+          <p:cNvGraphicFramePr>
+            <a:graphicFrameLocks noGrp="1"/>
+          </p:cNvGraphicFramePr>
+          <p:nvPr>
+            <p:extLst>
+              <p:ext uri="{D42A27DB-BD31-4B8C-83A1-F6EECF244321}">
+                <p14:modId xmlns:p14="http://schemas.microsoft.com/office/powerpoint/2010/main" val="862119704"/>
+              </p:ext>
+            </p:extLst>
+          </p:nvPr>
+        </p:nvGraphicFramePr>
+        <p:xfrm>
+          <a:off x="8788868" y="0"/>
+          <a:ext cx="4015242" cy="1830252"/>
+        </p:xfrm>
+        <a:graphic>
+          <a:graphicData uri="http://schemas.openxmlformats.org/drawingml/2006/table">
+            <a:tbl>
+              <a:tblPr firstRow="1" bandRow="1">
+                <a:tableStyleId>{5C22544A-7EE6-4342-B048-85BDC9FD1C3A}</a:tableStyleId>
+              </a:tblPr>
+              <a:tblGrid>
+                <a:gridCol w="1338414">
+                  <a:extLst>
+                    <a:ext uri="{9D8B030D-6E8A-4147-A177-3AD203B41FA5}">
+                      <a16:colId xmlns:a16="http://schemas.microsoft.com/office/drawing/2014/main" val="2087661091"/>
+                    </a:ext>
+                  </a:extLst>
+                </a:gridCol>
+                <a:gridCol w="1338414">
+                  <a:extLst>
+                    <a:ext uri="{9D8B030D-6E8A-4147-A177-3AD203B41FA5}">
+                      <a16:colId xmlns:a16="http://schemas.microsoft.com/office/drawing/2014/main" val="4161442789"/>
+                    </a:ext>
+                  </a:extLst>
+                </a:gridCol>
+                <a:gridCol w="1338414">
+                  <a:extLst>
+                    <a:ext uri="{9D8B030D-6E8A-4147-A177-3AD203B41FA5}">
+                      <a16:colId xmlns:a16="http://schemas.microsoft.com/office/drawing/2014/main" val="1065804868"/>
+                    </a:ext>
+                  </a:extLst>
+                </a:gridCol>
+              </a:tblGrid>
+              <a:tr h="595086">
+                <a:tc>
+                  <a:txBody>
+                    <a:bodyPr/>
+                    <a:lstStyle/>
+                    <a:p>
+                      <a:endParaRPr lang="de-DE" dirty="0">
+                        <a:solidFill>
+                          <a:schemeClr val="tx1"/>
+                        </a:solidFill>
+                      </a:endParaRPr>
+                    </a:p>
+                  </a:txBody>
+                  <a:tcPr>
+                    <a:noFill/>
+                  </a:tcPr>
+                </a:tc>
+                <a:tc>
+                  <a:txBody>
+                    <a:bodyPr/>
+                    <a:lstStyle/>
+                    <a:p>
+                      <a:r>
+                        <a:rPr lang="de-DE" dirty="0">
+                          <a:solidFill>
+                            <a:schemeClr val="tx1"/>
+                          </a:solidFill>
+                        </a:rPr>
+                        <a:t>Without</a:t>
+                      </a:r>
+                      <a:br>
+                        <a:rPr lang="de-DE" dirty="0">
+                          <a:solidFill>
+                            <a:schemeClr val="tx1"/>
+                          </a:solidFill>
+                        </a:rPr>
+                      </a:br>
+                      <a:r>
+                        <a:rPr lang="de-DE" dirty="0">
+                          <a:solidFill>
+                            <a:schemeClr val="tx1"/>
+                          </a:solidFill>
+                        </a:rPr>
+                        <a:t>PCS</a:t>
+                      </a:r>
+                    </a:p>
+                  </a:txBody>
+                  <a:tcPr>
+                    <a:noFill/>
+                  </a:tcPr>
+                </a:tc>
+                <a:tc>
+                  <a:txBody>
+                    <a:bodyPr/>
+                    <a:lstStyle/>
+                    <a:p>
+                      <a:r>
+                        <a:rPr lang="de-DE" dirty="0">
+                          <a:solidFill>
+                            <a:schemeClr val="tx1"/>
+                          </a:solidFill>
+                        </a:rPr>
+                        <a:t>With</a:t>
+                      </a:r>
+                      <a:br>
+                        <a:rPr lang="de-DE" dirty="0">
+                          <a:solidFill>
+                            <a:schemeClr val="tx1"/>
+                          </a:solidFill>
+                        </a:rPr>
+                      </a:br>
+                      <a:r>
+                        <a:rPr lang="de-DE" dirty="0">
+                          <a:solidFill>
+                            <a:schemeClr val="tx1"/>
+                          </a:solidFill>
+                        </a:rPr>
+                        <a:t>PCS</a:t>
+                      </a:r>
+                    </a:p>
+                  </a:txBody>
+                  <a:tcPr>
+                    <a:noFill/>
+                  </a:tcPr>
+                </a:tc>
+                <a:extLst>
+                  <a:ext uri="{0D108BD9-81ED-4DB2-BD59-A6C34878D82A}">
+                    <a16:rowId xmlns:a16="http://schemas.microsoft.com/office/drawing/2014/main" val="3931383551"/>
+                  </a:ext>
+                </a:extLst>
+              </a:tr>
+              <a:tr h="595086">
+                <a:tc>
+                  <a:txBody>
+                    <a:bodyPr/>
+                    <a:lstStyle/>
+                    <a:p>
+                      <a:r>
+                        <a:rPr lang="de-DE" dirty="0">
+                          <a:solidFill>
+                            <a:srgbClr val="FF0000"/>
+                          </a:solidFill>
+                        </a:rPr>
+                        <a:t>Cluster 1</a:t>
+                      </a:r>
+                    </a:p>
+                  </a:txBody>
+                  <a:tcPr>
+                    <a:noFill/>
+                  </a:tcPr>
+                </a:tc>
+                <a:tc>
+                  <a:txBody>
+                    <a:bodyPr/>
+                    <a:lstStyle/>
+                    <a:p>
+                      <a:r>
+                        <a:rPr lang="de-DE" dirty="0">
+                          <a:solidFill>
+                            <a:srgbClr val="FF0000"/>
+                          </a:solidFill>
+                        </a:rPr>
+                        <a:t>7</a:t>
+                      </a:r>
+                    </a:p>
+                  </a:txBody>
+                  <a:tcPr>
+                    <a:noFill/>
+                  </a:tcPr>
+                </a:tc>
+                <a:tc>
+                  <a:txBody>
+                    <a:bodyPr/>
+                    <a:lstStyle/>
+                    <a:p>
+                      <a:r>
+                        <a:rPr lang="de-DE" dirty="0">
+                          <a:solidFill>
+                            <a:srgbClr val="FF0000"/>
+                          </a:solidFill>
+                        </a:rPr>
+                        <a:t>28</a:t>
+                      </a:r>
+                    </a:p>
+                  </a:txBody>
+                  <a:tcPr>
+                    <a:noFill/>
+                  </a:tcPr>
+                </a:tc>
+                <a:extLst>
+                  <a:ext uri="{0D108BD9-81ED-4DB2-BD59-A6C34878D82A}">
+                    <a16:rowId xmlns:a16="http://schemas.microsoft.com/office/drawing/2014/main" val="3140929958"/>
+                  </a:ext>
+                </a:extLst>
+              </a:tr>
+              <a:tr h="595086">
+                <a:tc>
+                  <a:txBody>
+                    <a:bodyPr/>
+                    <a:lstStyle/>
+                    <a:p>
+                      <a:r>
+                        <a:rPr lang="de-DE" dirty="0">
+                          <a:solidFill>
+                            <a:srgbClr val="00B050"/>
+                          </a:solidFill>
+                        </a:rPr>
+                        <a:t>Cluster 2</a:t>
+                      </a:r>
+                    </a:p>
+                  </a:txBody>
+                  <a:tcPr>
+                    <a:noFill/>
+                  </a:tcPr>
+                </a:tc>
+                <a:tc>
+                  <a:txBody>
+                    <a:bodyPr/>
+                    <a:lstStyle/>
+                    <a:p>
+                      <a:r>
+                        <a:rPr lang="de-DE" dirty="0">
+                          <a:solidFill>
+                            <a:srgbClr val="00B050"/>
+                          </a:solidFill>
+                        </a:rPr>
+                        <a:t>20</a:t>
+                      </a:r>
+                    </a:p>
+                  </a:txBody>
+                  <a:tcPr>
+                    <a:noFill/>
+                  </a:tcPr>
+                </a:tc>
+                <a:tc>
+                  <a:txBody>
+                    <a:bodyPr/>
+                    <a:lstStyle/>
+                    <a:p>
+                      <a:r>
+                        <a:rPr lang="de-DE" dirty="0">
+                          <a:solidFill>
+                            <a:srgbClr val="00B050"/>
+                          </a:solidFill>
+                        </a:rPr>
+                        <a:t>15</a:t>
+                      </a:r>
+                    </a:p>
+                  </a:txBody>
+                  <a:tcPr>
+                    <a:noFill/>
+                  </a:tcPr>
+                </a:tc>
+                <a:extLst>
+                  <a:ext uri="{0D108BD9-81ED-4DB2-BD59-A6C34878D82A}">
+                    <a16:rowId xmlns:a16="http://schemas.microsoft.com/office/drawing/2014/main" val="2462120241"/>
+                  </a:ext>
+                </a:extLst>
+              </a:tr>
+            </a:tbl>
+          </a:graphicData>
+        </a:graphic>
+      </p:graphicFrame>
+      <p:pic>
+        <p:nvPicPr>
+          <p:cNvPr id="6" name="Picture 5" descr="A graph with a number of boxes&#10;&#10;Description automatically generated with medium confidence">
+            <a:extLst>
+              <a:ext uri="{FF2B5EF4-FFF2-40B4-BE49-F238E27FC236}">
+                <a16:creationId xmlns:a16="http://schemas.microsoft.com/office/drawing/2014/main" id="{BA77657D-320B-2561-1891-FC6FABE21F76}"/>
+              </a:ext>
+            </a:extLst>
+          </p:cNvPr>
+          <p:cNvPicPr>
+            <a:picLocks noChangeAspect="1"/>
+          </p:cNvPicPr>
+          <p:nvPr/>
+        </p:nvPicPr>
+        <p:blipFill>
+          <a:blip r:embed="rId2">
+            <a:extLst>
+              <a:ext uri="{28A0092B-C50C-407E-A947-70E740481C1C}">
+                <a14:useLocalDpi xmlns:a14="http://schemas.microsoft.com/office/drawing/2010/main" val="0"/>
+              </a:ext>
+            </a:extLst>
+          </a:blip>
+          <a:stretch>
+            <a:fillRect/>
+          </a:stretch>
+        </p:blipFill>
+        <p:spPr>
+          <a:xfrm>
+            <a:off x="501060" y="1699314"/>
+            <a:ext cx="5323340" cy="4125146"/>
+          </a:xfrm>
+          <a:prstGeom prst="rect">
+            <a:avLst/>
+          </a:prstGeom>
+        </p:spPr>
+      </p:pic>
+      <p:pic>
+        <p:nvPicPr>
+          <p:cNvPr id="11" name="Picture 10" descr="A graph of a diagram&#10;&#10;Description automatically generated with medium confidence">
+            <a:extLst>
+              <a:ext uri="{FF2B5EF4-FFF2-40B4-BE49-F238E27FC236}">
+                <a16:creationId xmlns:a16="http://schemas.microsoft.com/office/drawing/2014/main" id="{EF3D64B5-956C-69BE-52D5-E234A12CA711}"/>
+              </a:ext>
+            </a:extLst>
+          </p:cNvPr>
+          <p:cNvPicPr>
+            <a:picLocks noChangeAspect="1"/>
+          </p:cNvPicPr>
+          <p:nvPr/>
+        </p:nvPicPr>
+        <p:blipFill>
+          <a:blip r:embed="rId3">
+            <a:extLst>
+              <a:ext uri="{28A0092B-C50C-407E-A947-70E740481C1C}">
+                <a14:useLocalDpi xmlns:a14="http://schemas.microsoft.com/office/drawing/2010/main" val="0"/>
+              </a:ext>
+            </a:extLst>
+          </a:blip>
+          <a:stretch>
+            <a:fillRect/>
+          </a:stretch>
+        </p:blipFill>
+        <p:spPr>
+          <a:xfrm>
+            <a:off x="5963716" y="1737957"/>
+            <a:ext cx="5249390" cy="4125146"/>
+          </a:xfrm>
+          <a:prstGeom prst="rect">
+            <a:avLst/>
+          </a:prstGeom>
+        </p:spPr>
+      </p:pic>
+    </p:spTree>
+    <p:extLst>
+      <p:ext uri="{BB962C8B-B14F-4D97-AF65-F5344CB8AC3E}">
+        <p14:creationId xmlns:p14="http://schemas.microsoft.com/office/powerpoint/2010/main" val="4027712875"/>
+      </p:ext>
+    </p:extLst>
+  </p:cSld>
+  <p:clrMapOvr>
+    <a:masterClrMapping/>
+  </p:clrMapOvr>
+</p:sld>
+</file>
+
+<file path=ppt/slides/slide14.xml><?xml version="1.0" encoding="utf-8"?>
+<p:sld xmlns:a="http://schemas.openxmlformats.org/drawingml/2006/main" xmlns:r="http://schemas.openxmlformats.org/officeDocument/2006/relationships" xmlns:p="http://schemas.openxmlformats.org/presentationml/2006/main">
+  <p:cSld>
+    <p:spTree>
+      <p:nvGrpSpPr>
+        <p:cNvPr id="1" name=""/>
+        <p:cNvGrpSpPr/>
+        <p:nvPr/>
+      </p:nvGrpSpPr>
+      <p:grpSpPr>
+        <a:xfrm>
+          <a:off x="0" y="0"/>
+          <a:ext cx="0" cy="0"/>
+          <a:chOff x="0" y="0"/>
+          <a:chExt cx="0" cy="0"/>
+        </a:xfrm>
+      </p:grpSpPr>
+      <p:sp>
+        <p:nvSpPr>
+          <p:cNvPr id="2" name="Title 1">
+            <a:extLst>
+              <a:ext uri="{FF2B5EF4-FFF2-40B4-BE49-F238E27FC236}">
+                <a16:creationId xmlns:a16="http://schemas.microsoft.com/office/drawing/2014/main" id="{5FA92E7E-ADAC-9CF6-FBAD-455FD9799F37}"/>
+              </a:ext>
+            </a:extLst>
+          </p:cNvPr>
+          <p:cNvSpPr>
+            <a:spLocks noGrp="1"/>
+          </p:cNvSpPr>
+          <p:nvPr>
+            <p:ph type="title"/>
+          </p:nvPr>
+        </p:nvSpPr>
+        <p:spPr/>
+        <p:txBody>
+          <a:bodyPr/>
+          <a:lstStyle/>
+          <a:p>
+            <a:r>
+              <a:rPr lang="de-DE" dirty="0"/>
+              <a:t>Z-Werte / 4 Altersgruppen</a:t>
+            </a:r>
+          </a:p>
+        </p:txBody>
+      </p:sp>
+      <p:graphicFrame>
+        <p:nvGraphicFramePr>
+          <p:cNvPr id="3" name="Table 2">
+            <a:extLst>
+              <a:ext uri="{FF2B5EF4-FFF2-40B4-BE49-F238E27FC236}">
+                <a16:creationId xmlns:a16="http://schemas.microsoft.com/office/drawing/2014/main" id="{9A46BDE9-32B9-C49C-5956-514952B1FEBE}"/>
+              </a:ext>
+            </a:extLst>
+          </p:cNvPr>
+          <p:cNvGraphicFramePr>
+            <a:graphicFrameLocks noGrp="1"/>
+          </p:cNvGraphicFramePr>
+          <p:nvPr/>
+        </p:nvGraphicFramePr>
+        <p:xfrm>
+          <a:off x="8788868" y="0"/>
+          <a:ext cx="4015242" cy="1830252"/>
+        </p:xfrm>
+        <a:graphic>
+          <a:graphicData uri="http://schemas.openxmlformats.org/drawingml/2006/table">
+            <a:tbl>
+              <a:tblPr firstRow="1" bandRow="1">
+                <a:tableStyleId>{5C22544A-7EE6-4342-B048-85BDC9FD1C3A}</a:tableStyleId>
+              </a:tblPr>
+              <a:tblGrid>
+                <a:gridCol w="1338414">
+                  <a:extLst>
+                    <a:ext uri="{9D8B030D-6E8A-4147-A177-3AD203B41FA5}">
+                      <a16:colId xmlns:a16="http://schemas.microsoft.com/office/drawing/2014/main" val="2087661091"/>
+                    </a:ext>
+                  </a:extLst>
+                </a:gridCol>
+                <a:gridCol w="1338414">
+                  <a:extLst>
+                    <a:ext uri="{9D8B030D-6E8A-4147-A177-3AD203B41FA5}">
+                      <a16:colId xmlns:a16="http://schemas.microsoft.com/office/drawing/2014/main" val="4161442789"/>
+                    </a:ext>
+                  </a:extLst>
+                </a:gridCol>
+                <a:gridCol w="1338414">
+                  <a:extLst>
+                    <a:ext uri="{9D8B030D-6E8A-4147-A177-3AD203B41FA5}">
+                      <a16:colId xmlns:a16="http://schemas.microsoft.com/office/drawing/2014/main" val="1065804868"/>
+                    </a:ext>
+                  </a:extLst>
+                </a:gridCol>
+              </a:tblGrid>
+              <a:tr h="595086">
+                <a:tc>
+                  <a:txBody>
+                    <a:bodyPr/>
+                    <a:lstStyle/>
+                    <a:p>
+                      <a:endParaRPr lang="de-DE" dirty="0">
+                        <a:solidFill>
+                          <a:schemeClr val="tx1"/>
+                        </a:solidFill>
+                      </a:endParaRPr>
+                    </a:p>
+                  </a:txBody>
+                  <a:tcPr>
+                    <a:noFill/>
+                  </a:tcPr>
+                </a:tc>
+                <a:tc>
+                  <a:txBody>
+                    <a:bodyPr/>
+                    <a:lstStyle/>
+                    <a:p>
+                      <a:r>
+                        <a:rPr lang="de-DE" dirty="0">
+                          <a:solidFill>
+                            <a:schemeClr val="tx1"/>
+                          </a:solidFill>
+                        </a:rPr>
+                        <a:t>Without</a:t>
+                      </a:r>
+                      <a:br>
+                        <a:rPr lang="de-DE" dirty="0">
+                          <a:solidFill>
+                            <a:schemeClr val="tx1"/>
+                          </a:solidFill>
+                        </a:rPr>
+                      </a:br>
+                      <a:r>
+                        <a:rPr lang="de-DE" dirty="0">
+                          <a:solidFill>
+                            <a:schemeClr val="tx1"/>
+                          </a:solidFill>
+                        </a:rPr>
+                        <a:t>PCS</a:t>
+                      </a:r>
+                    </a:p>
+                  </a:txBody>
+                  <a:tcPr>
+                    <a:noFill/>
+                  </a:tcPr>
+                </a:tc>
+                <a:tc>
+                  <a:txBody>
+                    <a:bodyPr/>
+                    <a:lstStyle/>
+                    <a:p>
+                      <a:r>
+                        <a:rPr lang="de-DE" dirty="0">
+                          <a:solidFill>
+                            <a:schemeClr val="tx1"/>
+                          </a:solidFill>
+                        </a:rPr>
+                        <a:t>With</a:t>
+                      </a:r>
+                      <a:br>
+                        <a:rPr lang="de-DE" dirty="0">
+                          <a:solidFill>
+                            <a:schemeClr val="tx1"/>
+                          </a:solidFill>
+                        </a:rPr>
+                      </a:br>
+                      <a:r>
+                        <a:rPr lang="de-DE" dirty="0">
+                          <a:solidFill>
+                            <a:schemeClr val="tx1"/>
+                          </a:solidFill>
+                        </a:rPr>
+                        <a:t>PCS</a:t>
+                      </a:r>
+                    </a:p>
+                  </a:txBody>
+                  <a:tcPr>
+                    <a:noFill/>
+                  </a:tcPr>
+                </a:tc>
+                <a:extLst>
+                  <a:ext uri="{0D108BD9-81ED-4DB2-BD59-A6C34878D82A}">
+                    <a16:rowId xmlns:a16="http://schemas.microsoft.com/office/drawing/2014/main" val="3931383551"/>
+                  </a:ext>
+                </a:extLst>
+              </a:tr>
+              <a:tr h="595086">
+                <a:tc>
+                  <a:txBody>
+                    <a:bodyPr/>
+                    <a:lstStyle/>
+                    <a:p>
+                      <a:r>
+                        <a:rPr lang="de-DE" dirty="0">
+                          <a:solidFill>
+                            <a:srgbClr val="FF0000"/>
+                          </a:solidFill>
+                        </a:rPr>
+                        <a:t>Cluster 1</a:t>
+                      </a:r>
+                    </a:p>
+                  </a:txBody>
+                  <a:tcPr>
+                    <a:noFill/>
+                  </a:tcPr>
+                </a:tc>
+                <a:tc>
+                  <a:txBody>
+                    <a:bodyPr/>
+                    <a:lstStyle/>
+                    <a:p>
+                      <a:r>
+                        <a:rPr lang="de-DE" dirty="0">
+                          <a:solidFill>
+                            <a:srgbClr val="FF0000"/>
+                          </a:solidFill>
+                        </a:rPr>
+                        <a:t>7</a:t>
+                      </a:r>
+                    </a:p>
+                  </a:txBody>
+                  <a:tcPr>
+                    <a:noFill/>
+                  </a:tcPr>
+                </a:tc>
+                <a:tc>
+                  <a:txBody>
+                    <a:bodyPr/>
+                    <a:lstStyle/>
+                    <a:p>
+                      <a:r>
+                        <a:rPr lang="de-DE" dirty="0">
+                          <a:solidFill>
+                            <a:srgbClr val="FF0000"/>
+                          </a:solidFill>
+                        </a:rPr>
+                        <a:t>28</a:t>
+                      </a:r>
+                    </a:p>
+                  </a:txBody>
+                  <a:tcPr>
+                    <a:noFill/>
+                  </a:tcPr>
+                </a:tc>
+                <a:extLst>
+                  <a:ext uri="{0D108BD9-81ED-4DB2-BD59-A6C34878D82A}">
+                    <a16:rowId xmlns:a16="http://schemas.microsoft.com/office/drawing/2014/main" val="3140929958"/>
+                  </a:ext>
+                </a:extLst>
+              </a:tr>
+              <a:tr h="595086">
+                <a:tc>
+                  <a:txBody>
+                    <a:bodyPr/>
+                    <a:lstStyle/>
+                    <a:p>
+                      <a:r>
+                        <a:rPr lang="de-DE" dirty="0">
+                          <a:solidFill>
+                            <a:srgbClr val="00B050"/>
+                          </a:solidFill>
+                        </a:rPr>
+                        <a:t>Cluster 2</a:t>
+                      </a:r>
+                    </a:p>
+                  </a:txBody>
+                  <a:tcPr>
+                    <a:noFill/>
+                  </a:tcPr>
+                </a:tc>
+                <a:tc>
+                  <a:txBody>
+                    <a:bodyPr/>
+                    <a:lstStyle/>
+                    <a:p>
+                      <a:r>
+                        <a:rPr lang="de-DE" dirty="0">
+                          <a:solidFill>
+                            <a:srgbClr val="00B050"/>
+                          </a:solidFill>
+                        </a:rPr>
+                        <a:t>20</a:t>
+                      </a:r>
+                    </a:p>
+                  </a:txBody>
+                  <a:tcPr>
+                    <a:noFill/>
+                  </a:tcPr>
+                </a:tc>
+                <a:tc>
+                  <a:txBody>
+                    <a:bodyPr/>
+                    <a:lstStyle/>
+                    <a:p>
+                      <a:r>
+                        <a:rPr lang="de-DE" dirty="0">
+                          <a:solidFill>
+                            <a:srgbClr val="00B050"/>
+                          </a:solidFill>
+                        </a:rPr>
+                        <a:t>15</a:t>
+                      </a:r>
+                    </a:p>
+                  </a:txBody>
+                  <a:tcPr>
+                    <a:noFill/>
+                  </a:tcPr>
+                </a:tc>
+                <a:extLst>
+                  <a:ext uri="{0D108BD9-81ED-4DB2-BD59-A6C34878D82A}">
+                    <a16:rowId xmlns:a16="http://schemas.microsoft.com/office/drawing/2014/main" val="2462120241"/>
+                  </a:ext>
+                </a:extLst>
+              </a:tr>
+            </a:tbl>
+          </a:graphicData>
+        </a:graphic>
+      </p:graphicFrame>
+      <p:pic>
+        <p:nvPicPr>
+          <p:cNvPr id="5" name="Picture 4" descr="A group of graphs with text&#10;&#10;Description automatically generated with medium confidence">
+            <a:extLst>
+              <a:ext uri="{FF2B5EF4-FFF2-40B4-BE49-F238E27FC236}">
+                <a16:creationId xmlns:a16="http://schemas.microsoft.com/office/drawing/2014/main" id="{37ACD049-EA35-A3D4-B465-6B8CEF9DA61A}"/>
+              </a:ext>
+            </a:extLst>
+          </p:cNvPr>
+          <p:cNvPicPr>
+            <a:picLocks noChangeAspect="1"/>
+          </p:cNvPicPr>
+          <p:nvPr/>
+        </p:nvPicPr>
+        <p:blipFill>
+          <a:blip r:embed="rId2">
+            <a:extLst>
+              <a:ext uri="{28A0092B-C50C-407E-A947-70E740481C1C}">
+                <a14:useLocalDpi xmlns:a14="http://schemas.microsoft.com/office/drawing/2010/main" val="0"/>
+              </a:ext>
+            </a:extLst>
+          </a:blip>
+          <a:stretch>
+            <a:fillRect/>
+          </a:stretch>
+        </p:blipFill>
+        <p:spPr>
+          <a:xfrm>
+            <a:off x="714326" y="1690688"/>
+            <a:ext cx="5249390" cy="4056936"/>
+          </a:xfrm>
+          <a:prstGeom prst="rect">
+            <a:avLst/>
+          </a:prstGeom>
+        </p:spPr>
+      </p:pic>
+      <p:pic>
+        <p:nvPicPr>
+          <p:cNvPr id="8" name="Picture 7" descr="A group of blue and pink boxes&#10;&#10;Description automatically generated">
+            <a:extLst>
+              <a:ext uri="{FF2B5EF4-FFF2-40B4-BE49-F238E27FC236}">
+                <a16:creationId xmlns:a16="http://schemas.microsoft.com/office/drawing/2014/main" id="{82C25BEB-996D-A683-A143-040C716AC735}"/>
+              </a:ext>
+            </a:extLst>
+          </p:cNvPr>
+          <p:cNvPicPr>
+            <a:picLocks noChangeAspect="1"/>
+          </p:cNvPicPr>
+          <p:nvPr/>
+        </p:nvPicPr>
+        <p:blipFill>
+          <a:blip r:embed="rId3">
+            <a:extLst>
+              <a:ext uri="{28A0092B-C50C-407E-A947-70E740481C1C}">
+                <a14:useLocalDpi xmlns:a14="http://schemas.microsoft.com/office/drawing/2010/main" val="0"/>
+              </a:ext>
+            </a:extLst>
+          </a:blip>
+          <a:stretch>
+            <a:fillRect/>
+          </a:stretch>
+        </p:blipFill>
+        <p:spPr>
+          <a:xfrm>
+            <a:off x="6184105" y="1687694"/>
+            <a:ext cx="5169695" cy="4043409"/>
+          </a:xfrm>
+          <a:prstGeom prst="rect">
+            <a:avLst/>
+          </a:prstGeom>
+        </p:spPr>
+      </p:pic>
+      <p:sp>
+        <p:nvSpPr>
+          <p:cNvPr id="12" name="TextBox 11">
+            <a:extLst>
+              <a:ext uri="{FF2B5EF4-FFF2-40B4-BE49-F238E27FC236}">
+                <a16:creationId xmlns:a16="http://schemas.microsoft.com/office/drawing/2014/main" id="{6BEC75EB-348A-8361-08CC-68E2C09FE4C6}"/>
+              </a:ext>
+            </a:extLst>
+          </p:cNvPr>
+          <p:cNvSpPr txBox="1"/>
+          <p:nvPr/>
+        </p:nvSpPr>
+        <p:spPr>
+          <a:xfrm>
+            <a:off x="841063" y="5731103"/>
+            <a:ext cx="9976462" cy="646331"/>
+          </a:xfrm>
+          <a:prstGeom prst="rect">
+            <a:avLst/>
+          </a:prstGeom>
+          <a:noFill/>
+        </p:spPr>
+        <p:txBody>
+          <a:bodyPr wrap="square">
+            <a:spAutoFit/>
+          </a:bodyPr>
+          <a:lstStyle/>
+          <a:p>
+            <a:r>
+              <a:rPr lang="de-DE" dirty="0"/>
+              <a:t>Abb1: Keine signifikanten Unterschiede</a:t>
+            </a:r>
+          </a:p>
+          <a:p>
+            <a:r>
+              <a:rPr lang="de-DE" dirty="0"/>
+              <a:t>Abb2: Signifikante Unterschiede im Facit/hads_a/psqi zwischen withPCS &amp; withoutPCS im Cluster2</a:t>
+            </a:r>
+          </a:p>
+        </p:txBody>
+      </p:sp>
+    </p:spTree>
+    <p:extLst>
+      <p:ext uri="{BB962C8B-B14F-4D97-AF65-F5344CB8AC3E}">
+        <p14:creationId xmlns:p14="http://schemas.microsoft.com/office/powerpoint/2010/main" val="3004642550"/>
+      </p:ext>
+    </p:extLst>
+  </p:cSld>
+  <p:clrMapOvr>
+    <a:masterClrMapping/>
+  </p:clrMapOvr>
+</p:sld>
+</file>
+
+<file path=ppt/slides/slide15.xml><?xml version="1.0" encoding="utf-8"?>
+<p:sld xmlns:a="http://schemas.openxmlformats.org/drawingml/2006/main" xmlns:r="http://schemas.openxmlformats.org/officeDocument/2006/relationships" xmlns:p="http://schemas.openxmlformats.org/presentationml/2006/main">
+  <p:cSld>
+    <p:spTree>
+      <p:nvGrpSpPr>
+        <p:cNvPr id="1" name=""/>
+        <p:cNvGrpSpPr/>
+        <p:nvPr/>
+      </p:nvGrpSpPr>
+      <p:grpSpPr>
+        <a:xfrm>
+          <a:off x="0" y="0"/>
+          <a:ext cx="0" cy="0"/>
+          <a:chOff x="0" y="0"/>
+          <a:chExt cx="0" cy="0"/>
+        </a:xfrm>
+      </p:grpSpPr>
+      <p:sp>
+        <p:nvSpPr>
+          <p:cNvPr id="2" name="Title 1">
+            <a:extLst>
+              <a:ext uri="{FF2B5EF4-FFF2-40B4-BE49-F238E27FC236}">
+                <a16:creationId xmlns:a16="http://schemas.microsoft.com/office/drawing/2014/main" id="{5FA92E7E-ADAC-9CF6-FBAD-455FD9799F37}"/>
+              </a:ext>
+            </a:extLst>
+          </p:cNvPr>
+          <p:cNvSpPr>
+            <a:spLocks noGrp="1"/>
+          </p:cNvSpPr>
+          <p:nvPr>
+            <p:ph type="title"/>
+          </p:nvPr>
+        </p:nvSpPr>
+        <p:spPr/>
+        <p:txBody>
+          <a:bodyPr/>
+          <a:lstStyle/>
+          <a:p>
+            <a:r>
+              <a:rPr lang="de-DE" dirty="0"/>
+              <a:t>Z-Werte / 3 Altersgruppen</a:t>
+            </a:r>
+          </a:p>
+        </p:txBody>
+      </p:sp>
+      <p:graphicFrame>
+        <p:nvGraphicFramePr>
+          <p:cNvPr id="6" name="Table 5">
+            <a:extLst>
+              <a:ext uri="{FF2B5EF4-FFF2-40B4-BE49-F238E27FC236}">
+                <a16:creationId xmlns:a16="http://schemas.microsoft.com/office/drawing/2014/main" id="{C34BBE34-C539-43D5-936F-D26836FFAE10}"/>
+              </a:ext>
+            </a:extLst>
+          </p:cNvPr>
+          <p:cNvGraphicFramePr>
+            <a:graphicFrameLocks noGrp="1"/>
+          </p:cNvGraphicFramePr>
+          <p:nvPr>
+            <p:extLst>
+              <p:ext uri="{D42A27DB-BD31-4B8C-83A1-F6EECF244321}">
+                <p14:modId xmlns:p14="http://schemas.microsoft.com/office/powerpoint/2010/main" val="2151644699"/>
+              </p:ext>
+            </p:extLst>
+          </p:nvPr>
+        </p:nvGraphicFramePr>
+        <p:xfrm>
+          <a:off x="3673403" y="3607204"/>
+          <a:ext cx="4015242" cy="1830252"/>
+        </p:xfrm>
+        <a:graphic>
+          <a:graphicData uri="http://schemas.openxmlformats.org/drawingml/2006/table">
+            <a:tbl>
+              <a:tblPr firstRow="1" bandRow="1">
+                <a:tableStyleId>{5C22544A-7EE6-4342-B048-85BDC9FD1C3A}</a:tableStyleId>
+              </a:tblPr>
+              <a:tblGrid>
+                <a:gridCol w="1338414">
+                  <a:extLst>
+                    <a:ext uri="{9D8B030D-6E8A-4147-A177-3AD203B41FA5}">
+                      <a16:colId xmlns:a16="http://schemas.microsoft.com/office/drawing/2014/main" val="2087661091"/>
+                    </a:ext>
+                  </a:extLst>
+                </a:gridCol>
+                <a:gridCol w="1338414">
+                  <a:extLst>
+                    <a:ext uri="{9D8B030D-6E8A-4147-A177-3AD203B41FA5}">
+                      <a16:colId xmlns:a16="http://schemas.microsoft.com/office/drawing/2014/main" val="4161442789"/>
+                    </a:ext>
+                  </a:extLst>
+                </a:gridCol>
+                <a:gridCol w="1338414">
+                  <a:extLst>
+                    <a:ext uri="{9D8B030D-6E8A-4147-A177-3AD203B41FA5}">
+                      <a16:colId xmlns:a16="http://schemas.microsoft.com/office/drawing/2014/main" val="1065804868"/>
+                    </a:ext>
+                  </a:extLst>
+                </a:gridCol>
+              </a:tblGrid>
+              <a:tr h="595086">
+                <a:tc>
+                  <a:txBody>
+                    <a:bodyPr/>
+                    <a:lstStyle/>
+                    <a:p>
+                      <a:endParaRPr lang="de-DE" dirty="0">
+                        <a:solidFill>
+                          <a:schemeClr val="tx1"/>
+                        </a:solidFill>
+                      </a:endParaRPr>
+                    </a:p>
+                  </a:txBody>
+                  <a:tcPr>
+                    <a:noFill/>
+                  </a:tcPr>
+                </a:tc>
+                <a:tc>
+                  <a:txBody>
+                    <a:bodyPr/>
+                    <a:lstStyle/>
+                    <a:p>
+                      <a:r>
+                        <a:rPr lang="de-DE" dirty="0">
+                          <a:solidFill>
+                            <a:schemeClr val="tx1"/>
+                          </a:solidFill>
+                        </a:rPr>
+                        <a:t>Without</a:t>
+                      </a:r>
+                      <a:br>
+                        <a:rPr lang="de-DE" dirty="0">
+                          <a:solidFill>
+                            <a:schemeClr val="tx1"/>
+                          </a:solidFill>
+                        </a:rPr>
+                      </a:br>
+                      <a:r>
+                        <a:rPr lang="de-DE" dirty="0">
+                          <a:solidFill>
+                            <a:schemeClr val="tx1"/>
+                          </a:solidFill>
+                        </a:rPr>
+                        <a:t>PCS</a:t>
+                      </a:r>
+                    </a:p>
+                  </a:txBody>
+                  <a:tcPr>
+                    <a:noFill/>
+                  </a:tcPr>
+                </a:tc>
+                <a:tc>
+                  <a:txBody>
+                    <a:bodyPr/>
+                    <a:lstStyle/>
+                    <a:p>
+                      <a:r>
+                        <a:rPr lang="de-DE" dirty="0">
+                          <a:solidFill>
+                            <a:schemeClr val="tx1"/>
+                          </a:solidFill>
+                        </a:rPr>
+                        <a:t>With</a:t>
+                      </a:r>
+                      <a:br>
+                        <a:rPr lang="de-DE" dirty="0">
+                          <a:solidFill>
+                            <a:schemeClr val="tx1"/>
+                          </a:solidFill>
+                        </a:rPr>
+                      </a:br>
+                      <a:r>
+                        <a:rPr lang="de-DE" dirty="0">
+                          <a:solidFill>
+                            <a:schemeClr val="tx1"/>
+                          </a:solidFill>
+                        </a:rPr>
+                        <a:t>PCS</a:t>
+                      </a:r>
+                    </a:p>
+                  </a:txBody>
+                  <a:tcPr>
+                    <a:noFill/>
+                  </a:tcPr>
+                </a:tc>
+                <a:extLst>
+                  <a:ext uri="{0D108BD9-81ED-4DB2-BD59-A6C34878D82A}">
+                    <a16:rowId xmlns:a16="http://schemas.microsoft.com/office/drawing/2014/main" val="3931383551"/>
+                  </a:ext>
+                </a:extLst>
+              </a:tr>
+              <a:tr h="595086">
+                <a:tc>
+                  <a:txBody>
+                    <a:bodyPr/>
+                    <a:lstStyle/>
+                    <a:p>
+                      <a:r>
+                        <a:rPr lang="de-DE" dirty="0">
+                          <a:solidFill>
+                            <a:srgbClr val="FF0000"/>
+                          </a:solidFill>
+                        </a:rPr>
+                        <a:t>Cluster 1</a:t>
+                      </a:r>
+                    </a:p>
+                  </a:txBody>
+                  <a:tcPr>
+                    <a:noFill/>
+                  </a:tcPr>
+                </a:tc>
+                <a:tc>
+                  <a:txBody>
+                    <a:bodyPr/>
+                    <a:lstStyle/>
+                    <a:p>
+                      <a:r>
+                        <a:rPr lang="de-DE" dirty="0">
+                          <a:solidFill>
+                            <a:srgbClr val="FF0000"/>
+                          </a:solidFill>
+                        </a:rPr>
+                        <a:t>11</a:t>
+                      </a:r>
+                    </a:p>
+                  </a:txBody>
+                  <a:tcPr>
+                    <a:noFill/>
+                  </a:tcPr>
+                </a:tc>
+                <a:tc>
+                  <a:txBody>
+                    <a:bodyPr/>
+                    <a:lstStyle/>
+                    <a:p>
+                      <a:r>
+                        <a:rPr lang="de-DE" dirty="0">
+                          <a:solidFill>
+                            <a:srgbClr val="FF0000"/>
+                          </a:solidFill>
+                        </a:rPr>
+                        <a:t>33</a:t>
+                      </a:r>
+                    </a:p>
+                  </a:txBody>
+                  <a:tcPr>
+                    <a:noFill/>
+                  </a:tcPr>
+                </a:tc>
+                <a:extLst>
+                  <a:ext uri="{0D108BD9-81ED-4DB2-BD59-A6C34878D82A}">
+                    <a16:rowId xmlns:a16="http://schemas.microsoft.com/office/drawing/2014/main" val="3140929958"/>
+                  </a:ext>
+                </a:extLst>
+              </a:tr>
+              <a:tr h="595086">
+                <a:tc>
+                  <a:txBody>
+                    <a:bodyPr/>
+                    <a:lstStyle/>
+                    <a:p>
+                      <a:r>
+                        <a:rPr lang="de-DE" dirty="0">
+                          <a:solidFill>
+                            <a:srgbClr val="00B050"/>
+                          </a:solidFill>
+                        </a:rPr>
+                        <a:t>Cluster 2</a:t>
+                      </a:r>
+                    </a:p>
+                  </a:txBody>
+                  <a:tcPr>
+                    <a:noFill/>
+                  </a:tcPr>
+                </a:tc>
+                <a:tc>
+                  <a:txBody>
+                    <a:bodyPr/>
+                    <a:lstStyle/>
+                    <a:p>
+                      <a:r>
+                        <a:rPr lang="de-DE" dirty="0">
+                          <a:solidFill>
+                            <a:srgbClr val="00B050"/>
+                          </a:solidFill>
+                        </a:rPr>
+                        <a:t>16</a:t>
+                      </a:r>
+                    </a:p>
+                  </a:txBody>
+                  <a:tcPr>
+                    <a:noFill/>
+                  </a:tcPr>
+                </a:tc>
+                <a:tc>
+                  <a:txBody>
+                    <a:bodyPr/>
+                    <a:lstStyle/>
+                    <a:p>
+                      <a:r>
+                        <a:rPr lang="de-DE" dirty="0">
+                          <a:solidFill>
+                            <a:srgbClr val="00B050"/>
+                          </a:solidFill>
+                        </a:rPr>
+                        <a:t>10</a:t>
+                      </a:r>
+                    </a:p>
+                  </a:txBody>
+                  <a:tcPr>
+                    <a:noFill/>
+                  </a:tcPr>
+                </a:tc>
+                <a:extLst>
+                  <a:ext uri="{0D108BD9-81ED-4DB2-BD59-A6C34878D82A}">
+                    <a16:rowId xmlns:a16="http://schemas.microsoft.com/office/drawing/2014/main" val="2462120241"/>
+                  </a:ext>
+                </a:extLst>
+              </a:tr>
+            </a:tbl>
+          </a:graphicData>
+        </a:graphic>
+      </p:graphicFrame>
+      <p:graphicFrame>
+        <p:nvGraphicFramePr>
+          <p:cNvPr id="7" name="Table 6">
+            <a:extLst>
+              <a:ext uri="{FF2B5EF4-FFF2-40B4-BE49-F238E27FC236}">
+                <a16:creationId xmlns:a16="http://schemas.microsoft.com/office/drawing/2014/main" id="{0A7E851C-A2D2-B8B5-9750-2F0D12F0550D}"/>
+              </a:ext>
+            </a:extLst>
+          </p:cNvPr>
+          <p:cNvGraphicFramePr>
+            <a:graphicFrameLocks noGrp="1"/>
+          </p:cNvGraphicFramePr>
+          <p:nvPr>
+            <p:extLst>
+              <p:ext uri="{D42A27DB-BD31-4B8C-83A1-F6EECF244321}">
+                <p14:modId xmlns:p14="http://schemas.microsoft.com/office/powerpoint/2010/main" val="241777599"/>
+              </p:ext>
+            </p:extLst>
+          </p:nvPr>
+        </p:nvGraphicFramePr>
+        <p:xfrm>
+          <a:off x="933091" y="1852160"/>
+          <a:ext cx="1817288" cy="1483360"/>
+        </p:xfrm>
+        <a:graphic>
+          <a:graphicData uri="http://schemas.openxmlformats.org/drawingml/2006/table">
+            <a:tbl>
+              <a:tblPr firstRow="1" bandRow="1">
+                <a:tableStyleId>{5C22544A-7EE6-4342-B048-85BDC9FD1C3A}</a:tableStyleId>
+              </a:tblPr>
+              <a:tblGrid>
+                <a:gridCol w="1220159">
+                  <a:extLst>
+                    <a:ext uri="{9D8B030D-6E8A-4147-A177-3AD203B41FA5}">
+                      <a16:colId xmlns:a16="http://schemas.microsoft.com/office/drawing/2014/main" val="3095421252"/>
+                    </a:ext>
+                  </a:extLst>
+                </a:gridCol>
+                <a:gridCol w="597129">
+                  <a:extLst>
+                    <a:ext uri="{9D8B030D-6E8A-4147-A177-3AD203B41FA5}">
+                      <a16:colId xmlns:a16="http://schemas.microsoft.com/office/drawing/2014/main" val="2138526489"/>
+                    </a:ext>
+                  </a:extLst>
+                </a:gridCol>
+              </a:tblGrid>
+              <a:tr h="370840">
+                <a:tc>
+                  <a:txBody>
+                    <a:bodyPr/>
+                    <a:lstStyle/>
+                    <a:p>
+                      <a:r>
+                        <a:rPr lang="de-DE" dirty="0">
+                          <a:solidFill>
+                            <a:schemeClr val="tx1"/>
+                          </a:solidFill>
+                        </a:rPr>
+                        <a:t>Age group</a:t>
+                      </a:r>
+                    </a:p>
+                  </a:txBody>
+                  <a:tcPr>
+                    <a:noFill/>
+                  </a:tcPr>
+                </a:tc>
+                <a:tc>
+                  <a:txBody>
+                    <a:bodyPr/>
+                    <a:lstStyle/>
+                    <a:p>
+                      <a:r>
+                        <a:rPr lang="de-DE" dirty="0">
+                          <a:solidFill>
+                            <a:schemeClr val="tx1"/>
+                          </a:solidFill>
+                        </a:rPr>
+                        <a:t>VPs</a:t>
+                      </a:r>
+                    </a:p>
+                  </a:txBody>
+                  <a:tcPr>
+                    <a:noFill/>
+                  </a:tcPr>
+                </a:tc>
+                <a:extLst>
+                  <a:ext uri="{0D108BD9-81ED-4DB2-BD59-A6C34878D82A}">
+                    <a16:rowId xmlns:a16="http://schemas.microsoft.com/office/drawing/2014/main" val="687688987"/>
+                  </a:ext>
+                </a:extLst>
+              </a:tr>
+              <a:tr h="370840">
+                <a:tc>
+                  <a:txBody>
+                    <a:bodyPr/>
+                    <a:lstStyle/>
+                    <a:p>
+                      <a:r>
+                        <a:rPr lang="de-DE" dirty="0"/>
+                        <a:t>18-44</a:t>
+                      </a:r>
+                    </a:p>
+                  </a:txBody>
+                  <a:tcPr>
+                    <a:noFill/>
+                  </a:tcPr>
+                </a:tc>
+                <a:tc>
+                  <a:txBody>
+                    <a:bodyPr/>
+                    <a:lstStyle/>
+                    <a:p>
+                      <a:r>
+                        <a:rPr lang="de-DE" dirty="0"/>
+                        <a:t>24</a:t>
+                      </a:r>
+                    </a:p>
+                  </a:txBody>
+                  <a:tcPr>
+                    <a:noFill/>
+                  </a:tcPr>
+                </a:tc>
+                <a:extLst>
+                  <a:ext uri="{0D108BD9-81ED-4DB2-BD59-A6C34878D82A}">
+                    <a16:rowId xmlns:a16="http://schemas.microsoft.com/office/drawing/2014/main" val="1424993290"/>
+                  </a:ext>
+                </a:extLst>
+              </a:tr>
+              <a:tr h="370840">
+                <a:tc>
+                  <a:txBody>
+                    <a:bodyPr/>
+                    <a:lstStyle/>
+                    <a:p>
+                      <a:r>
+                        <a:rPr lang="de-DE" dirty="0"/>
+                        <a:t>45-59</a:t>
+                      </a:r>
+                    </a:p>
+                  </a:txBody>
+                  <a:tcPr>
+                    <a:noFill/>
+                  </a:tcPr>
+                </a:tc>
+                <a:tc>
+                  <a:txBody>
+                    <a:bodyPr/>
+                    <a:lstStyle/>
+                    <a:p>
+                      <a:r>
+                        <a:rPr lang="de-DE" dirty="0"/>
+                        <a:t>32</a:t>
+                      </a:r>
+                    </a:p>
+                  </a:txBody>
+                  <a:tcPr>
+                    <a:noFill/>
+                  </a:tcPr>
+                </a:tc>
+                <a:extLst>
+                  <a:ext uri="{0D108BD9-81ED-4DB2-BD59-A6C34878D82A}">
+                    <a16:rowId xmlns:a16="http://schemas.microsoft.com/office/drawing/2014/main" val="640674437"/>
+                  </a:ext>
+                </a:extLst>
+              </a:tr>
+              <a:tr h="370840">
+                <a:tc>
+                  <a:txBody>
+                    <a:bodyPr/>
+                    <a:lstStyle/>
+                    <a:p>
+                      <a:r>
+                        <a:rPr lang="de-DE" dirty="0"/>
+                        <a:t>60-80</a:t>
+                      </a:r>
+                    </a:p>
+                  </a:txBody>
+                  <a:tcPr>
+                    <a:noFill/>
+                  </a:tcPr>
+                </a:tc>
+                <a:tc>
+                  <a:txBody>
+                    <a:bodyPr/>
+                    <a:lstStyle/>
+                    <a:p>
+                      <a:r>
+                        <a:rPr lang="de-DE" dirty="0"/>
+                        <a:t>14</a:t>
+                      </a:r>
+                    </a:p>
+                  </a:txBody>
+                  <a:tcPr>
+                    <a:noFill/>
+                  </a:tcPr>
+                </a:tc>
+                <a:extLst>
+                  <a:ext uri="{0D108BD9-81ED-4DB2-BD59-A6C34878D82A}">
+                    <a16:rowId xmlns:a16="http://schemas.microsoft.com/office/drawing/2014/main" val="4067803672"/>
+                  </a:ext>
+                </a:extLst>
+              </a:tr>
+            </a:tbl>
+          </a:graphicData>
+        </a:graphic>
+      </p:graphicFrame>
+    </p:spTree>
+    <p:extLst>
+      <p:ext uri="{BB962C8B-B14F-4D97-AF65-F5344CB8AC3E}">
+        <p14:creationId xmlns:p14="http://schemas.microsoft.com/office/powerpoint/2010/main" val="3640036999"/>
+      </p:ext>
+    </p:extLst>
+  </p:cSld>
+  <p:clrMapOvr>
+    <a:masterClrMapping/>
+  </p:clrMapOvr>
+</p:sld>
+</file>
+
+<file path=ppt/slides/slide16.xml><?xml version="1.0" encoding="utf-8"?>
+<p:sld xmlns:a="http://schemas.openxmlformats.org/drawingml/2006/main" xmlns:r="http://schemas.openxmlformats.org/officeDocument/2006/relationships" xmlns:p="http://schemas.openxmlformats.org/presentationml/2006/main">
+  <p:cSld>
+    <p:spTree>
+      <p:nvGrpSpPr>
+        <p:cNvPr id="1" name=""/>
+        <p:cNvGrpSpPr/>
+        <p:nvPr/>
+      </p:nvGrpSpPr>
+      <p:grpSpPr>
+        <a:xfrm>
+          <a:off x="0" y="0"/>
+          <a:ext cx="0" cy="0"/>
+          <a:chOff x="0" y="0"/>
+          <a:chExt cx="0" cy="0"/>
+        </a:xfrm>
+      </p:grpSpPr>
+      <p:sp>
+        <p:nvSpPr>
+          <p:cNvPr id="2" name="Title 1">
+            <a:extLst>
+              <a:ext uri="{FF2B5EF4-FFF2-40B4-BE49-F238E27FC236}">
+                <a16:creationId xmlns:a16="http://schemas.microsoft.com/office/drawing/2014/main" id="{5FA92E7E-ADAC-9CF6-FBAD-455FD9799F37}"/>
+              </a:ext>
+            </a:extLst>
+          </p:cNvPr>
+          <p:cNvSpPr>
+            <a:spLocks noGrp="1"/>
+          </p:cNvSpPr>
+          <p:nvPr>
+            <p:ph type="title"/>
+          </p:nvPr>
+        </p:nvSpPr>
+        <p:spPr/>
+        <p:txBody>
+          <a:bodyPr/>
+          <a:lstStyle/>
+          <a:p>
+            <a:r>
+              <a:rPr lang="de-DE" dirty="0"/>
+              <a:t>Z-Werte / 3 Altersgruppen</a:t>
+            </a:r>
+          </a:p>
+        </p:txBody>
+      </p:sp>
+      <p:graphicFrame>
+        <p:nvGraphicFramePr>
+          <p:cNvPr id="4" name="Table 3">
+            <a:extLst>
+              <a:ext uri="{FF2B5EF4-FFF2-40B4-BE49-F238E27FC236}">
+                <a16:creationId xmlns:a16="http://schemas.microsoft.com/office/drawing/2014/main" id="{0309FE21-2B5B-6A26-6D48-0ED09AD42FBB}"/>
+              </a:ext>
+            </a:extLst>
+          </p:cNvPr>
+          <p:cNvGraphicFramePr>
+            <a:graphicFrameLocks noGrp="1"/>
+          </p:cNvGraphicFramePr>
+          <p:nvPr/>
+        </p:nvGraphicFramePr>
+        <p:xfrm>
+          <a:off x="8719856" y="0"/>
+          <a:ext cx="4015242" cy="1830252"/>
+        </p:xfrm>
+        <a:graphic>
+          <a:graphicData uri="http://schemas.openxmlformats.org/drawingml/2006/table">
+            <a:tbl>
+              <a:tblPr firstRow="1" bandRow="1">
+                <a:tableStyleId>{5C22544A-7EE6-4342-B048-85BDC9FD1C3A}</a:tableStyleId>
+              </a:tblPr>
+              <a:tblGrid>
+                <a:gridCol w="1338414">
+                  <a:extLst>
+                    <a:ext uri="{9D8B030D-6E8A-4147-A177-3AD203B41FA5}">
+                      <a16:colId xmlns:a16="http://schemas.microsoft.com/office/drawing/2014/main" val="2087661091"/>
+                    </a:ext>
+                  </a:extLst>
+                </a:gridCol>
+                <a:gridCol w="1338414">
+                  <a:extLst>
+                    <a:ext uri="{9D8B030D-6E8A-4147-A177-3AD203B41FA5}">
+                      <a16:colId xmlns:a16="http://schemas.microsoft.com/office/drawing/2014/main" val="4161442789"/>
+                    </a:ext>
+                  </a:extLst>
+                </a:gridCol>
+                <a:gridCol w="1338414">
+                  <a:extLst>
+                    <a:ext uri="{9D8B030D-6E8A-4147-A177-3AD203B41FA5}">
+                      <a16:colId xmlns:a16="http://schemas.microsoft.com/office/drawing/2014/main" val="1065804868"/>
+                    </a:ext>
+                  </a:extLst>
+                </a:gridCol>
+              </a:tblGrid>
+              <a:tr h="595086">
+                <a:tc>
+                  <a:txBody>
+                    <a:bodyPr/>
+                    <a:lstStyle/>
+                    <a:p>
+                      <a:endParaRPr lang="de-DE" dirty="0">
+                        <a:solidFill>
+                          <a:schemeClr val="tx1"/>
+                        </a:solidFill>
+                      </a:endParaRPr>
+                    </a:p>
+                  </a:txBody>
+                  <a:tcPr>
+                    <a:noFill/>
+                  </a:tcPr>
+                </a:tc>
+                <a:tc>
+                  <a:txBody>
+                    <a:bodyPr/>
+                    <a:lstStyle/>
+                    <a:p>
+                      <a:r>
+                        <a:rPr lang="de-DE" dirty="0">
+                          <a:solidFill>
+                            <a:schemeClr val="tx1"/>
+                          </a:solidFill>
+                        </a:rPr>
+                        <a:t>Without</a:t>
+                      </a:r>
+                      <a:br>
+                        <a:rPr lang="de-DE" dirty="0">
+                          <a:solidFill>
+                            <a:schemeClr val="tx1"/>
+                          </a:solidFill>
+                        </a:rPr>
+                      </a:br>
+                      <a:r>
+                        <a:rPr lang="de-DE" dirty="0">
+                          <a:solidFill>
+                            <a:schemeClr val="tx1"/>
+                          </a:solidFill>
+                        </a:rPr>
+                        <a:t>PCS</a:t>
+                      </a:r>
+                    </a:p>
+                  </a:txBody>
+                  <a:tcPr>
+                    <a:noFill/>
+                  </a:tcPr>
+                </a:tc>
+                <a:tc>
+                  <a:txBody>
+                    <a:bodyPr/>
+                    <a:lstStyle/>
+                    <a:p>
+                      <a:r>
+                        <a:rPr lang="de-DE" dirty="0">
+                          <a:solidFill>
+                            <a:schemeClr val="tx1"/>
+                          </a:solidFill>
+                        </a:rPr>
+                        <a:t>With</a:t>
+                      </a:r>
+                      <a:br>
+                        <a:rPr lang="de-DE" dirty="0">
+                          <a:solidFill>
+                            <a:schemeClr val="tx1"/>
+                          </a:solidFill>
+                        </a:rPr>
+                      </a:br>
+                      <a:r>
+                        <a:rPr lang="de-DE" dirty="0">
+                          <a:solidFill>
+                            <a:schemeClr val="tx1"/>
+                          </a:solidFill>
+                        </a:rPr>
+                        <a:t>PCS</a:t>
+                      </a:r>
+                    </a:p>
+                  </a:txBody>
+                  <a:tcPr>
+                    <a:noFill/>
+                  </a:tcPr>
+                </a:tc>
+                <a:extLst>
+                  <a:ext uri="{0D108BD9-81ED-4DB2-BD59-A6C34878D82A}">
+                    <a16:rowId xmlns:a16="http://schemas.microsoft.com/office/drawing/2014/main" val="3931383551"/>
+                  </a:ext>
+                </a:extLst>
+              </a:tr>
+              <a:tr h="595086">
+                <a:tc>
+                  <a:txBody>
+                    <a:bodyPr/>
+                    <a:lstStyle/>
+                    <a:p>
+                      <a:r>
+                        <a:rPr lang="de-DE" dirty="0">
+                          <a:solidFill>
+                            <a:srgbClr val="FF0000"/>
+                          </a:solidFill>
+                        </a:rPr>
+                        <a:t>Cluster 1</a:t>
+                      </a:r>
+                    </a:p>
+                  </a:txBody>
+                  <a:tcPr>
+                    <a:noFill/>
+                  </a:tcPr>
+                </a:tc>
+                <a:tc>
+                  <a:txBody>
+                    <a:bodyPr/>
+                    <a:lstStyle/>
+                    <a:p>
+                      <a:r>
+                        <a:rPr lang="de-DE" dirty="0">
+                          <a:solidFill>
+                            <a:srgbClr val="FF0000"/>
+                          </a:solidFill>
+                        </a:rPr>
+                        <a:t>11</a:t>
+                      </a:r>
+                    </a:p>
+                  </a:txBody>
+                  <a:tcPr>
+                    <a:noFill/>
+                  </a:tcPr>
+                </a:tc>
+                <a:tc>
+                  <a:txBody>
+                    <a:bodyPr/>
+                    <a:lstStyle/>
+                    <a:p>
+                      <a:r>
+                        <a:rPr lang="de-DE" dirty="0">
+                          <a:solidFill>
+                            <a:srgbClr val="FF0000"/>
+                          </a:solidFill>
+                        </a:rPr>
+                        <a:t>33</a:t>
+                      </a:r>
+                    </a:p>
+                  </a:txBody>
+                  <a:tcPr>
+                    <a:noFill/>
+                  </a:tcPr>
+                </a:tc>
+                <a:extLst>
+                  <a:ext uri="{0D108BD9-81ED-4DB2-BD59-A6C34878D82A}">
+                    <a16:rowId xmlns:a16="http://schemas.microsoft.com/office/drawing/2014/main" val="3140929958"/>
+                  </a:ext>
+                </a:extLst>
+              </a:tr>
+              <a:tr h="595086">
+                <a:tc>
+                  <a:txBody>
+                    <a:bodyPr/>
+                    <a:lstStyle/>
+                    <a:p>
+                      <a:r>
+                        <a:rPr lang="de-DE" dirty="0">
+                          <a:solidFill>
+                            <a:srgbClr val="00B050"/>
+                          </a:solidFill>
+                        </a:rPr>
+                        <a:t>Cluster 2</a:t>
+                      </a:r>
+                    </a:p>
+                  </a:txBody>
+                  <a:tcPr>
+                    <a:noFill/>
+                  </a:tcPr>
+                </a:tc>
+                <a:tc>
+                  <a:txBody>
+                    <a:bodyPr/>
+                    <a:lstStyle/>
+                    <a:p>
+                      <a:r>
+                        <a:rPr lang="de-DE" dirty="0">
+                          <a:solidFill>
+                            <a:srgbClr val="00B050"/>
+                          </a:solidFill>
+                        </a:rPr>
+                        <a:t>16</a:t>
+                      </a:r>
+                    </a:p>
+                  </a:txBody>
+                  <a:tcPr>
+                    <a:noFill/>
+                  </a:tcPr>
+                </a:tc>
+                <a:tc>
+                  <a:txBody>
+                    <a:bodyPr/>
+                    <a:lstStyle/>
+                    <a:p>
+                      <a:r>
+                        <a:rPr lang="de-DE" dirty="0">
+                          <a:solidFill>
+                            <a:srgbClr val="00B050"/>
+                          </a:solidFill>
+                        </a:rPr>
+                        <a:t>10</a:t>
+                      </a:r>
+                    </a:p>
+                  </a:txBody>
+                  <a:tcPr>
+                    <a:noFill/>
+                  </a:tcPr>
+                </a:tc>
+                <a:extLst>
+                  <a:ext uri="{0D108BD9-81ED-4DB2-BD59-A6C34878D82A}">
+                    <a16:rowId xmlns:a16="http://schemas.microsoft.com/office/drawing/2014/main" val="2462120241"/>
+                  </a:ext>
+                </a:extLst>
+              </a:tr>
+            </a:tbl>
+          </a:graphicData>
+        </a:graphic>
+      </p:graphicFrame>
+      <p:pic>
+        <p:nvPicPr>
+          <p:cNvPr id="5" name="Picture 4" descr="A group of graphs with text&#10;&#10;Description automatically generated with medium confidence">
+            <a:extLst>
+              <a:ext uri="{FF2B5EF4-FFF2-40B4-BE49-F238E27FC236}">
+                <a16:creationId xmlns:a16="http://schemas.microsoft.com/office/drawing/2014/main" id="{B2A6461D-7B75-3A62-1C79-9D44F2029640}"/>
+              </a:ext>
+            </a:extLst>
+          </p:cNvPr>
+          <p:cNvPicPr>
+            <a:picLocks noChangeAspect="1"/>
+          </p:cNvPicPr>
+          <p:nvPr/>
+        </p:nvPicPr>
+        <p:blipFill>
+          <a:blip r:embed="rId2">
+            <a:extLst>
+              <a:ext uri="{28A0092B-C50C-407E-A947-70E740481C1C}">
+                <a14:useLocalDpi xmlns:a14="http://schemas.microsoft.com/office/drawing/2010/main" val="0"/>
+              </a:ext>
+            </a:extLst>
+          </a:blip>
+          <a:stretch>
+            <a:fillRect/>
+          </a:stretch>
+        </p:blipFill>
+        <p:spPr>
+          <a:xfrm>
+            <a:off x="773855" y="1686481"/>
+            <a:ext cx="5322145" cy="4137979"/>
+          </a:xfrm>
+          <a:prstGeom prst="rect">
+            <a:avLst/>
+          </a:prstGeom>
+        </p:spPr>
+      </p:pic>
+      <p:pic>
+        <p:nvPicPr>
+          <p:cNvPr id="8" name="Picture 7" descr="A screenshot of a graph&#10;&#10;Description automatically generated">
+            <a:extLst>
+              <a:ext uri="{FF2B5EF4-FFF2-40B4-BE49-F238E27FC236}">
+                <a16:creationId xmlns:a16="http://schemas.microsoft.com/office/drawing/2014/main" id="{3AAD4B79-E42A-726E-FB9E-3AAECBC070A0}"/>
+              </a:ext>
+            </a:extLst>
+          </p:cNvPr>
+          <p:cNvPicPr>
+            <a:picLocks noChangeAspect="1"/>
+          </p:cNvPicPr>
+          <p:nvPr/>
+        </p:nvPicPr>
+        <p:blipFill>
+          <a:blip r:embed="rId3">
+            <a:extLst>
+              <a:ext uri="{28A0092B-C50C-407E-A947-70E740481C1C}">
+                <a14:useLocalDpi xmlns:a14="http://schemas.microsoft.com/office/drawing/2010/main" val="0"/>
+              </a:ext>
+            </a:extLst>
+          </a:blip>
+          <a:stretch>
+            <a:fillRect/>
+          </a:stretch>
+        </p:blipFill>
+        <p:spPr>
+          <a:xfrm>
+            <a:off x="6301039" y="1686481"/>
+            <a:ext cx="5409409" cy="4191843"/>
+          </a:xfrm>
+          <a:prstGeom prst="rect">
+            <a:avLst/>
+          </a:prstGeom>
+        </p:spPr>
+      </p:pic>
+      <p:sp>
+        <p:nvSpPr>
+          <p:cNvPr id="12" name="TextBox 11">
+            <a:extLst>
+              <a:ext uri="{FF2B5EF4-FFF2-40B4-BE49-F238E27FC236}">
+                <a16:creationId xmlns:a16="http://schemas.microsoft.com/office/drawing/2014/main" id="{4853F4DC-B9FC-9C09-0F9E-B25EF1927199}"/>
+              </a:ext>
+            </a:extLst>
+          </p:cNvPr>
+          <p:cNvSpPr txBox="1"/>
+          <p:nvPr/>
+        </p:nvSpPr>
+        <p:spPr>
+          <a:xfrm>
+            <a:off x="960923" y="5824460"/>
+            <a:ext cx="8630932" cy="923330"/>
+          </a:xfrm>
+          <a:prstGeom prst="rect">
+            <a:avLst/>
+          </a:prstGeom>
+          <a:noFill/>
+        </p:spPr>
+        <p:txBody>
+          <a:bodyPr wrap="square" rtlCol="0">
+            <a:spAutoFit/>
+          </a:bodyPr>
+          <a:lstStyle/>
+          <a:p>
+            <a:r>
+              <a:rPr lang="de-DE" dirty="0"/>
+              <a:t>Abbildung1: Alle Unterschiede signifikant</a:t>
+            </a:r>
+          </a:p>
+          <a:p>
+            <a:r>
+              <a:rPr lang="de-DE" dirty="0"/>
+              <a:t>Abbildung 2:  Alle Unterschiede zwischen with(out) C1 und with(out) C2 signifikant (Wenn keine z-Werte, dann tmt_b nicht signifikant)</a:t>
+            </a:r>
+          </a:p>
+        </p:txBody>
+      </p:sp>
+    </p:spTree>
+    <p:extLst>
+      <p:ext uri="{BB962C8B-B14F-4D97-AF65-F5344CB8AC3E}">
+        <p14:creationId xmlns:p14="http://schemas.microsoft.com/office/powerpoint/2010/main" val="1237643629"/>
+      </p:ext>
+    </p:extLst>
+  </p:cSld>
+  <p:clrMapOvr>
+    <a:masterClrMapping/>
+  </p:clrMapOvr>
+</p:sld>
+</file>
+
+<file path=ppt/slides/slide17.xml><?xml version="1.0" encoding="utf-8"?>
+<p:sld xmlns:a="http://schemas.openxmlformats.org/drawingml/2006/main" xmlns:r="http://schemas.openxmlformats.org/officeDocument/2006/relationships" xmlns:p="http://schemas.openxmlformats.org/presentationml/2006/main">
+  <p:cSld>
+    <p:spTree>
+      <p:nvGrpSpPr>
+        <p:cNvPr id="1" name=""/>
+        <p:cNvGrpSpPr/>
+        <p:nvPr/>
+      </p:nvGrpSpPr>
+      <p:grpSpPr>
+        <a:xfrm>
+          <a:off x="0" y="0"/>
+          <a:ext cx="0" cy="0"/>
+          <a:chOff x="0" y="0"/>
+          <a:chExt cx="0" cy="0"/>
+        </a:xfrm>
+      </p:grpSpPr>
+      <p:sp>
+        <p:nvSpPr>
+          <p:cNvPr id="2" name="Title 1">
+            <a:extLst>
+              <a:ext uri="{FF2B5EF4-FFF2-40B4-BE49-F238E27FC236}">
+                <a16:creationId xmlns:a16="http://schemas.microsoft.com/office/drawing/2014/main" id="{5FA92E7E-ADAC-9CF6-FBAD-455FD9799F37}"/>
+              </a:ext>
+            </a:extLst>
+          </p:cNvPr>
+          <p:cNvSpPr>
+            <a:spLocks noGrp="1"/>
+          </p:cNvSpPr>
+          <p:nvPr>
+            <p:ph type="title"/>
+          </p:nvPr>
+        </p:nvSpPr>
+        <p:spPr/>
+        <p:txBody>
+          <a:bodyPr/>
+          <a:lstStyle/>
+          <a:p>
+            <a:r>
+              <a:rPr lang="de-DE" dirty="0"/>
+              <a:t>Z-Werte / 3 Altersgruppen</a:t>
+            </a:r>
+          </a:p>
+        </p:txBody>
+      </p:sp>
+      <p:sp>
+        <p:nvSpPr>
+          <p:cNvPr id="10" name="TextBox 9">
+            <a:extLst>
+              <a:ext uri="{FF2B5EF4-FFF2-40B4-BE49-F238E27FC236}">
+                <a16:creationId xmlns:a16="http://schemas.microsoft.com/office/drawing/2014/main" id="{140A12DA-0ECD-8045-A50A-F11B9BEC367D}"/>
+              </a:ext>
+            </a:extLst>
+          </p:cNvPr>
+          <p:cNvSpPr txBox="1"/>
+          <p:nvPr/>
+        </p:nvSpPr>
+        <p:spPr>
+          <a:xfrm>
+            <a:off x="978894" y="5824460"/>
+            <a:ext cx="6612352" cy="369332"/>
+          </a:xfrm>
+          <a:prstGeom prst="rect">
+            <a:avLst/>
+          </a:prstGeom>
+          <a:noFill/>
+        </p:spPr>
+        <p:txBody>
+          <a:bodyPr wrap="square" rtlCol="0">
+            <a:spAutoFit/>
+          </a:bodyPr>
+          <a:lstStyle/>
+          <a:p>
+            <a:r>
+              <a:rPr lang="de-DE" dirty="0"/>
+              <a:t>Keine signifikanten Unterschiede im Hinblick der Altersverteilung</a:t>
+            </a:r>
+          </a:p>
+        </p:txBody>
+      </p:sp>
+      <p:graphicFrame>
+        <p:nvGraphicFramePr>
+          <p:cNvPr id="4" name="Table 3">
+            <a:extLst>
+              <a:ext uri="{FF2B5EF4-FFF2-40B4-BE49-F238E27FC236}">
+                <a16:creationId xmlns:a16="http://schemas.microsoft.com/office/drawing/2014/main" id="{0309FE21-2B5B-6A26-6D48-0ED09AD42FBB}"/>
+              </a:ext>
+            </a:extLst>
+          </p:cNvPr>
+          <p:cNvGraphicFramePr>
+            <a:graphicFrameLocks noGrp="1"/>
+          </p:cNvGraphicFramePr>
+          <p:nvPr>
+            <p:extLst>
+              <p:ext uri="{D42A27DB-BD31-4B8C-83A1-F6EECF244321}">
+                <p14:modId xmlns:p14="http://schemas.microsoft.com/office/powerpoint/2010/main" val="3421116275"/>
+              </p:ext>
+            </p:extLst>
+          </p:nvPr>
+        </p:nvGraphicFramePr>
+        <p:xfrm>
+          <a:off x="8719856" y="0"/>
+          <a:ext cx="4015242" cy="1830252"/>
+        </p:xfrm>
+        <a:graphic>
+          <a:graphicData uri="http://schemas.openxmlformats.org/drawingml/2006/table">
+            <a:tbl>
+              <a:tblPr firstRow="1" bandRow="1">
+                <a:tableStyleId>{5C22544A-7EE6-4342-B048-85BDC9FD1C3A}</a:tableStyleId>
+              </a:tblPr>
+              <a:tblGrid>
+                <a:gridCol w="1338414">
+                  <a:extLst>
+                    <a:ext uri="{9D8B030D-6E8A-4147-A177-3AD203B41FA5}">
+                      <a16:colId xmlns:a16="http://schemas.microsoft.com/office/drawing/2014/main" val="2087661091"/>
+                    </a:ext>
+                  </a:extLst>
+                </a:gridCol>
+                <a:gridCol w="1338414">
+                  <a:extLst>
+                    <a:ext uri="{9D8B030D-6E8A-4147-A177-3AD203B41FA5}">
+                      <a16:colId xmlns:a16="http://schemas.microsoft.com/office/drawing/2014/main" val="4161442789"/>
+                    </a:ext>
+                  </a:extLst>
+                </a:gridCol>
+                <a:gridCol w="1338414">
+                  <a:extLst>
+                    <a:ext uri="{9D8B030D-6E8A-4147-A177-3AD203B41FA5}">
+                      <a16:colId xmlns:a16="http://schemas.microsoft.com/office/drawing/2014/main" val="1065804868"/>
+                    </a:ext>
+                  </a:extLst>
+                </a:gridCol>
+              </a:tblGrid>
+              <a:tr h="595086">
+                <a:tc>
+                  <a:txBody>
+                    <a:bodyPr/>
+                    <a:lstStyle/>
+                    <a:p>
+                      <a:endParaRPr lang="de-DE" dirty="0">
+                        <a:solidFill>
+                          <a:schemeClr val="tx1"/>
+                        </a:solidFill>
+                      </a:endParaRPr>
+                    </a:p>
+                  </a:txBody>
+                  <a:tcPr>
+                    <a:noFill/>
+                  </a:tcPr>
+                </a:tc>
+                <a:tc>
+                  <a:txBody>
+                    <a:bodyPr/>
+                    <a:lstStyle/>
+                    <a:p>
+                      <a:r>
+                        <a:rPr lang="de-DE" dirty="0">
+                          <a:solidFill>
+                            <a:schemeClr val="tx1"/>
+                          </a:solidFill>
+                        </a:rPr>
+                        <a:t>Without</a:t>
+                      </a:r>
+                      <a:br>
+                        <a:rPr lang="de-DE" dirty="0">
+                          <a:solidFill>
+                            <a:schemeClr val="tx1"/>
+                          </a:solidFill>
+                        </a:rPr>
+                      </a:br>
+                      <a:r>
+                        <a:rPr lang="de-DE" dirty="0">
+                          <a:solidFill>
+                            <a:schemeClr val="tx1"/>
+                          </a:solidFill>
+                        </a:rPr>
+                        <a:t>PCS</a:t>
+                      </a:r>
+                    </a:p>
+                  </a:txBody>
+                  <a:tcPr>
+                    <a:noFill/>
+                  </a:tcPr>
+                </a:tc>
+                <a:tc>
+                  <a:txBody>
+                    <a:bodyPr/>
+                    <a:lstStyle/>
+                    <a:p>
+                      <a:r>
+                        <a:rPr lang="de-DE" dirty="0">
+                          <a:solidFill>
+                            <a:schemeClr val="tx1"/>
+                          </a:solidFill>
+                        </a:rPr>
+                        <a:t>With</a:t>
+                      </a:r>
+                      <a:br>
+                        <a:rPr lang="de-DE" dirty="0">
+                          <a:solidFill>
+                            <a:schemeClr val="tx1"/>
+                          </a:solidFill>
+                        </a:rPr>
+                      </a:br>
+                      <a:r>
+                        <a:rPr lang="de-DE" dirty="0">
+                          <a:solidFill>
+                            <a:schemeClr val="tx1"/>
+                          </a:solidFill>
+                        </a:rPr>
+                        <a:t>PCS</a:t>
+                      </a:r>
+                    </a:p>
+                  </a:txBody>
+                  <a:tcPr>
+                    <a:noFill/>
+                  </a:tcPr>
+                </a:tc>
+                <a:extLst>
+                  <a:ext uri="{0D108BD9-81ED-4DB2-BD59-A6C34878D82A}">
+                    <a16:rowId xmlns:a16="http://schemas.microsoft.com/office/drawing/2014/main" val="3931383551"/>
+                  </a:ext>
+                </a:extLst>
+              </a:tr>
+              <a:tr h="595086">
+                <a:tc>
+                  <a:txBody>
+                    <a:bodyPr/>
+                    <a:lstStyle/>
+                    <a:p>
+                      <a:r>
+                        <a:rPr lang="de-DE" dirty="0">
+                          <a:solidFill>
+                            <a:srgbClr val="FF0000"/>
+                          </a:solidFill>
+                        </a:rPr>
+                        <a:t>Cluster 1</a:t>
+                      </a:r>
+                    </a:p>
+                  </a:txBody>
+                  <a:tcPr>
+                    <a:noFill/>
+                  </a:tcPr>
+                </a:tc>
+                <a:tc>
+                  <a:txBody>
+                    <a:bodyPr/>
+                    <a:lstStyle/>
+                    <a:p>
+                      <a:r>
+                        <a:rPr lang="de-DE" dirty="0">
+                          <a:solidFill>
+                            <a:srgbClr val="FF0000"/>
+                          </a:solidFill>
+                        </a:rPr>
+                        <a:t>11</a:t>
+                      </a:r>
+                    </a:p>
+                  </a:txBody>
+                  <a:tcPr>
+                    <a:noFill/>
+                  </a:tcPr>
+                </a:tc>
+                <a:tc>
+                  <a:txBody>
+                    <a:bodyPr/>
+                    <a:lstStyle/>
+                    <a:p>
+                      <a:r>
+                        <a:rPr lang="de-DE" dirty="0">
+                          <a:solidFill>
+                            <a:srgbClr val="FF0000"/>
+                          </a:solidFill>
+                        </a:rPr>
+                        <a:t>33</a:t>
+                      </a:r>
+                    </a:p>
+                  </a:txBody>
+                  <a:tcPr>
+                    <a:noFill/>
+                  </a:tcPr>
+                </a:tc>
+                <a:extLst>
+                  <a:ext uri="{0D108BD9-81ED-4DB2-BD59-A6C34878D82A}">
+                    <a16:rowId xmlns:a16="http://schemas.microsoft.com/office/drawing/2014/main" val="3140929958"/>
+                  </a:ext>
+                </a:extLst>
+              </a:tr>
+              <a:tr h="595086">
+                <a:tc>
+                  <a:txBody>
+                    <a:bodyPr/>
+                    <a:lstStyle/>
+                    <a:p>
+                      <a:r>
+                        <a:rPr lang="de-DE" dirty="0">
+                          <a:solidFill>
+                            <a:srgbClr val="00B050"/>
+                          </a:solidFill>
+                        </a:rPr>
+                        <a:t>Cluster 2</a:t>
+                      </a:r>
+                    </a:p>
+                  </a:txBody>
+                  <a:tcPr>
+                    <a:noFill/>
+                  </a:tcPr>
+                </a:tc>
+                <a:tc>
+                  <a:txBody>
+                    <a:bodyPr/>
+                    <a:lstStyle/>
+                    <a:p>
+                      <a:r>
+                        <a:rPr lang="de-DE" dirty="0">
+                          <a:solidFill>
+                            <a:srgbClr val="00B050"/>
+                          </a:solidFill>
+                        </a:rPr>
+                        <a:t>16</a:t>
+                      </a:r>
+                    </a:p>
+                  </a:txBody>
+                  <a:tcPr>
+                    <a:noFill/>
+                  </a:tcPr>
+                </a:tc>
+                <a:tc>
+                  <a:txBody>
+                    <a:bodyPr/>
+                    <a:lstStyle/>
+                    <a:p>
+                      <a:r>
+                        <a:rPr lang="de-DE" dirty="0">
+                          <a:solidFill>
+                            <a:srgbClr val="00B050"/>
+                          </a:solidFill>
+                        </a:rPr>
+                        <a:t>10</a:t>
+                      </a:r>
+                    </a:p>
+                  </a:txBody>
+                  <a:tcPr>
+                    <a:noFill/>
+                  </a:tcPr>
+                </a:tc>
+                <a:extLst>
+                  <a:ext uri="{0D108BD9-81ED-4DB2-BD59-A6C34878D82A}">
+                    <a16:rowId xmlns:a16="http://schemas.microsoft.com/office/drawing/2014/main" val="2462120241"/>
+                  </a:ext>
+                </a:extLst>
+              </a:tr>
+            </a:tbl>
+          </a:graphicData>
+        </a:graphic>
+      </p:graphicFrame>
+      <p:pic>
+        <p:nvPicPr>
+          <p:cNvPr id="7" name="Picture 6" descr="A graph with numbers and symbols&#10;&#10;Description automatically generated with medium confidence">
+            <a:extLst>
+              <a:ext uri="{FF2B5EF4-FFF2-40B4-BE49-F238E27FC236}">
+                <a16:creationId xmlns:a16="http://schemas.microsoft.com/office/drawing/2014/main" id="{9FB3D33B-A426-E466-2F81-BE9DBF383D6B}"/>
+              </a:ext>
+            </a:extLst>
+          </p:cNvPr>
+          <p:cNvPicPr>
+            <a:picLocks noChangeAspect="1"/>
+          </p:cNvPicPr>
+          <p:nvPr/>
+        </p:nvPicPr>
+        <p:blipFill>
+          <a:blip r:embed="rId2">
+            <a:extLst>
+              <a:ext uri="{28A0092B-C50C-407E-A947-70E740481C1C}">
+                <a14:useLocalDpi xmlns:a14="http://schemas.microsoft.com/office/drawing/2010/main" val="0"/>
+              </a:ext>
+            </a:extLst>
+          </a:blip>
+          <a:stretch>
+            <a:fillRect/>
+          </a:stretch>
+        </p:blipFill>
+        <p:spPr>
+          <a:xfrm>
+            <a:off x="684160" y="1762588"/>
+            <a:ext cx="5161733" cy="3989972"/>
+          </a:xfrm>
+          <a:prstGeom prst="rect">
+            <a:avLst/>
+          </a:prstGeom>
+        </p:spPr>
+      </p:pic>
+      <p:pic>
+        <p:nvPicPr>
+          <p:cNvPr id="9" name="Picture 8" descr="A screenshot of a graph&#10;&#10;Description automatically generated">
+            <a:extLst>
+              <a:ext uri="{FF2B5EF4-FFF2-40B4-BE49-F238E27FC236}">
+                <a16:creationId xmlns:a16="http://schemas.microsoft.com/office/drawing/2014/main" id="{34A77DD5-A2A9-22C4-5895-9AEC468A9816}"/>
+              </a:ext>
+            </a:extLst>
+          </p:cNvPr>
+          <p:cNvPicPr>
+            <a:picLocks noChangeAspect="1"/>
+          </p:cNvPicPr>
+          <p:nvPr/>
+        </p:nvPicPr>
+        <p:blipFill>
+          <a:blip r:embed="rId3">
+            <a:extLst>
+              <a:ext uri="{28A0092B-C50C-407E-A947-70E740481C1C}">
+                <a14:useLocalDpi xmlns:a14="http://schemas.microsoft.com/office/drawing/2010/main" val="0"/>
+              </a:ext>
+            </a:extLst>
+          </a:blip>
+          <a:stretch>
+            <a:fillRect/>
+          </a:stretch>
+        </p:blipFill>
+        <p:spPr>
+          <a:xfrm>
+            <a:off x="6191378" y="1762588"/>
+            <a:ext cx="5316462" cy="4137979"/>
+          </a:xfrm>
+          <a:prstGeom prst="rect">
+            <a:avLst/>
+          </a:prstGeom>
+        </p:spPr>
+      </p:pic>
+    </p:spTree>
+    <p:extLst>
+      <p:ext uri="{BB962C8B-B14F-4D97-AF65-F5344CB8AC3E}">
+        <p14:creationId xmlns:p14="http://schemas.microsoft.com/office/powerpoint/2010/main" val="1719902145"/>
+      </p:ext>
+    </p:extLst>
+  </p:cSld>
+  <p:clrMapOvr>
+    <a:masterClrMapping/>
+  </p:clrMapOvr>
+</p:sld>
+</file>
+
+<file path=ppt/slides/slide18.xml><?xml version="1.0" encoding="utf-8"?>
+<p:sld xmlns:a="http://schemas.openxmlformats.org/drawingml/2006/main" xmlns:r="http://schemas.openxmlformats.org/officeDocument/2006/relationships" xmlns:p="http://schemas.openxmlformats.org/presentationml/2006/main">
+  <p:cSld>
+    <p:spTree>
+      <p:nvGrpSpPr>
+        <p:cNvPr id="1" name=""/>
+        <p:cNvGrpSpPr/>
+        <p:nvPr/>
+      </p:nvGrpSpPr>
+      <p:grpSpPr>
+        <a:xfrm>
+          <a:off x="0" y="0"/>
+          <a:ext cx="0" cy="0"/>
+          <a:chOff x="0" y="0"/>
+          <a:chExt cx="0" cy="0"/>
+        </a:xfrm>
+      </p:grpSpPr>
+      <p:sp>
+        <p:nvSpPr>
+          <p:cNvPr id="2" name="Title 1">
+            <a:extLst>
+              <a:ext uri="{FF2B5EF4-FFF2-40B4-BE49-F238E27FC236}">
+                <a16:creationId xmlns:a16="http://schemas.microsoft.com/office/drawing/2014/main" id="{5FA92E7E-ADAC-9CF6-FBAD-455FD9799F37}"/>
+              </a:ext>
+            </a:extLst>
+          </p:cNvPr>
+          <p:cNvSpPr>
+            <a:spLocks noGrp="1"/>
+          </p:cNvSpPr>
+          <p:nvPr>
+            <p:ph type="title"/>
+          </p:nvPr>
+        </p:nvSpPr>
+        <p:spPr/>
+        <p:txBody>
+          <a:bodyPr/>
+          <a:lstStyle/>
+          <a:p>
+            <a:r>
+              <a:rPr lang="de-DE" dirty="0"/>
+              <a:t>Z-Werte / 2 Altersgruppen</a:t>
+            </a:r>
+          </a:p>
+        </p:txBody>
+      </p:sp>
+      <p:graphicFrame>
+        <p:nvGraphicFramePr>
+          <p:cNvPr id="6" name="Table 5">
+            <a:extLst>
+              <a:ext uri="{FF2B5EF4-FFF2-40B4-BE49-F238E27FC236}">
+                <a16:creationId xmlns:a16="http://schemas.microsoft.com/office/drawing/2014/main" id="{C34BBE34-C539-43D5-936F-D26836FFAE10}"/>
+              </a:ext>
+            </a:extLst>
+          </p:cNvPr>
+          <p:cNvGraphicFramePr>
+            <a:graphicFrameLocks noGrp="1"/>
+          </p:cNvGraphicFramePr>
+          <p:nvPr>
+            <p:extLst>
+              <p:ext uri="{D42A27DB-BD31-4B8C-83A1-F6EECF244321}">
+                <p14:modId xmlns:p14="http://schemas.microsoft.com/office/powerpoint/2010/main" val="4187566097"/>
+              </p:ext>
+            </p:extLst>
+          </p:nvPr>
+        </p:nvGraphicFramePr>
+        <p:xfrm>
+          <a:off x="3673403" y="3607204"/>
+          <a:ext cx="4015242" cy="1830252"/>
+        </p:xfrm>
+        <a:graphic>
+          <a:graphicData uri="http://schemas.openxmlformats.org/drawingml/2006/table">
+            <a:tbl>
+              <a:tblPr firstRow="1" bandRow="1">
+                <a:tableStyleId>{5C22544A-7EE6-4342-B048-85BDC9FD1C3A}</a:tableStyleId>
+              </a:tblPr>
+              <a:tblGrid>
+                <a:gridCol w="1338414">
+                  <a:extLst>
+                    <a:ext uri="{9D8B030D-6E8A-4147-A177-3AD203B41FA5}">
+                      <a16:colId xmlns:a16="http://schemas.microsoft.com/office/drawing/2014/main" val="2087661091"/>
+                    </a:ext>
+                  </a:extLst>
+                </a:gridCol>
+                <a:gridCol w="1338414">
+                  <a:extLst>
+                    <a:ext uri="{9D8B030D-6E8A-4147-A177-3AD203B41FA5}">
+                      <a16:colId xmlns:a16="http://schemas.microsoft.com/office/drawing/2014/main" val="4161442789"/>
+                    </a:ext>
+                  </a:extLst>
+                </a:gridCol>
+                <a:gridCol w="1338414">
+                  <a:extLst>
+                    <a:ext uri="{9D8B030D-6E8A-4147-A177-3AD203B41FA5}">
+                      <a16:colId xmlns:a16="http://schemas.microsoft.com/office/drawing/2014/main" val="1065804868"/>
+                    </a:ext>
+                  </a:extLst>
+                </a:gridCol>
+              </a:tblGrid>
+              <a:tr h="595086">
+                <a:tc>
+                  <a:txBody>
+                    <a:bodyPr/>
+                    <a:lstStyle/>
+                    <a:p>
+                      <a:endParaRPr lang="de-DE" dirty="0">
+                        <a:solidFill>
+                          <a:schemeClr val="tx1"/>
+                        </a:solidFill>
+                      </a:endParaRPr>
+                    </a:p>
+                  </a:txBody>
+                  <a:tcPr>
+                    <a:noFill/>
+                  </a:tcPr>
+                </a:tc>
+                <a:tc>
+                  <a:txBody>
+                    <a:bodyPr/>
+                    <a:lstStyle/>
+                    <a:p>
+                      <a:r>
+                        <a:rPr lang="de-DE" dirty="0">
+                          <a:solidFill>
+                            <a:schemeClr val="tx1"/>
+                          </a:solidFill>
+                        </a:rPr>
+                        <a:t>Without</a:t>
+                      </a:r>
+                      <a:br>
+                        <a:rPr lang="de-DE" dirty="0">
+                          <a:solidFill>
+                            <a:schemeClr val="tx1"/>
+                          </a:solidFill>
+                        </a:rPr>
+                      </a:br>
+                      <a:r>
+                        <a:rPr lang="de-DE" dirty="0">
+                          <a:solidFill>
+                            <a:schemeClr val="tx1"/>
+                          </a:solidFill>
+                        </a:rPr>
+                        <a:t>PCS</a:t>
+                      </a:r>
+                    </a:p>
+                  </a:txBody>
+                  <a:tcPr>
+                    <a:noFill/>
+                  </a:tcPr>
+                </a:tc>
+                <a:tc>
+                  <a:txBody>
+                    <a:bodyPr/>
+                    <a:lstStyle/>
+                    <a:p>
+                      <a:r>
+                        <a:rPr lang="de-DE" dirty="0">
+                          <a:solidFill>
+                            <a:schemeClr val="tx1"/>
+                          </a:solidFill>
+                        </a:rPr>
+                        <a:t>With</a:t>
+                      </a:r>
+                      <a:br>
+                        <a:rPr lang="de-DE" dirty="0">
+                          <a:solidFill>
+                            <a:schemeClr val="tx1"/>
+                          </a:solidFill>
+                        </a:rPr>
+                      </a:br>
+                      <a:r>
+                        <a:rPr lang="de-DE" dirty="0">
+                          <a:solidFill>
+                            <a:schemeClr val="tx1"/>
+                          </a:solidFill>
+                        </a:rPr>
+                        <a:t>PCS</a:t>
+                      </a:r>
+                    </a:p>
+                  </a:txBody>
+                  <a:tcPr>
+                    <a:noFill/>
+                  </a:tcPr>
+                </a:tc>
+                <a:extLst>
+                  <a:ext uri="{0D108BD9-81ED-4DB2-BD59-A6C34878D82A}">
+                    <a16:rowId xmlns:a16="http://schemas.microsoft.com/office/drawing/2014/main" val="3931383551"/>
+                  </a:ext>
+                </a:extLst>
+              </a:tr>
+              <a:tr h="595086">
+                <a:tc>
+                  <a:txBody>
+                    <a:bodyPr/>
+                    <a:lstStyle/>
+                    <a:p>
+                      <a:r>
+                        <a:rPr lang="de-DE" dirty="0">
+                          <a:solidFill>
+                            <a:srgbClr val="FF0000"/>
+                          </a:solidFill>
+                        </a:rPr>
+                        <a:t>Cluster 1</a:t>
+                      </a:r>
+                    </a:p>
+                  </a:txBody>
+                  <a:tcPr>
+                    <a:noFill/>
+                  </a:tcPr>
+                </a:tc>
+                <a:tc>
+                  <a:txBody>
+                    <a:bodyPr/>
+                    <a:lstStyle/>
+                    <a:p>
+                      <a:r>
+                        <a:rPr lang="de-DE" dirty="0">
+                          <a:solidFill>
+                            <a:srgbClr val="FF0000"/>
+                          </a:solidFill>
+                        </a:rPr>
+                        <a:t>5</a:t>
+                      </a:r>
+                    </a:p>
+                  </a:txBody>
+                  <a:tcPr>
+                    <a:noFill/>
+                  </a:tcPr>
+                </a:tc>
+                <a:tc>
+                  <a:txBody>
+                    <a:bodyPr/>
+                    <a:lstStyle/>
+                    <a:p>
+                      <a:r>
+                        <a:rPr lang="de-DE" dirty="0">
+                          <a:solidFill>
+                            <a:srgbClr val="FF0000"/>
+                          </a:solidFill>
+                        </a:rPr>
+                        <a:t>27</a:t>
+                      </a:r>
+                    </a:p>
+                  </a:txBody>
+                  <a:tcPr>
+                    <a:noFill/>
+                  </a:tcPr>
+                </a:tc>
+                <a:extLst>
+                  <a:ext uri="{0D108BD9-81ED-4DB2-BD59-A6C34878D82A}">
+                    <a16:rowId xmlns:a16="http://schemas.microsoft.com/office/drawing/2014/main" val="3140929958"/>
+                  </a:ext>
+                </a:extLst>
+              </a:tr>
+              <a:tr h="595086">
+                <a:tc>
+                  <a:txBody>
+                    <a:bodyPr/>
+                    <a:lstStyle/>
+                    <a:p>
+                      <a:r>
+                        <a:rPr lang="de-DE" dirty="0">
+                          <a:solidFill>
+                            <a:srgbClr val="00B050"/>
+                          </a:solidFill>
+                        </a:rPr>
+                        <a:t>Cluster 2</a:t>
+                      </a:r>
+                    </a:p>
+                  </a:txBody>
+                  <a:tcPr>
+                    <a:noFill/>
+                  </a:tcPr>
+                </a:tc>
+                <a:tc>
+                  <a:txBody>
+                    <a:bodyPr/>
+                    <a:lstStyle/>
+                    <a:p>
+                      <a:r>
+                        <a:rPr lang="de-DE" dirty="0">
+                          <a:solidFill>
+                            <a:srgbClr val="00B050"/>
+                          </a:solidFill>
+                        </a:rPr>
+                        <a:t>22</a:t>
+                      </a:r>
+                    </a:p>
+                  </a:txBody>
+                  <a:tcPr>
+                    <a:noFill/>
+                  </a:tcPr>
+                </a:tc>
+                <a:tc>
+                  <a:txBody>
+                    <a:bodyPr/>
+                    <a:lstStyle/>
+                    <a:p>
+                      <a:r>
+                        <a:rPr lang="de-DE" dirty="0">
+                          <a:solidFill>
+                            <a:srgbClr val="00B050"/>
+                          </a:solidFill>
+                        </a:rPr>
+                        <a:t>16</a:t>
+                      </a:r>
+                    </a:p>
+                  </a:txBody>
+                  <a:tcPr>
+                    <a:noFill/>
+                  </a:tcPr>
+                </a:tc>
+                <a:extLst>
+                  <a:ext uri="{0D108BD9-81ED-4DB2-BD59-A6C34878D82A}">
+                    <a16:rowId xmlns:a16="http://schemas.microsoft.com/office/drawing/2014/main" val="2462120241"/>
+                  </a:ext>
+                </a:extLst>
+              </a:tr>
+            </a:tbl>
+          </a:graphicData>
+        </a:graphic>
+      </p:graphicFrame>
+      <p:graphicFrame>
+        <p:nvGraphicFramePr>
+          <p:cNvPr id="7" name="Table 6">
+            <a:extLst>
+              <a:ext uri="{FF2B5EF4-FFF2-40B4-BE49-F238E27FC236}">
+                <a16:creationId xmlns:a16="http://schemas.microsoft.com/office/drawing/2014/main" id="{0A7E851C-A2D2-B8B5-9750-2F0D12F0550D}"/>
+              </a:ext>
+            </a:extLst>
+          </p:cNvPr>
+          <p:cNvGraphicFramePr>
+            <a:graphicFrameLocks noGrp="1"/>
+          </p:cNvGraphicFramePr>
+          <p:nvPr>
+            <p:extLst>
+              <p:ext uri="{D42A27DB-BD31-4B8C-83A1-F6EECF244321}">
+                <p14:modId xmlns:p14="http://schemas.microsoft.com/office/powerpoint/2010/main" val="3484078165"/>
+              </p:ext>
+            </p:extLst>
+          </p:nvPr>
+        </p:nvGraphicFramePr>
+        <p:xfrm>
+          <a:off x="933091" y="1852160"/>
+          <a:ext cx="1817288" cy="1112520"/>
+        </p:xfrm>
+        <a:graphic>
+          <a:graphicData uri="http://schemas.openxmlformats.org/drawingml/2006/table">
+            <a:tbl>
+              <a:tblPr firstRow="1" bandRow="1">
+                <a:tableStyleId>{5C22544A-7EE6-4342-B048-85BDC9FD1C3A}</a:tableStyleId>
+              </a:tblPr>
+              <a:tblGrid>
+                <a:gridCol w="1220159">
+                  <a:extLst>
+                    <a:ext uri="{9D8B030D-6E8A-4147-A177-3AD203B41FA5}">
+                      <a16:colId xmlns:a16="http://schemas.microsoft.com/office/drawing/2014/main" val="3095421252"/>
+                    </a:ext>
+                  </a:extLst>
+                </a:gridCol>
+                <a:gridCol w="597129">
+                  <a:extLst>
+                    <a:ext uri="{9D8B030D-6E8A-4147-A177-3AD203B41FA5}">
+                      <a16:colId xmlns:a16="http://schemas.microsoft.com/office/drawing/2014/main" val="2138526489"/>
+                    </a:ext>
+                  </a:extLst>
+                </a:gridCol>
+              </a:tblGrid>
+              <a:tr h="370840">
+                <a:tc>
+                  <a:txBody>
+                    <a:bodyPr/>
+                    <a:lstStyle/>
+                    <a:p>
+                      <a:r>
+                        <a:rPr lang="de-DE" dirty="0">
+                          <a:solidFill>
+                            <a:schemeClr val="tx1"/>
+                          </a:solidFill>
+                        </a:rPr>
+                        <a:t>Age group</a:t>
+                      </a:r>
+                    </a:p>
+                  </a:txBody>
+                  <a:tcPr>
+                    <a:noFill/>
+                  </a:tcPr>
+                </a:tc>
+                <a:tc>
+                  <a:txBody>
+                    <a:bodyPr/>
+                    <a:lstStyle/>
+                    <a:p>
+                      <a:r>
+                        <a:rPr lang="de-DE" dirty="0">
+                          <a:solidFill>
+                            <a:schemeClr val="tx1"/>
+                          </a:solidFill>
+                        </a:rPr>
+                        <a:t>VPs</a:t>
+                      </a:r>
+                    </a:p>
+                  </a:txBody>
+                  <a:tcPr>
+                    <a:noFill/>
+                  </a:tcPr>
+                </a:tc>
+                <a:extLst>
+                  <a:ext uri="{0D108BD9-81ED-4DB2-BD59-A6C34878D82A}">
+                    <a16:rowId xmlns:a16="http://schemas.microsoft.com/office/drawing/2014/main" val="687688987"/>
+                  </a:ext>
+                </a:extLst>
+              </a:tr>
+              <a:tr h="370840">
+                <a:tc>
+                  <a:txBody>
+                    <a:bodyPr/>
+                    <a:lstStyle/>
+                    <a:p>
+                      <a:r>
+                        <a:rPr lang="de-DE" dirty="0"/>
+                        <a:t>18-49</a:t>
+                      </a:r>
+                    </a:p>
+                  </a:txBody>
+                  <a:tcPr>
+                    <a:noFill/>
+                  </a:tcPr>
+                </a:tc>
+                <a:tc>
+                  <a:txBody>
+                    <a:bodyPr/>
+                    <a:lstStyle/>
+                    <a:p>
+                      <a:r>
+                        <a:rPr lang="de-DE" dirty="0"/>
+                        <a:t>31</a:t>
+                      </a:r>
+                    </a:p>
+                  </a:txBody>
+                  <a:tcPr>
+                    <a:noFill/>
+                  </a:tcPr>
+                </a:tc>
+                <a:extLst>
+                  <a:ext uri="{0D108BD9-81ED-4DB2-BD59-A6C34878D82A}">
+                    <a16:rowId xmlns:a16="http://schemas.microsoft.com/office/drawing/2014/main" val="1424993290"/>
+                  </a:ext>
+                </a:extLst>
+              </a:tr>
+              <a:tr h="370840">
+                <a:tc>
+                  <a:txBody>
+                    <a:bodyPr/>
+                    <a:lstStyle/>
+                    <a:p>
+                      <a:r>
+                        <a:rPr lang="de-DE" dirty="0"/>
+                        <a:t>50-80</a:t>
+                      </a:r>
+                    </a:p>
+                  </a:txBody>
+                  <a:tcPr>
+                    <a:noFill/>
+                  </a:tcPr>
+                </a:tc>
+                <a:tc>
+                  <a:txBody>
+                    <a:bodyPr/>
+                    <a:lstStyle/>
+                    <a:p>
+                      <a:r>
+                        <a:rPr lang="de-DE" dirty="0"/>
+                        <a:t>39</a:t>
+                      </a:r>
+                    </a:p>
+                  </a:txBody>
+                  <a:tcPr>
+                    <a:noFill/>
+                  </a:tcPr>
+                </a:tc>
+                <a:extLst>
+                  <a:ext uri="{0D108BD9-81ED-4DB2-BD59-A6C34878D82A}">
+                    <a16:rowId xmlns:a16="http://schemas.microsoft.com/office/drawing/2014/main" val="640674437"/>
+                  </a:ext>
+                </a:extLst>
+              </a:tr>
+            </a:tbl>
+          </a:graphicData>
+        </a:graphic>
+      </p:graphicFrame>
+    </p:spTree>
+    <p:extLst>
+      <p:ext uri="{BB962C8B-B14F-4D97-AF65-F5344CB8AC3E}">
+        <p14:creationId xmlns:p14="http://schemas.microsoft.com/office/powerpoint/2010/main" val="1829500632"/>
+      </p:ext>
+    </p:extLst>
+  </p:cSld>
+  <p:clrMapOvr>
+    <a:masterClrMapping/>
+  </p:clrMapOvr>
+</p:sld>
+</file>
+
+<file path=ppt/slides/slide19.xml><?xml version="1.0" encoding="utf-8"?>
+<p:sld xmlns:a="http://schemas.openxmlformats.org/drawingml/2006/main" xmlns:r="http://schemas.openxmlformats.org/officeDocument/2006/relationships" xmlns:p="http://schemas.openxmlformats.org/presentationml/2006/main">
+  <p:cSld>
+    <p:spTree>
+      <p:nvGrpSpPr>
+        <p:cNvPr id="1" name=""/>
+        <p:cNvGrpSpPr/>
+        <p:nvPr/>
+      </p:nvGrpSpPr>
+      <p:grpSpPr>
+        <a:xfrm>
+          <a:off x="0" y="0"/>
+          <a:ext cx="0" cy="0"/>
+          <a:chOff x="0" y="0"/>
+          <a:chExt cx="0" cy="0"/>
+        </a:xfrm>
+      </p:grpSpPr>
+      <p:sp>
+        <p:nvSpPr>
+          <p:cNvPr id="2" name="Title 1">
+            <a:extLst>
+              <a:ext uri="{FF2B5EF4-FFF2-40B4-BE49-F238E27FC236}">
+                <a16:creationId xmlns:a16="http://schemas.microsoft.com/office/drawing/2014/main" id="{5FA92E7E-ADAC-9CF6-FBAD-455FD9799F37}"/>
+              </a:ext>
+            </a:extLst>
+          </p:cNvPr>
+          <p:cNvSpPr>
+            <a:spLocks noGrp="1"/>
+          </p:cNvSpPr>
+          <p:nvPr>
+            <p:ph type="title"/>
+          </p:nvPr>
+        </p:nvSpPr>
+        <p:spPr/>
+        <p:txBody>
+          <a:bodyPr/>
+          <a:lstStyle/>
+          <a:p>
+            <a:r>
+              <a:rPr lang="de-DE" dirty="0"/>
+              <a:t>Z-Werte / 2 Altersgruppen</a:t>
+            </a:r>
+          </a:p>
+        </p:txBody>
+      </p:sp>
+      <p:graphicFrame>
+        <p:nvGraphicFramePr>
+          <p:cNvPr id="3" name="Table 2">
+            <a:extLst>
+              <a:ext uri="{FF2B5EF4-FFF2-40B4-BE49-F238E27FC236}">
+                <a16:creationId xmlns:a16="http://schemas.microsoft.com/office/drawing/2014/main" id="{C6396E8E-758E-8C24-1A9E-F7E0F0E87C4A}"/>
+              </a:ext>
+            </a:extLst>
+          </p:cNvPr>
+          <p:cNvGraphicFramePr>
+            <a:graphicFrameLocks noGrp="1"/>
+          </p:cNvGraphicFramePr>
+          <p:nvPr/>
+        </p:nvGraphicFramePr>
+        <p:xfrm>
+          <a:off x="8803115" y="42307"/>
+          <a:ext cx="4015242" cy="1830252"/>
+        </p:xfrm>
+        <a:graphic>
+          <a:graphicData uri="http://schemas.openxmlformats.org/drawingml/2006/table">
+            <a:tbl>
+              <a:tblPr firstRow="1" bandRow="1">
+                <a:tableStyleId>{5C22544A-7EE6-4342-B048-85BDC9FD1C3A}</a:tableStyleId>
+              </a:tblPr>
+              <a:tblGrid>
+                <a:gridCol w="1338414">
+                  <a:extLst>
+                    <a:ext uri="{9D8B030D-6E8A-4147-A177-3AD203B41FA5}">
+                      <a16:colId xmlns:a16="http://schemas.microsoft.com/office/drawing/2014/main" val="2087661091"/>
+                    </a:ext>
+                  </a:extLst>
+                </a:gridCol>
+                <a:gridCol w="1338414">
+                  <a:extLst>
+                    <a:ext uri="{9D8B030D-6E8A-4147-A177-3AD203B41FA5}">
+                      <a16:colId xmlns:a16="http://schemas.microsoft.com/office/drawing/2014/main" val="4161442789"/>
+                    </a:ext>
+                  </a:extLst>
+                </a:gridCol>
+                <a:gridCol w="1338414">
+                  <a:extLst>
+                    <a:ext uri="{9D8B030D-6E8A-4147-A177-3AD203B41FA5}">
+                      <a16:colId xmlns:a16="http://schemas.microsoft.com/office/drawing/2014/main" val="1065804868"/>
+                    </a:ext>
+                  </a:extLst>
+                </a:gridCol>
+              </a:tblGrid>
+              <a:tr h="595086">
+                <a:tc>
+                  <a:txBody>
+                    <a:bodyPr/>
+                    <a:lstStyle/>
+                    <a:p>
+                      <a:endParaRPr lang="de-DE" dirty="0">
+                        <a:solidFill>
+                          <a:schemeClr val="tx1"/>
+                        </a:solidFill>
+                      </a:endParaRPr>
+                    </a:p>
+                  </a:txBody>
+                  <a:tcPr>
+                    <a:noFill/>
+                  </a:tcPr>
+                </a:tc>
+                <a:tc>
+                  <a:txBody>
+                    <a:bodyPr/>
+                    <a:lstStyle/>
+                    <a:p>
+                      <a:r>
+                        <a:rPr lang="de-DE" dirty="0">
+                          <a:solidFill>
+                            <a:schemeClr val="tx1"/>
+                          </a:solidFill>
+                        </a:rPr>
+                        <a:t>Without</a:t>
+                      </a:r>
+                      <a:br>
+                        <a:rPr lang="de-DE" dirty="0">
+                          <a:solidFill>
+                            <a:schemeClr val="tx1"/>
+                          </a:solidFill>
+                        </a:rPr>
+                      </a:br>
+                      <a:r>
+                        <a:rPr lang="de-DE" dirty="0">
+                          <a:solidFill>
+                            <a:schemeClr val="tx1"/>
+                          </a:solidFill>
+                        </a:rPr>
+                        <a:t>PCS</a:t>
+                      </a:r>
+                    </a:p>
+                  </a:txBody>
+                  <a:tcPr>
+                    <a:noFill/>
+                  </a:tcPr>
+                </a:tc>
+                <a:tc>
+                  <a:txBody>
+                    <a:bodyPr/>
+                    <a:lstStyle/>
+                    <a:p>
+                      <a:r>
+                        <a:rPr lang="de-DE" dirty="0">
+                          <a:solidFill>
+                            <a:schemeClr val="tx1"/>
+                          </a:solidFill>
+                        </a:rPr>
+                        <a:t>With</a:t>
+                      </a:r>
+                      <a:br>
+                        <a:rPr lang="de-DE" dirty="0">
+                          <a:solidFill>
+                            <a:schemeClr val="tx1"/>
+                          </a:solidFill>
+                        </a:rPr>
+                      </a:br>
+                      <a:r>
+                        <a:rPr lang="de-DE" dirty="0">
+                          <a:solidFill>
+                            <a:schemeClr val="tx1"/>
+                          </a:solidFill>
+                        </a:rPr>
+                        <a:t>PCS</a:t>
+                      </a:r>
+                    </a:p>
+                  </a:txBody>
+                  <a:tcPr>
+                    <a:noFill/>
+                  </a:tcPr>
+                </a:tc>
+                <a:extLst>
+                  <a:ext uri="{0D108BD9-81ED-4DB2-BD59-A6C34878D82A}">
+                    <a16:rowId xmlns:a16="http://schemas.microsoft.com/office/drawing/2014/main" val="3931383551"/>
+                  </a:ext>
+                </a:extLst>
+              </a:tr>
+              <a:tr h="595086">
+                <a:tc>
+                  <a:txBody>
+                    <a:bodyPr/>
+                    <a:lstStyle/>
+                    <a:p>
+                      <a:r>
+                        <a:rPr lang="de-DE" dirty="0">
+                          <a:solidFill>
+                            <a:srgbClr val="FF0000"/>
+                          </a:solidFill>
+                        </a:rPr>
+                        <a:t>Cluster 1</a:t>
+                      </a:r>
+                    </a:p>
+                  </a:txBody>
+                  <a:tcPr>
+                    <a:noFill/>
+                  </a:tcPr>
+                </a:tc>
+                <a:tc>
+                  <a:txBody>
+                    <a:bodyPr/>
+                    <a:lstStyle/>
+                    <a:p>
+                      <a:r>
+                        <a:rPr lang="de-DE" dirty="0">
+                          <a:solidFill>
+                            <a:srgbClr val="FF0000"/>
+                          </a:solidFill>
+                        </a:rPr>
+                        <a:t>5</a:t>
+                      </a:r>
+                    </a:p>
+                  </a:txBody>
+                  <a:tcPr>
+                    <a:noFill/>
+                  </a:tcPr>
+                </a:tc>
+                <a:tc>
+                  <a:txBody>
+                    <a:bodyPr/>
+                    <a:lstStyle/>
+                    <a:p>
+                      <a:r>
+                        <a:rPr lang="de-DE" dirty="0">
+                          <a:solidFill>
+                            <a:srgbClr val="FF0000"/>
+                          </a:solidFill>
+                        </a:rPr>
+                        <a:t>27</a:t>
+                      </a:r>
+                    </a:p>
+                  </a:txBody>
+                  <a:tcPr>
+                    <a:noFill/>
+                  </a:tcPr>
+                </a:tc>
+                <a:extLst>
+                  <a:ext uri="{0D108BD9-81ED-4DB2-BD59-A6C34878D82A}">
+                    <a16:rowId xmlns:a16="http://schemas.microsoft.com/office/drawing/2014/main" val="3140929958"/>
+                  </a:ext>
+                </a:extLst>
+              </a:tr>
+              <a:tr h="595086">
+                <a:tc>
+                  <a:txBody>
+                    <a:bodyPr/>
+                    <a:lstStyle/>
+                    <a:p>
+                      <a:r>
+                        <a:rPr lang="de-DE" dirty="0">
+                          <a:solidFill>
+                            <a:srgbClr val="00B050"/>
+                          </a:solidFill>
+                        </a:rPr>
+                        <a:t>Cluster 2</a:t>
+                      </a:r>
+                    </a:p>
+                  </a:txBody>
+                  <a:tcPr>
+                    <a:noFill/>
+                  </a:tcPr>
+                </a:tc>
+                <a:tc>
+                  <a:txBody>
+                    <a:bodyPr/>
+                    <a:lstStyle/>
+                    <a:p>
+                      <a:r>
+                        <a:rPr lang="de-DE" dirty="0">
+                          <a:solidFill>
+                            <a:srgbClr val="00B050"/>
+                          </a:solidFill>
+                        </a:rPr>
+                        <a:t>22</a:t>
+                      </a:r>
+                    </a:p>
+                  </a:txBody>
+                  <a:tcPr>
+                    <a:noFill/>
+                  </a:tcPr>
+                </a:tc>
+                <a:tc>
+                  <a:txBody>
+                    <a:bodyPr/>
+                    <a:lstStyle/>
+                    <a:p>
+                      <a:r>
+                        <a:rPr lang="de-DE" dirty="0">
+                          <a:solidFill>
+                            <a:srgbClr val="00B050"/>
+                          </a:solidFill>
+                        </a:rPr>
+                        <a:t>16</a:t>
+                      </a:r>
+                    </a:p>
+                  </a:txBody>
+                  <a:tcPr>
+                    <a:noFill/>
+                  </a:tcPr>
+                </a:tc>
+                <a:extLst>
+                  <a:ext uri="{0D108BD9-81ED-4DB2-BD59-A6C34878D82A}">
+                    <a16:rowId xmlns:a16="http://schemas.microsoft.com/office/drawing/2014/main" val="2462120241"/>
+                  </a:ext>
+                </a:extLst>
+              </a:tr>
+            </a:tbl>
+          </a:graphicData>
+        </a:graphic>
+      </p:graphicFrame>
+      <p:sp>
+        <p:nvSpPr>
+          <p:cNvPr id="4" name="TextBox 3">
+            <a:extLst>
+              <a:ext uri="{FF2B5EF4-FFF2-40B4-BE49-F238E27FC236}">
+                <a16:creationId xmlns:a16="http://schemas.microsoft.com/office/drawing/2014/main" id="{1E7531D5-66BB-E33A-8990-29C457D1D27F}"/>
+              </a:ext>
+            </a:extLst>
+          </p:cNvPr>
+          <p:cNvSpPr txBox="1"/>
+          <p:nvPr/>
+        </p:nvSpPr>
+        <p:spPr>
+          <a:xfrm>
+            <a:off x="538947" y="5845026"/>
+            <a:ext cx="8630932" cy="923330"/>
+          </a:xfrm>
+          <a:prstGeom prst="rect">
+            <a:avLst/>
+          </a:prstGeom>
+          <a:noFill/>
+        </p:spPr>
+        <p:txBody>
+          <a:bodyPr wrap="square" rtlCol="0">
+            <a:spAutoFit/>
+          </a:bodyPr>
+          <a:lstStyle/>
+          <a:p>
+            <a:r>
+              <a:rPr lang="de-DE" dirty="0"/>
+              <a:t>Abbildung1: Alle Unterschiede signifikant</a:t>
+            </a:r>
+          </a:p>
+          <a:p>
+            <a:r>
+              <a:rPr lang="de-DE" dirty="0"/>
+              <a:t>Abbildung 2:  Alle Unterschiede zwischen with(out) C1 und with(out) C2 signifikant (Wenn keine z-Werte, dann tmt_b nicht signifikant)</a:t>
+            </a:r>
+          </a:p>
+        </p:txBody>
+      </p:sp>
+      <p:pic>
+        <p:nvPicPr>
+          <p:cNvPr id="7" name="Picture 6" descr="A group of graphs with a number of rows&#10;&#10;Description automatically generated with medium confidence">
+            <a:extLst>
+              <a:ext uri="{FF2B5EF4-FFF2-40B4-BE49-F238E27FC236}">
+                <a16:creationId xmlns:a16="http://schemas.microsoft.com/office/drawing/2014/main" id="{A0890429-7413-03E0-F9E0-2B62EBA31D4B}"/>
+              </a:ext>
+            </a:extLst>
+          </p:cNvPr>
+          <p:cNvPicPr>
+            <a:picLocks noChangeAspect="1"/>
+          </p:cNvPicPr>
+          <p:nvPr/>
+        </p:nvPicPr>
+        <p:blipFill>
+          <a:blip r:embed="rId2">
+            <a:extLst>
+              <a:ext uri="{28A0092B-C50C-407E-A947-70E740481C1C}">
+                <a14:useLocalDpi xmlns:a14="http://schemas.microsoft.com/office/drawing/2010/main" val="0"/>
+              </a:ext>
+            </a:extLst>
+          </a:blip>
+          <a:stretch>
+            <a:fillRect/>
+          </a:stretch>
+        </p:blipFill>
+        <p:spPr>
+          <a:xfrm>
+            <a:off x="599072" y="1658261"/>
+            <a:ext cx="5401550" cy="4184864"/>
+          </a:xfrm>
+          <a:prstGeom prst="rect">
+            <a:avLst/>
+          </a:prstGeom>
+        </p:spPr>
+      </p:pic>
+      <p:pic>
+        <p:nvPicPr>
+          <p:cNvPr id="9" name="Picture 8" descr="A screenshot of a graph&#10;&#10;Description automatically generated">
+            <a:extLst>
+              <a:ext uri="{FF2B5EF4-FFF2-40B4-BE49-F238E27FC236}">
+                <a16:creationId xmlns:a16="http://schemas.microsoft.com/office/drawing/2014/main" id="{FB37F69A-0613-DB97-4BF9-00F9C4EB5153}"/>
+              </a:ext>
+            </a:extLst>
+          </p:cNvPr>
+          <p:cNvPicPr>
+            <a:picLocks noChangeAspect="1"/>
+          </p:cNvPicPr>
+          <p:nvPr/>
+        </p:nvPicPr>
+        <p:blipFill>
+          <a:blip r:embed="rId3">
+            <a:extLst>
+              <a:ext uri="{28A0092B-C50C-407E-A947-70E740481C1C}">
+                <a14:useLocalDpi xmlns:a14="http://schemas.microsoft.com/office/drawing/2010/main" val="0"/>
+              </a:ext>
+            </a:extLst>
+          </a:blip>
+          <a:stretch>
+            <a:fillRect/>
+          </a:stretch>
+        </p:blipFill>
+        <p:spPr>
+          <a:xfrm>
+            <a:off x="6239750" y="1690688"/>
+            <a:ext cx="5693536" cy="4427779"/>
+          </a:xfrm>
+          <a:prstGeom prst="rect">
+            <a:avLst/>
+          </a:prstGeom>
+        </p:spPr>
+      </p:pic>
+    </p:spTree>
+    <p:extLst>
+      <p:ext uri="{BB962C8B-B14F-4D97-AF65-F5344CB8AC3E}">
+        <p14:creationId xmlns:p14="http://schemas.microsoft.com/office/powerpoint/2010/main" val="598426703"/>
+      </p:ext>
+    </p:extLst>
+  </p:cSld>
+  <p:clrMapOvr>
+    <a:masterClrMapping/>
+  </p:clrMapOvr>
+</p:sld>
+</file>
+
 <file path=ppt/slides/slide2.xml><?xml version="1.0" encoding="utf-8"?>
 <p:sld xmlns:a="http://schemas.openxmlformats.org/drawingml/2006/main" xmlns:r="http://schemas.openxmlformats.org/officeDocument/2006/relationships" xmlns:p="http://schemas.openxmlformats.org/presentationml/2006/main">
   <p:cSld>
@@ -3871,6 +8599,888 @@
     <p:extLst>
       <p:ext uri="{BB962C8B-B14F-4D97-AF65-F5344CB8AC3E}">
         <p14:creationId xmlns:p14="http://schemas.microsoft.com/office/powerpoint/2010/main" val="872559004"/>
+      </p:ext>
+    </p:extLst>
+  </p:cSld>
+  <p:clrMapOvr>
+    <a:masterClrMapping/>
+  </p:clrMapOvr>
+</p:sld>
+</file>
+
+<file path=ppt/slides/slide20.xml><?xml version="1.0" encoding="utf-8"?>
+<p:sld xmlns:a="http://schemas.openxmlformats.org/drawingml/2006/main" xmlns:r="http://schemas.openxmlformats.org/officeDocument/2006/relationships" xmlns:p="http://schemas.openxmlformats.org/presentationml/2006/main">
+  <p:cSld>
+    <p:spTree>
+      <p:nvGrpSpPr>
+        <p:cNvPr id="1" name=""/>
+        <p:cNvGrpSpPr/>
+        <p:nvPr/>
+      </p:nvGrpSpPr>
+      <p:grpSpPr>
+        <a:xfrm>
+          <a:off x="0" y="0"/>
+          <a:ext cx="0" cy="0"/>
+          <a:chOff x="0" y="0"/>
+          <a:chExt cx="0" cy="0"/>
+        </a:xfrm>
+      </p:grpSpPr>
+      <p:sp>
+        <p:nvSpPr>
+          <p:cNvPr id="2" name="Title 1">
+            <a:extLst>
+              <a:ext uri="{FF2B5EF4-FFF2-40B4-BE49-F238E27FC236}">
+                <a16:creationId xmlns:a16="http://schemas.microsoft.com/office/drawing/2014/main" id="{5FA92E7E-ADAC-9CF6-FBAD-455FD9799F37}"/>
+              </a:ext>
+            </a:extLst>
+          </p:cNvPr>
+          <p:cNvSpPr>
+            <a:spLocks noGrp="1"/>
+          </p:cNvSpPr>
+          <p:nvPr>
+            <p:ph type="title"/>
+          </p:nvPr>
+        </p:nvSpPr>
+        <p:spPr/>
+        <p:txBody>
+          <a:bodyPr/>
+          <a:lstStyle/>
+          <a:p>
+            <a:r>
+              <a:rPr lang="de-DE" dirty="0"/>
+              <a:t>Z-Werte / 2 Altersgruppen</a:t>
+            </a:r>
+          </a:p>
+        </p:txBody>
+      </p:sp>
+      <p:sp>
+        <p:nvSpPr>
+          <p:cNvPr id="10" name="TextBox 9">
+            <a:extLst>
+              <a:ext uri="{FF2B5EF4-FFF2-40B4-BE49-F238E27FC236}">
+                <a16:creationId xmlns:a16="http://schemas.microsoft.com/office/drawing/2014/main" id="{140A12DA-0ECD-8045-A50A-F11B9BEC367D}"/>
+              </a:ext>
+            </a:extLst>
+          </p:cNvPr>
+          <p:cNvSpPr txBox="1"/>
+          <p:nvPr/>
+        </p:nvSpPr>
+        <p:spPr>
+          <a:xfrm>
+            <a:off x="702849" y="5947928"/>
+            <a:ext cx="6612352" cy="646331"/>
+          </a:xfrm>
+          <a:prstGeom prst="rect">
+            <a:avLst/>
+          </a:prstGeom>
+          <a:noFill/>
+        </p:spPr>
+        <p:txBody>
+          <a:bodyPr wrap="square" rtlCol="0">
+            <a:spAutoFit/>
+          </a:bodyPr>
+          <a:lstStyle/>
+          <a:p>
+            <a:r>
+              <a:rPr lang="de-DE" dirty="0"/>
+              <a:t>Abb1: Signifikanter Unterschied</a:t>
+            </a:r>
+          </a:p>
+          <a:p>
+            <a:r>
+              <a:rPr lang="de-DE" dirty="0"/>
+              <a:t>Abb2: Signifikanter Unterschied zwischen without C1 &amp; C2</a:t>
+            </a:r>
+          </a:p>
+        </p:txBody>
+      </p:sp>
+      <p:graphicFrame>
+        <p:nvGraphicFramePr>
+          <p:cNvPr id="3" name="Table 2">
+            <a:extLst>
+              <a:ext uri="{FF2B5EF4-FFF2-40B4-BE49-F238E27FC236}">
+                <a16:creationId xmlns:a16="http://schemas.microsoft.com/office/drawing/2014/main" id="{C6396E8E-758E-8C24-1A9E-F7E0F0E87C4A}"/>
+              </a:ext>
+            </a:extLst>
+          </p:cNvPr>
+          <p:cNvGraphicFramePr>
+            <a:graphicFrameLocks noGrp="1"/>
+          </p:cNvGraphicFramePr>
+          <p:nvPr>
+            <p:extLst>
+              <p:ext uri="{D42A27DB-BD31-4B8C-83A1-F6EECF244321}">
+                <p14:modId xmlns:p14="http://schemas.microsoft.com/office/powerpoint/2010/main" val="3959057632"/>
+              </p:ext>
+            </p:extLst>
+          </p:nvPr>
+        </p:nvGraphicFramePr>
+        <p:xfrm>
+          <a:off x="8803115" y="42307"/>
+          <a:ext cx="4015242" cy="1830252"/>
+        </p:xfrm>
+        <a:graphic>
+          <a:graphicData uri="http://schemas.openxmlformats.org/drawingml/2006/table">
+            <a:tbl>
+              <a:tblPr firstRow="1" bandRow="1">
+                <a:tableStyleId>{5C22544A-7EE6-4342-B048-85BDC9FD1C3A}</a:tableStyleId>
+              </a:tblPr>
+              <a:tblGrid>
+                <a:gridCol w="1338414">
+                  <a:extLst>
+                    <a:ext uri="{9D8B030D-6E8A-4147-A177-3AD203B41FA5}">
+                      <a16:colId xmlns:a16="http://schemas.microsoft.com/office/drawing/2014/main" val="2087661091"/>
+                    </a:ext>
+                  </a:extLst>
+                </a:gridCol>
+                <a:gridCol w="1338414">
+                  <a:extLst>
+                    <a:ext uri="{9D8B030D-6E8A-4147-A177-3AD203B41FA5}">
+                      <a16:colId xmlns:a16="http://schemas.microsoft.com/office/drawing/2014/main" val="4161442789"/>
+                    </a:ext>
+                  </a:extLst>
+                </a:gridCol>
+                <a:gridCol w="1338414">
+                  <a:extLst>
+                    <a:ext uri="{9D8B030D-6E8A-4147-A177-3AD203B41FA5}">
+                      <a16:colId xmlns:a16="http://schemas.microsoft.com/office/drawing/2014/main" val="1065804868"/>
+                    </a:ext>
+                  </a:extLst>
+                </a:gridCol>
+              </a:tblGrid>
+              <a:tr h="595086">
+                <a:tc>
+                  <a:txBody>
+                    <a:bodyPr/>
+                    <a:lstStyle/>
+                    <a:p>
+                      <a:endParaRPr lang="de-DE" dirty="0">
+                        <a:solidFill>
+                          <a:schemeClr val="tx1"/>
+                        </a:solidFill>
+                      </a:endParaRPr>
+                    </a:p>
+                  </a:txBody>
+                  <a:tcPr>
+                    <a:noFill/>
+                  </a:tcPr>
+                </a:tc>
+                <a:tc>
+                  <a:txBody>
+                    <a:bodyPr/>
+                    <a:lstStyle/>
+                    <a:p>
+                      <a:r>
+                        <a:rPr lang="de-DE" dirty="0">
+                          <a:solidFill>
+                            <a:schemeClr val="tx1"/>
+                          </a:solidFill>
+                        </a:rPr>
+                        <a:t>Without</a:t>
+                      </a:r>
+                      <a:br>
+                        <a:rPr lang="de-DE" dirty="0">
+                          <a:solidFill>
+                            <a:schemeClr val="tx1"/>
+                          </a:solidFill>
+                        </a:rPr>
+                      </a:br>
+                      <a:r>
+                        <a:rPr lang="de-DE" dirty="0">
+                          <a:solidFill>
+                            <a:schemeClr val="tx1"/>
+                          </a:solidFill>
+                        </a:rPr>
+                        <a:t>PCS</a:t>
+                      </a:r>
+                    </a:p>
+                  </a:txBody>
+                  <a:tcPr>
+                    <a:noFill/>
+                  </a:tcPr>
+                </a:tc>
+                <a:tc>
+                  <a:txBody>
+                    <a:bodyPr/>
+                    <a:lstStyle/>
+                    <a:p>
+                      <a:r>
+                        <a:rPr lang="de-DE" dirty="0">
+                          <a:solidFill>
+                            <a:schemeClr val="tx1"/>
+                          </a:solidFill>
+                        </a:rPr>
+                        <a:t>With</a:t>
+                      </a:r>
+                      <a:br>
+                        <a:rPr lang="de-DE" dirty="0">
+                          <a:solidFill>
+                            <a:schemeClr val="tx1"/>
+                          </a:solidFill>
+                        </a:rPr>
+                      </a:br>
+                      <a:r>
+                        <a:rPr lang="de-DE" dirty="0">
+                          <a:solidFill>
+                            <a:schemeClr val="tx1"/>
+                          </a:solidFill>
+                        </a:rPr>
+                        <a:t>PCS</a:t>
+                      </a:r>
+                    </a:p>
+                  </a:txBody>
+                  <a:tcPr>
+                    <a:noFill/>
+                  </a:tcPr>
+                </a:tc>
+                <a:extLst>
+                  <a:ext uri="{0D108BD9-81ED-4DB2-BD59-A6C34878D82A}">
+                    <a16:rowId xmlns:a16="http://schemas.microsoft.com/office/drawing/2014/main" val="3931383551"/>
+                  </a:ext>
+                </a:extLst>
+              </a:tr>
+              <a:tr h="595086">
+                <a:tc>
+                  <a:txBody>
+                    <a:bodyPr/>
+                    <a:lstStyle/>
+                    <a:p>
+                      <a:r>
+                        <a:rPr lang="de-DE" dirty="0">
+                          <a:solidFill>
+                            <a:srgbClr val="FF0000"/>
+                          </a:solidFill>
+                        </a:rPr>
+                        <a:t>Cluster 1</a:t>
+                      </a:r>
+                    </a:p>
+                  </a:txBody>
+                  <a:tcPr>
+                    <a:noFill/>
+                  </a:tcPr>
+                </a:tc>
+                <a:tc>
+                  <a:txBody>
+                    <a:bodyPr/>
+                    <a:lstStyle/>
+                    <a:p>
+                      <a:r>
+                        <a:rPr lang="de-DE" dirty="0">
+                          <a:solidFill>
+                            <a:srgbClr val="FF0000"/>
+                          </a:solidFill>
+                        </a:rPr>
+                        <a:t>5</a:t>
+                      </a:r>
+                    </a:p>
+                  </a:txBody>
+                  <a:tcPr>
+                    <a:noFill/>
+                  </a:tcPr>
+                </a:tc>
+                <a:tc>
+                  <a:txBody>
+                    <a:bodyPr/>
+                    <a:lstStyle/>
+                    <a:p>
+                      <a:r>
+                        <a:rPr lang="de-DE" dirty="0">
+                          <a:solidFill>
+                            <a:srgbClr val="FF0000"/>
+                          </a:solidFill>
+                        </a:rPr>
+                        <a:t>27</a:t>
+                      </a:r>
+                    </a:p>
+                  </a:txBody>
+                  <a:tcPr>
+                    <a:noFill/>
+                  </a:tcPr>
+                </a:tc>
+                <a:extLst>
+                  <a:ext uri="{0D108BD9-81ED-4DB2-BD59-A6C34878D82A}">
+                    <a16:rowId xmlns:a16="http://schemas.microsoft.com/office/drawing/2014/main" val="3140929958"/>
+                  </a:ext>
+                </a:extLst>
+              </a:tr>
+              <a:tr h="595086">
+                <a:tc>
+                  <a:txBody>
+                    <a:bodyPr/>
+                    <a:lstStyle/>
+                    <a:p>
+                      <a:r>
+                        <a:rPr lang="de-DE" dirty="0">
+                          <a:solidFill>
+                            <a:srgbClr val="00B050"/>
+                          </a:solidFill>
+                        </a:rPr>
+                        <a:t>Cluster 2</a:t>
+                      </a:r>
+                    </a:p>
+                  </a:txBody>
+                  <a:tcPr>
+                    <a:noFill/>
+                  </a:tcPr>
+                </a:tc>
+                <a:tc>
+                  <a:txBody>
+                    <a:bodyPr/>
+                    <a:lstStyle/>
+                    <a:p>
+                      <a:r>
+                        <a:rPr lang="de-DE" dirty="0">
+                          <a:solidFill>
+                            <a:srgbClr val="00B050"/>
+                          </a:solidFill>
+                        </a:rPr>
+                        <a:t>22</a:t>
+                      </a:r>
+                    </a:p>
+                  </a:txBody>
+                  <a:tcPr>
+                    <a:noFill/>
+                  </a:tcPr>
+                </a:tc>
+                <a:tc>
+                  <a:txBody>
+                    <a:bodyPr/>
+                    <a:lstStyle/>
+                    <a:p>
+                      <a:r>
+                        <a:rPr lang="de-DE" dirty="0">
+                          <a:solidFill>
+                            <a:srgbClr val="00B050"/>
+                          </a:solidFill>
+                        </a:rPr>
+                        <a:t>16</a:t>
+                      </a:r>
+                    </a:p>
+                  </a:txBody>
+                  <a:tcPr>
+                    <a:noFill/>
+                  </a:tcPr>
+                </a:tc>
+                <a:extLst>
+                  <a:ext uri="{0D108BD9-81ED-4DB2-BD59-A6C34878D82A}">
+                    <a16:rowId xmlns:a16="http://schemas.microsoft.com/office/drawing/2014/main" val="2462120241"/>
+                  </a:ext>
+                </a:extLst>
+              </a:tr>
+            </a:tbl>
+          </a:graphicData>
+        </a:graphic>
+      </p:graphicFrame>
+      <p:pic>
+        <p:nvPicPr>
+          <p:cNvPr id="6" name="Picture 5" descr="A diagram of a cluster&#10;&#10;Description automatically generated with medium confidence">
+            <a:extLst>
+              <a:ext uri="{FF2B5EF4-FFF2-40B4-BE49-F238E27FC236}">
+                <a16:creationId xmlns:a16="http://schemas.microsoft.com/office/drawing/2014/main" id="{ADC44FA0-6908-C418-743D-8A8293470A2E}"/>
+              </a:ext>
+            </a:extLst>
+          </p:cNvPr>
+          <p:cNvPicPr>
+            <a:picLocks noChangeAspect="1"/>
+          </p:cNvPicPr>
+          <p:nvPr/>
+        </p:nvPicPr>
+        <p:blipFill>
+          <a:blip r:embed="rId2">
+            <a:extLst>
+              <a:ext uri="{28A0092B-C50C-407E-A947-70E740481C1C}">
+                <a14:useLocalDpi xmlns:a14="http://schemas.microsoft.com/office/drawing/2010/main" val="0"/>
+              </a:ext>
+            </a:extLst>
+          </a:blip>
+          <a:stretch>
+            <a:fillRect/>
+          </a:stretch>
+        </p:blipFill>
+        <p:spPr>
+          <a:xfrm>
+            <a:off x="458762" y="1639120"/>
+            <a:ext cx="5541861" cy="4308808"/>
+          </a:xfrm>
+          <a:prstGeom prst="rect">
+            <a:avLst/>
+          </a:prstGeom>
+        </p:spPr>
+      </p:pic>
+      <p:pic>
+        <p:nvPicPr>
+          <p:cNvPr id="11" name="Picture 10" descr="A screenshot of a graph&#10;&#10;Description automatically generated">
+            <a:extLst>
+              <a:ext uri="{FF2B5EF4-FFF2-40B4-BE49-F238E27FC236}">
+                <a16:creationId xmlns:a16="http://schemas.microsoft.com/office/drawing/2014/main" id="{A6BBB299-7EA5-506E-5B23-C88197320337}"/>
+              </a:ext>
+            </a:extLst>
+          </p:cNvPr>
+          <p:cNvPicPr>
+            <a:picLocks noChangeAspect="1"/>
+          </p:cNvPicPr>
+          <p:nvPr/>
+        </p:nvPicPr>
+        <p:blipFill>
+          <a:blip r:embed="rId3">
+            <a:extLst>
+              <a:ext uri="{28A0092B-C50C-407E-A947-70E740481C1C}">
+                <a14:useLocalDpi xmlns:a14="http://schemas.microsoft.com/office/drawing/2010/main" val="0"/>
+              </a:ext>
+            </a:extLst>
+          </a:blip>
+          <a:stretch>
+            <a:fillRect/>
+          </a:stretch>
+        </p:blipFill>
+        <p:spPr>
+          <a:xfrm>
+            <a:off x="6191379" y="1701092"/>
+            <a:ext cx="5361439" cy="4184863"/>
+          </a:xfrm>
+          <a:prstGeom prst="rect">
+            <a:avLst/>
+          </a:prstGeom>
+        </p:spPr>
+      </p:pic>
+    </p:spTree>
+    <p:extLst>
+      <p:ext uri="{BB962C8B-B14F-4D97-AF65-F5344CB8AC3E}">
+        <p14:creationId xmlns:p14="http://schemas.microsoft.com/office/powerpoint/2010/main" val="1224306042"/>
+      </p:ext>
+    </p:extLst>
+  </p:cSld>
+  <p:clrMapOvr>
+    <a:masterClrMapping/>
+  </p:clrMapOvr>
+</p:sld>
+</file>
+
+<file path=ppt/slides/slide21.xml><?xml version="1.0" encoding="utf-8"?>
+<p:sld xmlns:a="http://schemas.openxmlformats.org/drawingml/2006/main" xmlns:r="http://schemas.openxmlformats.org/officeDocument/2006/relationships" xmlns:p="http://schemas.openxmlformats.org/presentationml/2006/main">
+  <p:cSld>
+    <p:spTree>
+      <p:nvGrpSpPr>
+        <p:cNvPr id="1" name=""/>
+        <p:cNvGrpSpPr/>
+        <p:nvPr/>
+      </p:nvGrpSpPr>
+      <p:grpSpPr>
+        <a:xfrm>
+          <a:off x="0" y="0"/>
+          <a:ext cx="0" cy="0"/>
+          <a:chOff x="0" y="0"/>
+          <a:chExt cx="0" cy="0"/>
+        </a:xfrm>
+      </p:grpSpPr>
+      <p:sp>
+        <p:nvSpPr>
+          <p:cNvPr id="2" name="Title 1">
+            <a:extLst>
+              <a:ext uri="{FF2B5EF4-FFF2-40B4-BE49-F238E27FC236}">
+                <a16:creationId xmlns:a16="http://schemas.microsoft.com/office/drawing/2014/main" id="{5FA92E7E-ADAC-9CF6-FBAD-455FD9799F37}"/>
+              </a:ext>
+            </a:extLst>
+          </p:cNvPr>
+          <p:cNvSpPr>
+            <a:spLocks noGrp="1"/>
+          </p:cNvSpPr>
+          <p:nvPr>
+            <p:ph type="title"/>
+          </p:nvPr>
+        </p:nvSpPr>
+        <p:spPr/>
+        <p:txBody>
+          <a:bodyPr/>
+          <a:lstStyle/>
+          <a:p>
+            <a:r>
+              <a:rPr lang="de-DE" dirty="0"/>
+              <a:t>Z-Werte / 2 Altersgruppen</a:t>
+            </a:r>
+          </a:p>
+        </p:txBody>
+      </p:sp>
+      <p:graphicFrame>
+        <p:nvGraphicFramePr>
+          <p:cNvPr id="3" name="Table 2">
+            <a:extLst>
+              <a:ext uri="{FF2B5EF4-FFF2-40B4-BE49-F238E27FC236}">
+                <a16:creationId xmlns:a16="http://schemas.microsoft.com/office/drawing/2014/main" id="{C6396E8E-758E-8C24-1A9E-F7E0F0E87C4A}"/>
+              </a:ext>
+            </a:extLst>
+          </p:cNvPr>
+          <p:cNvGraphicFramePr>
+            <a:graphicFrameLocks noGrp="1"/>
+          </p:cNvGraphicFramePr>
+          <p:nvPr/>
+        </p:nvGraphicFramePr>
+        <p:xfrm>
+          <a:off x="8803115" y="42307"/>
+          <a:ext cx="4015242" cy="1830252"/>
+        </p:xfrm>
+        <a:graphic>
+          <a:graphicData uri="http://schemas.openxmlformats.org/drawingml/2006/table">
+            <a:tbl>
+              <a:tblPr firstRow="1" bandRow="1">
+                <a:tableStyleId>{5C22544A-7EE6-4342-B048-85BDC9FD1C3A}</a:tableStyleId>
+              </a:tblPr>
+              <a:tblGrid>
+                <a:gridCol w="1338414">
+                  <a:extLst>
+                    <a:ext uri="{9D8B030D-6E8A-4147-A177-3AD203B41FA5}">
+                      <a16:colId xmlns:a16="http://schemas.microsoft.com/office/drawing/2014/main" val="2087661091"/>
+                    </a:ext>
+                  </a:extLst>
+                </a:gridCol>
+                <a:gridCol w="1338414">
+                  <a:extLst>
+                    <a:ext uri="{9D8B030D-6E8A-4147-A177-3AD203B41FA5}">
+                      <a16:colId xmlns:a16="http://schemas.microsoft.com/office/drawing/2014/main" val="4161442789"/>
+                    </a:ext>
+                  </a:extLst>
+                </a:gridCol>
+                <a:gridCol w="1338414">
+                  <a:extLst>
+                    <a:ext uri="{9D8B030D-6E8A-4147-A177-3AD203B41FA5}">
+                      <a16:colId xmlns:a16="http://schemas.microsoft.com/office/drawing/2014/main" val="1065804868"/>
+                    </a:ext>
+                  </a:extLst>
+                </a:gridCol>
+              </a:tblGrid>
+              <a:tr h="595086">
+                <a:tc>
+                  <a:txBody>
+                    <a:bodyPr/>
+                    <a:lstStyle/>
+                    <a:p>
+                      <a:endParaRPr lang="de-DE" dirty="0">
+                        <a:solidFill>
+                          <a:schemeClr val="tx1"/>
+                        </a:solidFill>
+                      </a:endParaRPr>
+                    </a:p>
+                  </a:txBody>
+                  <a:tcPr>
+                    <a:noFill/>
+                  </a:tcPr>
+                </a:tc>
+                <a:tc>
+                  <a:txBody>
+                    <a:bodyPr/>
+                    <a:lstStyle/>
+                    <a:p>
+                      <a:r>
+                        <a:rPr lang="de-DE" dirty="0">
+                          <a:solidFill>
+                            <a:schemeClr val="tx1"/>
+                          </a:solidFill>
+                        </a:rPr>
+                        <a:t>Without</a:t>
+                      </a:r>
+                      <a:br>
+                        <a:rPr lang="de-DE" dirty="0">
+                          <a:solidFill>
+                            <a:schemeClr val="tx1"/>
+                          </a:solidFill>
+                        </a:rPr>
+                      </a:br>
+                      <a:r>
+                        <a:rPr lang="de-DE" dirty="0">
+                          <a:solidFill>
+                            <a:schemeClr val="tx1"/>
+                          </a:solidFill>
+                        </a:rPr>
+                        <a:t>PCS</a:t>
+                      </a:r>
+                    </a:p>
+                  </a:txBody>
+                  <a:tcPr>
+                    <a:noFill/>
+                  </a:tcPr>
+                </a:tc>
+                <a:tc>
+                  <a:txBody>
+                    <a:bodyPr/>
+                    <a:lstStyle/>
+                    <a:p>
+                      <a:r>
+                        <a:rPr lang="de-DE" dirty="0">
+                          <a:solidFill>
+                            <a:schemeClr val="tx1"/>
+                          </a:solidFill>
+                        </a:rPr>
+                        <a:t>With</a:t>
+                      </a:r>
+                      <a:br>
+                        <a:rPr lang="de-DE" dirty="0">
+                          <a:solidFill>
+                            <a:schemeClr val="tx1"/>
+                          </a:solidFill>
+                        </a:rPr>
+                      </a:br>
+                      <a:r>
+                        <a:rPr lang="de-DE" dirty="0">
+                          <a:solidFill>
+                            <a:schemeClr val="tx1"/>
+                          </a:solidFill>
+                        </a:rPr>
+                        <a:t>PCS</a:t>
+                      </a:r>
+                    </a:p>
+                  </a:txBody>
+                  <a:tcPr>
+                    <a:noFill/>
+                  </a:tcPr>
+                </a:tc>
+                <a:extLst>
+                  <a:ext uri="{0D108BD9-81ED-4DB2-BD59-A6C34878D82A}">
+                    <a16:rowId xmlns:a16="http://schemas.microsoft.com/office/drawing/2014/main" val="3931383551"/>
+                  </a:ext>
+                </a:extLst>
+              </a:tr>
+              <a:tr h="595086">
+                <a:tc>
+                  <a:txBody>
+                    <a:bodyPr/>
+                    <a:lstStyle/>
+                    <a:p>
+                      <a:r>
+                        <a:rPr lang="de-DE" dirty="0">
+                          <a:solidFill>
+                            <a:srgbClr val="FF0000"/>
+                          </a:solidFill>
+                        </a:rPr>
+                        <a:t>Cluster 1</a:t>
+                      </a:r>
+                    </a:p>
+                  </a:txBody>
+                  <a:tcPr>
+                    <a:noFill/>
+                  </a:tcPr>
+                </a:tc>
+                <a:tc>
+                  <a:txBody>
+                    <a:bodyPr/>
+                    <a:lstStyle/>
+                    <a:p>
+                      <a:r>
+                        <a:rPr lang="de-DE" dirty="0">
+                          <a:solidFill>
+                            <a:srgbClr val="FF0000"/>
+                          </a:solidFill>
+                        </a:rPr>
+                        <a:t>5</a:t>
+                      </a:r>
+                    </a:p>
+                  </a:txBody>
+                  <a:tcPr>
+                    <a:noFill/>
+                  </a:tcPr>
+                </a:tc>
+                <a:tc>
+                  <a:txBody>
+                    <a:bodyPr/>
+                    <a:lstStyle/>
+                    <a:p>
+                      <a:r>
+                        <a:rPr lang="de-DE" dirty="0">
+                          <a:solidFill>
+                            <a:srgbClr val="FF0000"/>
+                          </a:solidFill>
+                        </a:rPr>
+                        <a:t>27</a:t>
+                      </a:r>
+                    </a:p>
+                  </a:txBody>
+                  <a:tcPr>
+                    <a:noFill/>
+                  </a:tcPr>
+                </a:tc>
+                <a:extLst>
+                  <a:ext uri="{0D108BD9-81ED-4DB2-BD59-A6C34878D82A}">
+                    <a16:rowId xmlns:a16="http://schemas.microsoft.com/office/drawing/2014/main" val="3140929958"/>
+                  </a:ext>
+                </a:extLst>
+              </a:tr>
+              <a:tr h="595086">
+                <a:tc>
+                  <a:txBody>
+                    <a:bodyPr/>
+                    <a:lstStyle/>
+                    <a:p>
+                      <a:r>
+                        <a:rPr lang="de-DE" dirty="0">
+                          <a:solidFill>
+                            <a:srgbClr val="00B050"/>
+                          </a:solidFill>
+                        </a:rPr>
+                        <a:t>Cluster 2</a:t>
+                      </a:r>
+                    </a:p>
+                  </a:txBody>
+                  <a:tcPr>
+                    <a:noFill/>
+                  </a:tcPr>
+                </a:tc>
+                <a:tc>
+                  <a:txBody>
+                    <a:bodyPr/>
+                    <a:lstStyle/>
+                    <a:p>
+                      <a:r>
+                        <a:rPr lang="de-DE" dirty="0">
+                          <a:solidFill>
+                            <a:srgbClr val="00B050"/>
+                          </a:solidFill>
+                        </a:rPr>
+                        <a:t>22</a:t>
+                      </a:r>
+                    </a:p>
+                  </a:txBody>
+                  <a:tcPr>
+                    <a:noFill/>
+                  </a:tcPr>
+                </a:tc>
+                <a:tc>
+                  <a:txBody>
+                    <a:bodyPr/>
+                    <a:lstStyle/>
+                    <a:p>
+                      <a:r>
+                        <a:rPr lang="de-DE" dirty="0">
+                          <a:solidFill>
+                            <a:srgbClr val="00B050"/>
+                          </a:solidFill>
+                        </a:rPr>
+                        <a:t>16</a:t>
+                      </a:r>
+                    </a:p>
+                  </a:txBody>
+                  <a:tcPr>
+                    <a:noFill/>
+                  </a:tcPr>
+                </a:tc>
+                <a:extLst>
+                  <a:ext uri="{0D108BD9-81ED-4DB2-BD59-A6C34878D82A}">
+                    <a16:rowId xmlns:a16="http://schemas.microsoft.com/office/drawing/2014/main" val="2462120241"/>
+                  </a:ext>
+                </a:extLst>
+              </a:tr>
+            </a:tbl>
+          </a:graphicData>
+        </a:graphic>
+      </p:graphicFrame>
+      <p:pic>
+        <p:nvPicPr>
+          <p:cNvPr id="6" name="Picture 5" descr="A group of graphs with text&#10;&#10;Description automatically generated with medium confidence">
+            <a:extLst>
+              <a:ext uri="{FF2B5EF4-FFF2-40B4-BE49-F238E27FC236}">
+                <a16:creationId xmlns:a16="http://schemas.microsoft.com/office/drawing/2014/main" id="{3246DEE5-3DC2-B649-AC20-0C4DA88F1CD2}"/>
+              </a:ext>
+            </a:extLst>
+          </p:cNvPr>
+          <p:cNvPicPr>
+            <a:picLocks noChangeAspect="1"/>
+          </p:cNvPicPr>
+          <p:nvPr/>
+        </p:nvPicPr>
+        <p:blipFill>
+          <a:blip r:embed="rId2">
+            <a:extLst>
+              <a:ext uri="{28A0092B-C50C-407E-A947-70E740481C1C}">
+                <a14:useLocalDpi xmlns:a14="http://schemas.microsoft.com/office/drawing/2010/main" val="0"/>
+              </a:ext>
+            </a:extLst>
+          </a:blip>
+          <a:stretch>
+            <a:fillRect/>
+          </a:stretch>
+        </p:blipFill>
+        <p:spPr>
+          <a:xfrm>
+            <a:off x="445193" y="1592051"/>
+            <a:ext cx="5507058" cy="4252975"/>
+          </a:xfrm>
+          <a:prstGeom prst="rect">
+            <a:avLst/>
+          </a:prstGeom>
+        </p:spPr>
+      </p:pic>
+      <p:pic>
+        <p:nvPicPr>
+          <p:cNvPr id="10" name="Picture 9" descr="A screenshot of a graph&#10;&#10;Description automatically generated">
+            <a:extLst>
+              <a:ext uri="{FF2B5EF4-FFF2-40B4-BE49-F238E27FC236}">
+                <a16:creationId xmlns:a16="http://schemas.microsoft.com/office/drawing/2014/main" id="{554D1ECE-51AD-D3EF-1D0D-8A2EC4D7CB27}"/>
+              </a:ext>
+            </a:extLst>
+          </p:cNvPr>
+          <p:cNvPicPr>
+            <a:picLocks noChangeAspect="1"/>
+          </p:cNvPicPr>
+          <p:nvPr/>
+        </p:nvPicPr>
+        <p:blipFill>
+          <a:blip r:embed="rId3">
+            <a:extLst>
+              <a:ext uri="{28A0092B-C50C-407E-A947-70E740481C1C}">
+                <a14:useLocalDpi xmlns:a14="http://schemas.microsoft.com/office/drawing/2010/main" val="0"/>
+              </a:ext>
+            </a:extLst>
+          </a:blip>
+          <a:stretch>
+            <a:fillRect/>
+          </a:stretch>
+        </p:blipFill>
+        <p:spPr>
+          <a:xfrm>
+            <a:off x="6345258" y="1592051"/>
+            <a:ext cx="5330891" cy="4137407"/>
+          </a:xfrm>
+          <a:prstGeom prst="rect">
+            <a:avLst/>
+          </a:prstGeom>
+        </p:spPr>
+      </p:pic>
+      <p:sp>
+        <p:nvSpPr>
+          <p:cNvPr id="11" name="TextBox 10">
+            <a:extLst>
+              <a:ext uri="{FF2B5EF4-FFF2-40B4-BE49-F238E27FC236}">
+                <a16:creationId xmlns:a16="http://schemas.microsoft.com/office/drawing/2014/main" id="{D31D8C6F-AA9C-F8DC-3003-905FCDB1BDF1}"/>
+              </a:ext>
+            </a:extLst>
+          </p:cNvPr>
+          <p:cNvSpPr txBox="1"/>
+          <p:nvPr/>
+        </p:nvSpPr>
+        <p:spPr>
+          <a:xfrm>
+            <a:off x="565018" y="5955390"/>
+            <a:ext cx="9976462" cy="369332"/>
+          </a:xfrm>
+          <a:prstGeom prst="rect">
+            <a:avLst/>
+          </a:prstGeom>
+          <a:noFill/>
+        </p:spPr>
+        <p:txBody>
+          <a:bodyPr wrap="square">
+            <a:spAutoFit/>
+          </a:bodyPr>
+          <a:lstStyle/>
+          <a:p>
+            <a:r>
+              <a:rPr lang="de-DE" dirty="0"/>
+              <a:t>Abb1: Keine signifikanten Unterschiede</a:t>
+            </a:r>
+          </a:p>
+        </p:txBody>
+      </p:sp>
+    </p:spTree>
+    <p:extLst>
+      <p:ext uri="{BB962C8B-B14F-4D97-AF65-F5344CB8AC3E}">
+        <p14:creationId xmlns:p14="http://schemas.microsoft.com/office/powerpoint/2010/main" val="3353592894"/>
       </p:ext>
     </p:extLst>
   </p:cSld>
@@ -4406,6 +10016,1619 @@
     <p:extLst>
       <p:ext uri="{BB962C8B-B14F-4D97-AF65-F5344CB8AC3E}">
         <p14:creationId xmlns:p14="http://schemas.microsoft.com/office/powerpoint/2010/main" val="2120789090"/>
+      </p:ext>
+    </p:extLst>
+  </p:cSld>
+  <p:clrMapOvr>
+    <a:masterClrMapping/>
+  </p:clrMapOvr>
+</p:sld>
+</file>
+
+<file path=ppt/slides/slide7.xml><?xml version="1.0" encoding="utf-8"?>
+<p:sld xmlns:a="http://schemas.openxmlformats.org/drawingml/2006/main" xmlns:r="http://schemas.openxmlformats.org/officeDocument/2006/relationships" xmlns:p="http://schemas.openxmlformats.org/presentationml/2006/main">
+  <p:cSld>
+    <p:spTree>
+      <p:nvGrpSpPr>
+        <p:cNvPr id="1" name=""/>
+        <p:cNvGrpSpPr/>
+        <p:nvPr/>
+      </p:nvGrpSpPr>
+      <p:grpSpPr>
+        <a:xfrm>
+          <a:off x="0" y="0"/>
+          <a:ext cx="0" cy="0"/>
+          <a:chOff x="0" y="0"/>
+          <a:chExt cx="0" cy="0"/>
+        </a:xfrm>
+      </p:grpSpPr>
+      <p:sp>
+        <p:nvSpPr>
+          <p:cNvPr id="2" name="Title 1">
+            <a:extLst>
+              <a:ext uri="{FF2B5EF4-FFF2-40B4-BE49-F238E27FC236}">
+                <a16:creationId xmlns:a16="http://schemas.microsoft.com/office/drawing/2014/main" id="{5FA92E7E-ADAC-9CF6-FBAD-455FD9799F37}"/>
+              </a:ext>
+            </a:extLst>
+          </p:cNvPr>
+          <p:cNvSpPr>
+            <a:spLocks noGrp="1"/>
+          </p:cNvSpPr>
+          <p:nvPr>
+            <p:ph type="title"/>
+          </p:nvPr>
+        </p:nvSpPr>
+        <p:spPr/>
+        <p:txBody>
+          <a:bodyPr/>
+          <a:lstStyle/>
+          <a:p>
+            <a:r>
+              <a:rPr lang="de-DE" dirty="0"/>
+              <a:t>Z-Werte / 8 Altersgruppen</a:t>
+            </a:r>
+          </a:p>
+        </p:txBody>
+      </p:sp>
+      <p:graphicFrame>
+        <p:nvGraphicFramePr>
+          <p:cNvPr id="6" name="Table 5">
+            <a:extLst>
+              <a:ext uri="{FF2B5EF4-FFF2-40B4-BE49-F238E27FC236}">
+                <a16:creationId xmlns:a16="http://schemas.microsoft.com/office/drawing/2014/main" id="{C34BBE34-C539-43D5-936F-D26836FFAE10}"/>
+              </a:ext>
+            </a:extLst>
+          </p:cNvPr>
+          <p:cNvGraphicFramePr>
+            <a:graphicFrameLocks noGrp="1"/>
+          </p:cNvGraphicFramePr>
+          <p:nvPr>
+            <p:extLst>
+              <p:ext uri="{D42A27DB-BD31-4B8C-83A1-F6EECF244321}">
+                <p14:modId xmlns:p14="http://schemas.microsoft.com/office/powerpoint/2010/main" val="337185883"/>
+              </p:ext>
+            </p:extLst>
+          </p:nvPr>
+        </p:nvGraphicFramePr>
+        <p:xfrm>
+          <a:off x="3673403" y="3607204"/>
+          <a:ext cx="4015242" cy="1830252"/>
+        </p:xfrm>
+        <a:graphic>
+          <a:graphicData uri="http://schemas.openxmlformats.org/drawingml/2006/table">
+            <a:tbl>
+              <a:tblPr firstRow="1" bandRow="1">
+                <a:tableStyleId>{5C22544A-7EE6-4342-B048-85BDC9FD1C3A}</a:tableStyleId>
+              </a:tblPr>
+              <a:tblGrid>
+                <a:gridCol w="1338414">
+                  <a:extLst>
+                    <a:ext uri="{9D8B030D-6E8A-4147-A177-3AD203B41FA5}">
+                      <a16:colId xmlns:a16="http://schemas.microsoft.com/office/drawing/2014/main" val="2087661091"/>
+                    </a:ext>
+                  </a:extLst>
+                </a:gridCol>
+                <a:gridCol w="1338414">
+                  <a:extLst>
+                    <a:ext uri="{9D8B030D-6E8A-4147-A177-3AD203B41FA5}">
+                      <a16:colId xmlns:a16="http://schemas.microsoft.com/office/drawing/2014/main" val="4161442789"/>
+                    </a:ext>
+                  </a:extLst>
+                </a:gridCol>
+                <a:gridCol w="1338414">
+                  <a:extLst>
+                    <a:ext uri="{9D8B030D-6E8A-4147-A177-3AD203B41FA5}">
+                      <a16:colId xmlns:a16="http://schemas.microsoft.com/office/drawing/2014/main" val="1065804868"/>
+                    </a:ext>
+                  </a:extLst>
+                </a:gridCol>
+              </a:tblGrid>
+              <a:tr h="595086">
+                <a:tc>
+                  <a:txBody>
+                    <a:bodyPr/>
+                    <a:lstStyle/>
+                    <a:p>
+                      <a:endParaRPr lang="de-DE" dirty="0">
+                        <a:solidFill>
+                          <a:schemeClr val="tx1"/>
+                        </a:solidFill>
+                      </a:endParaRPr>
+                    </a:p>
+                  </a:txBody>
+                  <a:tcPr>
+                    <a:noFill/>
+                  </a:tcPr>
+                </a:tc>
+                <a:tc>
+                  <a:txBody>
+                    <a:bodyPr/>
+                    <a:lstStyle/>
+                    <a:p>
+                      <a:r>
+                        <a:rPr lang="de-DE" dirty="0">
+                          <a:solidFill>
+                            <a:schemeClr val="tx1"/>
+                          </a:solidFill>
+                        </a:rPr>
+                        <a:t>Without</a:t>
+                      </a:r>
+                      <a:br>
+                        <a:rPr lang="de-DE" dirty="0">
+                          <a:solidFill>
+                            <a:schemeClr val="tx1"/>
+                          </a:solidFill>
+                        </a:rPr>
+                      </a:br>
+                      <a:r>
+                        <a:rPr lang="de-DE" dirty="0">
+                          <a:solidFill>
+                            <a:schemeClr val="tx1"/>
+                          </a:solidFill>
+                        </a:rPr>
+                        <a:t>PCS</a:t>
+                      </a:r>
+                    </a:p>
+                  </a:txBody>
+                  <a:tcPr>
+                    <a:noFill/>
+                  </a:tcPr>
+                </a:tc>
+                <a:tc>
+                  <a:txBody>
+                    <a:bodyPr/>
+                    <a:lstStyle/>
+                    <a:p>
+                      <a:r>
+                        <a:rPr lang="de-DE" dirty="0">
+                          <a:solidFill>
+                            <a:schemeClr val="tx1"/>
+                          </a:solidFill>
+                        </a:rPr>
+                        <a:t>With</a:t>
+                      </a:r>
+                      <a:br>
+                        <a:rPr lang="de-DE" dirty="0">
+                          <a:solidFill>
+                            <a:schemeClr val="tx1"/>
+                          </a:solidFill>
+                        </a:rPr>
+                      </a:br>
+                      <a:r>
+                        <a:rPr lang="de-DE" dirty="0">
+                          <a:solidFill>
+                            <a:schemeClr val="tx1"/>
+                          </a:solidFill>
+                        </a:rPr>
+                        <a:t>PCS</a:t>
+                      </a:r>
+                    </a:p>
+                  </a:txBody>
+                  <a:tcPr>
+                    <a:noFill/>
+                  </a:tcPr>
+                </a:tc>
+                <a:extLst>
+                  <a:ext uri="{0D108BD9-81ED-4DB2-BD59-A6C34878D82A}">
+                    <a16:rowId xmlns:a16="http://schemas.microsoft.com/office/drawing/2014/main" val="3931383551"/>
+                  </a:ext>
+                </a:extLst>
+              </a:tr>
+              <a:tr h="595086">
+                <a:tc>
+                  <a:txBody>
+                    <a:bodyPr/>
+                    <a:lstStyle/>
+                    <a:p>
+                      <a:r>
+                        <a:rPr lang="de-DE" dirty="0">
+                          <a:solidFill>
+                            <a:srgbClr val="FF0000"/>
+                          </a:solidFill>
+                        </a:rPr>
+                        <a:t>Cluster 1</a:t>
+                      </a:r>
+                    </a:p>
+                  </a:txBody>
+                  <a:tcPr>
+                    <a:noFill/>
+                  </a:tcPr>
+                </a:tc>
+                <a:tc>
+                  <a:txBody>
+                    <a:bodyPr/>
+                    <a:lstStyle/>
+                    <a:p>
+                      <a:r>
+                        <a:rPr lang="de-DE" dirty="0">
+                          <a:solidFill>
+                            <a:srgbClr val="FF0000"/>
+                          </a:solidFill>
+                        </a:rPr>
+                        <a:t>5</a:t>
+                      </a:r>
+                    </a:p>
+                  </a:txBody>
+                  <a:tcPr>
+                    <a:noFill/>
+                  </a:tcPr>
+                </a:tc>
+                <a:tc>
+                  <a:txBody>
+                    <a:bodyPr/>
+                    <a:lstStyle/>
+                    <a:p>
+                      <a:r>
+                        <a:rPr lang="de-DE" dirty="0">
+                          <a:solidFill>
+                            <a:srgbClr val="FF0000"/>
+                          </a:solidFill>
+                        </a:rPr>
+                        <a:t>23</a:t>
+                      </a:r>
+                    </a:p>
+                  </a:txBody>
+                  <a:tcPr>
+                    <a:noFill/>
+                  </a:tcPr>
+                </a:tc>
+                <a:extLst>
+                  <a:ext uri="{0D108BD9-81ED-4DB2-BD59-A6C34878D82A}">
+                    <a16:rowId xmlns:a16="http://schemas.microsoft.com/office/drawing/2014/main" val="3140929958"/>
+                  </a:ext>
+                </a:extLst>
+              </a:tr>
+              <a:tr h="595086">
+                <a:tc>
+                  <a:txBody>
+                    <a:bodyPr/>
+                    <a:lstStyle/>
+                    <a:p>
+                      <a:r>
+                        <a:rPr lang="de-DE" dirty="0">
+                          <a:solidFill>
+                            <a:srgbClr val="00B050"/>
+                          </a:solidFill>
+                        </a:rPr>
+                        <a:t>Cluster 2</a:t>
+                      </a:r>
+                    </a:p>
+                  </a:txBody>
+                  <a:tcPr>
+                    <a:noFill/>
+                  </a:tcPr>
+                </a:tc>
+                <a:tc>
+                  <a:txBody>
+                    <a:bodyPr/>
+                    <a:lstStyle/>
+                    <a:p>
+                      <a:r>
+                        <a:rPr lang="de-DE" dirty="0">
+                          <a:solidFill>
+                            <a:srgbClr val="00B050"/>
+                          </a:solidFill>
+                        </a:rPr>
+                        <a:t>22</a:t>
+                      </a:r>
+                    </a:p>
+                  </a:txBody>
+                  <a:tcPr>
+                    <a:noFill/>
+                  </a:tcPr>
+                </a:tc>
+                <a:tc>
+                  <a:txBody>
+                    <a:bodyPr/>
+                    <a:lstStyle/>
+                    <a:p>
+                      <a:r>
+                        <a:rPr lang="de-DE" dirty="0">
+                          <a:solidFill>
+                            <a:srgbClr val="00B050"/>
+                          </a:solidFill>
+                        </a:rPr>
+                        <a:t>20</a:t>
+                      </a:r>
+                    </a:p>
+                  </a:txBody>
+                  <a:tcPr>
+                    <a:noFill/>
+                  </a:tcPr>
+                </a:tc>
+                <a:extLst>
+                  <a:ext uri="{0D108BD9-81ED-4DB2-BD59-A6C34878D82A}">
+                    <a16:rowId xmlns:a16="http://schemas.microsoft.com/office/drawing/2014/main" val="2462120241"/>
+                  </a:ext>
+                </a:extLst>
+              </a:tr>
+            </a:tbl>
+          </a:graphicData>
+        </a:graphic>
+      </p:graphicFrame>
+      <p:graphicFrame>
+        <p:nvGraphicFramePr>
+          <p:cNvPr id="7" name="Table 6">
+            <a:extLst>
+              <a:ext uri="{FF2B5EF4-FFF2-40B4-BE49-F238E27FC236}">
+                <a16:creationId xmlns:a16="http://schemas.microsoft.com/office/drawing/2014/main" id="{0A7E851C-A2D2-B8B5-9750-2F0D12F0550D}"/>
+              </a:ext>
+            </a:extLst>
+          </p:cNvPr>
+          <p:cNvGraphicFramePr>
+            <a:graphicFrameLocks noGrp="1"/>
+          </p:cNvGraphicFramePr>
+          <p:nvPr>
+            <p:extLst>
+              <p:ext uri="{D42A27DB-BD31-4B8C-83A1-F6EECF244321}">
+                <p14:modId xmlns:p14="http://schemas.microsoft.com/office/powerpoint/2010/main" val="84393506"/>
+              </p:ext>
+            </p:extLst>
+          </p:nvPr>
+        </p:nvGraphicFramePr>
+        <p:xfrm>
+          <a:off x="933091" y="1852160"/>
+          <a:ext cx="1817288" cy="3337560"/>
+        </p:xfrm>
+        <a:graphic>
+          <a:graphicData uri="http://schemas.openxmlformats.org/drawingml/2006/table">
+            <a:tbl>
+              <a:tblPr firstRow="1" bandRow="1">
+                <a:tableStyleId>{5C22544A-7EE6-4342-B048-85BDC9FD1C3A}</a:tableStyleId>
+              </a:tblPr>
+              <a:tblGrid>
+                <a:gridCol w="1220159">
+                  <a:extLst>
+                    <a:ext uri="{9D8B030D-6E8A-4147-A177-3AD203B41FA5}">
+                      <a16:colId xmlns:a16="http://schemas.microsoft.com/office/drawing/2014/main" val="3095421252"/>
+                    </a:ext>
+                  </a:extLst>
+                </a:gridCol>
+                <a:gridCol w="597129">
+                  <a:extLst>
+                    <a:ext uri="{9D8B030D-6E8A-4147-A177-3AD203B41FA5}">
+                      <a16:colId xmlns:a16="http://schemas.microsoft.com/office/drawing/2014/main" val="2138526489"/>
+                    </a:ext>
+                  </a:extLst>
+                </a:gridCol>
+              </a:tblGrid>
+              <a:tr h="370840">
+                <a:tc>
+                  <a:txBody>
+                    <a:bodyPr/>
+                    <a:lstStyle/>
+                    <a:p>
+                      <a:r>
+                        <a:rPr lang="de-DE" dirty="0">
+                          <a:solidFill>
+                            <a:schemeClr val="tx1"/>
+                          </a:solidFill>
+                        </a:rPr>
+                        <a:t>Age group</a:t>
+                      </a:r>
+                    </a:p>
+                  </a:txBody>
+                  <a:tcPr>
+                    <a:noFill/>
+                  </a:tcPr>
+                </a:tc>
+                <a:tc>
+                  <a:txBody>
+                    <a:bodyPr/>
+                    <a:lstStyle/>
+                    <a:p>
+                      <a:r>
+                        <a:rPr lang="de-DE" dirty="0">
+                          <a:solidFill>
+                            <a:schemeClr val="tx1"/>
+                          </a:solidFill>
+                        </a:rPr>
+                        <a:t>VPs</a:t>
+                      </a:r>
+                    </a:p>
+                  </a:txBody>
+                  <a:tcPr>
+                    <a:noFill/>
+                  </a:tcPr>
+                </a:tc>
+                <a:extLst>
+                  <a:ext uri="{0D108BD9-81ED-4DB2-BD59-A6C34878D82A}">
+                    <a16:rowId xmlns:a16="http://schemas.microsoft.com/office/drawing/2014/main" val="687688987"/>
+                  </a:ext>
+                </a:extLst>
+              </a:tr>
+              <a:tr h="370840">
+                <a:tc>
+                  <a:txBody>
+                    <a:bodyPr/>
+                    <a:lstStyle/>
+                    <a:p>
+                      <a:r>
+                        <a:rPr lang="de-DE" dirty="0"/>
+                        <a:t>18-24</a:t>
+                      </a:r>
+                    </a:p>
+                  </a:txBody>
+                  <a:tcPr>
+                    <a:noFill/>
+                  </a:tcPr>
+                </a:tc>
+                <a:tc>
+                  <a:txBody>
+                    <a:bodyPr/>
+                    <a:lstStyle/>
+                    <a:p>
+                      <a:r>
+                        <a:rPr lang="de-DE" dirty="0"/>
+                        <a:t>2</a:t>
+                      </a:r>
+                    </a:p>
+                  </a:txBody>
+                  <a:tcPr>
+                    <a:noFill/>
+                  </a:tcPr>
+                </a:tc>
+                <a:extLst>
+                  <a:ext uri="{0D108BD9-81ED-4DB2-BD59-A6C34878D82A}">
+                    <a16:rowId xmlns:a16="http://schemas.microsoft.com/office/drawing/2014/main" val="1424993290"/>
+                  </a:ext>
+                </a:extLst>
+              </a:tr>
+              <a:tr h="370840">
+                <a:tc>
+                  <a:txBody>
+                    <a:bodyPr/>
+                    <a:lstStyle/>
+                    <a:p>
+                      <a:r>
+                        <a:rPr lang="de-DE" dirty="0"/>
+                        <a:t>25-34</a:t>
+                      </a:r>
+                    </a:p>
+                  </a:txBody>
+                  <a:tcPr>
+                    <a:noFill/>
+                  </a:tcPr>
+                </a:tc>
+                <a:tc>
+                  <a:txBody>
+                    <a:bodyPr/>
+                    <a:lstStyle/>
+                    <a:p>
+                      <a:r>
+                        <a:rPr lang="de-DE" dirty="0"/>
+                        <a:t>10</a:t>
+                      </a:r>
+                    </a:p>
+                  </a:txBody>
+                  <a:tcPr>
+                    <a:noFill/>
+                  </a:tcPr>
+                </a:tc>
+                <a:extLst>
+                  <a:ext uri="{0D108BD9-81ED-4DB2-BD59-A6C34878D82A}">
+                    <a16:rowId xmlns:a16="http://schemas.microsoft.com/office/drawing/2014/main" val="640674437"/>
+                  </a:ext>
+                </a:extLst>
+              </a:tr>
+              <a:tr h="370840">
+                <a:tc>
+                  <a:txBody>
+                    <a:bodyPr/>
+                    <a:lstStyle/>
+                    <a:p>
+                      <a:r>
+                        <a:rPr lang="de-DE" dirty="0"/>
+                        <a:t>35-44</a:t>
+                      </a:r>
+                    </a:p>
+                  </a:txBody>
+                  <a:tcPr>
+                    <a:noFill/>
+                  </a:tcPr>
+                </a:tc>
+                <a:tc>
+                  <a:txBody>
+                    <a:bodyPr/>
+                    <a:lstStyle/>
+                    <a:p>
+                      <a:r>
+                        <a:rPr lang="de-DE" dirty="0"/>
+                        <a:t>12</a:t>
+                      </a:r>
+                    </a:p>
+                  </a:txBody>
+                  <a:tcPr>
+                    <a:noFill/>
+                  </a:tcPr>
+                </a:tc>
+                <a:extLst>
+                  <a:ext uri="{0D108BD9-81ED-4DB2-BD59-A6C34878D82A}">
+                    <a16:rowId xmlns:a16="http://schemas.microsoft.com/office/drawing/2014/main" val="4067803672"/>
+                  </a:ext>
+                </a:extLst>
+              </a:tr>
+              <a:tr h="370840">
+                <a:tc>
+                  <a:txBody>
+                    <a:bodyPr/>
+                    <a:lstStyle/>
+                    <a:p>
+                      <a:r>
+                        <a:rPr lang="de-DE" dirty="0"/>
+                        <a:t>45-54</a:t>
+                      </a:r>
+                    </a:p>
+                  </a:txBody>
+                  <a:tcPr>
+                    <a:noFill/>
+                  </a:tcPr>
+                </a:tc>
+                <a:tc>
+                  <a:txBody>
+                    <a:bodyPr/>
+                    <a:lstStyle/>
+                    <a:p>
+                      <a:r>
+                        <a:rPr lang="de-DE" dirty="0"/>
+                        <a:t>12</a:t>
+                      </a:r>
+                    </a:p>
+                  </a:txBody>
+                  <a:tcPr>
+                    <a:noFill/>
+                  </a:tcPr>
+                </a:tc>
+                <a:extLst>
+                  <a:ext uri="{0D108BD9-81ED-4DB2-BD59-A6C34878D82A}">
+                    <a16:rowId xmlns:a16="http://schemas.microsoft.com/office/drawing/2014/main" val="295450064"/>
+                  </a:ext>
+                </a:extLst>
+              </a:tr>
+              <a:tr h="370840">
+                <a:tc>
+                  <a:txBody>
+                    <a:bodyPr/>
+                    <a:lstStyle/>
+                    <a:p>
+                      <a:r>
+                        <a:rPr lang="de-DE" dirty="0"/>
+                        <a:t>55-59</a:t>
+                      </a:r>
+                    </a:p>
+                  </a:txBody>
+                  <a:tcPr>
+                    <a:noFill/>
+                  </a:tcPr>
+                </a:tc>
+                <a:tc>
+                  <a:txBody>
+                    <a:bodyPr/>
+                    <a:lstStyle/>
+                    <a:p>
+                      <a:r>
+                        <a:rPr lang="de-DE" dirty="0"/>
+                        <a:t>20</a:t>
+                      </a:r>
+                    </a:p>
+                  </a:txBody>
+                  <a:tcPr>
+                    <a:noFill/>
+                  </a:tcPr>
+                </a:tc>
+                <a:extLst>
+                  <a:ext uri="{0D108BD9-81ED-4DB2-BD59-A6C34878D82A}">
+                    <a16:rowId xmlns:a16="http://schemas.microsoft.com/office/drawing/2014/main" val="3857621939"/>
+                  </a:ext>
+                </a:extLst>
+              </a:tr>
+              <a:tr h="370840">
+                <a:tc>
+                  <a:txBody>
+                    <a:bodyPr/>
+                    <a:lstStyle/>
+                    <a:p>
+                      <a:r>
+                        <a:rPr lang="de-DE" dirty="0"/>
+                        <a:t>60-64</a:t>
+                      </a:r>
+                    </a:p>
+                  </a:txBody>
+                  <a:tcPr>
+                    <a:noFill/>
+                  </a:tcPr>
+                </a:tc>
+                <a:tc>
+                  <a:txBody>
+                    <a:bodyPr/>
+                    <a:lstStyle/>
+                    <a:p>
+                      <a:r>
+                        <a:rPr lang="de-DE" dirty="0"/>
+                        <a:t>8</a:t>
+                      </a:r>
+                    </a:p>
+                  </a:txBody>
+                  <a:tcPr>
+                    <a:noFill/>
+                  </a:tcPr>
+                </a:tc>
+                <a:extLst>
+                  <a:ext uri="{0D108BD9-81ED-4DB2-BD59-A6C34878D82A}">
+                    <a16:rowId xmlns:a16="http://schemas.microsoft.com/office/drawing/2014/main" val="154008673"/>
+                  </a:ext>
+                </a:extLst>
+              </a:tr>
+              <a:tr h="370840">
+                <a:tc>
+                  <a:txBody>
+                    <a:bodyPr/>
+                    <a:lstStyle/>
+                    <a:p>
+                      <a:r>
+                        <a:rPr lang="de-DE" dirty="0"/>
+                        <a:t>65-69</a:t>
+                      </a:r>
+                    </a:p>
+                  </a:txBody>
+                  <a:tcPr>
+                    <a:noFill/>
+                  </a:tcPr>
+                </a:tc>
+                <a:tc>
+                  <a:txBody>
+                    <a:bodyPr/>
+                    <a:lstStyle/>
+                    <a:p>
+                      <a:r>
+                        <a:rPr lang="de-DE" dirty="0"/>
+                        <a:t>3</a:t>
+                      </a:r>
+                    </a:p>
+                  </a:txBody>
+                  <a:tcPr>
+                    <a:noFill/>
+                  </a:tcPr>
+                </a:tc>
+                <a:extLst>
+                  <a:ext uri="{0D108BD9-81ED-4DB2-BD59-A6C34878D82A}">
+                    <a16:rowId xmlns:a16="http://schemas.microsoft.com/office/drawing/2014/main" val="799399092"/>
+                  </a:ext>
+                </a:extLst>
+              </a:tr>
+              <a:tr h="370840">
+                <a:tc>
+                  <a:txBody>
+                    <a:bodyPr/>
+                    <a:lstStyle/>
+                    <a:p>
+                      <a:r>
+                        <a:rPr lang="de-DE" dirty="0"/>
+                        <a:t>70-80</a:t>
+                      </a:r>
+                    </a:p>
+                  </a:txBody>
+                  <a:tcPr>
+                    <a:noFill/>
+                  </a:tcPr>
+                </a:tc>
+                <a:tc>
+                  <a:txBody>
+                    <a:bodyPr/>
+                    <a:lstStyle/>
+                    <a:p>
+                      <a:r>
+                        <a:rPr lang="de-DE" dirty="0"/>
+                        <a:t>3</a:t>
+                      </a:r>
+                    </a:p>
+                  </a:txBody>
+                  <a:tcPr>
+                    <a:noFill/>
+                  </a:tcPr>
+                </a:tc>
+                <a:extLst>
+                  <a:ext uri="{0D108BD9-81ED-4DB2-BD59-A6C34878D82A}">
+                    <a16:rowId xmlns:a16="http://schemas.microsoft.com/office/drawing/2014/main" val="2747931109"/>
+                  </a:ext>
+                </a:extLst>
+              </a:tr>
+            </a:tbl>
+          </a:graphicData>
+        </a:graphic>
+      </p:graphicFrame>
+    </p:spTree>
+    <p:extLst>
+      <p:ext uri="{BB962C8B-B14F-4D97-AF65-F5344CB8AC3E}">
+        <p14:creationId xmlns:p14="http://schemas.microsoft.com/office/powerpoint/2010/main" val="1875458343"/>
+      </p:ext>
+    </p:extLst>
+  </p:cSld>
+  <p:clrMapOvr>
+    <a:masterClrMapping/>
+  </p:clrMapOvr>
+</p:sld>
+</file>
+
+<file path=ppt/slides/slide8.xml><?xml version="1.0" encoding="utf-8"?>
+<p:sld xmlns:a="http://schemas.openxmlformats.org/drawingml/2006/main" xmlns:r="http://schemas.openxmlformats.org/officeDocument/2006/relationships" xmlns:p="http://schemas.openxmlformats.org/presentationml/2006/main">
+  <p:cSld>
+    <p:spTree>
+      <p:nvGrpSpPr>
+        <p:cNvPr id="1" name=""/>
+        <p:cNvGrpSpPr/>
+        <p:nvPr/>
+      </p:nvGrpSpPr>
+      <p:grpSpPr>
+        <a:xfrm>
+          <a:off x="0" y="0"/>
+          <a:ext cx="0" cy="0"/>
+          <a:chOff x="0" y="0"/>
+          <a:chExt cx="0" cy="0"/>
+        </a:xfrm>
+      </p:grpSpPr>
+      <p:sp>
+        <p:nvSpPr>
+          <p:cNvPr id="2" name="Title 1">
+            <a:extLst>
+              <a:ext uri="{FF2B5EF4-FFF2-40B4-BE49-F238E27FC236}">
+                <a16:creationId xmlns:a16="http://schemas.microsoft.com/office/drawing/2014/main" id="{5FA92E7E-ADAC-9CF6-FBAD-455FD9799F37}"/>
+              </a:ext>
+            </a:extLst>
+          </p:cNvPr>
+          <p:cNvSpPr>
+            <a:spLocks noGrp="1"/>
+          </p:cNvSpPr>
+          <p:nvPr>
+            <p:ph type="title"/>
+          </p:nvPr>
+        </p:nvSpPr>
+        <p:spPr/>
+        <p:txBody>
+          <a:bodyPr/>
+          <a:lstStyle/>
+          <a:p>
+            <a:r>
+              <a:rPr lang="de-DE" dirty="0"/>
+              <a:t>Z-Werte / 8 Altersgruppen</a:t>
+            </a:r>
+          </a:p>
+        </p:txBody>
+      </p:sp>
+      <p:sp>
+        <p:nvSpPr>
+          <p:cNvPr id="10" name="TextBox 9">
+            <a:extLst>
+              <a:ext uri="{FF2B5EF4-FFF2-40B4-BE49-F238E27FC236}">
+                <a16:creationId xmlns:a16="http://schemas.microsoft.com/office/drawing/2014/main" id="{140A12DA-0ECD-8045-A50A-F11B9BEC367D}"/>
+              </a:ext>
+            </a:extLst>
+          </p:cNvPr>
+          <p:cNvSpPr txBox="1"/>
+          <p:nvPr/>
+        </p:nvSpPr>
+        <p:spPr>
+          <a:xfrm>
+            <a:off x="538947" y="5845026"/>
+            <a:ext cx="8630932" cy="923330"/>
+          </a:xfrm>
+          <a:prstGeom prst="rect">
+            <a:avLst/>
+          </a:prstGeom>
+          <a:noFill/>
+        </p:spPr>
+        <p:txBody>
+          <a:bodyPr wrap="square" rtlCol="0">
+            <a:spAutoFit/>
+          </a:bodyPr>
+          <a:lstStyle/>
+          <a:p>
+            <a:r>
+              <a:rPr lang="de-DE" dirty="0"/>
+              <a:t>Abbildung1: Alle Unterschiede signifikant</a:t>
+            </a:r>
+          </a:p>
+          <a:p>
+            <a:r>
+              <a:rPr lang="de-DE" dirty="0"/>
+              <a:t>Abbildung 2:  Alle Unterschiede zwischen with(out) C1 und with(out) C2 signifikant (Wenn keine z-Werte, dann tmt_b nicht signifikant)</a:t>
+            </a:r>
+          </a:p>
+        </p:txBody>
+      </p:sp>
+      <p:pic>
+        <p:nvPicPr>
+          <p:cNvPr id="5" name="Picture 4" descr="A group of graphs with text&#10;&#10;Description automatically generated with medium confidence">
+            <a:extLst>
+              <a:ext uri="{FF2B5EF4-FFF2-40B4-BE49-F238E27FC236}">
+                <a16:creationId xmlns:a16="http://schemas.microsoft.com/office/drawing/2014/main" id="{658D3379-2C83-88C2-8744-84D21DB42A1A}"/>
+              </a:ext>
+            </a:extLst>
+          </p:cNvPr>
+          <p:cNvPicPr>
+            <a:picLocks noChangeAspect="1"/>
+          </p:cNvPicPr>
+          <p:nvPr/>
+        </p:nvPicPr>
+        <p:blipFill>
+          <a:blip r:embed="rId2">
+            <a:extLst>
+              <a:ext uri="{28A0092B-C50C-407E-A947-70E740481C1C}">
+                <a14:useLocalDpi xmlns:a14="http://schemas.microsoft.com/office/drawing/2010/main" val="0"/>
+              </a:ext>
+            </a:extLst>
+          </a:blip>
+          <a:stretch>
+            <a:fillRect/>
+          </a:stretch>
+        </p:blipFill>
+        <p:spPr>
+          <a:xfrm>
+            <a:off x="360784" y="1360452"/>
+            <a:ext cx="5735216" cy="4455457"/>
+          </a:xfrm>
+          <a:prstGeom prst="rect">
+            <a:avLst/>
+          </a:prstGeom>
+        </p:spPr>
+      </p:pic>
+      <p:pic>
+        <p:nvPicPr>
+          <p:cNvPr id="7" name="Picture 6" descr="A group of graphs with text&#10;&#10;Description automatically generated with medium confidence">
+            <a:extLst>
+              <a:ext uri="{FF2B5EF4-FFF2-40B4-BE49-F238E27FC236}">
+                <a16:creationId xmlns:a16="http://schemas.microsoft.com/office/drawing/2014/main" id="{3EEE3AE6-41D7-3E88-529F-42ECEA075BE6}"/>
+              </a:ext>
+            </a:extLst>
+          </p:cNvPr>
+          <p:cNvPicPr>
+            <a:picLocks noChangeAspect="1"/>
+          </p:cNvPicPr>
+          <p:nvPr/>
+        </p:nvPicPr>
+        <p:blipFill>
+          <a:blip r:embed="rId3">
+            <a:extLst>
+              <a:ext uri="{28A0092B-C50C-407E-A947-70E740481C1C}">
+                <a14:useLocalDpi xmlns:a14="http://schemas.microsoft.com/office/drawing/2010/main" val="0"/>
+              </a:ext>
+            </a:extLst>
+          </a:blip>
+          <a:stretch>
+            <a:fillRect/>
+          </a:stretch>
+        </p:blipFill>
+        <p:spPr>
+          <a:xfrm>
+            <a:off x="6248077" y="1360452"/>
+            <a:ext cx="5805900" cy="4630205"/>
+          </a:xfrm>
+          <a:prstGeom prst="rect">
+            <a:avLst/>
+          </a:prstGeom>
+        </p:spPr>
+      </p:pic>
+      <p:graphicFrame>
+        <p:nvGraphicFramePr>
+          <p:cNvPr id="9" name="Table 8">
+            <a:extLst>
+              <a:ext uri="{FF2B5EF4-FFF2-40B4-BE49-F238E27FC236}">
+                <a16:creationId xmlns:a16="http://schemas.microsoft.com/office/drawing/2014/main" id="{15FB80B1-12F7-56EC-B5B5-062FA843F498}"/>
+              </a:ext>
+            </a:extLst>
+          </p:cNvPr>
+          <p:cNvGraphicFramePr>
+            <a:graphicFrameLocks noGrp="1"/>
+          </p:cNvGraphicFramePr>
+          <p:nvPr>
+            <p:extLst>
+              <p:ext uri="{D42A27DB-BD31-4B8C-83A1-F6EECF244321}">
+                <p14:modId xmlns:p14="http://schemas.microsoft.com/office/powerpoint/2010/main" val="690236905"/>
+              </p:ext>
+            </p:extLst>
+          </p:nvPr>
+        </p:nvGraphicFramePr>
+        <p:xfrm>
+          <a:off x="9266195" y="5227263"/>
+          <a:ext cx="3322620" cy="1604858"/>
+        </p:xfrm>
+        <a:graphic>
+          <a:graphicData uri="http://schemas.openxmlformats.org/drawingml/2006/table">
+            <a:tbl>
+              <a:tblPr firstRow="1" bandRow="1">
+                <a:tableStyleId>{5C22544A-7EE6-4342-B048-85BDC9FD1C3A}</a:tableStyleId>
+              </a:tblPr>
+              <a:tblGrid>
+                <a:gridCol w="1107540">
+                  <a:extLst>
+                    <a:ext uri="{9D8B030D-6E8A-4147-A177-3AD203B41FA5}">
+                      <a16:colId xmlns:a16="http://schemas.microsoft.com/office/drawing/2014/main" val="2087661091"/>
+                    </a:ext>
+                  </a:extLst>
+                </a:gridCol>
+                <a:gridCol w="1107540">
+                  <a:extLst>
+                    <a:ext uri="{9D8B030D-6E8A-4147-A177-3AD203B41FA5}">
+                      <a16:colId xmlns:a16="http://schemas.microsoft.com/office/drawing/2014/main" val="4161442789"/>
+                    </a:ext>
+                  </a:extLst>
+                </a:gridCol>
+                <a:gridCol w="1107540">
+                  <a:extLst>
+                    <a:ext uri="{9D8B030D-6E8A-4147-A177-3AD203B41FA5}">
+                      <a16:colId xmlns:a16="http://schemas.microsoft.com/office/drawing/2014/main" val="1065804868"/>
+                    </a:ext>
+                  </a:extLst>
+                </a:gridCol>
+              </a:tblGrid>
+              <a:tr h="518862">
+                <a:tc>
+                  <a:txBody>
+                    <a:bodyPr/>
+                    <a:lstStyle/>
+                    <a:p>
+                      <a:endParaRPr lang="de-DE" dirty="0">
+                        <a:solidFill>
+                          <a:schemeClr val="tx1"/>
+                        </a:solidFill>
+                      </a:endParaRPr>
+                    </a:p>
+                  </a:txBody>
+                  <a:tcPr>
+                    <a:noFill/>
+                  </a:tcPr>
+                </a:tc>
+                <a:tc>
+                  <a:txBody>
+                    <a:bodyPr/>
+                    <a:lstStyle/>
+                    <a:p>
+                      <a:r>
+                        <a:rPr lang="de-DE" dirty="0">
+                          <a:solidFill>
+                            <a:schemeClr val="tx1"/>
+                          </a:solidFill>
+                        </a:rPr>
+                        <a:t>Without</a:t>
+                      </a:r>
+                      <a:br>
+                        <a:rPr lang="de-DE" dirty="0">
+                          <a:solidFill>
+                            <a:schemeClr val="tx1"/>
+                          </a:solidFill>
+                        </a:rPr>
+                      </a:br>
+                      <a:r>
+                        <a:rPr lang="de-DE" dirty="0">
+                          <a:solidFill>
+                            <a:schemeClr val="tx1"/>
+                          </a:solidFill>
+                        </a:rPr>
+                        <a:t>PCS</a:t>
+                      </a:r>
+                    </a:p>
+                  </a:txBody>
+                  <a:tcPr>
+                    <a:noFill/>
+                  </a:tcPr>
+                </a:tc>
+                <a:tc>
+                  <a:txBody>
+                    <a:bodyPr/>
+                    <a:lstStyle/>
+                    <a:p>
+                      <a:r>
+                        <a:rPr lang="de-DE" dirty="0">
+                          <a:solidFill>
+                            <a:schemeClr val="tx1"/>
+                          </a:solidFill>
+                        </a:rPr>
+                        <a:t>With</a:t>
+                      </a:r>
+                      <a:br>
+                        <a:rPr lang="de-DE" dirty="0">
+                          <a:solidFill>
+                            <a:schemeClr val="tx1"/>
+                          </a:solidFill>
+                        </a:rPr>
+                      </a:br>
+                      <a:r>
+                        <a:rPr lang="de-DE" dirty="0">
+                          <a:solidFill>
+                            <a:schemeClr val="tx1"/>
+                          </a:solidFill>
+                        </a:rPr>
+                        <a:t>PCS</a:t>
+                      </a:r>
+                    </a:p>
+                  </a:txBody>
+                  <a:tcPr>
+                    <a:noFill/>
+                  </a:tcPr>
+                </a:tc>
+                <a:extLst>
+                  <a:ext uri="{0D108BD9-81ED-4DB2-BD59-A6C34878D82A}">
+                    <a16:rowId xmlns:a16="http://schemas.microsoft.com/office/drawing/2014/main" val="3931383551"/>
+                  </a:ext>
+                </a:extLst>
+              </a:tr>
+              <a:tr h="482389">
+                <a:tc>
+                  <a:txBody>
+                    <a:bodyPr/>
+                    <a:lstStyle/>
+                    <a:p>
+                      <a:r>
+                        <a:rPr lang="de-DE" dirty="0">
+                          <a:solidFill>
+                            <a:srgbClr val="FF0000"/>
+                          </a:solidFill>
+                        </a:rPr>
+                        <a:t>Cluster 1</a:t>
+                      </a:r>
+                    </a:p>
+                  </a:txBody>
+                  <a:tcPr>
+                    <a:noFill/>
+                  </a:tcPr>
+                </a:tc>
+                <a:tc>
+                  <a:txBody>
+                    <a:bodyPr/>
+                    <a:lstStyle/>
+                    <a:p>
+                      <a:r>
+                        <a:rPr lang="de-DE" dirty="0">
+                          <a:solidFill>
+                            <a:srgbClr val="FF0000"/>
+                          </a:solidFill>
+                        </a:rPr>
+                        <a:t>5</a:t>
+                      </a:r>
+                    </a:p>
+                  </a:txBody>
+                  <a:tcPr>
+                    <a:noFill/>
+                  </a:tcPr>
+                </a:tc>
+                <a:tc>
+                  <a:txBody>
+                    <a:bodyPr/>
+                    <a:lstStyle/>
+                    <a:p>
+                      <a:r>
+                        <a:rPr lang="de-DE" dirty="0">
+                          <a:solidFill>
+                            <a:srgbClr val="FF0000"/>
+                          </a:solidFill>
+                        </a:rPr>
+                        <a:t>23</a:t>
+                      </a:r>
+                    </a:p>
+                  </a:txBody>
+                  <a:tcPr>
+                    <a:noFill/>
+                  </a:tcPr>
+                </a:tc>
+                <a:extLst>
+                  <a:ext uri="{0D108BD9-81ED-4DB2-BD59-A6C34878D82A}">
+                    <a16:rowId xmlns:a16="http://schemas.microsoft.com/office/drawing/2014/main" val="3140929958"/>
+                  </a:ext>
+                </a:extLst>
+              </a:tr>
+              <a:tr h="482389">
+                <a:tc>
+                  <a:txBody>
+                    <a:bodyPr/>
+                    <a:lstStyle/>
+                    <a:p>
+                      <a:r>
+                        <a:rPr lang="de-DE" dirty="0">
+                          <a:solidFill>
+                            <a:srgbClr val="00B050"/>
+                          </a:solidFill>
+                        </a:rPr>
+                        <a:t>Cluster 2</a:t>
+                      </a:r>
+                    </a:p>
+                  </a:txBody>
+                  <a:tcPr>
+                    <a:noFill/>
+                  </a:tcPr>
+                </a:tc>
+                <a:tc>
+                  <a:txBody>
+                    <a:bodyPr/>
+                    <a:lstStyle/>
+                    <a:p>
+                      <a:r>
+                        <a:rPr lang="de-DE" dirty="0">
+                          <a:solidFill>
+                            <a:srgbClr val="00B050"/>
+                          </a:solidFill>
+                        </a:rPr>
+                        <a:t>22</a:t>
+                      </a:r>
+                    </a:p>
+                  </a:txBody>
+                  <a:tcPr>
+                    <a:noFill/>
+                  </a:tcPr>
+                </a:tc>
+                <a:tc>
+                  <a:txBody>
+                    <a:bodyPr/>
+                    <a:lstStyle/>
+                    <a:p>
+                      <a:r>
+                        <a:rPr lang="de-DE" dirty="0">
+                          <a:solidFill>
+                            <a:srgbClr val="00B050"/>
+                          </a:solidFill>
+                        </a:rPr>
+                        <a:t>20</a:t>
+                      </a:r>
+                    </a:p>
+                  </a:txBody>
+                  <a:tcPr>
+                    <a:noFill/>
+                  </a:tcPr>
+                </a:tc>
+                <a:extLst>
+                  <a:ext uri="{0D108BD9-81ED-4DB2-BD59-A6C34878D82A}">
+                    <a16:rowId xmlns:a16="http://schemas.microsoft.com/office/drawing/2014/main" val="2462120241"/>
+                  </a:ext>
+                </a:extLst>
+              </a:tr>
+            </a:tbl>
+          </a:graphicData>
+        </a:graphic>
+      </p:graphicFrame>
+    </p:spTree>
+    <p:extLst>
+      <p:ext uri="{BB962C8B-B14F-4D97-AF65-F5344CB8AC3E}">
+        <p14:creationId xmlns:p14="http://schemas.microsoft.com/office/powerpoint/2010/main" val="1938717005"/>
+      </p:ext>
+    </p:extLst>
+  </p:cSld>
+  <p:clrMapOvr>
+    <a:masterClrMapping/>
+  </p:clrMapOvr>
+</p:sld>
+</file>
+
+<file path=ppt/slides/slide9.xml><?xml version="1.0" encoding="utf-8"?>
+<p:sld xmlns:a="http://schemas.openxmlformats.org/drawingml/2006/main" xmlns:r="http://schemas.openxmlformats.org/officeDocument/2006/relationships" xmlns:p="http://schemas.openxmlformats.org/presentationml/2006/main">
+  <p:cSld>
+    <p:spTree>
+      <p:nvGrpSpPr>
+        <p:cNvPr id="1" name=""/>
+        <p:cNvGrpSpPr/>
+        <p:nvPr/>
+      </p:nvGrpSpPr>
+      <p:grpSpPr>
+        <a:xfrm>
+          <a:off x="0" y="0"/>
+          <a:ext cx="0" cy="0"/>
+          <a:chOff x="0" y="0"/>
+          <a:chExt cx="0" cy="0"/>
+        </a:xfrm>
+      </p:grpSpPr>
+      <p:sp>
+        <p:nvSpPr>
+          <p:cNvPr id="2" name="Title 1">
+            <a:extLst>
+              <a:ext uri="{FF2B5EF4-FFF2-40B4-BE49-F238E27FC236}">
+                <a16:creationId xmlns:a16="http://schemas.microsoft.com/office/drawing/2014/main" id="{5FA92E7E-ADAC-9CF6-FBAD-455FD9799F37}"/>
+              </a:ext>
+            </a:extLst>
+          </p:cNvPr>
+          <p:cNvSpPr>
+            <a:spLocks noGrp="1"/>
+          </p:cNvSpPr>
+          <p:nvPr>
+            <p:ph type="title"/>
+          </p:nvPr>
+        </p:nvSpPr>
+        <p:spPr/>
+        <p:txBody>
+          <a:bodyPr/>
+          <a:lstStyle/>
+          <a:p>
+            <a:r>
+              <a:rPr lang="de-DE" dirty="0"/>
+              <a:t>Z-Werte / 8 Altersgruppen</a:t>
+            </a:r>
+          </a:p>
+        </p:txBody>
+      </p:sp>
+      <p:pic>
+        <p:nvPicPr>
+          <p:cNvPr id="4" name="Picture 3">
+            <a:extLst>
+              <a:ext uri="{FF2B5EF4-FFF2-40B4-BE49-F238E27FC236}">
+                <a16:creationId xmlns:a16="http://schemas.microsoft.com/office/drawing/2014/main" id="{263A72D2-190A-A527-E66E-719F7CD55AD6}"/>
+              </a:ext>
+            </a:extLst>
+          </p:cNvPr>
+          <p:cNvPicPr>
+            <a:picLocks noChangeAspect="1"/>
+          </p:cNvPicPr>
+          <p:nvPr/>
+        </p:nvPicPr>
+        <p:blipFill>
+          <a:blip r:embed="rId2"/>
+          <a:stretch>
+            <a:fillRect/>
+          </a:stretch>
+        </p:blipFill>
+        <p:spPr>
+          <a:xfrm>
+            <a:off x="6474167" y="1627592"/>
+            <a:ext cx="5020887" cy="3995025"/>
+          </a:xfrm>
+          <a:prstGeom prst="rect">
+            <a:avLst/>
+          </a:prstGeom>
+        </p:spPr>
+      </p:pic>
+      <p:pic>
+        <p:nvPicPr>
+          <p:cNvPr id="8" name="Picture 7" descr="A graph with a number of clusters&#10;&#10;Description automatically generated with medium confidence">
+            <a:extLst>
+              <a:ext uri="{FF2B5EF4-FFF2-40B4-BE49-F238E27FC236}">
+                <a16:creationId xmlns:a16="http://schemas.microsoft.com/office/drawing/2014/main" id="{5CA22BF2-DB80-A3DD-901D-9290659C48EA}"/>
+              </a:ext>
+            </a:extLst>
+          </p:cNvPr>
+          <p:cNvPicPr>
+            <a:picLocks noChangeAspect="1"/>
+          </p:cNvPicPr>
+          <p:nvPr/>
+        </p:nvPicPr>
+        <p:blipFill>
+          <a:blip r:embed="rId3">
+            <a:extLst>
+              <a:ext uri="{28A0092B-C50C-407E-A947-70E740481C1C}">
+                <a14:useLocalDpi xmlns:a14="http://schemas.microsoft.com/office/drawing/2010/main" val="0"/>
+              </a:ext>
+            </a:extLst>
+          </a:blip>
+          <a:stretch>
+            <a:fillRect/>
+          </a:stretch>
+        </p:blipFill>
+        <p:spPr>
+          <a:xfrm>
+            <a:off x="823057" y="1483640"/>
+            <a:ext cx="5272943" cy="4138977"/>
+          </a:xfrm>
+          <a:prstGeom prst="rect">
+            <a:avLst/>
+          </a:prstGeom>
+        </p:spPr>
+      </p:pic>
+      <p:graphicFrame>
+        <p:nvGraphicFramePr>
+          <p:cNvPr id="9" name="Table 8">
+            <a:extLst>
+              <a:ext uri="{FF2B5EF4-FFF2-40B4-BE49-F238E27FC236}">
+                <a16:creationId xmlns:a16="http://schemas.microsoft.com/office/drawing/2014/main" id="{15FB80B1-12F7-56EC-B5B5-062FA843F498}"/>
+              </a:ext>
+            </a:extLst>
+          </p:cNvPr>
+          <p:cNvGraphicFramePr>
+            <a:graphicFrameLocks noGrp="1"/>
+          </p:cNvGraphicFramePr>
+          <p:nvPr>
+            <p:extLst>
+              <p:ext uri="{D42A27DB-BD31-4B8C-83A1-F6EECF244321}">
+                <p14:modId xmlns:p14="http://schemas.microsoft.com/office/powerpoint/2010/main" val="53993015"/>
+              </p:ext>
+            </p:extLst>
+          </p:nvPr>
+        </p:nvGraphicFramePr>
+        <p:xfrm>
+          <a:off x="8869380" y="14108"/>
+          <a:ext cx="3322620" cy="1604858"/>
+        </p:xfrm>
+        <a:graphic>
+          <a:graphicData uri="http://schemas.openxmlformats.org/drawingml/2006/table">
+            <a:tbl>
+              <a:tblPr firstRow="1" bandRow="1">
+                <a:tableStyleId>{5C22544A-7EE6-4342-B048-85BDC9FD1C3A}</a:tableStyleId>
+              </a:tblPr>
+              <a:tblGrid>
+                <a:gridCol w="1107540">
+                  <a:extLst>
+                    <a:ext uri="{9D8B030D-6E8A-4147-A177-3AD203B41FA5}">
+                      <a16:colId xmlns:a16="http://schemas.microsoft.com/office/drawing/2014/main" val="2087661091"/>
+                    </a:ext>
+                  </a:extLst>
+                </a:gridCol>
+                <a:gridCol w="1107540">
+                  <a:extLst>
+                    <a:ext uri="{9D8B030D-6E8A-4147-A177-3AD203B41FA5}">
+                      <a16:colId xmlns:a16="http://schemas.microsoft.com/office/drawing/2014/main" val="4161442789"/>
+                    </a:ext>
+                  </a:extLst>
+                </a:gridCol>
+                <a:gridCol w="1107540">
+                  <a:extLst>
+                    <a:ext uri="{9D8B030D-6E8A-4147-A177-3AD203B41FA5}">
+                      <a16:colId xmlns:a16="http://schemas.microsoft.com/office/drawing/2014/main" val="1065804868"/>
+                    </a:ext>
+                  </a:extLst>
+                </a:gridCol>
+              </a:tblGrid>
+              <a:tr h="518862">
+                <a:tc>
+                  <a:txBody>
+                    <a:bodyPr/>
+                    <a:lstStyle/>
+                    <a:p>
+                      <a:endParaRPr lang="de-DE" dirty="0">
+                        <a:solidFill>
+                          <a:schemeClr val="tx1"/>
+                        </a:solidFill>
+                      </a:endParaRPr>
+                    </a:p>
+                  </a:txBody>
+                  <a:tcPr>
+                    <a:noFill/>
+                  </a:tcPr>
+                </a:tc>
+                <a:tc>
+                  <a:txBody>
+                    <a:bodyPr/>
+                    <a:lstStyle/>
+                    <a:p>
+                      <a:r>
+                        <a:rPr lang="de-DE" dirty="0">
+                          <a:solidFill>
+                            <a:schemeClr val="tx1"/>
+                          </a:solidFill>
+                        </a:rPr>
+                        <a:t>Without</a:t>
+                      </a:r>
+                      <a:br>
+                        <a:rPr lang="de-DE" dirty="0">
+                          <a:solidFill>
+                            <a:schemeClr val="tx1"/>
+                          </a:solidFill>
+                        </a:rPr>
+                      </a:br>
+                      <a:r>
+                        <a:rPr lang="de-DE" dirty="0">
+                          <a:solidFill>
+                            <a:schemeClr val="tx1"/>
+                          </a:solidFill>
+                        </a:rPr>
+                        <a:t>PCS</a:t>
+                      </a:r>
+                    </a:p>
+                  </a:txBody>
+                  <a:tcPr>
+                    <a:noFill/>
+                  </a:tcPr>
+                </a:tc>
+                <a:tc>
+                  <a:txBody>
+                    <a:bodyPr/>
+                    <a:lstStyle/>
+                    <a:p>
+                      <a:r>
+                        <a:rPr lang="de-DE" dirty="0">
+                          <a:solidFill>
+                            <a:schemeClr val="tx1"/>
+                          </a:solidFill>
+                        </a:rPr>
+                        <a:t>With</a:t>
+                      </a:r>
+                      <a:br>
+                        <a:rPr lang="de-DE" dirty="0">
+                          <a:solidFill>
+                            <a:schemeClr val="tx1"/>
+                          </a:solidFill>
+                        </a:rPr>
+                      </a:br>
+                      <a:r>
+                        <a:rPr lang="de-DE" dirty="0">
+                          <a:solidFill>
+                            <a:schemeClr val="tx1"/>
+                          </a:solidFill>
+                        </a:rPr>
+                        <a:t>PCS</a:t>
+                      </a:r>
+                    </a:p>
+                  </a:txBody>
+                  <a:tcPr>
+                    <a:noFill/>
+                  </a:tcPr>
+                </a:tc>
+                <a:extLst>
+                  <a:ext uri="{0D108BD9-81ED-4DB2-BD59-A6C34878D82A}">
+                    <a16:rowId xmlns:a16="http://schemas.microsoft.com/office/drawing/2014/main" val="3931383551"/>
+                  </a:ext>
+                </a:extLst>
+              </a:tr>
+              <a:tr h="482389">
+                <a:tc>
+                  <a:txBody>
+                    <a:bodyPr/>
+                    <a:lstStyle/>
+                    <a:p>
+                      <a:r>
+                        <a:rPr lang="de-DE" dirty="0">
+                          <a:solidFill>
+                            <a:srgbClr val="FF0000"/>
+                          </a:solidFill>
+                        </a:rPr>
+                        <a:t>Cluster 1</a:t>
+                      </a:r>
+                    </a:p>
+                  </a:txBody>
+                  <a:tcPr>
+                    <a:noFill/>
+                  </a:tcPr>
+                </a:tc>
+                <a:tc>
+                  <a:txBody>
+                    <a:bodyPr/>
+                    <a:lstStyle/>
+                    <a:p>
+                      <a:r>
+                        <a:rPr lang="de-DE" dirty="0">
+                          <a:solidFill>
+                            <a:srgbClr val="FF0000"/>
+                          </a:solidFill>
+                        </a:rPr>
+                        <a:t>5</a:t>
+                      </a:r>
+                    </a:p>
+                  </a:txBody>
+                  <a:tcPr>
+                    <a:noFill/>
+                  </a:tcPr>
+                </a:tc>
+                <a:tc>
+                  <a:txBody>
+                    <a:bodyPr/>
+                    <a:lstStyle/>
+                    <a:p>
+                      <a:r>
+                        <a:rPr lang="de-DE" dirty="0">
+                          <a:solidFill>
+                            <a:srgbClr val="FF0000"/>
+                          </a:solidFill>
+                        </a:rPr>
+                        <a:t>23</a:t>
+                      </a:r>
+                    </a:p>
+                  </a:txBody>
+                  <a:tcPr>
+                    <a:noFill/>
+                  </a:tcPr>
+                </a:tc>
+                <a:extLst>
+                  <a:ext uri="{0D108BD9-81ED-4DB2-BD59-A6C34878D82A}">
+                    <a16:rowId xmlns:a16="http://schemas.microsoft.com/office/drawing/2014/main" val="3140929958"/>
+                  </a:ext>
+                </a:extLst>
+              </a:tr>
+              <a:tr h="482389">
+                <a:tc>
+                  <a:txBody>
+                    <a:bodyPr/>
+                    <a:lstStyle/>
+                    <a:p>
+                      <a:r>
+                        <a:rPr lang="de-DE" dirty="0">
+                          <a:solidFill>
+                            <a:srgbClr val="00B050"/>
+                          </a:solidFill>
+                        </a:rPr>
+                        <a:t>Cluster 2</a:t>
+                      </a:r>
+                    </a:p>
+                  </a:txBody>
+                  <a:tcPr>
+                    <a:noFill/>
+                  </a:tcPr>
+                </a:tc>
+                <a:tc>
+                  <a:txBody>
+                    <a:bodyPr/>
+                    <a:lstStyle/>
+                    <a:p>
+                      <a:r>
+                        <a:rPr lang="de-DE" dirty="0">
+                          <a:solidFill>
+                            <a:srgbClr val="00B050"/>
+                          </a:solidFill>
+                        </a:rPr>
+                        <a:t>22</a:t>
+                      </a:r>
+                    </a:p>
+                  </a:txBody>
+                  <a:tcPr>
+                    <a:noFill/>
+                  </a:tcPr>
+                </a:tc>
+                <a:tc>
+                  <a:txBody>
+                    <a:bodyPr/>
+                    <a:lstStyle/>
+                    <a:p>
+                      <a:r>
+                        <a:rPr lang="de-DE" dirty="0">
+                          <a:solidFill>
+                            <a:srgbClr val="00B050"/>
+                          </a:solidFill>
+                        </a:rPr>
+                        <a:t>20</a:t>
+                      </a:r>
+                    </a:p>
+                  </a:txBody>
+                  <a:tcPr>
+                    <a:noFill/>
+                  </a:tcPr>
+                </a:tc>
+                <a:extLst>
+                  <a:ext uri="{0D108BD9-81ED-4DB2-BD59-A6C34878D82A}">
+                    <a16:rowId xmlns:a16="http://schemas.microsoft.com/office/drawing/2014/main" val="2462120241"/>
+                  </a:ext>
+                </a:extLst>
+              </a:tr>
+            </a:tbl>
+          </a:graphicData>
+        </a:graphic>
+      </p:graphicFrame>
+      <p:sp>
+        <p:nvSpPr>
+          <p:cNvPr id="10" name="TextBox 9">
+            <a:extLst>
+              <a:ext uri="{FF2B5EF4-FFF2-40B4-BE49-F238E27FC236}">
+                <a16:creationId xmlns:a16="http://schemas.microsoft.com/office/drawing/2014/main" id="{140A12DA-0ECD-8045-A50A-F11B9BEC367D}"/>
+              </a:ext>
+            </a:extLst>
+          </p:cNvPr>
+          <p:cNvSpPr txBox="1"/>
+          <p:nvPr/>
+        </p:nvSpPr>
+        <p:spPr>
+          <a:xfrm>
+            <a:off x="978894" y="5631243"/>
+            <a:ext cx="6612352" cy="646331"/>
+          </a:xfrm>
+          <a:prstGeom prst="rect">
+            <a:avLst/>
+          </a:prstGeom>
+          <a:noFill/>
+        </p:spPr>
+        <p:txBody>
+          <a:bodyPr wrap="square" rtlCol="0">
+            <a:spAutoFit/>
+          </a:bodyPr>
+          <a:lstStyle/>
+          <a:p>
+            <a:r>
+              <a:rPr lang="de-DE" dirty="0"/>
+              <a:t>Keine signifikanten Unterschiede im Hinblick der Altersverteilung</a:t>
+            </a:r>
+          </a:p>
+          <a:p>
+            <a:r>
+              <a:rPr lang="de-DE" dirty="0"/>
+              <a:t>-&gt; Aber spannend, dass C2 tendenziell älter ist aber kognitiv fitter</a:t>
+            </a:r>
+          </a:p>
+        </p:txBody>
+      </p:sp>
+    </p:spTree>
+    <p:extLst>
+      <p:ext uri="{BB962C8B-B14F-4D97-AF65-F5344CB8AC3E}">
+        <p14:creationId xmlns:p14="http://schemas.microsoft.com/office/powerpoint/2010/main" val="2301048734"/>
       </p:ext>
     </p:extLst>
   </p:cSld>

--- a/presentations/EPOC1804.pptx
+++ b/presentations/EPOC1804.pptx
@@ -4,6 +4,9 @@
   <p:sldMasterIdLst>
     <p:sldMasterId id="2147483648" r:id="rId1"/>
   </p:sldMasterIdLst>
+  <p:notesMasterIdLst>
+    <p:notesMasterId r:id="rId24"/>
+  </p:notesMasterIdLst>
   <p:sldIdLst>
     <p:sldId id="257" r:id="rId2"/>
     <p:sldId id="258" r:id="rId3"/>
@@ -22,10 +25,11 @@
     <p:sldId id="272" r:id="rId16"/>
     <p:sldId id="274" r:id="rId17"/>
     <p:sldId id="273" r:id="rId18"/>
-    <p:sldId id="275" r:id="rId19"/>
-    <p:sldId id="277" r:id="rId20"/>
-    <p:sldId id="276" r:id="rId21"/>
-    <p:sldId id="278" r:id="rId22"/>
+    <p:sldId id="279" r:id="rId19"/>
+    <p:sldId id="275" r:id="rId20"/>
+    <p:sldId id="277" r:id="rId21"/>
+    <p:sldId id="276" r:id="rId22"/>
+    <p:sldId id="278" r:id="rId23"/>
   </p:sldIdLst>
   <p:sldSz cx="12192000" cy="6858000"/>
   <p:notesSz cx="6858000" cy="9144000"/>
@@ -126,10 +130,444 @@
   </p:defaultTextStyle>
   <p:extLst>
     <p:ext uri="{EFAFB233-063F-42B5-8137-9DF3F51BA10A}">
-      <p15:sldGuideLst xmlns:p15="http://schemas.microsoft.com/office/powerpoint/2012/main"/>
+      <p15:sldGuideLst xmlns:p15="http://schemas.microsoft.com/office/powerpoint/2012/main" xmlns=""/>
     </p:ext>
   </p:extLst>
 </p:presentation>
+</file>
+
+<file path=ppt/notesMasters/notesMaster1.xml><?xml version="1.0" encoding="utf-8"?>
+<p:notesMaster xmlns:a="http://schemas.openxmlformats.org/drawingml/2006/main" xmlns:r="http://schemas.openxmlformats.org/officeDocument/2006/relationships" xmlns:p="http://schemas.openxmlformats.org/presentationml/2006/main">
+  <p:cSld>
+    <p:bg>
+      <p:bgRef idx="1001">
+        <a:schemeClr val="bg1"/>
+      </p:bgRef>
+    </p:bg>
+    <p:spTree>
+      <p:nvGrpSpPr>
+        <p:cNvPr id="1" name=""/>
+        <p:cNvGrpSpPr/>
+        <p:nvPr/>
+      </p:nvGrpSpPr>
+      <p:grpSpPr>
+        <a:xfrm>
+          <a:off x="0" y="0"/>
+          <a:ext cx="0" cy="0"/>
+          <a:chOff x="0" y="0"/>
+          <a:chExt cx="0" cy="0"/>
+        </a:xfrm>
+      </p:grpSpPr>
+      <p:sp>
+        <p:nvSpPr>
+          <p:cNvPr id="2" name="Kopfzeilenplatzhalter 1"/>
+          <p:cNvSpPr>
+            <a:spLocks noGrp="1"/>
+          </p:cNvSpPr>
+          <p:nvPr>
+            <p:ph type="hdr" sz="quarter"/>
+          </p:nvPr>
+        </p:nvSpPr>
+        <p:spPr>
+          <a:xfrm>
+            <a:off x="0" y="0"/>
+            <a:ext cx="2971800" cy="457200"/>
+          </a:xfrm>
+          <a:prstGeom prst="rect">
+            <a:avLst/>
+          </a:prstGeom>
+        </p:spPr>
+        <p:txBody>
+          <a:bodyPr vert="horz" lIns="91440" tIns="45720" rIns="91440" bIns="45720" rtlCol="0"/>
+          <a:lstStyle>
+            <a:lvl1pPr algn="l">
+              <a:defRPr sz="1200"/>
+            </a:lvl1pPr>
+          </a:lstStyle>
+          <a:p>
+            <a:endParaRPr lang="de-DE"/>
+          </a:p>
+        </p:txBody>
+      </p:sp>
+      <p:sp>
+        <p:nvSpPr>
+          <p:cNvPr id="3" name="Datumsplatzhalter 2"/>
+          <p:cNvSpPr>
+            <a:spLocks noGrp="1"/>
+          </p:cNvSpPr>
+          <p:nvPr>
+            <p:ph type="dt" idx="1"/>
+          </p:nvPr>
+        </p:nvSpPr>
+        <p:spPr>
+          <a:xfrm>
+            <a:off x="3884613" y="0"/>
+            <a:ext cx="2971800" cy="457200"/>
+          </a:xfrm>
+          <a:prstGeom prst="rect">
+            <a:avLst/>
+          </a:prstGeom>
+        </p:spPr>
+        <p:txBody>
+          <a:bodyPr vert="horz" lIns="91440" tIns="45720" rIns="91440" bIns="45720" rtlCol="0"/>
+          <a:lstStyle>
+            <a:lvl1pPr algn="r">
+              <a:defRPr sz="1200"/>
+            </a:lvl1pPr>
+          </a:lstStyle>
+          <a:p>
+            <a:fld id="{CAD1D8F3-CC96-4B16-AA89-ECBF33C2DF83}" type="datetimeFigureOut">
+              <a:rPr lang="de-DE" smtClean="0"/>
+              <a:t>22.04.2024</a:t>
+            </a:fld>
+            <a:endParaRPr lang="de-DE"/>
+          </a:p>
+        </p:txBody>
+      </p:sp>
+      <p:sp>
+        <p:nvSpPr>
+          <p:cNvPr id="4" name="Folienbildplatzhalter 3"/>
+          <p:cNvSpPr>
+            <a:spLocks noGrp="1" noRot="1" noChangeAspect="1"/>
+          </p:cNvSpPr>
+          <p:nvPr>
+            <p:ph type="sldImg" idx="2"/>
+          </p:nvPr>
+        </p:nvSpPr>
+        <p:spPr>
+          <a:xfrm>
+            <a:off x="381000" y="685800"/>
+            <a:ext cx="6096000" cy="3429000"/>
+          </a:xfrm>
+          <a:prstGeom prst="rect">
+            <a:avLst/>
+          </a:prstGeom>
+          <a:noFill/>
+          <a:ln w="12700">
+            <a:solidFill>
+              <a:prstClr val="black"/>
+            </a:solidFill>
+          </a:ln>
+        </p:spPr>
+        <p:txBody>
+          <a:bodyPr vert="horz" lIns="91440" tIns="45720" rIns="91440" bIns="45720" rtlCol="0" anchor="ctr"/>
+          <a:lstStyle/>
+          <a:p>
+            <a:endParaRPr lang="de-DE"/>
+          </a:p>
+        </p:txBody>
+      </p:sp>
+      <p:sp>
+        <p:nvSpPr>
+          <p:cNvPr id="5" name="Notizenplatzhalter 4"/>
+          <p:cNvSpPr>
+            <a:spLocks noGrp="1"/>
+          </p:cNvSpPr>
+          <p:nvPr>
+            <p:ph type="body" sz="quarter" idx="3"/>
+          </p:nvPr>
+        </p:nvSpPr>
+        <p:spPr>
+          <a:xfrm>
+            <a:off x="685800" y="4343400"/>
+            <a:ext cx="5486400" cy="4114800"/>
+          </a:xfrm>
+          <a:prstGeom prst="rect">
+            <a:avLst/>
+          </a:prstGeom>
+        </p:spPr>
+        <p:txBody>
+          <a:bodyPr vert="horz" lIns="91440" tIns="45720" rIns="91440" bIns="45720" rtlCol="0"/>
+          <a:lstStyle/>
+          <a:p>
+            <a:pPr lvl="0"/>
+            <a:r>
+              <a:rPr lang="de-DE" smtClean="0"/>
+              <a:t>Textmasterformat bearbeiten</a:t>
+            </a:r>
+          </a:p>
+          <a:p>
+            <a:pPr lvl="1"/>
+            <a:r>
+              <a:rPr lang="de-DE" smtClean="0"/>
+              <a:t>Zweite Ebene</a:t>
+            </a:r>
+          </a:p>
+          <a:p>
+            <a:pPr lvl="2"/>
+            <a:r>
+              <a:rPr lang="de-DE" smtClean="0"/>
+              <a:t>Dritte Ebene</a:t>
+            </a:r>
+          </a:p>
+          <a:p>
+            <a:pPr lvl="3"/>
+            <a:r>
+              <a:rPr lang="de-DE" smtClean="0"/>
+              <a:t>Vierte Ebene</a:t>
+            </a:r>
+          </a:p>
+          <a:p>
+            <a:pPr lvl="4"/>
+            <a:r>
+              <a:rPr lang="de-DE" smtClean="0"/>
+              <a:t>Fünfte Ebene</a:t>
+            </a:r>
+            <a:endParaRPr lang="de-DE"/>
+          </a:p>
+        </p:txBody>
+      </p:sp>
+      <p:sp>
+        <p:nvSpPr>
+          <p:cNvPr id="6" name="Fußzeilenplatzhalter 5"/>
+          <p:cNvSpPr>
+            <a:spLocks noGrp="1"/>
+          </p:cNvSpPr>
+          <p:nvPr>
+            <p:ph type="ftr" sz="quarter" idx="4"/>
+          </p:nvPr>
+        </p:nvSpPr>
+        <p:spPr>
+          <a:xfrm>
+            <a:off x="0" y="8685213"/>
+            <a:ext cx="2971800" cy="457200"/>
+          </a:xfrm>
+          <a:prstGeom prst="rect">
+            <a:avLst/>
+          </a:prstGeom>
+        </p:spPr>
+        <p:txBody>
+          <a:bodyPr vert="horz" lIns="91440" tIns="45720" rIns="91440" bIns="45720" rtlCol="0" anchor="b"/>
+          <a:lstStyle>
+            <a:lvl1pPr algn="l">
+              <a:defRPr sz="1200"/>
+            </a:lvl1pPr>
+          </a:lstStyle>
+          <a:p>
+            <a:endParaRPr lang="de-DE"/>
+          </a:p>
+        </p:txBody>
+      </p:sp>
+      <p:sp>
+        <p:nvSpPr>
+          <p:cNvPr id="7" name="Foliennummernplatzhalter 6"/>
+          <p:cNvSpPr>
+            <a:spLocks noGrp="1"/>
+          </p:cNvSpPr>
+          <p:nvPr>
+            <p:ph type="sldNum" sz="quarter" idx="5"/>
+          </p:nvPr>
+        </p:nvSpPr>
+        <p:spPr>
+          <a:xfrm>
+            <a:off x="3884613" y="8685213"/>
+            <a:ext cx="2971800" cy="457200"/>
+          </a:xfrm>
+          <a:prstGeom prst="rect">
+            <a:avLst/>
+          </a:prstGeom>
+        </p:spPr>
+        <p:txBody>
+          <a:bodyPr vert="horz" lIns="91440" tIns="45720" rIns="91440" bIns="45720" rtlCol="0" anchor="b"/>
+          <a:lstStyle>
+            <a:lvl1pPr algn="r">
+              <a:defRPr sz="1200"/>
+            </a:lvl1pPr>
+          </a:lstStyle>
+          <a:p>
+            <a:fld id="{09748B93-2A35-4639-AB71-C85517620C48}" type="slidenum">
+              <a:rPr lang="de-DE" smtClean="0"/>
+              <a:t>‹Nr.›</a:t>
+            </a:fld>
+            <a:endParaRPr lang="de-DE"/>
+          </a:p>
+        </p:txBody>
+      </p:sp>
+    </p:spTree>
+    <p:extLst>
+      <p:ext uri="{BB962C8B-B14F-4D97-AF65-F5344CB8AC3E}">
+        <p14:creationId xmlns:p14="http://schemas.microsoft.com/office/powerpoint/2010/main" val="1700556399"/>
+      </p:ext>
+    </p:extLst>
+  </p:cSld>
+  <p:clrMap bg1="lt1" tx1="dk1" bg2="lt2" tx2="dk2" accent1="accent1" accent2="accent2" accent3="accent3" accent4="accent4" accent5="accent5" accent6="accent6" hlink="hlink" folHlink="folHlink"/>
+  <p:notesStyle>
+    <a:lvl1pPr marL="0" algn="l" defTabSz="914400" rtl="0" eaLnBrk="1" latinLnBrk="0" hangingPunct="1">
+      <a:defRPr sz="1200" kern="1200">
+        <a:solidFill>
+          <a:schemeClr val="tx1"/>
+        </a:solidFill>
+        <a:latin typeface="+mn-lt"/>
+        <a:ea typeface="+mn-ea"/>
+        <a:cs typeface="+mn-cs"/>
+      </a:defRPr>
+    </a:lvl1pPr>
+    <a:lvl2pPr marL="457200" algn="l" defTabSz="914400" rtl="0" eaLnBrk="1" latinLnBrk="0" hangingPunct="1">
+      <a:defRPr sz="1200" kern="1200">
+        <a:solidFill>
+          <a:schemeClr val="tx1"/>
+        </a:solidFill>
+        <a:latin typeface="+mn-lt"/>
+        <a:ea typeface="+mn-ea"/>
+        <a:cs typeface="+mn-cs"/>
+      </a:defRPr>
+    </a:lvl2pPr>
+    <a:lvl3pPr marL="914400" algn="l" defTabSz="914400" rtl="0" eaLnBrk="1" latinLnBrk="0" hangingPunct="1">
+      <a:defRPr sz="1200" kern="1200">
+        <a:solidFill>
+          <a:schemeClr val="tx1"/>
+        </a:solidFill>
+        <a:latin typeface="+mn-lt"/>
+        <a:ea typeface="+mn-ea"/>
+        <a:cs typeface="+mn-cs"/>
+      </a:defRPr>
+    </a:lvl3pPr>
+    <a:lvl4pPr marL="1371600" algn="l" defTabSz="914400" rtl="0" eaLnBrk="1" latinLnBrk="0" hangingPunct="1">
+      <a:defRPr sz="1200" kern="1200">
+        <a:solidFill>
+          <a:schemeClr val="tx1"/>
+        </a:solidFill>
+        <a:latin typeface="+mn-lt"/>
+        <a:ea typeface="+mn-ea"/>
+        <a:cs typeface="+mn-cs"/>
+      </a:defRPr>
+    </a:lvl4pPr>
+    <a:lvl5pPr marL="1828800" algn="l" defTabSz="914400" rtl="0" eaLnBrk="1" latinLnBrk="0" hangingPunct="1">
+      <a:defRPr sz="1200" kern="1200">
+        <a:solidFill>
+          <a:schemeClr val="tx1"/>
+        </a:solidFill>
+        <a:latin typeface="+mn-lt"/>
+        <a:ea typeface="+mn-ea"/>
+        <a:cs typeface="+mn-cs"/>
+      </a:defRPr>
+    </a:lvl5pPr>
+    <a:lvl6pPr marL="2286000" algn="l" defTabSz="914400" rtl="0" eaLnBrk="1" latinLnBrk="0" hangingPunct="1">
+      <a:defRPr sz="1200" kern="1200">
+        <a:solidFill>
+          <a:schemeClr val="tx1"/>
+        </a:solidFill>
+        <a:latin typeface="+mn-lt"/>
+        <a:ea typeface="+mn-ea"/>
+        <a:cs typeface="+mn-cs"/>
+      </a:defRPr>
+    </a:lvl6pPr>
+    <a:lvl7pPr marL="2743200" algn="l" defTabSz="914400" rtl="0" eaLnBrk="1" latinLnBrk="0" hangingPunct="1">
+      <a:defRPr sz="1200" kern="1200">
+        <a:solidFill>
+          <a:schemeClr val="tx1"/>
+        </a:solidFill>
+        <a:latin typeface="+mn-lt"/>
+        <a:ea typeface="+mn-ea"/>
+        <a:cs typeface="+mn-cs"/>
+      </a:defRPr>
+    </a:lvl7pPr>
+    <a:lvl8pPr marL="3200400" algn="l" defTabSz="914400" rtl="0" eaLnBrk="1" latinLnBrk="0" hangingPunct="1">
+      <a:defRPr sz="1200" kern="1200">
+        <a:solidFill>
+          <a:schemeClr val="tx1"/>
+        </a:solidFill>
+        <a:latin typeface="+mn-lt"/>
+        <a:ea typeface="+mn-ea"/>
+        <a:cs typeface="+mn-cs"/>
+      </a:defRPr>
+    </a:lvl8pPr>
+    <a:lvl9pPr marL="3657600" algn="l" defTabSz="914400" rtl="0" eaLnBrk="1" latinLnBrk="0" hangingPunct="1">
+      <a:defRPr sz="1200" kern="1200">
+        <a:solidFill>
+          <a:schemeClr val="tx1"/>
+        </a:solidFill>
+        <a:latin typeface="+mn-lt"/>
+        <a:ea typeface="+mn-ea"/>
+        <a:cs typeface="+mn-cs"/>
+      </a:defRPr>
+    </a:lvl9pPr>
+  </p:notesStyle>
+</p:notesMaster>
+</file>
+
+<file path=ppt/notesSlides/notesSlide1.xml><?xml version="1.0" encoding="utf-8"?>
+<p:notes xmlns:a="http://schemas.openxmlformats.org/drawingml/2006/main" xmlns:r="http://schemas.openxmlformats.org/officeDocument/2006/relationships" xmlns:p="http://schemas.openxmlformats.org/presentationml/2006/main">
+  <p:cSld>
+    <p:spTree>
+      <p:nvGrpSpPr>
+        <p:cNvPr id="1" name=""/>
+        <p:cNvGrpSpPr/>
+        <p:nvPr/>
+      </p:nvGrpSpPr>
+      <p:grpSpPr>
+        <a:xfrm>
+          <a:off x="0" y="0"/>
+          <a:ext cx="0" cy="0"/>
+          <a:chOff x="0" y="0"/>
+          <a:chExt cx="0" cy="0"/>
+        </a:xfrm>
+      </p:grpSpPr>
+      <p:sp>
+        <p:nvSpPr>
+          <p:cNvPr id="2" name="Folienbildplatzhalter 1"/>
+          <p:cNvSpPr>
+            <a:spLocks noGrp="1" noRot="1" noChangeAspect="1"/>
+          </p:cNvSpPr>
+          <p:nvPr>
+            <p:ph type="sldImg"/>
+          </p:nvPr>
+        </p:nvSpPr>
+        <p:spPr/>
+      </p:sp>
+      <p:sp>
+        <p:nvSpPr>
+          <p:cNvPr id="3" name="Notizenplatzhalter 2"/>
+          <p:cNvSpPr>
+            <a:spLocks noGrp="1"/>
+          </p:cNvSpPr>
+          <p:nvPr>
+            <p:ph type="body" idx="1"/>
+          </p:nvPr>
+        </p:nvSpPr>
+        <p:spPr/>
+        <p:txBody>
+          <a:bodyPr/>
+          <a:lstStyle/>
+          <a:p>
+            <a:endParaRPr lang="de-DE" dirty="0"/>
+          </a:p>
+        </p:txBody>
+      </p:sp>
+      <p:sp>
+        <p:nvSpPr>
+          <p:cNvPr id="4" name="Foliennummernplatzhalter 3"/>
+          <p:cNvSpPr>
+            <a:spLocks noGrp="1"/>
+          </p:cNvSpPr>
+          <p:nvPr>
+            <p:ph type="sldNum" sz="quarter" idx="10"/>
+          </p:nvPr>
+        </p:nvSpPr>
+        <p:spPr/>
+        <p:txBody>
+          <a:bodyPr/>
+          <a:lstStyle/>
+          <a:p>
+            <a:fld id="{09748B93-2A35-4639-AB71-C85517620C48}" type="slidenum">
+              <a:rPr lang="de-DE" smtClean="0"/>
+              <a:t>18</a:t>
+            </a:fld>
+            <a:endParaRPr lang="de-DE"/>
+          </a:p>
+        </p:txBody>
+      </p:sp>
+    </p:spTree>
+    <p:extLst>
+      <p:ext uri="{BB962C8B-B14F-4D97-AF65-F5344CB8AC3E}">
+        <p14:creationId xmlns:p14="http://schemas.microsoft.com/office/powerpoint/2010/main" val="585599835"/>
+      </p:ext>
+    </p:extLst>
+  </p:cSld>
+  <p:clrMapOvr>
+    <a:masterClrMapping/>
+  </p:clrMapOvr>
+</p:notes>
 </file>
 
 <file path=ppt/slideLayouts/slideLayout1.xml><?xml version="1.0" encoding="utf-8"?>
@@ -154,7 +592,7 @@
           <p:cNvPr id="2" name="Title 1">
             <a:extLst>
               <a:ext uri="{FF2B5EF4-FFF2-40B4-BE49-F238E27FC236}">
-                <a16:creationId xmlns:a16="http://schemas.microsoft.com/office/drawing/2014/main" id="{79875E08-A82C-8844-408B-65AD866C1ABE}"/>
+                <a16:creationId xmlns:a16="http://schemas.microsoft.com/office/drawing/2014/main" xmlns="" id="{79875E08-A82C-8844-408B-65AD866C1ABE}"/>
               </a:ext>
             </a:extLst>
           </p:cNvPr>
@@ -192,7 +630,7 @@
           <p:cNvPr id="3" name="Subtitle 2">
             <a:extLst>
               <a:ext uri="{FF2B5EF4-FFF2-40B4-BE49-F238E27FC236}">
-                <a16:creationId xmlns:a16="http://schemas.microsoft.com/office/drawing/2014/main" id="{FA935442-E1CF-A4F8-3409-D6D78CC80E50}"/>
+                <a16:creationId xmlns:a16="http://schemas.microsoft.com/office/drawing/2014/main" xmlns="" id="{FA935442-E1CF-A4F8-3409-D6D78CC80E50}"/>
               </a:ext>
             </a:extLst>
           </p:cNvPr>
@@ -263,7 +701,7 @@
           <p:cNvPr id="4" name="Date Placeholder 3">
             <a:extLst>
               <a:ext uri="{FF2B5EF4-FFF2-40B4-BE49-F238E27FC236}">
-                <a16:creationId xmlns:a16="http://schemas.microsoft.com/office/drawing/2014/main" id="{DBFF7112-D0A2-75DB-5802-C7BD159E61F5}"/>
+                <a16:creationId xmlns:a16="http://schemas.microsoft.com/office/drawing/2014/main" xmlns="" id="{DBFF7112-D0A2-75DB-5802-C7BD159E61F5}"/>
               </a:ext>
             </a:extLst>
           </p:cNvPr>
@@ -281,7 +719,7 @@
           <a:p>
             <a:fld id="{691368D4-E71B-4F1B-ACDB-D9BD9A03F85A}" type="datetimeFigureOut">
               <a:rPr lang="de-DE" smtClean="0"/>
-              <a:t>21.04.2024</a:t>
+              <a:t>22.04.2024</a:t>
             </a:fld>
             <a:endParaRPr lang="de-DE"/>
           </a:p>
@@ -292,7 +730,7 @@
           <p:cNvPr id="5" name="Footer Placeholder 4">
             <a:extLst>
               <a:ext uri="{FF2B5EF4-FFF2-40B4-BE49-F238E27FC236}">
-                <a16:creationId xmlns:a16="http://schemas.microsoft.com/office/drawing/2014/main" id="{5DE69BEB-9F61-135C-C05F-4E86EE908483}"/>
+                <a16:creationId xmlns:a16="http://schemas.microsoft.com/office/drawing/2014/main" xmlns="" id="{5DE69BEB-9F61-135C-C05F-4E86EE908483}"/>
               </a:ext>
             </a:extLst>
           </p:cNvPr>
@@ -317,7 +755,7 @@
           <p:cNvPr id="6" name="Slide Number Placeholder 5">
             <a:extLst>
               <a:ext uri="{FF2B5EF4-FFF2-40B4-BE49-F238E27FC236}">
-                <a16:creationId xmlns:a16="http://schemas.microsoft.com/office/drawing/2014/main" id="{BA5C33C7-29D8-8211-916C-54E832D26A76}"/>
+                <a16:creationId xmlns:a16="http://schemas.microsoft.com/office/drawing/2014/main" xmlns="" id="{BA5C33C7-29D8-8211-916C-54E832D26A76}"/>
               </a:ext>
             </a:extLst>
           </p:cNvPr>
@@ -335,7 +773,7 @@
           <a:p>
             <a:fld id="{15159F4A-B8F5-4018-B6B9-63EDACDEFFF4}" type="slidenum">
               <a:rPr lang="de-DE" smtClean="0"/>
-              <a:t>‹#›</a:t>
+              <a:t>‹Nr.›</a:t>
             </a:fld>
             <a:endParaRPr lang="de-DE"/>
           </a:p>
@@ -376,7 +814,7 @@
           <p:cNvPr id="2" name="Title 1">
             <a:extLst>
               <a:ext uri="{FF2B5EF4-FFF2-40B4-BE49-F238E27FC236}">
-                <a16:creationId xmlns:a16="http://schemas.microsoft.com/office/drawing/2014/main" id="{7EF33920-4856-8ADD-C586-9CCE1B071F56}"/>
+                <a16:creationId xmlns:a16="http://schemas.microsoft.com/office/drawing/2014/main" xmlns="" id="{7EF33920-4856-8ADD-C586-9CCE1B071F56}"/>
               </a:ext>
             </a:extLst>
           </p:cNvPr>
@@ -405,7 +843,7 @@
           <p:cNvPr id="3" name="Vertical Text Placeholder 2">
             <a:extLst>
               <a:ext uri="{FF2B5EF4-FFF2-40B4-BE49-F238E27FC236}">
-                <a16:creationId xmlns:a16="http://schemas.microsoft.com/office/drawing/2014/main" id="{005E0511-C340-9D2D-C7D5-4E05C5FE5206}"/>
+                <a16:creationId xmlns:a16="http://schemas.microsoft.com/office/drawing/2014/main" xmlns="" id="{005E0511-C340-9D2D-C7D5-4E05C5FE5206}"/>
               </a:ext>
             </a:extLst>
           </p:cNvPr>
@@ -463,7 +901,7 @@
           <p:cNvPr id="4" name="Date Placeholder 3">
             <a:extLst>
               <a:ext uri="{FF2B5EF4-FFF2-40B4-BE49-F238E27FC236}">
-                <a16:creationId xmlns:a16="http://schemas.microsoft.com/office/drawing/2014/main" id="{3779FA3A-0C3D-7FC4-59E2-7D9297A2DE0D}"/>
+                <a16:creationId xmlns:a16="http://schemas.microsoft.com/office/drawing/2014/main" xmlns="" id="{3779FA3A-0C3D-7FC4-59E2-7D9297A2DE0D}"/>
               </a:ext>
             </a:extLst>
           </p:cNvPr>
@@ -481,7 +919,7 @@
           <a:p>
             <a:fld id="{691368D4-E71B-4F1B-ACDB-D9BD9A03F85A}" type="datetimeFigureOut">
               <a:rPr lang="de-DE" smtClean="0"/>
-              <a:t>21.04.2024</a:t>
+              <a:t>22.04.2024</a:t>
             </a:fld>
             <a:endParaRPr lang="de-DE"/>
           </a:p>
@@ -492,7 +930,7 @@
           <p:cNvPr id="5" name="Footer Placeholder 4">
             <a:extLst>
               <a:ext uri="{FF2B5EF4-FFF2-40B4-BE49-F238E27FC236}">
-                <a16:creationId xmlns:a16="http://schemas.microsoft.com/office/drawing/2014/main" id="{DBD5A87C-7E84-3563-48E5-0C96025E1AD1}"/>
+                <a16:creationId xmlns:a16="http://schemas.microsoft.com/office/drawing/2014/main" xmlns="" id="{DBD5A87C-7E84-3563-48E5-0C96025E1AD1}"/>
               </a:ext>
             </a:extLst>
           </p:cNvPr>
@@ -517,7 +955,7 @@
           <p:cNvPr id="6" name="Slide Number Placeholder 5">
             <a:extLst>
               <a:ext uri="{FF2B5EF4-FFF2-40B4-BE49-F238E27FC236}">
-                <a16:creationId xmlns:a16="http://schemas.microsoft.com/office/drawing/2014/main" id="{DD4A7616-5BEC-2BA0-5740-FC7D85E77C41}"/>
+                <a16:creationId xmlns:a16="http://schemas.microsoft.com/office/drawing/2014/main" xmlns="" id="{DD4A7616-5BEC-2BA0-5740-FC7D85E77C41}"/>
               </a:ext>
             </a:extLst>
           </p:cNvPr>
@@ -535,7 +973,7 @@
           <a:p>
             <a:fld id="{15159F4A-B8F5-4018-B6B9-63EDACDEFFF4}" type="slidenum">
               <a:rPr lang="de-DE" smtClean="0"/>
-              <a:t>‹#›</a:t>
+              <a:t>‹Nr.›</a:t>
             </a:fld>
             <a:endParaRPr lang="de-DE"/>
           </a:p>
@@ -576,7 +1014,7 @@
           <p:cNvPr id="2" name="Vertical Title 1">
             <a:extLst>
               <a:ext uri="{FF2B5EF4-FFF2-40B4-BE49-F238E27FC236}">
-                <a16:creationId xmlns:a16="http://schemas.microsoft.com/office/drawing/2014/main" id="{F5C78AB7-19AC-4F4D-8703-24512EE1FF1E}"/>
+                <a16:creationId xmlns:a16="http://schemas.microsoft.com/office/drawing/2014/main" xmlns="" id="{F5C78AB7-19AC-4F4D-8703-24512EE1FF1E}"/>
               </a:ext>
             </a:extLst>
           </p:cNvPr>
@@ -610,7 +1048,7 @@
           <p:cNvPr id="3" name="Vertical Text Placeholder 2">
             <a:extLst>
               <a:ext uri="{FF2B5EF4-FFF2-40B4-BE49-F238E27FC236}">
-                <a16:creationId xmlns:a16="http://schemas.microsoft.com/office/drawing/2014/main" id="{780DE46B-36CF-203C-EAA3-AF4F4F762F70}"/>
+                <a16:creationId xmlns:a16="http://schemas.microsoft.com/office/drawing/2014/main" xmlns="" id="{780DE46B-36CF-203C-EAA3-AF4F4F762F70}"/>
               </a:ext>
             </a:extLst>
           </p:cNvPr>
@@ -673,7 +1111,7 @@
           <p:cNvPr id="4" name="Date Placeholder 3">
             <a:extLst>
               <a:ext uri="{FF2B5EF4-FFF2-40B4-BE49-F238E27FC236}">
-                <a16:creationId xmlns:a16="http://schemas.microsoft.com/office/drawing/2014/main" id="{5C787482-85BF-7AD8-A598-C5D07492F7E8}"/>
+                <a16:creationId xmlns:a16="http://schemas.microsoft.com/office/drawing/2014/main" xmlns="" id="{5C787482-85BF-7AD8-A598-C5D07492F7E8}"/>
               </a:ext>
             </a:extLst>
           </p:cNvPr>
@@ -691,7 +1129,7 @@
           <a:p>
             <a:fld id="{691368D4-E71B-4F1B-ACDB-D9BD9A03F85A}" type="datetimeFigureOut">
               <a:rPr lang="de-DE" smtClean="0"/>
-              <a:t>21.04.2024</a:t>
+              <a:t>22.04.2024</a:t>
             </a:fld>
             <a:endParaRPr lang="de-DE"/>
           </a:p>
@@ -702,7 +1140,7 @@
           <p:cNvPr id="5" name="Footer Placeholder 4">
             <a:extLst>
               <a:ext uri="{FF2B5EF4-FFF2-40B4-BE49-F238E27FC236}">
-                <a16:creationId xmlns:a16="http://schemas.microsoft.com/office/drawing/2014/main" id="{C1A22A39-5A3D-0F4E-F98A-0D0A7A5FB883}"/>
+                <a16:creationId xmlns:a16="http://schemas.microsoft.com/office/drawing/2014/main" xmlns="" id="{C1A22A39-5A3D-0F4E-F98A-0D0A7A5FB883}"/>
               </a:ext>
             </a:extLst>
           </p:cNvPr>
@@ -727,7 +1165,7 @@
           <p:cNvPr id="6" name="Slide Number Placeholder 5">
             <a:extLst>
               <a:ext uri="{FF2B5EF4-FFF2-40B4-BE49-F238E27FC236}">
-                <a16:creationId xmlns:a16="http://schemas.microsoft.com/office/drawing/2014/main" id="{0BDEDF83-5834-9F63-8BAC-31337F28AD04}"/>
+                <a16:creationId xmlns:a16="http://schemas.microsoft.com/office/drawing/2014/main" xmlns="" id="{0BDEDF83-5834-9F63-8BAC-31337F28AD04}"/>
               </a:ext>
             </a:extLst>
           </p:cNvPr>
@@ -745,7 +1183,7 @@
           <a:p>
             <a:fld id="{15159F4A-B8F5-4018-B6B9-63EDACDEFFF4}" type="slidenum">
               <a:rPr lang="de-DE" smtClean="0"/>
-              <a:t>‹#›</a:t>
+              <a:t>‹Nr.›</a:t>
             </a:fld>
             <a:endParaRPr lang="de-DE"/>
           </a:p>
@@ -786,7 +1224,7 @@
           <p:cNvPr id="2" name="Title 1">
             <a:extLst>
               <a:ext uri="{FF2B5EF4-FFF2-40B4-BE49-F238E27FC236}">
-                <a16:creationId xmlns:a16="http://schemas.microsoft.com/office/drawing/2014/main" id="{9806A2E2-5580-1D31-0155-6E98DFE58AA3}"/>
+                <a16:creationId xmlns:a16="http://schemas.microsoft.com/office/drawing/2014/main" xmlns="" id="{9806A2E2-5580-1D31-0155-6E98DFE58AA3}"/>
               </a:ext>
             </a:extLst>
           </p:cNvPr>
@@ -815,7 +1253,7 @@
           <p:cNvPr id="3" name="Content Placeholder 2">
             <a:extLst>
               <a:ext uri="{FF2B5EF4-FFF2-40B4-BE49-F238E27FC236}">
-                <a16:creationId xmlns:a16="http://schemas.microsoft.com/office/drawing/2014/main" id="{75BC4651-A710-F2EB-C490-020284A20F99}"/>
+                <a16:creationId xmlns:a16="http://schemas.microsoft.com/office/drawing/2014/main" xmlns="" id="{75BC4651-A710-F2EB-C490-020284A20F99}"/>
               </a:ext>
             </a:extLst>
           </p:cNvPr>
@@ -873,7 +1311,7 @@
           <p:cNvPr id="4" name="Date Placeholder 3">
             <a:extLst>
               <a:ext uri="{FF2B5EF4-FFF2-40B4-BE49-F238E27FC236}">
-                <a16:creationId xmlns:a16="http://schemas.microsoft.com/office/drawing/2014/main" id="{B5318116-A77D-AA42-252B-42D2479C24DE}"/>
+                <a16:creationId xmlns:a16="http://schemas.microsoft.com/office/drawing/2014/main" xmlns="" id="{B5318116-A77D-AA42-252B-42D2479C24DE}"/>
               </a:ext>
             </a:extLst>
           </p:cNvPr>
@@ -891,7 +1329,7 @@
           <a:p>
             <a:fld id="{691368D4-E71B-4F1B-ACDB-D9BD9A03F85A}" type="datetimeFigureOut">
               <a:rPr lang="de-DE" smtClean="0"/>
-              <a:t>21.04.2024</a:t>
+              <a:t>22.04.2024</a:t>
             </a:fld>
             <a:endParaRPr lang="de-DE"/>
           </a:p>
@@ -902,7 +1340,7 @@
           <p:cNvPr id="5" name="Footer Placeholder 4">
             <a:extLst>
               <a:ext uri="{FF2B5EF4-FFF2-40B4-BE49-F238E27FC236}">
-                <a16:creationId xmlns:a16="http://schemas.microsoft.com/office/drawing/2014/main" id="{53DF83D2-B2B1-E953-0EDB-6F5F15A8FD0F}"/>
+                <a16:creationId xmlns:a16="http://schemas.microsoft.com/office/drawing/2014/main" xmlns="" id="{53DF83D2-B2B1-E953-0EDB-6F5F15A8FD0F}"/>
               </a:ext>
             </a:extLst>
           </p:cNvPr>
@@ -927,7 +1365,7 @@
           <p:cNvPr id="6" name="Slide Number Placeholder 5">
             <a:extLst>
               <a:ext uri="{FF2B5EF4-FFF2-40B4-BE49-F238E27FC236}">
-                <a16:creationId xmlns:a16="http://schemas.microsoft.com/office/drawing/2014/main" id="{FA013E95-7689-471E-E993-76394D280D42}"/>
+                <a16:creationId xmlns:a16="http://schemas.microsoft.com/office/drawing/2014/main" xmlns="" id="{FA013E95-7689-471E-E993-76394D280D42}"/>
               </a:ext>
             </a:extLst>
           </p:cNvPr>
@@ -945,7 +1383,7 @@
           <a:p>
             <a:fld id="{15159F4A-B8F5-4018-B6B9-63EDACDEFFF4}" type="slidenum">
               <a:rPr lang="de-DE" smtClean="0"/>
-              <a:t>‹#›</a:t>
+              <a:t>‹Nr.›</a:t>
             </a:fld>
             <a:endParaRPr lang="de-DE"/>
           </a:p>
@@ -986,7 +1424,7 @@
           <p:cNvPr id="2" name="Title 1">
             <a:extLst>
               <a:ext uri="{FF2B5EF4-FFF2-40B4-BE49-F238E27FC236}">
-                <a16:creationId xmlns:a16="http://schemas.microsoft.com/office/drawing/2014/main" id="{E13EA1B4-559F-1969-E4A5-8CBF948BEBE0}"/>
+                <a16:creationId xmlns:a16="http://schemas.microsoft.com/office/drawing/2014/main" xmlns="" id="{E13EA1B4-559F-1969-E4A5-8CBF948BEBE0}"/>
               </a:ext>
             </a:extLst>
           </p:cNvPr>
@@ -1024,7 +1462,7 @@
           <p:cNvPr id="3" name="Text Placeholder 2">
             <a:extLst>
               <a:ext uri="{FF2B5EF4-FFF2-40B4-BE49-F238E27FC236}">
-                <a16:creationId xmlns:a16="http://schemas.microsoft.com/office/drawing/2014/main" id="{B3CE76D5-5552-026F-3971-0A971DB250C3}"/>
+                <a16:creationId xmlns:a16="http://schemas.microsoft.com/office/drawing/2014/main" xmlns="" id="{B3CE76D5-5552-026F-3971-0A971DB250C3}"/>
               </a:ext>
             </a:extLst>
           </p:cNvPr>
@@ -1149,7 +1587,7 @@
           <p:cNvPr id="4" name="Date Placeholder 3">
             <a:extLst>
               <a:ext uri="{FF2B5EF4-FFF2-40B4-BE49-F238E27FC236}">
-                <a16:creationId xmlns:a16="http://schemas.microsoft.com/office/drawing/2014/main" id="{24992636-385C-BB87-49FE-83CE82FC9789}"/>
+                <a16:creationId xmlns:a16="http://schemas.microsoft.com/office/drawing/2014/main" xmlns="" id="{24992636-385C-BB87-49FE-83CE82FC9789}"/>
               </a:ext>
             </a:extLst>
           </p:cNvPr>
@@ -1167,7 +1605,7 @@
           <a:p>
             <a:fld id="{691368D4-E71B-4F1B-ACDB-D9BD9A03F85A}" type="datetimeFigureOut">
               <a:rPr lang="de-DE" smtClean="0"/>
-              <a:t>21.04.2024</a:t>
+              <a:t>22.04.2024</a:t>
             </a:fld>
             <a:endParaRPr lang="de-DE"/>
           </a:p>
@@ -1178,7 +1616,7 @@
           <p:cNvPr id="5" name="Footer Placeholder 4">
             <a:extLst>
               <a:ext uri="{FF2B5EF4-FFF2-40B4-BE49-F238E27FC236}">
-                <a16:creationId xmlns:a16="http://schemas.microsoft.com/office/drawing/2014/main" id="{8521E13F-FFCA-E8F9-5F1C-C4EB5AC7E8A9}"/>
+                <a16:creationId xmlns:a16="http://schemas.microsoft.com/office/drawing/2014/main" xmlns="" id="{8521E13F-FFCA-E8F9-5F1C-C4EB5AC7E8A9}"/>
               </a:ext>
             </a:extLst>
           </p:cNvPr>
@@ -1203,7 +1641,7 @@
           <p:cNvPr id="6" name="Slide Number Placeholder 5">
             <a:extLst>
               <a:ext uri="{FF2B5EF4-FFF2-40B4-BE49-F238E27FC236}">
-                <a16:creationId xmlns:a16="http://schemas.microsoft.com/office/drawing/2014/main" id="{E3F97BD0-2E35-D3FB-9C93-AF4334BB12A3}"/>
+                <a16:creationId xmlns:a16="http://schemas.microsoft.com/office/drawing/2014/main" xmlns="" id="{E3F97BD0-2E35-D3FB-9C93-AF4334BB12A3}"/>
               </a:ext>
             </a:extLst>
           </p:cNvPr>
@@ -1221,7 +1659,7 @@
           <a:p>
             <a:fld id="{15159F4A-B8F5-4018-B6B9-63EDACDEFFF4}" type="slidenum">
               <a:rPr lang="de-DE" smtClean="0"/>
-              <a:t>‹#›</a:t>
+              <a:t>‹Nr.›</a:t>
             </a:fld>
             <a:endParaRPr lang="de-DE"/>
           </a:p>
@@ -1262,7 +1700,7 @@
           <p:cNvPr id="2" name="Title 1">
             <a:extLst>
               <a:ext uri="{FF2B5EF4-FFF2-40B4-BE49-F238E27FC236}">
-                <a16:creationId xmlns:a16="http://schemas.microsoft.com/office/drawing/2014/main" id="{7FC6D874-32E0-3BA8-41BD-28D4152645EC}"/>
+                <a16:creationId xmlns:a16="http://schemas.microsoft.com/office/drawing/2014/main" xmlns="" id="{7FC6D874-32E0-3BA8-41BD-28D4152645EC}"/>
               </a:ext>
             </a:extLst>
           </p:cNvPr>
@@ -1291,7 +1729,7 @@
           <p:cNvPr id="3" name="Content Placeholder 2">
             <a:extLst>
               <a:ext uri="{FF2B5EF4-FFF2-40B4-BE49-F238E27FC236}">
-                <a16:creationId xmlns:a16="http://schemas.microsoft.com/office/drawing/2014/main" id="{4C5CABB2-A9ED-4F2A-72C4-30BBA5E022FA}"/>
+                <a16:creationId xmlns:a16="http://schemas.microsoft.com/office/drawing/2014/main" xmlns="" id="{4C5CABB2-A9ED-4F2A-72C4-30BBA5E022FA}"/>
               </a:ext>
             </a:extLst>
           </p:cNvPr>
@@ -1354,7 +1792,7 @@
           <p:cNvPr id="4" name="Content Placeholder 3">
             <a:extLst>
               <a:ext uri="{FF2B5EF4-FFF2-40B4-BE49-F238E27FC236}">
-                <a16:creationId xmlns:a16="http://schemas.microsoft.com/office/drawing/2014/main" id="{DFB8FDBF-BA9C-693C-55B1-1EE56217D9CF}"/>
+                <a16:creationId xmlns:a16="http://schemas.microsoft.com/office/drawing/2014/main" xmlns="" id="{DFB8FDBF-BA9C-693C-55B1-1EE56217D9CF}"/>
               </a:ext>
             </a:extLst>
           </p:cNvPr>
@@ -1417,7 +1855,7 @@
           <p:cNvPr id="5" name="Date Placeholder 4">
             <a:extLst>
               <a:ext uri="{FF2B5EF4-FFF2-40B4-BE49-F238E27FC236}">
-                <a16:creationId xmlns:a16="http://schemas.microsoft.com/office/drawing/2014/main" id="{E43C186B-F6FB-1E37-9AD0-D7876372C6A9}"/>
+                <a16:creationId xmlns:a16="http://schemas.microsoft.com/office/drawing/2014/main" xmlns="" id="{E43C186B-F6FB-1E37-9AD0-D7876372C6A9}"/>
               </a:ext>
             </a:extLst>
           </p:cNvPr>
@@ -1435,7 +1873,7 @@
           <a:p>
             <a:fld id="{691368D4-E71B-4F1B-ACDB-D9BD9A03F85A}" type="datetimeFigureOut">
               <a:rPr lang="de-DE" smtClean="0"/>
-              <a:t>21.04.2024</a:t>
+              <a:t>22.04.2024</a:t>
             </a:fld>
             <a:endParaRPr lang="de-DE"/>
           </a:p>
@@ -1446,7 +1884,7 @@
           <p:cNvPr id="6" name="Footer Placeholder 5">
             <a:extLst>
               <a:ext uri="{FF2B5EF4-FFF2-40B4-BE49-F238E27FC236}">
-                <a16:creationId xmlns:a16="http://schemas.microsoft.com/office/drawing/2014/main" id="{03802879-31E4-4E5C-C4DB-595AD220045D}"/>
+                <a16:creationId xmlns:a16="http://schemas.microsoft.com/office/drawing/2014/main" xmlns="" id="{03802879-31E4-4E5C-C4DB-595AD220045D}"/>
               </a:ext>
             </a:extLst>
           </p:cNvPr>
@@ -1471,7 +1909,7 @@
           <p:cNvPr id="7" name="Slide Number Placeholder 6">
             <a:extLst>
               <a:ext uri="{FF2B5EF4-FFF2-40B4-BE49-F238E27FC236}">
-                <a16:creationId xmlns:a16="http://schemas.microsoft.com/office/drawing/2014/main" id="{0322C1D4-D0EE-82AA-0EBF-7BB2D7480F39}"/>
+                <a16:creationId xmlns:a16="http://schemas.microsoft.com/office/drawing/2014/main" xmlns="" id="{0322C1D4-D0EE-82AA-0EBF-7BB2D7480F39}"/>
               </a:ext>
             </a:extLst>
           </p:cNvPr>
@@ -1489,7 +1927,7 @@
           <a:p>
             <a:fld id="{15159F4A-B8F5-4018-B6B9-63EDACDEFFF4}" type="slidenum">
               <a:rPr lang="de-DE" smtClean="0"/>
-              <a:t>‹#›</a:t>
+              <a:t>‹Nr.›</a:t>
             </a:fld>
             <a:endParaRPr lang="de-DE"/>
           </a:p>
@@ -1530,7 +1968,7 @@
           <p:cNvPr id="2" name="Title 1">
             <a:extLst>
               <a:ext uri="{FF2B5EF4-FFF2-40B4-BE49-F238E27FC236}">
-                <a16:creationId xmlns:a16="http://schemas.microsoft.com/office/drawing/2014/main" id="{BF65E16B-47D2-AAEE-119A-361D36613DD3}"/>
+                <a16:creationId xmlns:a16="http://schemas.microsoft.com/office/drawing/2014/main" xmlns="" id="{BF65E16B-47D2-AAEE-119A-361D36613DD3}"/>
               </a:ext>
             </a:extLst>
           </p:cNvPr>
@@ -1564,7 +2002,7 @@
           <p:cNvPr id="3" name="Text Placeholder 2">
             <a:extLst>
               <a:ext uri="{FF2B5EF4-FFF2-40B4-BE49-F238E27FC236}">
-                <a16:creationId xmlns:a16="http://schemas.microsoft.com/office/drawing/2014/main" id="{CC859E09-D6CC-0BE7-82E0-B6F4BC8A7589}"/>
+                <a16:creationId xmlns:a16="http://schemas.microsoft.com/office/drawing/2014/main" xmlns="" id="{CC859E09-D6CC-0BE7-82E0-B6F4BC8A7589}"/>
               </a:ext>
             </a:extLst>
           </p:cNvPr>
@@ -1635,7 +2073,7 @@
           <p:cNvPr id="4" name="Content Placeholder 3">
             <a:extLst>
               <a:ext uri="{FF2B5EF4-FFF2-40B4-BE49-F238E27FC236}">
-                <a16:creationId xmlns:a16="http://schemas.microsoft.com/office/drawing/2014/main" id="{8D2A146C-536B-6C4C-E744-8D9EF73CF090}"/>
+                <a16:creationId xmlns:a16="http://schemas.microsoft.com/office/drawing/2014/main" xmlns="" id="{8D2A146C-536B-6C4C-E744-8D9EF73CF090}"/>
               </a:ext>
             </a:extLst>
           </p:cNvPr>
@@ -1698,7 +2136,7 @@
           <p:cNvPr id="5" name="Text Placeholder 4">
             <a:extLst>
               <a:ext uri="{FF2B5EF4-FFF2-40B4-BE49-F238E27FC236}">
-                <a16:creationId xmlns:a16="http://schemas.microsoft.com/office/drawing/2014/main" id="{3B5FC98F-0972-C87A-214D-787F25C5F39D}"/>
+                <a16:creationId xmlns:a16="http://schemas.microsoft.com/office/drawing/2014/main" xmlns="" id="{3B5FC98F-0972-C87A-214D-787F25C5F39D}"/>
               </a:ext>
             </a:extLst>
           </p:cNvPr>
@@ -1769,7 +2207,7 @@
           <p:cNvPr id="6" name="Content Placeholder 5">
             <a:extLst>
               <a:ext uri="{FF2B5EF4-FFF2-40B4-BE49-F238E27FC236}">
-                <a16:creationId xmlns:a16="http://schemas.microsoft.com/office/drawing/2014/main" id="{9F6A77DC-C604-A031-ED8A-449D4AD4D0E2}"/>
+                <a16:creationId xmlns:a16="http://schemas.microsoft.com/office/drawing/2014/main" xmlns="" id="{9F6A77DC-C604-A031-ED8A-449D4AD4D0E2}"/>
               </a:ext>
             </a:extLst>
           </p:cNvPr>
@@ -1832,7 +2270,7 @@
           <p:cNvPr id="7" name="Date Placeholder 6">
             <a:extLst>
               <a:ext uri="{FF2B5EF4-FFF2-40B4-BE49-F238E27FC236}">
-                <a16:creationId xmlns:a16="http://schemas.microsoft.com/office/drawing/2014/main" id="{CF5FF227-CD9F-C06A-9707-DEB3EF850387}"/>
+                <a16:creationId xmlns:a16="http://schemas.microsoft.com/office/drawing/2014/main" xmlns="" id="{CF5FF227-CD9F-C06A-9707-DEB3EF850387}"/>
               </a:ext>
             </a:extLst>
           </p:cNvPr>
@@ -1850,7 +2288,7 @@
           <a:p>
             <a:fld id="{691368D4-E71B-4F1B-ACDB-D9BD9A03F85A}" type="datetimeFigureOut">
               <a:rPr lang="de-DE" smtClean="0"/>
-              <a:t>21.04.2024</a:t>
+              <a:t>22.04.2024</a:t>
             </a:fld>
             <a:endParaRPr lang="de-DE"/>
           </a:p>
@@ -1861,7 +2299,7 @@
           <p:cNvPr id="8" name="Footer Placeholder 7">
             <a:extLst>
               <a:ext uri="{FF2B5EF4-FFF2-40B4-BE49-F238E27FC236}">
-                <a16:creationId xmlns:a16="http://schemas.microsoft.com/office/drawing/2014/main" id="{CBB2DDF8-232D-30A2-6F2E-634802626084}"/>
+                <a16:creationId xmlns:a16="http://schemas.microsoft.com/office/drawing/2014/main" xmlns="" id="{CBB2DDF8-232D-30A2-6F2E-634802626084}"/>
               </a:ext>
             </a:extLst>
           </p:cNvPr>
@@ -1886,7 +2324,7 @@
           <p:cNvPr id="9" name="Slide Number Placeholder 8">
             <a:extLst>
               <a:ext uri="{FF2B5EF4-FFF2-40B4-BE49-F238E27FC236}">
-                <a16:creationId xmlns:a16="http://schemas.microsoft.com/office/drawing/2014/main" id="{EDF952F3-6EA6-E5CC-1835-879A75C19025}"/>
+                <a16:creationId xmlns:a16="http://schemas.microsoft.com/office/drawing/2014/main" xmlns="" id="{EDF952F3-6EA6-E5CC-1835-879A75C19025}"/>
               </a:ext>
             </a:extLst>
           </p:cNvPr>
@@ -1904,7 +2342,7 @@
           <a:p>
             <a:fld id="{15159F4A-B8F5-4018-B6B9-63EDACDEFFF4}" type="slidenum">
               <a:rPr lang="de-DE" smtClean="0"/>
-              <a:t>‹#›</a:t>
+              <a:t>‹Nr.›</a:t>
             </a:fld>
             <a:endParaRPr lang="de-DE"/>
           </a:p>
@@ -1945,7 +2383,7 @@
           <p:cNvPr id="2" name="Title 1">
             <a:extLst>
               <a:ext uri="{FF2B5EF4-FFF2-40B4-BE49-F238E27FC236}">
-                <a16:creationId xmlns:a16="http://schemas.microsoft.com/office/drawing/2014/main" id="{4035CA3A-8BDA-2451-046D-0D3CA3315D7B}"/>
+                <a16:creationId xmlns:a16="http://schemas.microsoft.com/office/drawing/2014/main" xmlns="" id="{4035CA3A-8BDA-2451-046D-0D3CA3315D7B}"/>
               </a:ext>
             </a:extLst>
           </p:cNvPr>
@@ -1974,7 +2412,7 @@
           <p:cNvPr id="3" name="Date Placeholder 2">
             <a:extLst>
               <a:ext uri="{FF2B5EF4-FFF2-40B4-BE49-F238E27FC236}">
-                <a16:creationId xmlns:a16="http://schemas.microsoft.com/office/drawing/2014/main" id="{0E6324AE-65AA-16AD-7EAE-A1B21E538C8A}"/>
+                <a16:creationId xmlns:a16="http://schemas.microsoft.com/office/drawing/2014/main" xmlns="" id="{0E6324AE-65AA-16AD-7EAE-A1B21E538C8A}"/>
               </a:ext>
             </a:extLst>
           </p:cNvPr>
@@ -1992,7 +2430,7 @@
           <a:p>
             <a:fld id="{691368D4-E71B-4F1B-ACDB-D9BD9A03F85A}" type="datetimeFigureOut">
               <a:rPr lang="de-DE" smtClean="0"/>
-              <a:t>21.04.2024</a:t>
+              <a:t>22.04.2024</a:t>
             </a:fld>
             <a:endParaRPr lang="de-DE"/>
           </a:p>
@@ -2003,7 +2441,7 @@
           <p:cNvPr id="4" name="Footer Placeholder 3">
             <a:extLst>
               <a:ext uri="{FF2B5EF4-FFF2-40B4-BE49-F238E27FC236}">
-                <a16:creationId xmlns:a16="http://schemas.microsoft.com/office/drawing/2014/main" id="{3DFCF871-C35C-9A28-4345-A84E27229096}"/>
+                <a16:creationId xmlns:a16="http://schemas.microsoft.com/office/drawing/2014/main" xmlns="" id="{3DFCF871-C35C-9A28-4345-A84E27229096}"/>
               </a:ext>
             </a:extLst>
           </p:cNvPr>
@@ -2028,7 +2466,7 @@
           <p:cNvPr id="5" name="Slide Number Placeholder 4">
             <a:extLst>
               <a:ext uri="{FF2B5EF4-FFF2-40B4-BE49-F238E27FC236}">
-                <a16:creationId xmlns:a16="http://schemas.microsoft.com/office/drawing/2014/main" id="{5D207B87-05FA-8BAB-4E63-33F910C3A5C5}"/>
+                <a16:creationId xmlns:a16="http://schemas.microsoft.com/office/drawing/2014/main" xmlns="" id="{5D207B87-05FA-8BAB-4E63-33F910C3A5C5}"/>
               </a:ext>
             </a:extLst>
           </p:cNvPr>
@@ -2046,7 +2484,7 @@
           <a:p>
             <a:fld id="{15159F4A-B8F5-4018-B6B9-63EDACDEFFF4}" type="slidenum">
               <a:rPr lang="de-DE" smtClean="0"/>
-              <a:t>‹#›</a:t>
+              <a:t>‹Nr.›</a:t>
             </a:fld>
             <a:endParaRPr lang="de-DE"/>
           </a:p>
@@ -2087,7 +2525,7 @@
           <p:cNvPr id="2" name="Date Placeholder 1">
             <a:extLst>
               <a:ext uri="{FF2B5EF4-FFF2-40B4-BE49-F238E27FC236}">
-                <a16:creationId xmlns:a16="http://schemas.microsoft.com/office/drawing/2014/main" id="{271EEE58-88A1-0850-5F17-CD4CBE5B5AB5}"/>
+                <a16:creationId xmlns:a16="http://schemas.microsoft.com/office/drawing/2014/main" xmlns="" id="{271EEE58-88A1-0850-5F17-CD4CBE5B5AB5}"/>
               </a:ext>
             </a:extLst>
           </p:cNvPr>
@@ -2105,7 +2543,7 @@
           <a:p>
             <a:fld id="{691368D4-E71B-4F1B-ACDB-D9BD9A03F85A}" type="datetimeFigureOut">
               <a:rPr lang="de-DE" smtClean="0"/>
-              <a:t>21.04.2024</a:t>
+              <a:t>22.04.2024</a:t>
             </a:fld>
             <a:endParaRPr lang="de-DE"/>
           </a:p>
@@ -2116,7 +2554,7 @@
           <p:cNvPr id="3" name="Footer Placeholder 2">
             <a:extLst>
               <a:ext uri="{FF2B5EF4-FFF2-40B4-BE49-F238E27FC236}">
-                <a16:creationId xmlns:a16="http://schemas.microsoft.com/office/drawing/2014/main" id="{B97168B8-AA73-3EB8-E833-EF887FE65D91}"/>
+                <a16:creationId xmlns:a16="http://schemas.microsoft.com/office/drawing/2014/main" xmlns="" id="{B97168B8-AA73-3EB8-E833-EF887FE65D91}"/>
               </a:ext>
             </a:extLst>
           </p:cNvPr>
@@ -2141,7 +2579,7 @@
           <p:cNvPr id="4" name="Slide Number Placeholder 3">
             <a:extLst>
               <a:ext uri="{FF2B5EF4-FFF2-40B4-BE49-F238E27FC236}">
-                <a16:creationId xmlns:a16="http://schemas.microsoft.com/office/drawing/2014/main" id="{3D934F45-0826-8828-6EAD-2FDA7516A981}"/>
+                <a16:creationId xmlns:a16="http://schemas.microsoft.com/office/drawing/2014/main" xmlns="" id="{3D934F45-0826-8828-6EAD-2FDA7516A981}"/>
               </a:ext>
             </a:extLst>
           </p:cNvPr>
@@ -2159,7 +2597,7 @@
           <a:p>
             <a:fld id="{15159F4A-B8F5-4018-B6B9-63EDACDEFFF4}" type="slidenum">
               <a:rPr lang="de-DE" smtClean="0"/>
-              <a:t>‹#›</a:t>
+              <a:t>‹Nr.›</a:t>
             </a:fld>
             <a:endParaRPr lang="de-DE"/>
           </a:p>
@@ -2200,7 +2638,7 @@
           <p:cNvPr id="2" name="Title 1">
             <a:extLst>
               <a:ext uri="{FF2B5EF4-FFF2-40B4-BE49-F238E27FC236}">
-                <a16:creationId xmlns:a16="http://schemas.microsoft.com/office/drawing/2014/main" id="{FF237B72-CF88-5140-6B28-7CD2BB55D647}"/>
+                <a16:creationId xmlns:a16="http://schemas.microsoft.com/office/drawing/2014/main" xmlns="" id="{FF237B72-CF88-5140-6B28-7CD2BB55D647}"/>
               </a:ext>
             </a:extLst>
           </p:cNvPr>
@@ -2238,7 +2676,7 @@
           <p:cNvPr id="3" name="Content Placeholder 2">
             <a:extLst>
               <a:ext uri="{FF2B5EF4-FFF2-40B4-BE49-F238E27FC236}">
-                <a16:creationId xmlns:a16="http://schemas.microsoft.com/office/drawing/2014/main" id="{5249B4E1-9483-496B-D198-80C6F70F60AA}"/>
+                <a16:creationId xmlns:a16="http://schemas.microsoft.com/office/drawing/2014/main" xmlns="" id="{5249B4E1-9483-496B-D198-80C6F70F60AA}"/>
               </a:ext>
             </a:extLst>
           </p:cNvPr>
@@ -2329,7 +2767,7 @@
           <p:cNvPr id="4" name="Text Placeholder 3">
             <a:extLst>
               <a:ext uri="{FF2B5EF4-FFF2-40B4-BE49-F238E27FC236}">
-                <a16:creationId xmlns:a16="http://schemas.microsoft.com/office/drawing/2014/main" id="{FE0608B3-F3CE-0D7A-A5F9-28A4A14EB77B}"/>
+                <a16:creationId xmlns:a16="http://schemas.microsoft.com/office/drawing/2014/main" xmlns="" id="{FE0608B3-F3CE-0D7A-A5F9-28A4A14EB77B}"/>
               </a:ext>
             </a:extLst>
           </p:cNvPr>
@@ -2400,7 +2838,7 @@
           <p:cNvPr id="5" name="Date Placeholder 4">
             <a:extLst>
               <a:ext uri="{FF2B5EF4-FFF2-40B4-BE49-F238E27FC236}">
-                <a16:creationId xmlns:a16="http://schemas.microsoft.com/office/drawing/2014/main" id="{A0EC4E3C-641A-C000-6B89-34CAE3EFF59D}"/>
+                <a16:creationId xmlns:a16="http://schemas.microsoft.com/office/drawing/2014/main" xmlns="" id="{A0EC4E3C-641A-C000-6B89-34CAE3EFF59D}"/>
               </a:ext>
             </a:extLst>
           </p:cNvPr>
@@ -2418,7 +2856,7 @@
           <a:p>
             <a:fld id="{691368D4-E71B-4F1B-ACDB-D9BD9A03F85A}" type="datetimeFigureOut">
               <a:rPr lang="de-DE" smtClean="0"/>
-              <a:t>21.04.2024</a:t>
+              <a:t>22.04.2024</a:t>
             </a:fld>
             <a:endParaRPr lang="de-DE"/>
           </a:p>
@@ -2429,7 +2867,7 @@
           <p:cNvPr id="6" name="Footer Placeholder 5">
             <a:extLst>
               <a:ext uri="{FF2B5EF4-FFF2-40B4-BE49-F238E27FC236}">
-                <a16:creationId xmlns:a16="http://schemas.microsoft.com/office/drawing/2014/main" id="{24525802-9D32-0E10-C524-3A2A352902DD}"/>
+                <a16:creationId xmlns:a16="http://schemas.microsoft.com/office/drawing/2014/main" xmlns="" id="{24525802-9D32-0E10-C524-3A2A352902DD}"/>
               </a:ext>
             </a:extLst>
           </p:cNvPr>
@@ -2454,7 +2892,7 @@
           <p:cNvPr id="7" name="Slide Number Placeholder 6">
             <a:extLst>
               <a:ext uri="{FF2B5EF4-FFF2-40B4-BE49-F238E27FC236}">
-                <a16:creationId xmlns:a16="http://schemas.microsoft.com/office/drawing/2014/main" id="{40ECEA97-DE16-E89A-9D36-E9F3DFB5474F}"/>
+                <a16:creationId xmlns:a16="http://schemas.microsoft.com/office/drawing/2014/main" xmlns="" id="{40ECEA97-DE16-E89A-9D36-E9F3DFB5474F}"/>
               </a:ext>
             </a:extLst>
           </p:cNvPr>
@@ -2472,7 +2910,7 @@
           <a:p>
             <a:fld id="{15159F4A-B8F5-4018-B6B9-63EDACDEFFF4}" type="slidenum">
               <a:rPr lang="de-DE" smtClean="0"/>
-              <a:t>‹#›</a:t>
+              <a:t>‹Nr.›</a:t>
             </a:fld>
             <a:endParaRPr lang="de-DE"/>
           </a:p>
@@ -2513,7 +2951,7 @@
           <p:cNvPr id="2" name="Title 1">
             <a:extLst>
               <a:ext uri="{FF2B5EF4-FFF2-40B4-BE49-F238E27FC236}">
-                <a16:creationId xmlns:a16="http://schemas.microsoft.com/office/drawing/2014/main" id="{FF4FD185-2CA1-455B-82FF-214D70DE1DAD}"/>
+                <a16:creationId xmlns:a16="http://schemas.microsoft.com/office/drawing/2014/main" xmlns="" id="{FF4FD185-2CA1-455B-82FF-214D70DE1DAD}"/>
               </a:ext>
             </a:extLst>
           </p:cNvPr>
@@ -2551,7 +2989,7 @@
           <p:cNvPr id="3" name="Picture Placeholder 2">
             <a:extLst>
               <a:ext uri="{FF2B5EF4-FFF2-40B4-BE49-F238E27FC236}">
-                <a16:creationId xmlns:a16="http://schemas.microsoft.com/office/drawing/2014/main" id="{E9B227B6-97CE-56E8-64EE-45A1A579AFDD}"/>
+                <a16:creationId xmlns:a16="http://schemas.microsoft.com/office/drawing/2014/main" xmlns="" id="{E9B227B6-97CE-56E8-64EE-45A1A579AFDD}"/>
               </a:ext>
             </a:extLst>
           </p:cNvPr>
@@ -2618,7 +3056,7 @@
           <p:cNvPr id="4" name="Text Placeholder 3">
             <a:extLst>
               <a:ext uri="{FF2B5EF4-FFF2-40B4-BE49-F238E27FC236}">
-                <a16:creationId xmlns:a16="http://schemas.microsoft.com/office/drawing/2014/main" id="{86BE14AD-2809-EEB2-7AA1-82FBB2B1BD54}"/>
+                <a16:creationId xmlns:a16="http://schemas.microsoft.com/office/drawing/2014/main" xmlns="" id="{86BE14AD-2809-EEB2-7AA1-82FBB2B1BD54}"/>
               </a:ext>
             </a:extLst>
           </p:cNvPr>
@@ -2689,7 +3127,7 @@
           <p:cNvPr id="5" name="Date Placeholder 4">
             <a:extLst>
               <a:ext uri="{FF2B5EF4-FFF2-40B4-BE49-F238E27FC236}">
-                <a16:creationId xmlns:a16="http://schemas.microsoft.com/office/drawing/2014/main" id="{A23F939A-82AB-2A2C-7C8F-11AEC220617F}"/>
+                <a16:creationId xmlns:a16="http://schemas.microsoft.com/office/drawing/2014/main" xmlns="" id="{A23F939A-82AB-2A2C-7C8F-11AEC220617F}"/>
               </a:ext>
             </a:extLst>
           </p:cNvPr>
@@ -2707,7 +3145,7 @@
           <a:p>
             <a:fld id="{691368D4-E71B-4F1B-ACDB-D9BD9A03F85A}" type="datetimeFigureOut">
               <a:rPr lang="de-DE" smtClean="0"/>
-              <a:t>21.04.2024</a:t>
+              <a:t>22.04.2024</a:t>
             </a:fld>
             <a:endParaRPr lang="de-DE"/>
           </a:p>
@@ -2718,7 +3156,7 @@
           <p:cNvPr id="6" name="Footer Placeholder 5">
             <a:extLst>
               <a:ext uri="{FF2B5EF4-FFF2-40B4-BE49-F238E27FC236}">
-                <a16:creationId xmlns:a16="http://schemas.microsoft.com/office/drawing/2014/main" id="{9EACFE34-2280-6977-ECD6-84E46E29E5B3}"/>
+                <a16:creationId xmlns:a16="http://schemas.microsoft.com/office/drawing/2014/main" xmlns="" id="{9EACFE34-2280-6977-ECD6-84E46E29E5B3}"/>
               </a:ext>
             </a:extLst>
           </p:cNvPr>
@@ -2743,7 +3181,7 @@
           <p:cNvPr id="7" name="Slide Number Placeholder 6">
             <a:extLst>
               <a:ext uri="{FF2B5EF4-FFF2-40B4-BE49-F238E27FC236}">
-                <a16:creationId xmlns:a16="http://schemas.microsoft.com/office/drawing/2014/main" id="{AB263BF4-8BEC-DBEB-7ECD-B4D81262C38F}"/>
+                <a16:creationId xmlns:a16="http://schemas.microsoft.com/office/drawing/2014/main" xmlns="" id="{AB263BF4-8BEC-DBEB-7ECD-B4D81262C38F}"/>
               </a:ext>
             </a:extLst>
           </p:cNvPr>
@@ -2761,7 +3199,7 @@
           <a:p>
             <a:fld id="{15159F4A-B8F5-4018-B6B9-63EDACDEFFF4}" type="slidenum">
               <a:rPr lang="de-DE" smtClean="0"/>
-              <a:t>‹#›</a:t>
+              <a:t>‹Nr.›</a:t>
             </a:fld>
             <a:endParaRPr lang="de-DE"/>
           </a:p>
@@ -2807,7 +3245,7 @@
           <p:cNvPr id="2" name="Title Placeholder 1">
             <a:extLst>
               <a:ext uri="{FF2B5EF4-FFF2-40B4-BE49-F238E27FC236}">
-                <a16:creationId xmlns:a16="http://schemas.microsoft.com/office/drawing/2014/main" id="{68DE75E0-5853-A2C0-3BF9-83B4A7ECE3B6}"/>
+                <a16:creationId xmlns:a16="http://schemas.microsoft.com/office/drawing/2014/main" xmlns="" id="{68DE75E0-5853-A2C0-3BF9-83B4A7ECE3B6}"/>
               </a:ext>
             </a:extLst>
           </p:cNvPr>
@@ -2846,7 +3284,7 @@
           <p:cNvPr id="3" name="Text Placeholder 2">
             <a:extLst>
               <a:ext uri="{FF2B5EF4-FFF2-40B4-BE49-F238E27FC236}">
-                <a16:creationId xmlns:a16="http://schemas.microsoft.com/office/drawing/2014/main" id="{ADE66B02-01B0-6C86-AA0E-D493ADA9BECF}"/>
+                <a16:creationId xmlns:a16="http://schemas.microsoft.com/office/drawing/2014/main" xmlns="" id="{ADE66B02-01B0-6C86-AA0E-D493ADA9BECF}"/>
               </a:ext>
             </a:extLst>
           </p:cNvPr>
@@ -2914,7 +3352,7 @@
           <p:cNvPr id="4" name="Date Placeholder 3">
             <a:extLst>
               <a:ext uri="{FF2B5EF4-FFF2-40B4-BE49-F238E27FC236}">
-                <a16:creationId xmlns:a16="http://schemas.microsoft.com/office/drawing/2014/main" id="{FDC409FC-B068-8EC3-2962-7E9D2484AC06}"/>
+                <a16:creationId xmlns:a16="http://schemas.microsoft.com/office/drawing/2014/main" xmlns="" id="{FDC409FC-B068-8EC3-2962-7E9D2484AC06}"/>
               </a:ext>
             </a:extLst>
           </p:cNvPr>
@@ -2950,7 +3388,7 @@
           <a:p>
             <a:fld id="{691368D4-E71B-4F1B-ACDB-D9BD9A03F85A}" type="datetimeFigureOut">
               <a:rPr lang="de-DE" smtClean="0"/>
-              <a:t>21.04.2024</a:t>
+              <a:t>22.04.2024</a:t>
             </a:fld>
             <a:endParaRPr lang="de-DE"/>
           </a:p>
@@ -2961,7 +3399,7 @@
           <p:cNvPr id="5" name="Footer Placeholder 4">
             <a:extLst>
               <a:ext uri="{FF2B5EF4-FFF2-40B4-BE49-F238E27FC236}">
-                <a16:creationId xmlns:a16="http://schemas.microsoft.com/office/drawing/2014/main" id="{EBDB1DC2-F1AD-2050-0167-71A68F33C9F9}"/>
+                <a16:creationId xmlns:a16="http://schemas.microsoft.com/office/drawing/2014/main" xmlns="" id="{EBDB1DC2-F1AD-2050-0167-71A68F33C9F9}"/>
               </a:ext>
             </a:extLst>
           </p:cNvPr>
@@ -3004,7 +3442,7 @@
           <p:cNvPr id="6" name="Slide Number Placeholder 5">
             <a:extLst>
               <a:ext uri="{FF2B5EF4-FFF2-40B4-BE49-F238E27FC236}">
-                <a16:creationId xmlns:a16="http://schemas.microsoft.com/office/drawing/2014/main" id="{52CB133A-EF4D-8859-0A9B-D7920C43FF3C}"/>
+                <a16:creationId xmlns:a16="http://schemas.microsoft.com/office/drawing/2014/main" xmlns="" id="{52CB133A-EF4D-8859-0A9B-D7920C43FF3C}"/>
               </a:ext>
             </a:extLst>
           </p:cNvPr>
@@ -3040,7 +3478,7 @@
           <a:p>
             <a:fld id="{15159F4A-B8F5-4018-B6B9-63EDACDEFFF4}" type="slidenum">
               <a:rPr lang="de-DE" smtClean="0"/>
-              <a:t>‹#›</a:t>
+              <a:t>‹Nr.›</a:t>
             </a:fld>
             <a:endParaRPr lang="de-DE"/>
           </a:p>
@@ -3372,7 +3810,7 @@
           <p:cNvPr id="2" name="Title 1">
             <a:extLst>
               <a:ext uri="{FF2B5EF4-FFF2-40B4-BE49-F238E27FC236}">
-                <a16:creationId xmlns:a16="http://schemas.microsoft.com/office/drawing/2014/main" id="{305E7EE7-7898-DF74-A8BA-F4A701F1C2FF}"/>
+                <a16:creationId xmlns:a16="http://schemas.microsoft.com/office/drawing/2014/main" xmlns="" id="{305E7EE7-7898-DF74-A8BA-F4A701F1C2FF}"/>
               </a:ext>
             </a:extLst>
           </p:cNvPr>
@@ -3407,7 +3845,7 @@
           <p:cNvPr id="10" name="Picture Placeholder 9" descr="A diagram of a city">
             <a:extLst>
               <a:ext uri="{FF2B5EF4-FFF2-40B4-BE49-F238E27FC236}">
-                <a16:creationId xmlns:a16="http://schemas.microsoft.com/office/drawing/2014/main" id="{0C4F8417-D322-4CFE-A483-1FE56A50248D}"/>
+                <a16:creationId xmlns:a16="http://schemas.microsoft.com/office/drawing/2014/main" xmlns="" id="{0C4F8417-D322-4CFE-A483-1FE56A50248D}"/>
               </a:ext>
             </a:extLst>
           </p:cNvPr>
@@ -3443,7 +3881,7 @@
           <p:cNvPr id="11" name="Table 10">
             <a:extLst>
               <a:ext uri="{FF2B5EF4-FFF2-40B4-BE49-F238E27FC236}">
-                <a16:creationId xmlns:a16="http://schemas.microsoft.com/office/drawing/2014/main" id="{0BCC40F0-48CE-462A-969E-C96E962F2DE1}"/>
+                <a16:creationId xmlns:a16="http://schemas.microsoft.com/office/drawing/2014/main" xmlns="" id="{0BCC40F0-48CE-462A-969E-C96E962F2DE1}"/>
               </a:ext>
             </a:extLst>
           </p:cNvPr>
@@ -3472,21 +3910,21 @@
                 <a:gridCol w="1338414">
                   <a:extLst>
                     <a:ext uri="{9D8B030D-6E8A-4147-A177-3AD203B41FA5}">
-                      <a16:colId xmlns:a16="http://schemas.microsoft.com/office/drawing/2014/main" val="2087661091"/>
+                      <a16:colId xmlns:a16="http://schemas.microsoft.com/office/drawing/2014/main" xmlns="" val="2087661091"/>
                     </a:ext>
                   </a:extLst>
                 </a:gridCol>
                 <a:gridCol w="1338414">
                   <a:extLst>
                     <a:ext uri="{9D8B030D-6E8A-4147-A177-3AD203B41FA5}">
-                      <a16:colId xmlns:a16="http://schemas.microsoft.com/office/drawing/2014/main" val="4161442789"/>
+                      <a16:colId xmlns:a16="http://schemas.microsoft.com/office/drawing/2014/main" xmlns="" val="4161442789"/>
                     </a:ext>
                   </a:extLst>
                 </a:gridCol>
                 <a:gridCol w="1338414">
                   <a:extLst>
                     <a:ext uri="{9D8B030D-6E8A-4147-A177-3AD203B41FA5}">
-                      <a16:colId xmlns:a16="http://schemas.microsoft.com/office/drawing/2014/main" val="1065804868"/>
+                      <a16:colId xmlns:a16="http://schemas.microsoft.com/office/drawing/2014/main" xmlns="" val="1065804868"/>
                     </a:ext>
                   </a:extLst>
                 </a:gridCol>
@@ -3578,7 +4016,7 @@
                 </a:tc>
                 <a:extLst>
                   <a:ext uri="{0D108BD9-81ED-4DB2-BD59-A6C34878D82A}">
-                    <a16:rowId xmlns:a16="http://schemas.microsoft.com/office/drawing/2014/main" val="3931383551"/>
+                    <a16:rowId xmlns:a16="http://schemas.microsoft.com/office/drawing/2014/main" xmlns="" val="3931383551"/>
                   </a:ext>
                 </a:extLst>
               </a:tr>
@@ -3642,7 +4080,7 @@
                 </a:tc>
                 <a:extLst>
                   <a:ext uri="{0D108BD9-81ED-4DB2-BD59-A6C34878D82A}">
-                    <a16:rowId xmlns:a16="http://schemas.microsoft.com/office/drawing/2014/main" val="3140929958"/>
+                    <a16:rowId xmlns:a16="http://schemas.microsoft.com/office/drawing/2014/main" xmlns="" val="3140929958"/>
                   </a:ext>
                 </a:extLst>
               </a:tr>
@@ -3706,7 +4144,7 @@
                 </a:tc>
                 <a:extLst>
                   <a:ext uri="{0D108BD9-81ED-4DB2-BD59-A6C34878D82A}">
-                    <a16:rowId xmlns:a16="http://schemas.microsoft.com/office/drawing/2014/main" val="2462120241"/>
+                    <a16:rowId xmlns:a16="http://schemas.microsoft.com/office/drawing/2014/main" xmlns="" val="2462120241"/>
                   </a:ext>
                 </a:extLst>
               </a:tr>
@@ -3749,7 +4187,7 @@
           <p:cNvPr id="2" name="Title 1">
             <a:extLst>
               <a:ext uri="{FF2B5EF4-FFF2-40B4-BE49-F238E27FC236}">
-                <a16:creationId xmlns:a16="http://schemas.microsoft.com/office/drawing/2014/main" id="{5FA92E7E-ADAC-9CF6-FBAD-455FD9799F37}"/>
+                <a16:creationId xmlns:a16="http://schemas.microsoft.com/office/drawing/2014/main" xmlns="" id="{5FA92E7E-ADAC-9CF6-FBAD-455FD9799F37}"/>
               </a:ext>
             </a:extLst>
           </p:cNvPr>
@@ -3777,7 +4215,7 @@
           <p:cNvPr id="9" name="Table 8">
             <a:extLst>
               <a:ext uri="{FF2B5EF4-FFF2-40B4-BE49-F238E27FC236}">
-                <a16:creationId xmlns:a16="http://schemas.microsoft.com/office/drawing/2014/main" id="{15FB80B1-12F7-56EC-B5B5-062FA843F498}"/>
+                <a16:creationId xmlns:a16="http://schemas.microsoft.com/office/drawing/2014/main" xmlns="" id="{15FB80B1-12F7-56EC-B5B5-062FA843F498}"/>
               </a:ext>
             </a:extLst>
           </p:cNvPr>
@@ -3800,21 +4238,21 @@
                 <a:gridCol w="1107540">
                   <a:extLst>
                     <a:ext uri="{9D8B030D-6E8A-4147-A177-3AD203B41FA5}">
-                      <a16:colId xmlns:a16="http://schemas.microsoft.com/office/drawing/2014/main" val="2087661091"/>
+                      <a16:colId xmlns:a16="http://schemas.microsoft.com/office/drawing/2014/main" xmlns="" val="2087661091"/>
                     </a:ext>
                   </a:extLst>
                 </a:gridCol>
                 <a:gridCol w="1107540">
                   <a:extLst>
                     <a:ext uri="{9D8B030D-6E8A-4147-A177-3AD203B41FA5}">
-                      <a16:colId xmlns:a16="http://schemas.microsoft.com/office/drawing/2014/main" val="4161442789"/>
+                      <a16:colId xmlns:a16="http://schemas.microsoft.com/office/drawing/2014/main" xmlns="" val="4161442789"/>
                     </a:ext>
                   </a:extLst>
                 </a:gridCol>
                 <a:gridCol w="1107540">
                   <a:extLst>
                     <a:ext uri="{9D8B030D-6E8A-4147-A177-3AD203B41FA5}">
-                      <a16:colId xmlns:a16="http://schemas.microsoft.com/office/drawing/2014/main" val="1065804868"/>
+                      <a16:colId xmlns:a16="http://schemas.microsoft.com/office/drawing/2014/main" xmlns="" val="1065804868"/>
                     </a:ext>
                   </a:extLst>
                 </a:gridCol>
@@ -3906,7 +4344,7 @@
                 </a:tc>
                 <a:extLst>
                   <a:ext uri="{0D108BD9-81ED-4DB2-BD59-A6C34878D82A}">
-                    <a16:rowId xmlns:a16="http://schemas.microsoft.com/office/drawing/2014/main" val="3931383551"/>
+                    <a16:rowId xmlns:a16="http://schemas.microsoft.com/office/drawing/2014/main" xmlns="" val="3931383551"/>
                   </a:ext>
                 </a:extLst>
               </a:tr>
@@ -3970,7 +4408,7 @@
                 </a:tc>
                 <a:extLst>
                   <a:ext uri="{0D108BD9-81ED-4DB2-BD59-A6C34878D82A}">
-                    <a16:rowId xmlns:a16="http://schemas.microsoft.com/office/drawing/2014/main" val="3140929958"/>
+                    <a16:rowId xmlns:a16="http://schemas.microsoft.com/office/drawing/2014/main" xmlns="" val="3140929958"/>
                   </a:ext>
                 </a:extLst>
               </a:tr>
@@ -4034,7 +4472,7 @@
                 </a:tc>
                 <a:extLst>
                   <a:ext uri="{0D108BD9-81ED-4DB2-BD59-A6C34878D82A}">
-                    <a16:rowId xmlns:a16="http://schemas.microsoft.com/office/drawing/2014/main" val="2462120241"/>
+                    <a16:rowId xmlns:a16="http://schemas.microsoft.com/office/drawing/2014/main" xmlns="" val="2462120241"/>
                   </a:ext>
                 </a:extLst>
               </a:tr>
@@ -4047,7 +4485,7 @@
           <p:cNvPr id="10" name="TextBox 9">
             <a:extLst>
               <a:ext uri="{FF2B5EF4-FFF2-40B4-BE49-F238E27FC236}">
-                <a16:creationId xmlns:a16="http://schemas.microsoft.com/office/drawing/2014/main" id="{140A12DA-0ECD-8045-A50A-F11B9BEC367D}"/>
+                <a16:creationId xmlns:a16="http://schemas.microsoft.com/office/drawing/2014/main" xmlns="" id="{140A12DA-0ECD-8045-A50A-F11B9BEC367D}"/>
               </a:ext>
             </a:extLst>
           </p:cNvPr>
@@ -4094,7 +4532,7 @@
           <p:cNvPr id="5" name="Picture 4" descr="A group of graphs with text&#10;&#10;Description automatically generated with medium confidence">
             <a:extLst>
               <a:ext uri="{FF2B5EF4-FFF2-40B4-BE49-F238E27FC236}">
-                <a16:creationId xmlns:a16="http://schemas.microsoft.com/office/drawing/2014/main" id="{F365295E-99BC-E3DE-CEB9-1FE3F5A57791}"/>
+                <a16:creationId xmlns:a16="http://schemas.microsoft.com/office/drawing/2014/main" xmlns="" id="{F365295E-99BC-E3DE-CEB9-1FE3F5A57791}"/>
               </a:ext>
             </a:extLst>
           </p:cNvPr>
@@ -4130,7 +4568,7 @@
           <p:cNvPr id="7" name="Picture 6" descr="A group of graphs with different colored squares&#10;&#10;Description automatically generated with medium confidence">
             <a:extLst>
               <a:ext uri="{FF2B5EF4-FFF2-40B4-BE49-F238E27FC236}">
-                <a16:creationId xmlns:a16="http://schemas.microsoft.com/office/drawing/2014/main" id="{B83D6A96-B146-FFAD-4D7F-55B0921E9822}"/>
+                <a16:creationId xmlns:a16="http://schemas.microsoft.com/office/drawing/2014/main" xmlns="" id="{B83D6A96-B146-FFAD-4D7F-55B0921E9822}"/>
               </a:ext>
             </a:extLst>
           </p:cNvPr>
@@ -4196,7 +4634,7 @@
           <p:cNvPr id="2" name="Title 1">
             <a:extLst>
               <a:ext uri="{FF2B5EF4-FFF2-40B4-BE49-F238E27FC236}">
-                <a16:creationId xmlns:a16="http://schemas.microsoft.com/office/drawing/2014/main" id="{5FA92E7E-ADAC-9CF6-FBAD-455FD9799F37}"/>
+                <a16:creationId xmlns:a16="http://schemas.microsoft.com/office/drawing/2014/main" xmlns="" id="{5FA92E7E-ADAC-9CF6-FBAD-455FD9799F37}"/>
               </a:ext>
             </a:extLst>
           </p:cNvPr>
@@ -4224,7 +4662,7 @@
           <p:cNvPr id="6" name="Table 5">
             <a:extLst>
               <a:ext uri="{FF2B5EF4-FFF2-40B4-BE49-F238E27FC236}">
-                <a16:creationId xmlns:a16="http://schemas.microsoft.com/office/drawing/2014/main" id="{C34BBE34-C539-43D5-936F-D26836FFAE10}"/>
+                <a16:creationId xmlns:a16="http://schemas.microsoft.com/office/drawing/2014/main" xmlns="" id="{C34BBE34-C539-43D5-936F-D26836FFAE10}"/>
               </a:ext>
             </a:extLst>
           </p:cNvPr>
@@ -4253,21 +4691,21 @@
                 <a:gridCol w="1338414">
                   <a:extLst>
                     <a:ext uri="{9D8B030D-6E8A-4147-A177-3AD203B41FA5}">
-                      <a16:colId xmlns:a16="http://schemas.microsoft.com/office/drawing/2014/main" val="2087661091"/>
+                      <a16:colId xmlns:a16="http://schemas.microsoft.com/office/drawing/2014/main" xmlns="" val="2087661091"/>
                     </a:ext>
                   </a:extLst>
                 </a:gridCol>
                 <a:gridCol w="1338414">
                   <a:extLst>
                     <a:ext uri="{9D8B030D-6E8A-4147-A177-3AD203B41FA5}">
-                      <a16:colId xmlns:a16="http://schemas.microsoft.com/office/drawing/2014/main" val="4161442789"/>
+                      <a16:colId xmlns:a16="http://schemas.microsoft.com/office/drawing/2014/main" xmlns="" val="4161442789"/>
                     </a:ext>
                   </a:extLst>
                 </a:gridCol>
                 <a:gridCol w="1338414">
                   <a:extLst>
                     <a:ext uri="{9D8B030D-6E8A-4147-A177-3AD203B41FA5}">
-                      <a16:colId xmlns:a16="http://schemas.microsoft.com/office/drawing/2014/main" val="1065804868"/>
+                      <a16:colId xmlns:a16="http://schemas.microsoft.com/office/drawing/2014/main" xmlns="" val="1065804868"/>
                     </a:ext>
                   </a:extLst>
                 </a:gridCol>
@@ -4359,7 +4797,7 @@
                 </a:tc>
                 <a:extLst>
                   <a:ext uri="{0D108BD9-81ED-4DB2-BD59-A6C34878D82A}">
-                    <a16:rowId xmlns:a16="http://schemas.microsoft.com/office/drawing/2014/main" val="3931383551"/>
+                    <a16:rowId xmlns:a16="http://schemas.microsoft.com/office/drawing/2014/main" xmlns="" val="3931383551"/>
                   </a:ext>
                 </a:extLst>
               </a:tr>
@@ -4423,7 +4861,7 @@
                 </a:tc>
                 <a:extLst>
                   <a:ext uri="{0D108BD9-81ED-4DB2-BD59-A6C34878D82A}">
-                    <a16:rowId xmlns:a16="http://schemas.microsoft.com/office/drawing/2014/main" val="3140929958"/>
+                    <a16:rowId xmlns:a16="http://schemas.microsoft.com/office/drawing/2014/main" xmlns="" val="3140929958"/>
                   </a:ext>
                 </a:extLst>
               </a:tr>
@@ -4487,7 +4925,7 @@
                 </a:tc>
                 <a:extLst>
                   <a:ext uri="{0D108BD9-81ED-4DB2-BD59-A6C34878D82A}">
-                    <a16:rowId xmlns:a16="http://schemas.microsoft.com/office/drawing/2014/main" val="2462120241"/>
+                    <a16:rowId xmlns:a16="http://schemas.microsoft.com/office/drawing/2014/main" xmlns="" val="2462120241"/>
                   </a:ext>
                 </a:extLst>
               </a:tr>
@@ -4500,7 +4938,7 @@
           <p:cNvPr id="7" name="Table 6">
             <a:extLst>
               <a:ext uri="{FF2B5EF4-FFF2-40B4-BE49-F238E27FC236}">
-                <a16:creationId xmlns:a16="http://schemas.microsoft.com/office/drawing/2014/main" id="{0A7E851C-A2D2-B8B5-9750-2F0D12F0550D}"/>
+                <a16:creationId xmlns:a16="http://schemas.microsoft.com/office/drawing/2014/main" xmlns="" id="{0A7E851C-A2D2-B8B5-9750-2F0D12F0550D}"/>
               </a:ext>
             </a:extLst>
           </p:cNvPr>
@@ -4517,7 +4955,7 @@
         </p:nvGraphicFramePr>
         <p:xfrm>
           <a:off x="933091" y="1852160"/>
-          <a:ext cx="1817288" cy="1854200"/>
+          <a:ext cx="1817288" cy="2123440"/>
         </p:xfrm>
         <a:graphic>
           <a:graphicData uri="http://schemas.openxmlformats.org/drawingml/2006/table">
@@ -4529,14 +4967,14 @@
                 <a:gridCol w="1220159">
                   <a:extLst>
                     <a:ext uri="{9D8B030D-6E8A-4147-A177-3AD203B41FA5}">
-                      <a16:colId xmlns:a16="http://schemas.microsoft.com/office/drawing/2014/main" val="3095421252"/>
+                      <a16:colId xmlns:a16="http://schemas.microsoft.com/office/drawing/2014/main" xmlns="" val="3095421252"/>
                     </a:ext>
                   </a:extLst>
                 </a:gridCol>
                 <a:gridCol w="597129">
                   <a:extLst>
                     <a:ext uri="{9D8B030D-6E8A-4147-A177-3AD203B41FA5}">
-                      <a16:colId xmlns:a16="http://schemas.microsoft.com/office/drawing/2014/main" val="2138526489"/>
+                      <a16:colId xmlns:a16="http://schemas.microsoft.com/office/drawing/2014/main" xmlns="" val="2138526489"/>
                     </a:ext>
                   </a:extLst>
                 </a:gridCol>
@@ -4582,7 +5020,7 @@
                 </a:tc>
                 <a:extLst>
                   <a:ext uri="{0D108BD9-81ED-4DB2-BD59-A6C34878D82A}">
-                    <a16:rowId xmlns:a16="http://schemas.microsoft.com/office/drawing/2014/main" val="687688987"/>
+                    <a16:rowId xmlns:a16="http://schemas.microsoft.com/office/drawing/2014/main" xmlns="" val="687688987"/>
                   </a:ext>
                 </a:extLst>
               </a:tr>
@@ -4619,7 +5057,7 @@
                 </a:tc>
                 <a:extLst>
                   <a:ext uri="{0D108BD9-81ED-4DB2-BD59-A6C34878D82A}">
-                    <a16:rowId xmlns:a16="http://schemas.microsoft.com/office/drawing/2014/main" val="1424993290"/>
+                    <a16:rowId xmlns:a16="http://schemas.microsoft.com/office/drawing/2014/main" xmlns="" val="1424993290"/>
                   </a:ext>
                 </a:extLst>
               </a:tr>
@@ -4656,7 +5094,7 @@
                 </a:tc>
                 <a:extLst>
                   <a:ext uri="{0D108BD9-81ED-4DB2-BD59-A6C34878D82A}">
-                    <a16:rowId xmlns:a16="http://schemas.microsoft.com/office/drawing/2014/main" val="640674437"/>
+                    <a16:rowId xmlns:a16="http://schemas.microsoft.com/office/drawing/2014/main" xmlns="" val="640674437"/>
                   </a:ext>
                 </a:extLst>
               </a:tr>
@@ -4693,7 +5131,7 @@
                 </a:tc>
                 <a:extLst>
                   <a:ext uri="{0D108BD9-81ED-4DB2-BD59-A6C34878D82A}">
-                    <a16:rowId xmlns:a16="http://schemas.microsoft.com/office/drawing/2014/main" val="4067803672"/>
+                    <a16:rowId xmlns:a16="http://schemas.microsoft.com/office/drawing/2014/main" xmlns="" val="4067803672"/>
                   </a:ext>
                 </a:extLst>
               </a:tr>
@@ -4730,7 +5168,7 @@
                 </a:tc>
                 <a:extLst>
                   <a:ext uri="{0D108BD9-81ED-4DB2-BD59-A6C34878D82A}">
-                    <a16:rowId xmlns:a16="http://schemas.microsoft.com/office/drawing/2014/main" val="295450064"/>
+                    <a16:rowId xmlns:a16="http://schemas.microsoft.com/office/drawing/2014/main" xmlns="" val="295450064"/>
                   </a:ext>
                 </a:extLst>
               </a:tr>
@@ -4773,7 +5211,7 @@
           <p:cNvPr id="2" name="Title 1">
             <a:extLst>
               <a:ext uri="{FF2B5EF4-FFF2-40B4-BE49-F238E27FC236}">
-                <a16:creationId xmlns:a16="http://schemas.microsoft.com/office/drawing/2014/main" id="{5FA92E7E-ADAC-9CF6-FBAD-455FD9799F37}"/>
+                <a16:creationId xmlns:a16="http://schemas.microsoft.com/office/drawing/2014/main" xmlns="" id="{5FA92E7E-ADAC-9CF6-FBAD-455FD9799F37}"/>
               </a:ext>
             </a:extLst>
           </p:cNvPr>
@@ -4801,7 +5239,7 @@
           <p:cNvPr id="3" name="Table 2">
             <a:extLst>
               <a:ext uri="{FF2B5EF4-FFF2-40B4-BE49-F238E27FC236}">
-                <a16:creationId xmlns:a16="http://schemas.microsoft.com/office/drawing/2014/main" id="{9A46BDE9-32B9-C49C-5956-514952B1FEBE}"/>
+                <a16:creationId xmlns:a16="http://schemas.microsoft.com/office/drawing/2014/main" xmlns="" id="{9A46BDE9-32B9-C49C-5956-514952B1FEBE}"/>
               </a:ext>
             </a:extLst>
           </p:cNvPr>
@@ -4824,21 +5262,21 @@
                 <a:gridCol w="1338414">
                   <a:extLst>
                     <a:ext uri="{9D8B030D-6E8A-4147-A177-3AD203B41FA5}">
-                      <a16:colId xmlns:a16="http://schemas.microsoft.com/office/drawing/2014/main" val="2087661091"/>
+                      <a16:colId xmlns:a16="http://schemas.microsoft.com/office/drawing/2014/main" xmlns="" val="2087661091"/>
                     </a:ext>
                   </a:extLst>
                 </a:gridCol>
                 <a:gridCol w="1338414">
                   <a:extLst>
                     <a:ext uri="{9D8B030D-6E8A-4147-A177-3AD203B41FA5}">
-                      <a16:colId xmlns:a16="http://schemas.microsoft.com/office/drawing/2014/main" val="4161442789"/>
+                      <a16:colId xmlns:a16="http://schemas.microsoft.com/office/drawing/2014/main" xmlns="" val="4161442789"/>
                     </a:ext>
                   </a:extLst>
                 </a:gridCol>
                 <a:gridCol w="1338414">
                   <a:extLst>
                     <a:ext uri="{9D8B030D-6E8A-4147-A177-3AD203B41FA5}">
-                      <a16:colId xmlns:a16="http://schemas.microsoft.com/office/drawing/2014/main" val="1065804868"/>
+                      <a16:colId xmlns:a16="http://schemas.microsoft.com/office/drawing/2014/main" xmlns="" val="1065804868"/>
                     </a:ext>
                   </a:extLst>
                 </a:gridCol>
@@ -4930,7 +5368,7 @@
                 </a:tc>
                 <a:extLst>
                   <a:ext uri="{0D108BD9-81ED-4DB2-BD59-A6C34878D82A}">
-                    <a16:rowId xmlns:a16="http://schemas.microsoft.com/office/drawing/2014/main" val="3931383551"/>
+                    <a16:rowId xmlns:a16="http://schemas.microsoft.com/office/drawing/2014/main" xmlns="" val="3931383551"/>
                   </a:ext>
                 </a:extLst>
               </a:tr>
@@ -4994,7 +5432,7 @@
                 </a:tc>
                 <a:extLst>
                   <a:ext uri="{0D108BD9-81ED-4DB2-BD59-A6C34878D82A}">
-                    <a16:rowId xmlns:a16="http://schemas.microsoft.com/office/drawing/2014/main" val="3140929958"/>
+                    <a16:rowId xmlns:a16="http://schemas.microsoft.com/office/drawing/2014/main" xmlns="" val="3140929958"/>
                   </a:ext>
                 </a:extLst>
               </a:tr>
@@ -5058,7 +5496,7 @@
                 </a:tc>
                 <a:extLst>
                   <a:ext uri="{0D108BD9-81ED-4DB2-BD59-A6C34878D82A}">
-                    <a16:rowId xmlns:a16="http://schemas.microsoft.com/office/drawing/2014/main" val="2462120241"/>
+                    <a16:rowId xmlns:a16="http://schemas.microsoft.com/office/drawing/2014/main" xmlns="" val="2462120241"/>
                   </a:ext>
                 </a:extLst>
               </a:tr>
@@ -5071,7 +5509,7 @@
           <p:cNvPr id="7" name="TextBox 6">
             <a:extLst>
               <a:ext uri="{FF2B5EF4-FFF2-40B4-BE49-F238E27FC236}">
-                <a16:creationId xmlns:a16="http://schemas.microsoft.com/office/drawing/2014/main" id="{B3765F88-3B60-3F01-690F-9BCFADA149E1}"/>
+                <a16:creationId xmlns:a16="http://schemas.microsoft.com/office/drawing/2014/main" xmlns="" id="{B3765F88-3B60-3F01-690F-9BCFADA149E1}"/>
               </a:ext>
             </a:extLst>
           </p:cNvPr>
@@ -5112,7 +5550,7 @@
           <p:cNvPr id="13" name="Picture 12" descr="A group of graphs with text&#10;&#10;Description automatically generated with medium confidence">
             <a:extLst>
               <a:ext uri="{FF2B5EF4-FFF2-40B4-BE49-F238E27FC236}">
-                <a16:creationId xmlns:a16="http://schemas.microsoft.com/office/drawing/2014/main" id="{7F2BFEBF-BB6F-3FDE-091A-5C5FF217B10F}"/>
+                <a16:creationId xmlns:a16="http://schemas.microsoft.com/office/drawing/2014/main" xmlns="" id="{7F2BFEBF-BB6F-3FDE-091A-5C5FF217B10F}"/>
               </a:ext>
             </a:extLst>
           </p:cNvPr>
@@ -5148,7 +5586,7 @@
           <p:cNvPr id="15" name="Picture 14" descr="A screenshot of a graph&#10;&#10;Description automatically generated">
             <a:extLst>
               <a:ext uri="{FF2B5EF4-FFF2-40B4-BE49-F238E27FC236}">
-                <a16:creationId xmlns:a16="http://schemas.microsoft.com/office/drawing/2014/main" id="{A723CD78-0F86-2E7C-E82C-D1F6ABA65A94}"/>
+                <a16:creationId xmlns:a16="http://schemas.microsoft.com/office/drawing/2014/main" xmlns="" id="{A723CD78-0F86-2E7C-E82C-D1F6ABA65A94}"/>
               </a:ext>
             </a:extLst>
           </p:cNvPr>
@@ -5214,7 +5652,7 @@
           <p:cNvPr id="2" name="Title 1">
             <a:extLst>
               <a:ext uri="{FF2B5EF4-FFF2-40B4-BE49-F238E27FC236}">
-                <a16:creationId xmlns:a16="http://schemas.microsoft.com/office/drawing/2014/main" id="{5FA92E7E-ADAC-9CF6-FBAD-455FD9799F37}"/>
+                <a16:creationId xmlns:a16="http://schemas.microsoft.com/office/drawing/2014/main" xmlns="" id="{5FA92E7E-ADAC-9CF6-FBAD-455FD9799F37}"/>
               </a:ext>
             </a:extLst>
           </p:cNvPr>
@@ -5242,7 +5680,7 @@
           <p:cNvPr id="10" name="TextBox 9">
             <a:extLst>
               <a:ext uri="{FF2B5EF4-FFF2-40B4-BE49-F238E27FC236}">
-                <a16:creationId xmlns:a16="http://schemas.microsoft.com/office/drawing/2014/main" id="{140A12DA-0ECD-8045-A50A-F11B9BEC367D}"/>
+                <a16:creationId xmlns:a16="http://schemas.microsoft.com/office/drawing/2014/main" xmlns="" id="{140A12DA-0ECD-8045-A50A-F11B9BEC367D}"/>
               </a:ext>
             </a:extLst>
           </p:cNvPr>
@@ -5277,7 +5715,7 @@
           <p:cNvPr id="3" name="Table 2">
             <a:extLst>
               <a:ext uri="{FF2B5EF4-FFF2-40B4-BE49-F238E27FC236}">
-                <a16:creationId xmlns:a16="http://schemas.microsoft.com/office/drawing/2014/main" id="{9A46BDE9-32B9-C49C-5956-514952B1FEBE}"/>
+                <a16:creationId xmlns:a16="http://schemas.microsoft.com/office/drawing/2014/main" xmlns="" id="{9A46BDE9-32B9-C49C-5956-514952B1FEBE}"/>
               </a:ext>
             </a:extLst>
           </p:cNvPr>
@@ -5306,21 +5744,21 @@
                 <a:gridCol w="1338414">
                   <a:extLst>
                     <a:ext uri="{9D8B030D-6E8A-4147-A177-3AD203B41FA5}">
-                      <a16:colId xmlns:a16="http://schemas.microsoft.com/office/drawing/2014/main" val="2087661091"/>
+                      <a16:colId xmlns:a16="http://schemas.microsoft.com/office/drawing/2014/main" xmlns="" val="2087661091"/>
                     </a:ext>
                   </a:extLst>
                 </a:gridCol>
                 <a:gridCol w="1338414">
                   <a:extLst>
                     <a:ext uri="{9D8B030D-6E8A-4147-A177-3AD203B41FA5}">
-                      <a16:colId xmlns:a16="http://schemas.microsoft.com/office/drawing/2014/main" val="4161442789"/>
+                      <a16:colId xmlns:a16="http://schemas.microsoft.com/office/drawing/2014/main" xmlns="" val="4161442789"/>
                     </a:ext>
                   </a:extLst>
                 </a:gridCol>
                 <a:gridCol w="1338414">
                   <a:extLst>
                     <a:ext uri="{9D8B030D-6E8A-4147-A177-3AD203B41FA5}">
-                      <a16:colId xmlns:a16="http://schemas.microsoft.com/office/drawing/2014/main" val="1065804868"/>
+                      <a16:colId xmlns:a16="http://schemas.microsoft.com/office/drawing/2014/main" xmlns="" val="1065804868"/>
                     </a:ext>
                   </a:extLst>
                 </a:gridCol>
@@ -5412,7 +5850,7 @@
                 </a:tc>
                 <a:extLst>
                   <a:ext uri="{0D108BD9-81ED-4DB2-BD59-A6C34878D82A}">
-                    <a16:rowId xmlns:a16="http://schemas.microsoft.com/office/drawing/2014/main" val="3931383551"/>
+                    <a16:rowId xmlns:a16="http://schemas.microsoft.com/office/drawing/2014/main" xmlns="" val="3931383551"/>
                   </a:ext>
                 </a:extLst>
               </a:tr>
@@ -5476,7 +5914,7 @@
                 </a:tc>
                 <a:extLst>
                   <a:ext uri="{0D108BD9-81ED-4DB2-BD59-A6C34878D82A}">
-                    <a16:rowId xmlns:a16="http://schemas.microsoft.com/office/drawing/2014/main" val="3140929958"/>
+                    <a16:rowId xmlns:a16="http://schemas.microsoft.com/office/drawing/2014/main" xmlns="" val="3140929958"/>
                   </a:ext>
                 </a:extLst>
               </a:tr>
@@ -5540,7 +5978,7 @@
                 </a:tc>
                 <a:extLst>
                   <a:ext uri="{0D108BD9-81ED-4DB2-BD59-A6C34878D82A}">
-                    <a16:rowId xmlns:a16="http://schemas.microsoft.com/office/drawing/2014/main" val="2462120241"/>
+                    <a16:rowId xmlns:a16="http://schemas.microsoft.com/office/drawing/2014/main" xmlns="" val="2462120241"/>
                   </a:ext>
                 </a:extLst>
               </a:tr>
@@ -5553,7 +5991,7 @@
           <p:cNvPr id="6" name="Picture 5" descr="A graph with a number of boxes&#10;&#10;Description automatically generated with medium confidence">
             <a:extLst>
               <a:ext uri="{FF2B5EF4-FFF2-40B4-BE49-F238E27FC236}">
-                <a16:creationId xmlns:a16="http://schemas.microsoft.com/office/drawing/2014/main" id="{BA77657D-320B-2561-1891-FC6FABE21F76}"/>
+                <a16:creationId xmlns:a16="http://schemas.microsoft.com/office/drawing/2014/main" xmlns="" id="{BA77657D-320B-2561-1891-FC6FABE21F76}"/>
               </a:ext>
             </a:extLst>
           </p:cNvPr>
@@ -5589,7 +6027,7 @@
           <p:cNvPr id="11" name="Picture 10" descr="A graph of a diagram&#10;&#10;Description automatically generated with medium confidence">
             <a:extLst>
               <a:ext uri="{FF2B5EF4-FFF2-40B4-BE49-F238E27FC236}">
-                <a16:creationId xmlns:a16="http://schemas.microsoft.com/office/drawing/2014/main" id="{EF3D64B5-956C-69BE-52D5-E234A12CA711}"/>
+                <a16:creationId xmlns:a16="http://schemas.microsoft.com/office/drawing/2014/main" xmlns="" id="{EF3D64B5-956C-69BE-52D5-E234A12CA711}"/>
               </a:ext>
             </a:extLst>
           </p:cNvPr>
@@ -5655,7 +6093,7 @@
           <p:cNvPr id="2" name="Title 1">
             <a:extLst>
               <a:ext uri="{FF2B5EF4-FFF2-40B4-BE49-F238E27FC236}">
-                <a16:creationId xmlns:a16="http://schemas.microsoft.com/office/drawing/2014/main" id="{5FA92E7E-ADAC-9CF6-FBAD-455FD9799F37}"/>
+                <a16:creationId xmlns:a16="http://schemas.microsoft.com/office/drawing/2014/main" xmlns="" id="{5FA92E7E-ADAC-9CF6-FBAD-455FD9799F37}"/>
               </a:ext>
             </a:extLst>
           </p:cNvPr>
@@ -5683,7 +6121,7 @@
           <p:cNvPr id="3" name="Table 2">
             <a:extLst>
               <a:ext uri="{FF2B5EF4-FFF2-40B4-BE49-F238E27FC236}">
-                <a16:creationId xmlns:a16="http://schemas.microsoft.com/office/drawing/2014/main" id="{9A46BDE9-32B9-C49C-5956-514952B1FEBE}"/>
+                <a16:creationId xmlns:a16="http://schemas.microsoft.com/office/drawing/2014/main" xmlns="" id="{9A46BDE9-32B9-C49C-5956-514952B1FEBE}"/>
               </a:ext>
             </a:extLst>
           </p:cNvPr>
@@ -5706,21 +6144,21 @@
                 <a:gridCol w="1338414">
                   <a:extLst>
                     <a:ext uri="{9D8B030D-6E8A-4147-A177-3AD203B41FA5}">
-                      <a16:colId xmlns:a16="http://schemas.microsoft.com/office/drawing/2014/main" val="2087661091"/>
+                      <a16:colId xmlns:a16="http://schemas.microsoft.com/office/drawing/2014/main" xmlns="" val="2087661091"/>
                     </a:ext>
                   </a:extLst>
                 </a:gridCol>
                 <a:gridCol w="1338414">
                   <a:extLst>
                     <a:ext uri="{9D8B030D-6E8A-4147-A177-3AD203B41FA5}">
-                      <a16:colId xmlns:a16="http://schemas.microsoft.com/office/drawing/2014/main" val="4161442789"/>
+                      <a16:colId xmlns:a16="http://schemas.microsoft.com/office/drawing/2014/main" xmlns="" val="4161442789"/>
                     </a:ext>
                   </a:extLst>
                 </a:gridCol>
                 <a:gridCol w="1338414">
                   <a:extLst>
                     <a:ext uri="{9D8B030D-6E8A-4147-A177-3AD203B41FA5}">
-                      <a16:colId xmlns:a16="http://schemas.microsoft.com/office/drawing/2014/main" val="1065804868"/>
+                      <a16:colId xmlns:a16="http://schemas.microsoft.com/office/drawing/2014/main" xmlns="" val="1065804868"/>
                     </a:ext>
                   </a:extLst>
                 </a:gridCol>
@@ -5812,7 +6250,7 @@
                 </a:tc>
                 <a:extLst>
                   <a:ext uri="{0D108BD9-81ED-4DB2-BD59-A6C34878D82A}">
-                    <a16:rowId xmlns:a16="http://schemas.microsoft.com/office/drawing/2014/main" val="3931383551"/>
+                    <a16:rowId xmlns:a16="http://schemas.microsoft.com/office/drawing/2014/main" xmlns="" val="3931383551"/>
                   </a:ext>
                 </a:extLst>
               </a:tr>
@@ -5876,7 +6314,7 @@
                 </a:tc>
                 <a:extLst>
                   <a:ext uri="{0D108BD9-81ED-4DB2-BD59-A6C34878D82A}">
-                    <a16:rowId xmlns:a16="http://schemas.microsoft.com/office/drawing/2014/main" val="3140929958"/>
+                    <a16:rowId xmlns:a16="http://schemas.microsoft.com/office/drawing/2014/main" xmlns="" val="3140929958"/>
                   </a:ext>
                 </a:extLst>
               </a:tr>
@@ -5940,7 +6378,7 @@
                 </a:tc>
                 <a:extLst>
                   <a:ext uri="{0D108BD9-81ED-4DB2-BD59-A6C34878D82A}">
-                    <a16:rowId xmlns:a16="http://schemas.microsoft.com/office/drawing/2014/main" val="2462120241"/>
+                    <a16:rowId xmlns:a16="http://schemas.microsoft.com/office/drawing/2014/main" xmlns="" val="2462120241"/>
                   </a:ext>
                 </a:extLst>
               </a:tr>
@@ -5953,7 +6391,7 @@
           <p:cNvPr id="5" name="Picture 4" descr="A group of graphs with text&#10;&#10;Description automatically generated with medium confidence">
             <a:extLst>
               <a:ext uri="{FF2B5EF4-FFF2-40B4-BE49-F238E27FC236}">
-                <a16:creationId xmlns:a16="http://schemas.microsoft.com/office/drawing/2014/main" id="{37ACD049-EA35-A3D4-B465-6B8CEF9DA61A}"/>
+                <a16:creationId xmlns:a16="http://schemas.microsoft.com/office/drawing/2014/main" xmlns="" id="{37ACD049-EA35-A3D4-B465-6B8CEF9DA61A}"/>
               </a:ext>
             </a:extLst>
           </p:cNvPr>
@@ -5989,7 +6427,7 @@
           <p:cNvPr id="8" name="Picture 7" descr="A group of blue and pink boxes&#10;&#10;Description automatically generated">
             <a:extLst>
               <a:ext uri="{FF2B5EF4-FFF2-40B4-BE49-F238E27FC236}">
-                <a16:creationId xmlns:a16="http://schemas.microsoft.com/office/drawing/2014/main" id="{82C25BEB-996D-A683-A143-040C716AC735}"/>
+                <a16:creationId xmlns:a16="http://schemas.microsoft.com/office/drawing/2014/main" xmlns="" id="{82C25BEB-996D-A683-A143-040C716AC735}"/>
               </a:ext>
             </a:extLst>
           </p:cNvPr>
@@ -6025,7 +6463,7 @@
           <p:cNvPr id="12" name="TextBox 11">
             <a:extLst>
               <a:ext uri="{FF2B5EF4-FFF2-40B4-BE49-F238E27FC236}">
-                <a16:creationId xmlns:a16="http://schemas.microsoft.com/office/drawing/2014/main" id="{6BEC75EB-348A-8361-08CC-68E2C09FE4C6}"/>
+                <a16:creationId xmlns:a16="http://schemas.microsoft.com/office/drawing/2014/main" xmlns="" id="{6BEC75EB-348A-8361-08CC-68E2C09FE4C6}"/>
               </a:ext>
             </a:extLst>
           </p:cNvPr>
@@ -6096,7 +6534,7 @@
           <p:cNvPr id="2" name="Title 1">
             <a:extLst>
               <a:ext uri="{FF2B5EF4-FFF2-40B4-BE49-F238E27FC236}">
-                <a16:creationId xmlns:a16="http://schemas.microsoft.com/office/drawing/2014/main" id="{5FA92E7E-ADAC-9CF6-FBAD-455FD9799F37}"/>
+                <a16:creationId xmlns:a16="http://schemas.microsoft.com/office/drawing/2014/main" xmlns="" id="{5FA92E7E-ADAC-9CF6-FBAD-455FD9799F37}"/>
               </a:ext>
             </a:extLst>
           </p:cNvPr>
@@ -6124,7 +6562,7 @@
           <p:cNvPr id="6" name="Table 5">
             <a:extLst>
               <a:ext uri="{FF2B5EF4-FFF2-40B4-BE49-F238E27FC236}">
-                <a16:creationId xmlns:a16="http://schemas.microsoft.com/office/drawing/2014/main" id="{C34BBE34-C539-43D5-936F-D26836FFAE10}"/>
+                <a16:creationId xmlns:a16="http://schemas.microsoft.com/office/drawing/2014/main" xmlns="" id="{C34BBE34-C539-43D5-936F-D26836FFAE10}"/>
               </a:ext>
             </a:extLst>
           </p:cNvPr>
@@ -6153,21 +6591,21 @@
                 <a:gridCol w="1338414">
                   <a:extLst>
                     <a:ext uri="{9D8B030D-6E8A-4147-A177-3AD203B41FA5}">
-                      <a16:colId xmlns:a16="http://schemas.microsoft.com/office/drawing/2014/main" val="2087661091"/>
+                      <a16:colId xmlns:a16="http://schemas.microsoft.com/office/drawing/2014/main" xmlns="" val="2087661091"/>
                     </a:ext>
                   </a:extLst>
                 </a:gridCol>
                 <a:gridCol w="1338414">
                   <a:extLst>
                     <a:ext uri="{9D8B030D-6E8A-4147-A177-3AD203B41FA5}">
-                      <a16:colId xmlns:a16="http://schemas.microsoft.com/office/drawing/2014/main" val="4161442789"/>
+                      <a16:colId xmlns:a16="http://schemas.microsoft.com/office/drawing/2014/main" xmlns="" val="4161442789"/>
                     </a:ext>
                   </a:extLst>
                 </a:gridCol>
                 <a:gridCol w="1338414">
                   <a:extLst>
                     <a:ext uri="{9D8B030D-6E8A-4147-A177-3AD203B41FA5}">
-                      <a16:colId xmlns:a16="http://schemas.microsoft.com/office/drawing/2014/main" val="1065804868"/>
+                      <a16:colId xmlns:a16="http://schemas.microsoft.com/office/drawing/2014/main" xmlns="" val="1065804868"/>
                     </a:ext>
                   </a:extLst>
                 </a:gridCol>
@@ -6259,7 +6697,7 @@
                 </a:tc>
                 <a:extLst>
                   <a:ext uri="{0D108BD9-81ED-4DB2-BD59-A6C34878D82A}">
-                    <a16:rowId xmlns:a16="http://schemas.microsoft.com/office/drawing/2014/main" val="3931383551"/>
+                    <a16:rowId xmlns:a16="http://schemas.microsoft.com/office/drawing/2014/main" xmlns="" val="3931383551"/>
                   </a:ext>
                 </a:extLst>
               </a:tr>
@@ -6323,7 +6761,7 @@
                 </a:tc>
                 <a:extLst>
                   <a:ext uri="{0D108BD9-81ED-4DB2-BD59-A6C34878D82A}">
-                    <a16:rowId xmlns:a16="http://schemas.microsoft.com/office/drawing/2014/main" val="3140929958"/>
+                    <a16:rowId xmlns:a16="http://schemas.microsoft.com/office/drawing/2014/main" xmlns="" val="3140929958"/>
                   </a:ext>
                 </a:extLst>
               </a:tr>
@@ -6387,7 +6825,7 @@
                 </a:tc>
                 <a:extLst>
                   <a:ext uri="{0D108BD9-81ED-4DB2-BD59-A6C34878D82A}">
-                    <a16:rowId xmlns:a16="http://schemas.microsoft.com/office/drawing/2014/main" val="2462120241"/>
+                    <a16:rowId xmlns:a16="http://schemas.microsoft.com/office/drawing/2014/main" xmlns="" val="2462120241"/>
                   </a:ext>
                 </a:extLst>
               </a:tr>
@@ -6400,7 +6838,7 @@
           <p:cNvPr id="7" name="Table 6">
             <a:extLst>
               <a:ext uri="{FF2B5EF4-FFF2-40B4-BE49-F238E27FC236}">
-                <a16:creationId xmlns:a16="http://schemas.microsoft.com/office/drawing/2014/main" id="{0A7E851C-A2D2-B8B5-9750-2F0D12F0550D}"/>
+                <a16:creationId xmlns:a16="http://schemas.microsoft.com/office/drawing/2014/main" xmlns="" id="{0A7E851C-A2D2-B8B5-9750-2F0D12F0550D}"/>
               </a:ext>
             </a:extLst>
           </p:cNvPr>
@@ -6417,7 +6855,7 @@
         </p:nvGraphicFramePr>
         <p:xfrm>
           <a:off x="933091" y="1852160"/>
-          <a:ext cx="1817288" cy="1483360"/>
+          <a:ext cx="1817288" cy="1752600"/>
         </p:xfrm>
         <a:graphic>
           <a:graphicData uri="http://schemas.openxmlformats.org/drawingml/2006/table">
@@ -6429,14 +6867,14 @@
                 <a:gridCol w="1220159">
                   <a:extLst>
                     <a:ext uri="{9D8B030D-6E8A-4147-A177-3AD203B41FA5}">
-                      <a16:colId xmlns:a16="http://schemas.microsoft.com/office/drawing/2014/main" val="3095421252"/>
+                      <a16:colId xmlns:a16="http://schemas.microsoft.com/office/drawing/2014/main" xmlns="" val="3095421252"/>
                     </a:ext>
                   </a:extLst>
                 </a:gridCol>
                 <a:gridCol w="597129">
                   <a:extLst>
                     <a:ext uri="{9D8B030D-6E8A-4147-A177-3AD203B41FA5}">
-                      <a16:colId xmlns:a16="http://schemas.microsoft.com/office/drawing/2014/main" val="2138526489"/>
+                      <a16:colId xmlns:a16="http://schemas.microsoft.com/office/drawing/2014/main" xmlns="" val="2138526489"/>
                     </a:ext>
                   </a:extLst>
                 </a:gridCol>
@@ -6482,7 +6920,7 @@
                 </a:tc>
                 <a:extLst>
                   <a:ext uri="{0D108BD9-81ED-4DB2-BD59-A6C34878D82A}">
-                    <a16:rowId xmlns:a16="http://schemas.microsoft.com/office/drawing/2014/main" val="687688987"/>
+                    <a16:rowId xmlns:a16="http://schemas.microsoft.com/office/drawing/2014/main" xmlns="" val="687688987"/>
                   </a:ext>
                 </a:extLst>
               </a:tr>
@@ -6519,7 +6957,7 @@
                 </a:tc>
                 <a:extLst>
                   <a:ext uri="{0D108BD9-81ED-4DB2-BD59-A6C34878D82A}">
-                    <a16:rowId xmlns:a16="http://schemas.microsoft.com/office/drawing/2014/main" val="1424993290"/>
+                    <a16:rowId xmlns:a16="http://schemas.microsoft.com/office/drawing/2014/main" xmlns="" val="1424993290"/>
                   </a:ext>
                 </a:extLst>
               </a:tr>
@@ -6556,7 +6994,7 @@
                 </a:tc>
                 <a:extLst>
                   <a:ext uri="{0D108BD9-81ED-4DB2-BD59-A6C34878D82A}">
-                    <a16:rowId xmlns:a16="http://schemas.microsoft.com/office/drawing/2014/main" val="640674437"/>
+                    <a16:rowId xmlns:a16="http://schemas.microsoft.com/office/drawing/2014/main" xmlns="" val="640674437"/>
                   </a:ext>
                 </a:extLst>
               </a:tr>
@@ -6593,7 +7031,7 @@
                 </a:tc>
                 <a:extLst>
                   <a:ext uri="{0D108BD9-81ED-4DB2-BD59-A6C34878D82A}">
-                    <a16:rowId xmlns:a16="http://schemas.microsoft.com/office/drawing/2014/main" val="4067803672"/>
+                    <a16:rowId xmlns:a16="http://schemas.microsoft.com/office/drawing/2014/main" xmlns="" val="4067803672"/>
                   </a:ext>
                 </a:extLst>
               </a:tr>
@@ -6636,7 +7074,7 @@
           <p:cNvPr id="2" name="Title 1">
             <a:extLst>
               <a:ext uri="{FF2B5EF4-FFF2-40B4-BE49-F238E27FC236}">
-                <a16:creationId xmlns:a16="http://schemas.microsoft.com/office/drawing/2014/main" id="{5FA92E7E-ADAC-9CF6-FBAD-455FD9799F37}"/>
+                <a16:creationId xmlns:a16="http://schemas.microsoft.com/office/drawing/2014/main" xmlns="" id="{5FA92E7E-ADAC-9CF6-FBAD-455FD9799F37}"/>
               </a:ext>
             </a:extLst>
           </p:cNvPr>
@@ -6664,7 +7102,7 @@
           <p:cNvPr id="4" name="Table 3">
             <a:extLst>
               <a:ext uri="{FF2B5EF4-FFF2-40B4-BE49-F238E27FC236}">
-                <a16:creationId xmlns:a16="http://schemas.microsoft.com/office/drawing/2014/main" id="{0309FE21-2B5B-6A26-6D48-0ED09AD42FBB}"/>
+                <a16:creationId xmlns:a16="http://schemas.microsoft.com/office/drawing/2014/main" xmlns="" id="{0309FE21-2B5B-6A26-6D48-0ED09AD42FBB}"/>
               </a:ext>
             </a:extLst>
           </p:cNvPr>
@@ -6687,21 +7125,21 @@
                 <a:gridCol w="1338414">
                   <a:extLst>
                     <a:ext uri="{9D8B030D-6E8A-4147-A177-3AD203B41FA5}">
-                      <a16:colId xmlns:a16="http://schemas.microsoft.com/office/drawing/2014/main" val="2087661091"/>
+                      <a16:colId xmlns:a16="http://schemas.microsoft.com/office/drawing/2014/main" xmlns="" val="2087661091"/>
                     </a:ext>
                   </a:extLst>
                 </a:gridCol>
                 <a:gridCol w="1338414">
                   <a:extLst>
                     <a:ext uri="{9D8B030D-6E8A-4147-A177-3AD203B41FA5}">
-                      <a16:colId xmlns:a16="http://schemas.microsoft.com/office/drawing/2014/main" val="4161442789"/>
+                      <a16:colId xmlns:a16="http://schemas.microsoft.com/office/drawing/2014/main" xmlns="" val="4161442789"/>
                     </a:ext>
                   </a:extLst>
                 </a:gridCol>
                 <a:gridCol w="1338414">
                   <a:extLst>
                     <a:ext uri="{9D8B030D-6E8A-4147-A177-3AD203B41FA5}">
-                      <a16:colId xmlns:a16="http://schemas.microsoft.com/office/drawing/2014/main" val="1065804868"/>
+                      <a16:colId xmlns:a16="http://schemas.microsoft.com/office/drawing/2014/main" xmlns="" val="1065804868"/>
                     </a:ext>
                   </a:extLst>
                 </a:gridCol>
@@ -6793,7 +7231,7 @@
                 </a:tc>
                 <a:extLst>
                   <a:ext uri="{0D108BD9-81ED-4DB2-BD59-A6C34878D82A}">
-                    <a16:rowId xmlns:a16="http://schemas.microsoft.com/office/drawing/2014/main" val="3931383551"/>
+                    <a16:rowId xmlns:a16="http://schemas.microsoft.com/office/drawing/2014/main" xmlns="" val="3931383551"/>
                   </a:ext>
                 </a:extLst>
               </a:tr>
@@ -6857,7 +7295,7 @@
                 </a:tc>
                 <a:extLst>
                   <a:ext uri="{0D108BD9-81ED-4DB2-BD59-A6C34878D82A}">
-                    <a16:rowId xmlns:a16="http://schemas.microsoft.com/office/drawing/2014/main" val="3140929958"/>
+                    <a16:rowId xmlns:a16="http://schemas.microsoft.com/office/drawing/2014/main" xmlns="" val="3140929958"/>
                   </a:ext>
                 </a:extLst>
               </a:tr>
@@ -6921,7 +7359,7 @@
                 </a:tc>
                 <a:extLst>
                   <a:ext uri="{0D108BD9-81ED-4DB2-BD59-A6C34878D82A}">
-                    <a16:rowId xmlns:a16="http://schemas.microsoft.com/office/drawing/2014/main" val="2462120241"/>
+                    <a16:rowId xmlns:a16="http://schemas.microsoft.com/office/drawing/2014/main" xmlns="" val="2462120241"/>
                   </a:ext>
                 </a:extLst>
               </a:tr>
@@ -6934,7 +7372,7 @@
           <p:cNvPr id="5" name="Picture 4" descr="A group of graphs with text&#10;&#10;Description automatically generated with medium confidence">
             <a:extLst>
               <a:ext uri="{FF2B5EF4-FFF2-40B4-BE49-F238E27FC236}">
-                <a16:creationId xmlns:a16="http://schemas.microsoft.com/office/drawing/2014/main" id="{B2A6461D-7B75-3A62-1C79-9D44F2029640}"/>
+                <a16:creationId xmlns:a16="http://schemas.microsoft.com/office/drawing/2014/main" xmlns="" id="{B2A6461D-7B75-3A62-1C79-9D44F2029640}"/>
               </a:ext>
             </a:extLst>
           </p:cNvPr>
@@ -6970,7 +7408,7 @@
           <p:cNvPr id="8" name="Picture 7" descr="A screenshot of a graph&#10;&#10;Description automatically generated">
             <a:extLst>
               <a:ext uri="{FF2B5EF4-FFF2-40B4-BE49-F238E27FC236}">
-                <a16:creationId xmlns:a16="http://schemas.microsoft.com/office/drawing/2014/main" id="{3AAD4B79-E42A-726E-FB9E-3AAECBC070A0}"/>
+                <a16:creationId xmlns:a16="http://schemas.microsoft.com/office/drawing/2014/main" xmlns="" id="{3AAD4B79-E42A-726E-FB9E-3AAECBC070A0}"/>
               </a:ext>
             </a:extLst>
           </p:cNvPr>
@@ -7006,7 +7444,7 @@
           <p:cNvPr id="12" name="TextBox 11">
             <a:extLst>
               <a:ext uri="{FF2B5EF4-FFF2-40B4-BE49-F238E27FC236}">
-                <a16:creationId xmlns:a16="http://schemas.microsoft.com/office/drawing/2014/main" id="{4853F4DC-B9FC-9C09-0F9E-B25EF1927199}"/>
+                <a16:creationId xmlns:a16="http://schemas.microsoft.com/office/drawing/2014/main" xmlns="" id="{4853F4DC-B9FC-9C09-0F9E-B25EF1927199}"/>
               </a:ext>
             </a:extLst>
           </p:cNvPr>
@@ -7077,7 +7515,7 @@
           <p:cNvPr id="2" name="Title 1">
             <a:extLst>
               <a:ext uri="{FF2B5EF4-FFF2-40B4-BE49-F238E27FC236}">
-                <a16:creationId xmlns:a16="http://schemas.microsoft.com/office/drawing/2014/main" id="{5FA92E7E-ADAC-9CF6-FBAD-455FD9799F37}"/>
+                <a16:creationId xmlns:a16="http://schemas.microsoft.com/office/drawing/2014/main" xmlns="" id="{5FA92E7E-ADAC-9CF6-FBAD-455FD9799F37}"/>
               </a:ext>
             </a:extLst>
           </p:cNvPr>
@@ -7105,7 +7543,7 @@
           <p:cNvPr id="10" name="TextBox 9">
             <a:extLst>
               <a:ext uri="{FF2B5EF4-FFF2-40B4-BE49-F238E27FC236}">
-                <a16:creationId xmlns:a16="http://schemas.microsoft.com/office/drawing/2014/main" id="{140A12DA-0ECD-8045-A50A-F11B9BEC367D}"/>
+                <a16:creationId xmlns:a16="http://schemas.microsoft.com/office/drawing/2014/main" xmlns="" id="{140A12DA-0ECD-8045-A50A-F11B9BEC367D}"/>
               </a:ext>
             </a:extLst>
           </p:cNvPr>
@@ -7140,7 +7578,7 @@
           <p:cNvPr id="4" name="Table 3">
             <a:extLst>
               <a:ext uri="{FF2B5EF4-FFF2-40B4-BE49-F238E27FC236}">
-                <a16:creationId xmlns:a16="http://schemas.microsoft.com/office/drawing/2014/main" id="{0309FE21-2B5B-6A26-6D48-0ED09AD42FBB}"/>
+                <a16:creationId xmlns:a16="http://schemas.microsoft.com/office/drawing/2014/main" xmlns="" id="{0309FE21-2B5B-6A26-6D48-0ED09AD42FBB}"/>
               </a:ext>
             </a:extLst>
           </p:cNvPr>
@@ -7169,21 +7607,21 @@
                 <a:gridCol w="1338414">
                   <a:extLst>
                     <a:ext uri="{9D8B030D-6E8A-4147-A177-3AD203B41FA5}">
-                      <a16:colId xmlns:a16="http://schemas.microsoft.com/office/drawing/2014/main" val="2087661091"/>
+                      <a16:colId xmlns:a16="http://schemas.microsoft.com/office/drawing/2014/main" xmlns="" val="2087661091"/>
                     </a:ext>
                   </a:extLst>
                 </a:gridCol>
                 <a:gridCol w="1338414">
                   <a:extLst>
                     <a:ext uri="{9D8B030D-6E8A-4147-A177-3AD203B41FA5}">
-                      <a16:colId xmlns:a16="http://schemas.microsoft.com/office/drawing/2014/main" val="4161442789"/>
+                      <a16:colId xmlns:a16="http://schemas.microsoft.com/office/drawing/2014/main" xmlns="" val="4161442789"/>
                     </a:ext>
                   </a:extLst>
                 </a:gridCol>
                 <a:gridCol w="1338414">
                   <a:extLst>
                     <a:ext uri="{9D8B030D-6E8A-4147-A177-3AD203B41FA5}">
-                      <a16:colId xmlns:a16="http://schemas.microsoft.com/office/drawing/2014/main" val="1065804868"/>
+                      <a16:colId xmlns:a16="http://schemas.microsoft.com/office/drawing/2014/main" xmlns="" val="1065804868"/>
                     </a:ext>
                   </a:extLst>
                 </a:gridCol>
@@ -7275,7 +7713,7 @@
                 </a:tc>
                 <a:extLst>
                   <a:ext uri="{0D108BD9-81ED-4DB2-BD59-A6C34878D82A}">
-                    <a16:rowId xmlns:a16="http://schemas.microsoft.com/office/drawing/2014/main" val="3931383551"/>
+                    <a16:rowId xmlns:a16="http://schemas.microsoft.com/office/drawing/2014/main" xmlns="" val="3931383551"/>
                   </a:ext>
                 </a:extLst>
               </a:tr>
@@ -7339,7 +7777,7 @@
                 </a:tc>
                 <a:extLst>
                   <a:ext uri="{0D108BD9-81ED-4DB2-BD59-A6C34878D82A}">
-                    <a16:rowId xmlns:a16="http://schemas.microsoft.com/office/drawing/2014/main" val="3140929958"/>
+                    <a16:rowId xmlns:a16="http://schemas.microsoft.com/office/drawing/2014/main" xmlns="" val="3140929958"/>
                   </a:ext>
                 </a:extLst>
               </a:tr>
@@ -7403,7 +7841,7 @@
                 </a:tc>
                 <a:extLst>
                   <a:ext uri="{0D108BD9-81ED-4DB2-BD59-A6C34878D82A}">
-                    <a16:rowId xmlns:a16="http://schemas.microsoft.com/office/drawing/2014/main" val="2462120241"/>
+                    <a16:rowId xmlns:a16="http://schemas.microsoft.com/office/drawing/2014/main" xmlns="" val="2462120241"/>
                   </a:ext>
                 </a:extLst>
               </a:tr>
@@ -7416,7 +7854,7 @@
           <p:cNvPr id="7" name="Picture 6" descr="A graph with numbers and symbols&#10;&#10;Description automatically generated with medium confidence">
             <a:extLst>
               <a:ext uri="{FF2B5EF4-FFF2-40B4-BE49-F238E27FC236}">
-                <a16:creationId xmlns:a16="http://schemas.microsoft.com/office/drawing/2014/main" id="{9FB3D33B-A426-E466-2F81-BE9DBF383D6B}"/>
+                <a16:creationId xmlns:a16="http://schemas.microsoft.com/office/drawing/2014/main" xmlns="" id="{9FB3D33B-A426-E466-2F81-BE9DBF383D6B}"/>
               </a:ext>
             </a:extLst>
           </p:cNvPr>
@@ -7452,7 +7890,7 @@
           <p:cNvPr id="9" name="Picture 8" descr="A screenshot of a graph&#10;&#10;Description automatically generated">
             <a:extLst>
               <a:ext uri="{FF2B5EF4-FFF2-40B4-BE49-F238E27FC236}">
-                <a16:creationId xmlns:a16="http://schemas.microsoft.com/office/drawing/2014/main" id="{34A77DD5-A2A9-22C4-5895-9AEC468A9816}"/>
+                <a16:creationId xmlns:a16="http://schemas.microsoft.com/office/drawing/2014/main" xmlns="" id="{34A77DD5-A2A9-22C4-5895-9AEC468A9816}"/>
               </a:ext>
             </a:extLst>
           </p:cNvPr>
@@ -7518,7 +7956,7 @@
           <p:cNvPr id="2" name="Title 1">
             <a:extLst>
               <a:ext uri="{FF2B5EF4-FFF2-40B4-BE49-F238E27FC236}">
-                <a16:creationId xmlns:a16="http://schemas.microsoft.com/office/drawing/2014/main" id="{5FA92E7E-ADAC-9CF6-FBAD-455FD9799F37}"/>
+                <a16:creationId xmlns:a16="http://schemas.microsoft.com/office/drawing/2014/main" xmlns="" id="{5FA92E7E-ADAC-9CF6-FBAD-455FD9799F37}"/>
               </a:ext>
             </a:extLst>
           </p:cNvPr>
@@ -7536,33 +7974,27 @@
           <a:p>
             <a:r>
               <a:rPr lang="de-DE" dirty="0"/>
-              <a:t>Z-Werte / 2 Altersgruppen</a:t>
+              <a:t>Z-Werte / 3 Altersgruppen</a:t>
             </a:r>
           </a:p>
         </p:txBody>
       </p:sp>
       <p:graphicFrame>
         <p:nvGraphicFramePr>
-          <p:cNvPr id="6" name="Table 5">
-            <a:extLst>
-              <a:ext uri="{FF2B5EF4-FFF2-40B4-BE49-F238E27FC236}">
-                <a16:creationId xmlns:a16="http://schemas.microsoft.com/office/drawing/2014/main" id="{C34BBE34-C539-43D5-936F-D26836FFAE10}"/>
+          <p:cNvPr id="4" name="Table 3">
+            <a:extLst>
+              <a:ext uri="{FF2B5EF4-FFF2-40B4-BE49-F238E27FC236}">
+                <a16:creationId xmlns:a16="http://schemas.microsoft.com/office/drawing/2014/main" xmlns="" id="{0309FE21-2B5B-6A26-6D48-0ED09AD42FBB}"/>
               </a:ext>
             </a:extLst>
           </p:cNvPr>
           <p:cNvGraphicFramePr>
             <a:graphicFrameLocks noGrp="1"/>
           </p:cNvGraphicFramePr>
-          <p:nvPr>
-            <p:extLst>
-              <p:ext uri="{D42A27DB-BD31-4B8C-83A1-F6EECF244321}">
-                <p14:modId xmlns:p14="http://schemas.microsoft.com/office/powerpoint/2010/main" val="4187566097"/>
-              </p:ext>
-            </p:extLst>
-          </p:nvPr>
+          <p:nvPr/>
         </p:nvGraphicFramePr>
         <p:xfrm>
-          <a:off x="3673403" y="3607204"/>
+          <a:off x="8719856" y="0"/>
           <a:ext cx="4015242" cy="1830252"/>
         </p:xfrm>
         <a:graphic>
@@ -7575,21 +8007,21 @@
                 <a:gridCol w="1338414">
                   <a:extLst>
                     <a:ext uri="{9D8B030D-6E8A-4147-A177-3AD203B41FA5}">
-                      <a16:colId xmlns:a16="http://schemas.microsoft.com/office/drawing/2014/main" val="2087661091"/>
+                      <a16:colId xmlns:a16="http://schemas.microsoft.com/office/drawing/2014/main" xmlns="" val="2087661091"/>
                     </a:ext>
                   </a:extLst>
                 </a:gridCol>
                 <a:gridCol w="1338414">
                   <a:extLst>
                     <a:ext uri="{9D8B030D-6E8A-4147-A177-3AD203B41FA5}">
-                      <a16:colId xmlns:a16="http://schemas.microsoft.com/office/drawing/2014/main" val="4161442789"/>
+                      <a16:colId xmlns:a16="http://schemas.microsoft.com/office/drawing/2014/main" xmlns="" val="4161442789"/>
                     </a:ext>
                   </a:extLst>
                 </a:gridCol>
                 <a:gridCol w="1338414">
                   <a:extLst>
                     <a:ext uri="{9D8B030D-6E8A-4147-A177-3AD203B41FA5}">
-                      <a16:colId xmlns:a16="http://schemas.microsoft.com/office/drawing/2014/main" val="1065804868"/>
+                      <a16:colId xmlns:a16="http://schemas.microsoft.com/office/drawing/2014/main" xmlns="" val="1065804868"/>
                     </a:ext>
                   </a:extLst>
                 </a:gridCol>
@@ -7681,7 +8113,7 @@
                 </a:tc>
                 <a:extLst>
                   <a:ext uri="{0D108BD9-81ED-4DB2-BD59-A6C34878D82A}">
-                    <a16:rowId xmlns:a16="http://schemas.microsoft.com/office/drawing/2014/main" val="3931383551"/>
+                    <a16:rowId xmlns:a16="http://schemas.microsoft.com/office/drawing/2014/main" xmlns="" val="3931383551"/>
                   </a:ext>
                 </a:extLst>
               </a:tr>
@@ -7716,7 +8148,7 @@
                             <a:srgbClr val="FF0000"/>
                           </a:solidFill>
                         </a:rPr>
-                        <a:t>5</a:t>
+                        <a:t>11</a:t>
                       </a:r>
                     </a:p>
                   </a:txBody>
@@ -7735,7 +8167,7 @@
                             <a:srgbClr val="FF0000"/>
                           </a:solidFill>
                         </a:rPr>
-                        <a:t>27</a:t>
+                        <a:t>33</a:t>
                       </a:r>
                     </a:p>
                   </a:txBody>
@@ -7745,7 +8177,7 @@
                 </a:tc>
                 <a:extLst>
                   <a:ext uri="{0D108BD9-81ED-4DB2-BD59-A6C34878D82A}">
-                    <a16:rowId xmlns:a16="http://schemas.microsoft.com/office/drawing/2014/main" val="3140929958"/>
+                    <a16:rowId xmlns:a16="http://schemas.microsoft.com/office/drawing/2014/main" xmlns="" val="3140929958"/>
                   </a:ext>
                 </a:extLst>
               </a:tr>
@@ -7780,7 +8212,7 @@
                             <a:srgbClr val="00B050"/>
                           </a:solidFill>
                         </a:rPr>
-                        <a:t>22</a:t>
+                        <a:t>16</a:t>
                       </a:r>
                     </a:p>
                   </a:txBody>
@@ -7799,7 +8231,7 @@
                             <a:srgbClr val="00B050"/>
                           </a:solidFill>
                         </a:rPr>
-                        <a:t>16</a:t>
+                        <a:t>10</a:t>
                       </a:r>
                     </a:p>
                   </a:txBody>
@@ -7809,7 +8241,7 @@
                 </a:tc>
                 <a:extLst>
                   <a:ext uri="{0D108BD9-81ED-4DB2-BD59-A6C34878D82A}">
-                    <a16:rowId xmlns:a16="http://schemas.microsoft.com/office/drawing/2014/main" val="2462120241"/>
+                    <a16:rowId xmlns:a16="http://schemas.microsoft.com/office/drawing/2014/main" xmlns="" val="2462120241"/>
                   </a:ext>
                 </a:extLst>
               </a:tr>
@@ -7817,179 +8249,231 @@
           </a:graphicData>
         </a:graphic>
       </p:graphicFrame>
-      <p:graphicFrame>
-        <p:nvGraphicFramePr>
-          <p:cNvPr id="7" name="Table 6">
-            <a:extLst>
-              <a:ext uri="{FF2B5EF4-FFF2-40B4-BE49-F238E27FC236}">
-                <a16:creationId xmlns:a16="http://schemas.microsoft.com/office/drawing/2014/main" id="{0A7E851C-A2D2-B8B5-9750-2F0D12F0550D}"/>
-              </a:ext>
-            </a:extLst>
-          </p:cNvPr>
-          <p:cNvGraphicFramePr>
-            <a:graphicFrameLocks noGrp="1"/>
-          </p:cNvGraphicFramePr>
-          <p:nvPr>
-            <p:extLst>
-              <p:ext uri="{D42A27DB-BD31-4B8C-83A1-F6EECF244321}">
-                <p14:modId xmlns:p14="http://schemas.microsoft.com/office/powerpoint/2010/main" val="3484078165"/>
-              </p:ext>
-            </p:extLst>
-          </p:nvPr>
-        </p:nvGraphicFramePr>
-        <p:xfrm>
-          <a:off x="933091" y="1852160"/>
-          <a:ext cx="1817288" cy="1112520"/>
-        </p:xfrm>
-        <a:graphic>
-          <a:graphicData uri="http://schemas.openxmlformats.org/drawingml/2006/table">
-            <a:tbl>
-              <a:tblPr firstRow="1" bandRow="1">
-                <a:tableStyleId>{5C22544A-7EE6-4342-B048-85BDC9FD1C3A}</a:tableStyleId>
-              </a:tblPr>
-              <a:tblGrid>
-                <a:gridCol w="1220159">
-                  <a:extLst>
-                    <a:ext uri="{9D8B030D-6E8A-4147-A177-3AD203B41FA5}">
-                      <a16:colId xmlns:a16="http://schemas.microsoft.com/office/drawing/2014/main" val="3095421252"/>
-                    </a:ext>
-                  </a:extLst>
-                </a:gridCol>
-                <a:gridCol w="597129">
-                  <a:extLst>
-                    <a:ext uri="{9D8B030D-6E8A-4147-A177-3AD203B41FA5}">
-                      <a16:colId xmlns:a16="http://schemas.microsoft.com/office/drawing/2014/main" val="2138526489"/>
-                    </a:ext>
-                  </a:extLst>
-                </a:gridCol>
-              </a:tblGrid>
-              <a:tr h="370840">
-                <a:tc>
-                  <a:txBody>
-                    <a:bodyPr/>
-                    <a:lstStyle/>
-                    <a:p>
-                      <a:r>
-                        <a:rPr lang="de-DE" dirty="0">
-                          <a:solidFill>
-                            <a:schemeClr val="tx1"/>
-                          </a:solidFill>
-                        </a:rPr>
-                        <a:t>Age group</a:t>
-                      </a:r>
-                    </a:p>
-                  </a:txBody>
-                  <a:tcPr>
-                    <a:noFill/>
-                  </a:tcPr>
-                </a:tc>
-                <a:tc>
-                  <a:txBody>
-                    <a:bodyPr/>
-                    <a:lstStyle/>
-                    <a:p>
-                      <a:r>
-                        <a:rPr lang="de-DE" dirty="0">
-                          <a:solidFill>
-                            <a:schemeClr val="tx1"/>
-                          </a:solidFill>
-                        </a:rPr>
-                        <a:t>VPs</a:t>
-                      </a:r>
-                    </a:p>
-                  </a:txBody>
-                  <a:tcPr>
-                    <a:noFill/>
-                  </a:tcPr>
-                </a:tc>
-                <a:extLst>
-                  <a:ext uri="{0D108BD9-81ED-4DB2-BD59-A6C34878D82A}">
-                    <a16:rowId xmlns:a16="http://schemas.microsoft.com/office/drawing/2014/main" val="687688987"/>
-                  </a:ext>
-                </a:extLst>
-              </a:tr>
-              <a:tr h="370840">
-                <a:tc>
-                  <a:txBody>
-                    <a:bodyPr/>
-                    <a:lstStyle/>
-                    <a:p>
-                      <a:r>
-                        <a:rPr lang="de-DE" dirty="0"/>
-                        <a:t>18-49</a:t>
-                      </a:r>
-                    </a:p>
-                  </a:txBody>
-                  <a:tcPr>
-                    <a:noFill/>
-                  </a:tcPr>
-                </a:tc>
-                <a:tc>
-                  <a:txBody>
-                    <a:bodyPr/>
-                    <a:lstStyle/>
-                    <a:p>
-                      <a:r>
-                        <a:rPr lang="de-DE" dirty="0"/>
-                        <a:t>31</a:t>
-                      </a:r>
-                    </a:p>
-                  </a:txBody>
-                  <a:tcPr>
-                    <a:noFill/>
-                  </a:tcPr>
-                </a:tc>
-                <a:extLst>
-                  <a:ext uri="{0D108BD9-81ED-4DB2-BD59-A6C34878D82A}">
-                    <a16:rowId xmlns:a16="http://schemas.microsoft.com/office/drawing/2014/main" val="1424993290"/>
-                  </a:ext>
-                </a:extLst>
-              </a:tr>
-              <a:tr h="370840">
-                <a:tc>
-                  <a:txBody>
-                    <a:bodyPr/>
-                    <a:lstStyle/>
-                    <a:p>
-                      <a:r>
-                        <a:rPr lang="de-DE" dirty="0"/>
-                        <a:t>50-80</a:t>
-                      </a:r>
-                    </a:p>
-                  </a:txBody>
-                  <a:tcPr>
-                    <a:noFill/>
-                  </a:tcPr>
-                </a:tc>
-                <a:tc>
-                  <a:txBody>
-                    <a:bodyPr/>
-                    <a:lstStyle/>
-                    <a:p>
-                      <a:r>
-                        <a:rPr lang="de-DE" dirty="0"/>
-                        <a:t>39</a:t>
-                      </a:r>
-                    </a:p>
-                  </a:txBody>
-                  <a:tcPr>
-                    <a:noFill/>
-                  </a:tcPr>
-                </a:tc>
-                <a:extLst>
-                  <a:ext uri="{0D108BD9-81ED-4DB2-BD59-A6C34878D82A}">
-                    <a16:rowId xmlns:a16="http://schemas.microsoft.com/office/drawing/2014/main" val="640674437"/>
-                  </a:ext>
-                </a:extLst>
-              </a:tr>
-            </a:tbl>
-          </a:graphicData>
-        </a:graphic>
-      </p:graphicFrame>
+      <p:sp>
+        <p:nvSpPr>
+          <p:cNvPr id="12" name="TextBox 11">
+            <a:extLst>
+              <a:ext uri="{FF2B5EF4-FFF2-40B4-BE49-F238E27FC236}">
+                <a16:creationId xmlns:a16="http://schemas.microsoft.com/office/drawing/2014/main" xmlns="" id="{4853F4DC-B9FC-9C09-0F9E-B25EF1927199}"/>
+              </a:ext>
+            </a:extLst>
+          </p:cNvPr>
+          <p:cNvSpPr txBox="1"/>
+          <p:nvPr/>
+        </p:nvSpPr>
+        <p:spPr>
+          <a:xfrm>
+            <a:off x="960922" y="5824460"/>
+            <a:ext cx="10558529" cy="1477328"/>
+          </a:xfrm>
+          <a:prstGeom prst="rect">
+            <a:avLst/>
+          </a:prstGeom>
+          <a:noFill/>
+        </p:spPr>
+        <p:txBody>
+          <a:bodyPr wrap="square" rtlCol="0">
+            <a:spAutoFit/>
+          </a:bodyPr>
+          <a:lstStyle/>
+          <a:p>
+            <a:r>
+              <a:rPr lang="de-DE" dirty="0" err="1" smtClean="0"/>
+              <a:t>Abb1</a:t>
+            </a:r>
+            <a:r>
+              <a:rPr lang="de-DE" dirty="0"/>
+              <a:t>: </a:t>
+            </a:r>
+            <a:r>
+              <a:rPr lang="de-DE" dirty="0" smtClean="0"/>
+              <a:t>Keine signifikanten Unterschiede (knapp)</a:t>
+            </a:r>
+            <a:endParaRPr lang="de-DE" dirty="0"/>
+          </a:p>
+          <a:p>
+            <a:r>
+              <a:rPr lang="de-DE" dirty="0" err="1" smtClean="0"/>
+              <a:t>Abb2</a:t>
+            </a:r>
+            <a:r>
+              <a:rPr lang="de-DE"/>
+              <a:t>: </a:t>
+            </a:r>
+            <a:r>
+              <a:rPr lang="de-DE" smtClean="0"/>
+              <a:t>Signifikanter Unterschied </a:t>
+            </a:r>
+            <a:r>
+              <a:rPr lang="de-DE" dirty="0"/>
+              <a:t>im </a:t>
+            </a:r>
+            <a:r>
+              <a:rPr lang="de-DE" dirty="0" err="1" smtClean="0"/>
+              <a:t>Facit</a:t>
+            </a:r>
+            <a:r>
+              <a:rPr lang="de-DE" dirty="0" smtClean="0"/>
+              <a:t> zwischen </a:t>
+            </a:r>
+            <a:r>
+              <a:rPr lang="de-DE" dirty="0" err="1"/>
+              <a:t>withPCS</a:t>
+            </a:r>
+            <a:r>
+              <a:rPr lang="de-DE" dirty="0"/>
+              <a:t> &amp; </a:t>
+            </a:r>
+            <a:r>
+              <a:rPr lang="de-DE" dirty="0" err="1"/>
+              <a:t>withoutPCS</a:t>
+            </a:r>
+            <a:r>
+              <a:rPr lang="de-DE" dirty="0"/>
+              <a:t> </a:t>
+            </a:r>
+            <a:r>
+              <a:rPr lang="de-DE" dirty="0" smtClean="0"/>
+              <a:t>in </a:t>
+            </a:r>
+            <a:r>
+              <a:rPr lang="de-DE" dirty="0" err="1" smtClean="0"/>
+              <a:t>C1</a:t>
+            </a:r>
+            <a:r>
+              <a:rPr lang="de-DE" dirty="0" smtClean="0"/>
+              <a:t> &amp; </a:t>
+            </a:r>
+            <a:r>
+              <a:rPr lang="de-DE" dirty="0" err="1" smtClean="0"/>
+              <a:t>C2</a:t>
+            </a:r>
+            <a:r>
+              <a:rPr lang="de-DE" dirty="0" smtClean="0"/>
+              <a:t>. </a:t>
+            </a:r>
+            <a:r>
+              <a:rPr lang="de-DE" dirty="0"/>
+              <a:t>Signifikante Unterschiede im </a:t>
+            </a:r>
+            <a:r>
+              <a:rPr lang="de-DE" dirty="0" err="1" smtClean="0"/>
+              <a:t>hadsA</a:t>
+            </a:r>
+            <a:r>
+              <a:rPr lang="de-DE" dirty="0" smtClean="0"/>
+              <a:t>/</a:t>
+            </a:r>
+            <a:r>
+              <a:rPr lang="de-DE" dirty="0" err="1" smtClean="0"/>
+              <a:t>psqi</a:t>
+            </a:r>
+            <a:r>
+              <a:rPr lang="de-DE" dirty="0" smtClean="0"/>
+              <a:t> </a:t>
+            </a:r>
+            <a:r>
+              <a:rPr lang="de-DE" dirty="0"/>
+              <a:t>zwischen </a:t>
+            </a:r>
+            <a:r>
+              <a:rPr lang="de-DE" dirty="0" err="1"/>
+              <a:t>withPCS</a:t>
+            </a:r>
+            <a:r>
+              <a:rPr lang="de-DE" dirty="0"/>
+              <a:t> &amp; </a:t>
+            </a:r>
+            <a:r>
+              <a:rPr lang="de-DE" dirty="0" err="1"/>
+              <a:t>withoutPCS</a:t>
+            </a:r>
+            <a:r>
+              <a:rPr lang="de-DE" dirty="0"/>
+              <a:t> </a:t>
+            </a:r>
+            <a:r>
+              <a:rPr lang="de-DE" dirty="0" smtClean="0"/>
+              <a:t>in </a:t>
+            </a:r>
+            <a:r>
+              <a:rPr lang="de-DE" dirty="0" err="1" smtClean="0"/>
+              <a:t>C2</a:t>
+            </a:r>
+            <a:endParaRPr lang="de-DE" dirty="0"/>
+          </a:p>
+          <a:p>
+            <a:endParaRPr lang="de-DE" dirty="0"/>
+          </a:p>
+          <a:p>
+            <a:endParaRPr lang="de-DE" dirty="0"/>
+          </a:p>
+        </p:txBody>
+      </p:sp>
+      <p:pic>
+        <p:nvPicPr>
+          <p:cNvPr id="3" name="Grafik 2"/>
+          <p:cNvPicPr>
+            <a:picLocks noChangeAspect="1"/>
+          </p:cNvPicPr>
+          <p:nvPr/>
+        </p:nvPicPr>
+        <p:blipFill>
+          <a:blip r:embed="rId3">
+            <a:extLst>
+              <a:ext uri="{28A0092B-C50C-407E-A947-70E740481C1C}">
+                <a14:useLocalDpi xmlns:a14="http://schemas.microsoft.com/office/drawing/2010/main" val="0"/>
+              </a:ext>
+            </a:extLst>
+          </a:blip>
+          <a:stretch>
+            <a:fillRect/>
+          </a:stretch>
+        </p:blipFill>
+        <p:spPr>
+          <a:xfrm>
+            <a:off x="257114" y="1349159"/>
+            <a:ext cx="5686485" cy="4475301"/>
+          </a:xfrm>
+          <a:prstGeom prst="rect">
+            <a:avLst/>
+          </a:prstGeom>
+        </p:spPr>
+      </p:pic>
+      <p:pic>
+        <p:nvPicPr>
+          <p:cNvPr id="6" name="Grafik 5"/>
+          <p:cNvPicPr>
+            <a:picLocks noChangeAspect="1"/>
+          </p:cNvPicPr>
+          <p:nvPr/>
+        </p:nvPicPr>
+        <p:blipFill>
+          <a:blip r:embed="rId4">
+            <a:extLst>
+              <a:ext uri="{28A0092B-C50C-407E-A947-70E740481C1C}">
+                <a14:useLocalDpi xmlns:a14="http://schemas.microsoft.com/office/drawing/2010/main" val="0"/>
+              </a:ext>
+            </a:extLst>
+          </a:blip>
+          <a:stretch>
+            <a:fillRect/>
+          </a:stretch>
+        </p:blipFill>
+        <p:spPr>
+          <a:xfrm>
+            <a:off x="5943599" y="1581524"/>
+            <a:ext cx="5469480" cy="4242936"/>
+          </a:xfrm>
+          <a:prstGeom prst="rect">
+            <a:avLst/>
+          </a:prstGeom>
+        </p:spPr>
+      </p:pic>
     </p:spTree>
     <p:extLst>
       <p:ext uri="{BB962C8B-B14F-4D97-AF65-F5344CB8AC3E}">
-        <p14:creationId xmlns:p14="http://schemas.microsoft.com/office/powerpoint/2010/main" val="1829500632"/>
+        <p14:creationId xmlns:p14="http://schemas.microsoft.com/office/powerpoint/2010/main" val="2384392970"/>
       </p:ext>
     </p:extLst>
   </p:cSld>
@@ -8021,7 +8505,7 @@
           <p:cNvPr id="2" name="Title 1">
             <a:extLst>
               <a:ext uri="{FF2B5EF4-FFF2-40B4-BE49-F238E27FC236}">
-                <a16:creationId xmlns:a16="http://schemas.microsoft.com/office/drawing/2014/main" id="{5FA92E7E-ADAC-9CF6-FBAD-455FD9799F37}"/>
+                <a16:creationId xmlns:a16="http://schemas.microsoft.com/office/drawing/2014/main" xmlns="" id="{5FA92E7E-ADAC-9CF6-FBAD-455FD9799F37}"/>
               </a:ext>
             </a:extLst>
           </p:cNvPr>
@@ -8046,20 +8530,26 @@
       </p:sp>
       <p:graphicFrame>
         <p:nvGraphicFramePr>
-          <p:cNvPr id="3" name="Table 2">
-            <a:extLst>
-              <a:ext uri="{FF2B5EF4-FFF2-40B4-BE49-F238E27FC236}">
-                <a16:creationId xmlns:a16="http://schemas.microsoft.com/office/drawing/2014/main" id="{C6396E8E-758E-8C24-1A9E-F7E0F0E87C4A}"/>
+          <p:cNvPr id="6" name="Table 5">
+            <a:extLst>
+              <a:ext uri="{FF2B5EF4-FFF2-40B4-BE49-F238E27FC236}">
+                <a16:creationId xmlns:a16="http://schemas.microsoft.com/office/drawing/2014/main" xmlns="" id="{C34BBE34-C539-43D5-936F-D26836FFAE10}"/>
               </a:ext>
             </a:extLst>
           </p:cNvPr>
           <p:cNvGraphicFramePr>
             <a:graphicFrameLocks noGrp="1"/>
           </p:cNvGraphicFramePr>
-          <p:nvPr/>
+          <p:nvPr>
+            <p:extLst>
+              <p:ext uri="{D42A27DB-BD31-4B8C-83A1-F6EECF244321}">
+                <p14:modId xmlns:p14="http://schemas.microsoft.com/office/powerpoint/2010/main" val="4187566097"/>
+              </p:ext>
+            </p:extLst>
+          </p:nvPr>
         </p:nvGraphicFramePr>
         <p:xfrm>
-          <a:off x="8803115" y="42307"/>
+          <a:off x="3673403" y="3607204"/>
           <a:ext cx="4015242" cy="1830252"/>
         </p:xfrm>
         <a:graphic>
@@ -8072,21 +8562,21 @@
                 <a:gridCol w="1338414">
                   <a:extLst>
                     <a:ext uri="{9D8B030D-6E8A-4147-A177-3AD203B41FA5}">
-                      <a16:colId xmlns:a16="http://schemas.microsoft.com/office/drawing/2014/main" val="2087661091"/>
+                      <a16:colId xmlns:a16="http://schemas.microsoft.com/office/drawing/2014/main" xmlns="" val="2087661091"/>
                     </a:ext>
                   </a:extLst>
                 </a:gridCol>
                 <a:gridCol w="1338414">
                   <a:extLst>
                     <a:ext uri="{9D8B030D-6E8A-4147-A177-3AD203B41FA5}">
-                      <a16:colId xmlns:a16="http://schemas.microsoft.com/office/drawing/2014/main" val="4161442789"/>
+                      <a16:colId xmlns:a16="http://schemas.microsoft.com/office/drawing/2014/main" xmlns="" val="4161442789"/>
                     </a:ext>
                   </a:extLst>
                 </a:gridCol>
                 <a:gridCol w="1338414">
                   <a:extLst>
                     <a:ext uri="{9D8B030D-6E8A-4147-A177-3AD203B41FA5}">
-                      <a16:colId xmlns:a16="http://schemas.microsoft.com/office/drawing/2014/main" val="1065804868"/>
+                      <a16:colId xmlns:a16="http://schemas.microsoft.com/office/drawing/2014/main" xmlns="" val="1065804868"/>
                     </a:ext>
                   </a:extLst>
                 </a:gridCol>
@@ -8178,7 +8668,7 @@
                 </a:tc>
                 <a:extLst>
                   <a:ext uri="{0D108BD9-81ED-4DB2-BD59-A6C34878D82A}">
-                    <a16:rowId xmlns:a16="http://schemas.microsoft.com/office/drawing/2014/main" val="3931383551"/>
+                    <a16:rowId xmlns:a16="http://schemas.microsoft.com/office/drawing/2014/main" xmlns="" val="3931383551"/>
                   </a:ext>
                 </a:extLst>
               </a:tr>
@@ -8242,7 +8732,7 @@
                 </a:tc>
                 <a:extLst>
                   <a:ext uri="{0D108BD9-81ED-4DB2-BD59-A6C34878D82A}">
-                    <a16:rowId xmlns:a16="http://schemas.microsoft.com/office/drawing/2014/main" val="3140929958"/>
+                    <a16:rowId xmlns:a16="http://schemas.microsoft.com/office/drawing/2014/main" xmlns="" val="3140929958"/>
                   </a:ext>
                 </a:extLst>
               </a:tr>
@@ -8306,7 +8796,7 @@
                 </a:tc>
                 <a:extLst>
                   <a:ext uri="{0D108BD9-81ED-4DB2-BD59-A6C34878D82A}">
-                    <a16:rowId xmlns:a16="http://schemas.microsoft.com/office/drawing/2014/main" val="2462120241"/>
+                    <a16:rowId xmlns:a16="http://schemas.microsoft.com/office/drawing/2014/main" xmlns="" val="2462120241"/>
                   </a:ext>
                 </a:extLst>
               </a:tr>
@@ -8314,123 +8804,179 @@
           </a:graphicData>
         </a:graphic>
       </p:graphicFrame>
-      <p:sp>
-        <p:nvSpPr>
-          <p:cNvPr id="4" name="TextBox 3">
-            <a:extLst>
-              <a:ext uri="{FF2B5EF4-FFF2-40B4-BE49-F238E27FC236}">
-                <a16:creationId xmlns:a16="http://schemas.microsoft.com/office/drawing/2014/main" id="{1E7531D5-66BB-E33A-8990-29C457D1D27F}"/>
-              </a:ext>
-            </a:extLst>
-          </p:cNvPr>
-          <p:cNvSpPr txBox="1"/>
-          <p:nvPr/>
-        </p:nvSpPr>
-        <p:spPr>
-          <a:xfrm>
-            <a:off x="538947" y="5845026"/>
-            <a:ext cx="8630932" cy="923330"/>
-          </a:xfrm>
-          <a:prstGeom prst="rect">
-            <a:avLst/>
-          </a:prstGeom>
-          <a:noFill/>
-        </p:spPr>
-        <p:txBody>
-          <a:bodyPr wrap="square" rtlCol="0">
-            <a:spAutoFit/>
-          </a:bodyPr>
-          <a:lstStyle/>
-          <a:p>
-            <a:r>
-              <a:rPr lang="de-DE" dirty="0"/>
-              <a:t>Abbildung1: Alle Unterschiede signifikant</a:t>
-            </a:r>
-          </a:p>
-          <a:p>
-            <a:r>
-              <a:rPr lang="de-DE" dirty="0"/>
-              <a:t>Abbildung 2:  Alle Unterschiede zwischen with(out) C1 und with(out) C2 signifikant (Wenn keine z-Werte, dann tmt_b nicht signifikant)</a:t>
-            </a:r>
-          </a:p>
-        </p:txBody>
-      </p:sp>
-      <p:pic>
-        <p:nvPicPr>
-          <p:cNvPr id="7" name="Picture 6" descr="A group of graphs with a number of rows&#10;&#10;Description automatically generated with medium confidence">
-            <a:extLst>
-              <a:ext uri="{FF2B5EF4-FFF2-40B4-BE49-F238E27FC236}">
-                <a16:creationId xmlns:a16="http://schemas.microsoft.com/office/drawing/2014/main" id="{A0890429-7413-03E0-F9E0-2B62EBA31D4B}"/>
-              </a:ext>
-            </a:extLst>
-          </p:cNvPr>
-          <p:cNvPicPr>
-            <a:picLocks noChangeAspect="1"/>
-          </p:cNvPicPr>
-          <p:nvPr/>
-        </p:nvPicPr>
-        <p:blipFill>
-          <a:blip r:embed="rId2">
-            <a:extLst>
-              <a:ext uri="{28A0092B-C50C-407E-A947-70E740481C1C}">
-                <a14:useLocalDpi xmlns:a14="http://schemas.microsoft.com/office/drawing/2010/main" val="0"/>
-              </a:ext>
-            </a:extLst>
-          </a:blip>
-          <a:stretch>
-            <a:fillRect/>
-          </a:stretch>
-        </p:blipFill>
-        <p:spPr>
-          <a:xfrm>
-            <a:off x="599072" y="1658261"/>
-            <a:ext cx="5401550" cy="4184864"/>
-          </a:xfrm>
-          <a:prstGeom prst="rect">
-            <a:avLst/>
-          </a:prstGeom>
-        </p:spPr>
-      </p:pic>
-      <p:pic>
-        <p:nvPicPr>
-          <p:cNvPr id="9" name="Picture 8" descr="A screenshot of a graph&#10;&#10;Description automatically generated">
-            <a:extLst>
-              <a:ext uri="{FF2B5EF4-FFF2-40B4-BE49-F238E27FC236}">
-                <a16:creationId xmlns:a16="http://schemas.microsoft.com/office/drawing/2014/main" id="{FB37F69A-0613-DB97-4BF9-00F9C4EB5153}"/>
-              </a:ext>
-            </a:extLst>
-          </p:cNvPr>
-          <p:cNvPicPr>
-            <a:picLocks noChangeAspect="1"/>
-          </p:cNvPicPr>
-          <p:nvPr/>
-        </p:nvPicPr>
-        <p:blipFill>
-          <a:blip r:embed="rId3">
-            <a:extLst>
-              <a:ext uri="{28A0092B-C50C-407E-A947-70E740481C1C}">
-                <a14:useLocalDpi xmlns:a14="http://schemas.microsoft.com/office/drawing/2010/main" val="0"/>
-              </a:ext>
-            </a:extLst>
-          </a:blip>
-          <a:stretch>
-            <a:fillRect/>
-          </a:stretch>
-        </p:blipFill>
-        <p:spPr>
-          <a:xfrm>
-            <a:off x="6239750" y="1690688"/>
-            <a:ext cx="5693536" cy="4427779"/>
-          </a:xfrm>
-          <a:prstGeom prst="rect">
-            <a:avLst/>
-          </a:prstGeom>
-        </p:spPr>
-      </p:pic>
+      <p:graphicFrame>
+        <p:nvGraphicFramePr>
+          <p:cNvPr id="7" name="Table 6">
+            <a:extLst>
+              <a:ext uri="{FF2B5EF4-FFF2-40B4-BE49-F238E27FC236}">
+                <a16:creationId xmlns:a16="http://schemas.microsoft.com/office/drawing/2014/main" xmlns="" id="{0A7E851C-A2D2-B8B5-9750-2F0D12F0550D}"/>
+              </a:ext>
+            </a:extLst>
+          </p:cNvPr>
+          <p:cNvGraphicFramePr>
+            <a:graphicFrameLocks noGrp="1"/>
+          </p:cNvGraphicFramePr>
+          <p:nvPr>
+            <p:extLst>
+              <p:ext uri="{D42A27DB-BD31-4B8C-83A1-F6EECF244321}">
+                <p14:modId xmlns:p14="http://schemas.microsoft.com/office/powerpoint/2010/main" val="3484078165"/>
+              </p:ext>
+            </p:extLst>
+          </p:nvPr>
+        </p:nvGraphicFramePr>
+        <p:xfrm>
+          <a:off x="933091" y="1852160"/>
+          <a:ext cx="1817288" cy="1381760"/>
+        </p:xfrm>
+        <a:graphic>
+          <a:graphicData uri="http://schemas.openxmlformats.org/drawingml/2006/table">
+            <a:tbl>
+              <a:tblPr firstRow="1" bandRow="1">
+                <a:tableStyleId>{5C22544A-7EE6-4342-B048-85BDC9FD1C3A}</a:tableStyleId>
+              </a:tblPr>
+              <a:tblGrid>
+                <a:gridCol w="1220159">
+                  <a:extLst>
+                    <a:ext uri="{9D8B030D-6E8A-4147-A177-3AD203B41FA5}">
+                      <a16:colId xmlns:a16="http://schemas.microsoft.com/office/drawing/2014/main" xmlns="" val="3095421252"/>
+                    </a:ext>
+                  </a:extLst>
+                </a:gridCol>
+                <a:gridCol w="597129">
+                  <a:extLst>
+                    <a:ext uri="{9D8B030D-6E8A-4147-A177-3AD203B41FA5}">
+                      <a16:colId xmlns:a16="http://schemas.microsoft.com/office/drawing/2014/main" xmlns="" val="2138526489"/>
+                    </a:ext>
+                  </a:extLst>
+                </a:gridCol>
+              </a:tblGrid>
+              <a:tr h="370840">
+                <a:tc>
+                  <a:txBody>
+                    <a:bodyPr/>
+                    <a:lstStyle/>
+                    <a:p>
+                      <a:r>
+                        <a:rPr lang="de-DE" dirty="0">
+                          <a:solidFill>
+                            <a:schemeClr val="tx1"/>
+                          </a:solidFill>
+                        </a:rPr>
+                        <a:t>Age group</a:t>
+                      </a:r>
+                    </a:p>
+                  </a:txBody>
+                  <a:tcPr>
+                    <a:noFill/>
+                  </a:tcPr>
+                </a:tc>
+                <a:tc>
+                  <a:txBody>
+                    <a:bodyPr/>
+                    <a:lstStyle/>
+                    <a:p>
+                      <a:r>
+                        <a:rPr lang="de-DE" dirty="0">
+                          <a:solidFill>
+                            <a:schemeClr val="tx1"/>
+                          </a:solidFill>
+                        </a:rPr>
+                        <a:t>VPs</a:t>
+                      </a:r>
+                    </a:p>
+                  </a:txBody>
+                  <a:tcPr>
+                    <a:noFill/>
+                  </a:tcPr>
+                </a:tc>
+                <a:extLst>
+                  <a:ext uri="{0D108BD9-81ED-4DB2-BD59-A6C34878D82A}">
+                    <a16:rowId xmlns:a16="http://schemas.microsoft.com/office/drawing/2014/main" xmlns="" val="687688987"/>
+                  </a:ext>
+                </a:extLst>
+              </a:tr>
+              <a:tr h="370840">
+                <a:tc>
+                  <a:txBody>
+                    <a:bodyPr/>
+                    <a:lstStyle/>
+                    <a:p>
+                      <a:r>
+                        <a:rPr lang="de-DE" dirty="0"/>
+                        <a:t>18-49</a:t>
+                      </a:r>
+                    </a:p>
+                  </a:txBody>
+                  <a:tcPr>
+                    <a:noFill/>
+                  </a:tcPr>
+                </a:tc>
+                <a:tc>
+                  <a:txBody>
+                    <a:bodyPr/>
+                    <a:lstStyle/>
+                    <a:p>
+                      <a:r>
+                        <a:rPr lang="de-DE" dirty="0"/>
+                        <a:t>31</a:t>
+                      </a:r>
+                    </a:p>
+                  </a:txBody>
+                  <a:tcPr>
+                    <a:noFill/>
+                  </a:tcPr>
+                </a:tc>
+                <a:extLst>
+                  <a:ext uri="{0D108BD9-81ED-4DB2-BD59-A6C34878D82A}">
+                    <a16:rowId xmlns:a16="http://schemas.microsoft.com/office/drawing/2014/main" xmlns="" val="1424993290"/>
+                  </a:ext>
+                </a:extLst>
+              </a:tr>
+              <a:tr h="370840">
+                <a:tc>
+                  <a:txBody>
+                    <a:bodyPr/>
+                    <a:lstStyle/>
+                    <a:p>
+                      <a:r>
+                        <a:rPr lang="de-DE" dirty="0"/>
+                        <a:t>50-80</a:t>
+                      </a:r>
+                    </a:p>
+                  </a:txBody>
+                  <a:tcPr>
+                    <a:noFill/>
+                  </a:tcPr>
+                </a:tc>
+                <a:tc>
+                  <a:txBody>
+                    <a:bodyPr/>
+                    <a:lstStyle/>
+                    <a:p>
+                      <a:r>
+                        <a:rPr lang="de-DE" dirty="0"/>
+                        <a:t>39</a:t>
+                      </a:r>
+                    </a:p>
+                  </a:txBody>
+                  <a:tcPr>
+                    <a:noFill/>
+                  </a:tcPr>
+                </a:tc>
+                <a:extLst>
+                  <a:ext uri="{0D108BD9-81ED-4DB2-BD59-A6C34878D82A}">
+                    <a16:rowId xmlns:a16="http://schemas.microsoft.com/office/drawing/2014/main" xmlns="" val="640674437"/>
+                  </a:ext>
+                </a:extLst>
+              </a:tr>
+            </a:tbl>
+          </a:graphicData>
+        </a:graphic>
+      </p:graphicFrame>
     </p:spTree>
     <p:extLst>
       <p:ext uri="{BB962C8B-B14F-4D97-AF65-F5344CB8AC3E}">
-        <p14:creationId xmlns:p14="http://schemas.microsoft.com/office/powerpoint/2010/main" val="598426703"/>
+        <p14:creationId xmlns:p14="http://schemas.microsoft.com/office/powerpoint/2010/main" val="1829500632"/>
       </p:ext>
     </p:extLst>
   </p:cSld>
@@ -8462,7 +9008,7 @@
           <p:cNvPr id="9" name="Content Placeholder 8" descr="A group of graphs with text">
             <a:extLst>
               <a:ext uri="{FF2B5EF4-FFF2-40B4-BE49-F238E27FC236}">
-                <a16:creationId xmlns:a16="http://schemas.microsoft.com/office/drawing/2014/main" id="{B640AE05-61E5-8D3F-9EA8-1BD73C84AEEB}"/>
+                <a16:creationId xmlns:a16="http://schemas.microsoft.com/office/drawing/2014/main" xmlns="" id="{B640AE05-61E5-8D3F-9EA8-1BD73C84AEEB}"/>
               </a:ext>
             </a:extLst>
           </p:cNvPr>
@@ -8497,7 +9043,7 @@
           <p:cNvPr id="15" name="Title 8">
             <a:extLst>
               <a:ext uri="{FF2B5EF4-FFF2-40B4-BE49-F238E27FC236}">
-                <a16:creationId xmlns:a16="http://schemas.microsoft.com/office/drawing/2014/main" id="{337CDAFF-3BBC-FB58-EF30-CBEDE69870F8}"/>
+                <a16:creationId xmlns:a16="http://schemas.microsoft.com/office/drawing/2014/main" xmlns="" id="{337CDAFF-3BBC-FB58-EF30-CBEDE69870F8}"/>
               </a:ext>
             </a:extLst>
           </p:cNvPr>
@@ -8530,7 +9076,7 @@
           <p:cNvPr id="2" name="TextBox 1">
             <a:extLst>
               <a:ext uri="{FF2B5EF4-FFF2-40B4-BE49-F238E27FC236}">
-                <a16:creationId xmlns:a16="http://schemas.microsoft.com/office/drawing/2014/main" id="{68238E25-F181-A172-0779-970046AF775C}"/>
+                <a16:creationId xmlns:a16="http://schemas.microsoft.com/office/drawing/2014/main" xmlns="" id="{68238E25-F181-A172-0779-970046AF775C}"/>
               </a:ext>
             </a:extLst>
           </p:cNvPr>
@@ -8565,7 +9111,7 @@
           <p:cNvPr id="3" name="TextBox 2">
             <a:extLst>
               <a:ext uri="{FF2B5EF4-FFF2-40B4-BE49-F238E27FC236}">
-                <a16:creationId xmlns:a16="http://schemas.microsoft.com/office/drawing/2014/main" id="{7FB4875A-3E3A-423E-9492-50C2367A5DF9}"/>
+                <a16:creationId xmlns:a16="http://schemas.microsoft.com/office/drawing/2014/main" xmlns="" id="{7FB4875A-3E3A-423E-9492-50C2367A5DF9}"/>
               </a:ext>
             </a:extLst>
           </p:cNvPr>
@@ -8630,7 +9176,7 @@
           <p:cNvPr id="2" name="Title 1">
             <a:extLst>
               <a:ext uri="{FF2B5EF4-FFF2-40B4-BE49-F238E27FC236}">
-                <a16:creationId xmlns:a16="http://schemas.microsoft.com/office/drawing/2014/main" id="{5FA92E7E-ADAC-9CF6-FBAD-455FD9799F37}"/>
+                <a16:creationId xmlns:a16="http://schemas.microsoft.com/office/drawing/2014/main" xmlns="" id="{5FA92E7E-ADAC-9CF6-FBAD-455FD9799F37}"/>
               </a:ext>
             </a:extLst>
           </p:cNvPr>
@@ -8653,66 +9199,19 @@
           </a:p>
         </p:txBody>
       </p:sp>
-      <p:sp>
-        <p:nvSpPr>
-          <p:cNvPr id="10" name="TextBox 9">
-            <a:extLst>
-              <a:ext uri="{FF2B5EF4-FFF2-40B4-BE49-F238E27FC236}">
-                <a16:creationId xmlns:a16="http://schemas.microsoft.com/office/drawing/2014/main" id="{140A12DA-0ECD-8045-A50A-F11B9BEC367D}"/>
-              </a:ext>
-            </a:extLst>
-          </p:cNvPr>
-          <p:cNvSpPr txBox="1"/>
-          <p:nvPr/>
-        </p:nvSpPr>
-        <p:spPr>
-          <a:xfrm>
-            <a:off x="702849" y="5947928"/>
-            <a:ext cx="6612352" cy="646331"/>
-          </a:xfrm>
-          <a:prstGeom prst="rect">
-            <a:avLst/>
-          </a:prstGeom>
-          <a:noFill/>
-        </p:spPr>
-        <p:txBody>
-          <a:bodyPr wrap="square" rtlCol="0">
-            <a:spAutoFit/>
-          </a:bodyPr>
-          <a:lstStyle/>
-          <a:p>
-            <a:r>
-              <a:rPr lang="de-DE" dirty="0"/>
-              <a:t>Abb1: Signifikanter Unterschied</a:t>
-            </a:r>
-          </a:p>
-          <a:p>
-            <a:r>
-              <a:rPr lang="de-DE" dirty="0"/>
-              <a:t>Abb2: Signifikanter Unterschied zwischen without C1 &amp; C2</a:t>
-            </a:r>
-          </a:p>
-        </p:txBody>
-      </p:sp>
       <p:graphicFrame>
         <p:nvGraphicFramePr>
           <p:cNvPr id="3" name="Table 2">
             <a:extLst>
               <a:ext uri="{FF2B5EF4-FFF2-40B4-BE49-F238E27FC236}">
-                <a16:creationId xmlns:a16="http://schemas.microsoft.com/office/drawing/2014/main" id="{C6396E8E-758E-8C24-1A9E-F7E0F0E87C4A}"/>
+                <a16:creationId xmlns:a16="http://schemas.microsoft.com/office/drawing/2014/main" xmlns="" id="{C6396E8E-758E-8C24-1A9E-F7E0F0E87C4A}"/>
               </a:ext>
             </a:extLst>
           </p:cNvPr>
           <p:cNvGraphicFramePr>
             <a:graphicFrameLocks noGrp="1"/>
           </p:cNvGraphicFramePr>
-          <p:nvPr>
-            <p:extLst>
-              <p:ext uri="{D42A27DB-BD31-4B8C-83A1-F6EECF244321}">
-                <p14:modId xmlns:p14="http://schemas.microsoft.com/office/powerpoint/2010/main" val="3959057632"/>
-              </p:ext>
-            </p:extLst>
-          </p:nvPr>
+          <p:nvPr/>
         </p:nvGraphicFramePr>
         <p:xfrm>
           <a:off x="8803115" y="42307"/>
@@ -8728,21 +9227,21 @@
                 <a:gridCol w="1338414">
                   <a:extLst>
                     <a:ext uri="{9D8B030D-6E8A-4147-A177-3AD203B41FA5}">
-                      <a16:colId xmlns:a16="http://schemas.microsoft.com/office/drawing/2014/main" val="2087661091"/>
+                      <a16:colId xmlns:a16="http://schemas.microsoft.com/office/drawing/2014/main" xmlns="" val="2087661091"/>
                     </a:ext>
                   </a:extLst>
                 </a:gridCol>
                 <a:gridCol w="1338414">
                   <a:extLst>
                     <a:ext uri="{9D8B030D-6E8A-4147-A177-3AD203B41FA5}">
-                      <a16:colId xmlns:a16="http://schemas.microsoft.com/office/drawing/2014/main" val="4161442789"/>
+                      <a16:colId xmlns:a16="http://schemas.microsoft.com/office/drawing/2014/main" xmlns="" val="4161442789"/>
                     </a:ext>
                   </a:extLst>
                 </a:gridCol>
                 <a:gridCol w="1338414">
                   <a:extLst>
                     <a:ext uri="{9D8B030D-6E8A-4147-A177-3AD203B41FA5}">
-                      <a16:colId xmlns:a16="http://schemas.microsoft.com/office/drawing/2014/main" val="1065804868"/>
+                      <a16:colId xmlns:a16="http://schemas.microsoft.com/office/drawing/2014/main" xmlns="" val="1065804868"/>
                     </a:ext>
                   </a:extLst>
                 </a:gridCol>
@@ -8834,7 +9333,7 @@
                 </a:tc>
                 <a:extLst>
                   <a:ext uri="{0D108BD9-81ED-4DB2-BD59-A6C34878D82A}">
-                    <a16:rowId xmlns:a16="http://schemas.microsoft.com/office/drawing/2014/main" val="3931383551"/>
+                    <a16:rowId xmlns:a16="http://schemas.microsoft.com/office/drawing/2014/main" xmlns="" val="3931383551"/>
                   </a:ext>
                 </a:extLst>
               </a:tr>
@@ -8898,7 +9397,7 @@
                 </a:tc>
                 <a:extLst>
                   <a:ext uri="{0D108BD9-81ED-4DB2-BD59-A6C34878D82A}">
-                    <a16:rowId xmlns:a16="http://schemas.microsoft.com/office/drawing/2014/main" val="3140929958"/>
+                    <a16:rowId xmlns:a16="http://schemas.microsoft.com/office/drawing/2014/main" xmlns="" val="3140929958"/>
                   </a:ext>
                 </a:extLst>
               </a:tr>
@@ -8962,7 +9461,7 @@
                 </a:tc>
                 <a:extLst>
                   <a:ext uri="{0D108BD9-81ED-4DB2-BD59-A6C34878D82A}">
-                    <a16:rowId xmlns:a16="http://schemas.microsoft.com/office/drawing/2014/main" val="2462120241"/>
+                    <a16:rowId xmlns:a16="http://schemas.microsoft.com/office/drawing/2014/main" xmlns="" val="2462120241"/>
                   </a:ext>
                 </a:extLst>
               </a:tr>
@@ -8970,12 +9469,53 @@
           </a:graphicData>
         </a:graphic>
       </p:graphicFrame>
+      <p:sp>
+        <p:nvSpPr>
+          <p:cNvPr id="4" name="TextBox 3">
+            <a:extLst>
+              <a:ext uri="{FF2B5EF4-FFF2-40B4-BE49-F238E27FC236}">
+                <a16:creationId xmlns:a16="http://schemas.microsoft.com/office/drawing/2014/main" xmlns="" id="{1E7531D5-66BB-E33A-8990-29C457D1D27F}"/>
+              </a:ext>
+            </a:extLst>
+          </p:cNvPr>
+          <p:cNvSpPr txBox="1"/>
+          <p:nvPr/>
+        </p:nvSpPr>
+        <p:spPr>
+          <a:xfrm>
+            <a:off x="538947" y="5845026"/>
+            <a:ext cx="8630932" cy="923330"/>
+          </a:xfrm>
+          <a:prstGeom prst="rect">
+            <a:avLst/>
+          </a:prstGeom>
+          <a:noFill/>
+        </p:spPr>
+        <p:txBody>
+          <a:bodyPr wrap="square" rtlCol="0">
+            <a:spAutoFit/>
+          </a:bodyPr>
+          <a:lstStyle/>
+          <a:p>
+            <a:r>
+              <a:rPr lang="de-DE" dirty="0"/>
+              <a:t>Abbildung1: Alle Unterschiede signifikant</a:t>
+            </a:r>
+          </a:p>
+          <a:p>
+            <a:r>
+              <a:rPr lang="de-DE" dirty="0"/>
+              <a:t>Abbildung 2:  Alle Unterschiede zwischen with(out) C1 und with(out) C2 signifikant (Wenn keine z-Werte, dann tmt_b nicht signifikant)</a:t>
+            </a:r>
+          </a:p>
+        </p:txBody>
+      </p:sp>
       <p:pic>
         <p:nvPicPr>
-          <p:cNvPr id="6" name="Picture 5" descr="A diagram of a cluster&#10;&#10;Description automatically generated with medium confidence">
-            <a:extLst>
-              <a:ext uri="{FF2B5EF4-FFF2-40B4-BE49-F238E27FC236}">
-                <a16:creationId xmlns:a16="http://schemas.microsoft.com/office/drawing/2014/main" id="{ADC44FA0-6908-C418-743D-8A8293470A2E}"/>
+          <p:cNvPr id="7" name="Picture 6" descr="A group of graphs with a number of rows&#10;&#10;Description automatically generated with medium confidence">
+            <a:extLst>
+              <a:ext uri="{FF2B5EF4-FFF2-40B4-BE49-F238E27FC236}">
+                <a16:creationId xmlns:a16="http://schemas.microsoft.com/office/drawing/2014/main" xmlns="" id="{A0890429-7413-03E0-F9E0-2B62EBA31D4B}"/>
               </a:ext>
             </a:extLst>
           </p:cNvPr>
@@ -8998,8 +9538,8 @@
         </p:blipFill>
         <p:spPr>
           <a:xfrm>
-            <a:off x="458762" y="1639120"/>
-            <a:ext cx="5541861" cy="4308808"/>
+            <a:off x="599072" y="1658261"/>
+            <a:ext cx="5401550" cy="4184864"/>
           </a:xfrm>
           <a:prstGeom prst="rect">
             <a:avLst/>
@@ -9008,10 +9548,10 @@
       </p:pic>
       <p:pic>
         <p:nvPicPr>
-          <p:cNvPr id="11" name="Picture 10" descr="A screenshot of a graph&#10;&#10;Description automatically generated">
-            <a:extLst>
-              <a:ext uri="{FF2B5EF4-FFF2-40B4-BE49-F238E27FC236}">
-                <a16:creationId xmlns:a16="http://schemas.microsoft.com/office/drawing/2014/main" id="{A6BBB299-7EA5-506E-5B23-C88197320337}"/>
+          <p:cNvPr id="9" name="Picture 8" descr="A screenshot of a graph&#10;&#10;Description automatically generated">
+            <a:extLst>
+              <a:ext uri="{FF2B5EF4-FFF2-40B4-BE49-F238E27FC236}">
+                <a16:creationId xmlns:a16="http://schemas.microsoft.com/office/drawing/2014/main" xmlns="" id="{FB37F69A-0613-DB97-4BF9-00F9C4EB5153}"/>
               </a:ext>
             </a:extLst>
           </p:cNvPr>
@@ -9034,8 +9574,8 @@
         </p:blipFill>
         <p:spPr>
           <a:xfrm>
-            <a:off x="6191379" y="1701092"/>
-            <a:ext cx="5361439" cy="4184863"/>
+            <a:off x="6239750" y="1690688"/>
+            <a:ext cx="5693536" cy="4427779"/>
           </a:xfrm>
           <a:prstGeom prst="rect">
             <a:avLst/>
@@ -9045,7 +9585,7 @@
     </p:spTree>
     <p:extLst>
       <p:ext uri="{BB962C8B-B14F-4D97-AF65-F5344CB8AC3E}">
-        <p14:creationId xmlns:p14="http://schemas.microsoft.com/office/powerpoint/2010/main" val="1224306042"/>
+        <p14:creationId xmlns:p14="http://schemas.microsoft.com/office/powerpoint/2010/main" val="598426703"/>
       </p:ext>
     </p:extLst>
   </p:cSld>
@@ -9077,7 +9617,7 @@
           <p:cNvPr id="2" name="Title 1">
             <a:extLst>
               <a:ext uri="{FF2B5EF4-FFF2-40B4-BE49-F238E27FC236}">
-                <a16:creationId xmlns:a16="http://schemas.microsoft.com/office/drawing/2014/main" id="{5FA92E7E-ADAC-9CF6-FBAD-455FD9799F37}"/>
+                <a16:creationId xmlns:a16="http://schemas.microsoft.com/office/drawing/2014/main" xmlns="" id="{5FA92E7E-ADAC-9CF6-FBAD-455FD9799F37}"/>
               </a:ext>
             </a:extLst>
           </p:cNvPr>
@@ -9100,12 +9640,459 @@
           </a:p>
         </p:txBody>
       </p:sp>
+      <p:sp>
+        <p:nvSpPr>
+          <p:cNvPr id="10" name="TextBox 9">
+            <a:extLst>
+              <a:ext uri="{FF2B5EF4-FFF2-40B4-BE49-F238E27FC236}">
+                <a16:creationId xmlns:a16="http://schemas.microsoft.com/office/drawing/2014/main" xmlns="" id="{140A12DA-0ECD-8045-A50A-F11B9BEC367D}"/>
+              </a:ext>
+            </a:extLst>
+          </p:cNvPr>
+          <p:cNvSpPr txBox="1"/>
+          <p:nvPr/>
+        </p:nvSpPr>
+        <p:spPr>
+          <a:xfrm>
+            <a:off x="702849" y="5947928"/>
+            <a:ext cx="6612352" cy="646331"/>
+          </a:xfrm>
+          <a:prstGeom prst="rect">
+            <a:avLst/>
+          </a:prstGeom>
+          <a:noFill/>
+        </p:spPr>
+        <p:txBody>
+          <a:bodyPr wrap="square" rtlCol="0">
+            <a:spAutoFit/>
+          </a:bodyPr>
+          <a:lstStyle/>
+          <a:p>
+            <a:r>
+              <a:rPr lang="de-DE" dirty="0"/>
+              <a:t>Abb1: Signifikanter Unterschied</a:t>
+            </a:r>
+          </a:p>
+          <a:p>
+            <a:r>
+              <a:rPr lang="de-DE" dirty="0"/>
+              <a:t>Abb2: Signifikanter Unterschied zwischen without C1 &amp; C2</a:t>
+            </a:r>
+          </a:p>
+        </p:txBody>
+      </p:sp>
       <p:graphicFrame>
         <p:nvGraphicFramePr>
           <p:cNvPr id="3" name="Table 2">
             <a:extLst>
               <a:ext uri="{FF2B5EF4-FFF2-40B4-BE49-F238E27FC236}">
-                <a16:creationId xmlns:a16="http://schemas.microsoft.com/office/drawing/2014/main" id="{C6396E8E-758E-8C24-1A9E-F7E0F0E87C4A}"/>
+                <a16:creationId xmlns:a16="http://schemas.microsoft.com/office/drawing/2014/main" xmlns="" id="{C6396E8E-758E-8C24-1A9E-F7E0F0E87C4A}"/>
+              </a:ext>
+            </a:extLst>
+          </p:cNvPr>
+          <p:cNvGraphicFramePr>
+            <a:graphicFrameLocks noGrp="1"/>
+          </p:cNvGraphicFramePr>
+          <p:nvPr>
+            <p:extLst>
+              <p:ext uri="{D42A27DB-BD31-4B8C-83A1-F6EECF244321}">
+                <p14:modId xmlns:p14="http://schemas.microsoft.com/office/powerpoint/2010/main" val="3959057632"/>
+              </p:ext>
+            </p:extLst>
+          </p:nvPr>
+        </p:nvGraphicFramePr>
+        <p:xfrm>
+          <a:off x="8803115" y="42307"/>
+          <a:ext cx="4015242" cy="1830252"/>
+        </p:xfrm>
+        <a:graphic>
+          <a:graphicData uri="http://schemas.openxmlformats.org/drawingml/2006/table">
+            <a:tbl>
+              <a:tblPr firstRow="1" bandRow="1">
+                <a:tableStyleId>{5C22544A-7EE6-4342-B048-85BDC9FD1C3A}</a:tableStyleId>
+              </a:tblPr>
+              <a:tblGrid>
+                <a:gridCol w="1338414">
+                  <a:extLst>
+                    <a:ext uri="{9D8B030D-6E8A-4147-A177-3AD203B41FA5}">
+                      <a16:colId xmlns:a16="http://schemas.microsoft.com/office/drawing/2014/main" xmlns="" val="2087661091"/>
+                    </a:ext>
+                  </a:extLst>
+                </a:gridCol>
+                <a:gridCol w="1338414">
+                  <a:extLst>
+                    <a:ext uri="{9D8B030D-6E8A-4147-A177-3AD203B41FA5}">
+                      <a16:colId xmlns:a16="http://schemas.microsoft.com/office/drawing/2014/main" xmlns="" val="4161442789"/>
+                    </a:ext>
+                  </a:extLst>
+                </a:gridCol>
+                <a:gridCol w="1338414">
+                  <a:extLst>
+                    <a:ext uri="{9D8B030D-6E8A-4147-A177-3AD203B41FA5}">
+                      <a16:colId xmlns:a16="http://schemas.microsoft.com/office/drawing/2014/main" xmlns="" val="1065804868"/>
+                    </a:ext>
+                  </a:extLst>
+                </a:gridCol>
+              </a:tblGrid>
+              <a:tr h="595086">
+                <a:tc>
+                  <a:txBody>
+                    <a:bodyPr/>
+                    <a:lstStyle/>
+                    <a:p>
+                      <a:endParaRPr lang="de-DE" dirty="0">
+                        <a:solidFill>
+                          <a:schemeClr val="tx1"/>
+                        </a:solidFill>
+                      </a:endParaRPr>
+                    </a:p>
+                  </a:txBody>
+                  <a:tcPr>
+                    <a:noFill/>
+                  </a:tcPr>
+                </a:tc>
+                <a:tc>
+                  <a:txBody>
+                    <a:bodyPr/>
+                    <a:lstStyle/>
+                    <a:p>
+                      <a:r>
+                        <a:rPr lang="de-DE" dirty="0">
+                          <a:solidFill>
+                            <a:schemeClr val="tx1"/>
+                          </a:solidFill>
+                        </a:rPr>
+                        <a:t>Without</a:t>
+                      </a:r>
+                      <a:br>
+                        <a:rPr lang="de-DE" dirty="0">
+                          <a:solidFill>
+                            <a:schemeClr val="tx1"/>
+                          </a:solidFill>
+                        </a:rPr>
+                      </a:br>
+                      <a:r>
+                        <a:rPr lang="de-DE" dirty="0">
+                          <a:solidFill>
+                            <a:schemeClr val="tx1"/>
+                          </a:solidFill>
+                        </a:rPr>
+                        <a:t>PCS</a:t>
+                      </a:r>
+                    </a:p>
+                  </a:txBody>
+                  <a:tcPr>
+                    <a:noFill/>
+                  </a:tcPr>
+                </a:tc>
+                <a:tc>
+                  <a:txBody>
+                    <a:bodyPr/>
+                    <a:lstStyle/>
+                    <a:p>
+                      <a:r>
+                        <a:rPr lang="de-DE" dirty="0">
+                          <a:solidFill>
+                            <a:schemeClr val="tx1"/>
+                          </a:solidFill>
+                        </a:rPr>
+                        <a:t>With</a:t>
+                      </a:r>
+                      <a:br>
+                        <a:rPr lang="de-DE" dirty="0">
+                          <a:solidFill>
+                            <a:schemeClr val="tx1"/>
+                          </a:solidFill>
+                        </a:rPr>
+                      </a:br>
+                      <a:r>
+                        <a:rPr lang="de-DE" dirty="0">
+                          <a:solidFill>
+                            <a:schemeClr val="tx1"/>
+                          </a:solidFill>
+                        </a:rPr>
+                        <a:t>PCS</a:t>
+                      </a:r>
+                    </a:p>
+                  </a:txBody>
+                  <a:tcPr>
+                    <a:noFill/>
+                  </a:tcPr>
+                </a:tc>
+                <a:extLst>
+                  <a:ext uri="{0D108BD9-81ED-4DB2-BD59-A6C34878D82A}">
+                    <a16:rowId xmlns:a16="http://schemas.microsoft.com/office/drawing/2014/main" xmlns="" val="3931383551"/>
+                  </a:ext>
+                </a:extLst>
+              </a:tr>
+              <a:tr h="595086">
+                <a:tc>
+                  <a:txBody>
+                    <a:bodyPr/>
+                    <a:lstStyle/>
+                    <a:p>
+                      <a:r>
+                        <a:rPr lang="de-DE" dirty="0">
+                          <a:solidFill>
+                            <a:srgbClr val="FF0000"/>
+                          </a:solidFill>
+                        </a:rPr>
+                        <a:t>Cluster 1</a:t>
+                      </a:r>
+                    </a:p>
+                  </a:txBody>
+                  <a:tcPr>
+                    <a:noFill/>
+                  </a:tcPr>
+                </a:tc>
+                <a:tc>
+                  <a:txBody>
+                    <a:bodyPr/>
+                    <a:lstStyle/>
+                    <a:p>
+                      <a:r>
+                        <a:rPr lang="de-DE" dirty="0">
+                          <a:solidFill>
+                            <a:srgbClr val="FF0000"/>
+                          </a:solidFill>
+                        </a:rPr>
+                        <a:t>5</a:t>
+                      </a:r>
+                    </a:p>
+                  </a:txBody>
+                  <a:tcPr>
+                    <a:noFill/>
+                  </a:tcPr>
+                </a:tc>
+                <a:tc>
+                  <a:txBody>
+                    <a:bodyPr/>
+                    <a:lstStyle/>
+                    <a:p>
+                      <a:r>
+                        <a:rPr lang="de-DE" dirty="0">
+                          <a:solidFill>
+                            <a:srgbClr val="FF0000"/>
+                          </a:solidFill>
+                        </a:rPr>
+                        <a:t>27</a:t>
+                      </a:r>
+                    </a:p>
+                  </a:txBody>
+                  <a:tcPr>
+                    <a:noFill/>
+                  </a:tcPr>
+                </a:tc>
+                <a:extLst>
+                  <a:ext uri="{0D108BD9-81ED-4DB2-BD59-A6C34878D82A}">
+                    <a16:rowId xmlns:a16="http://schemas.microsoft.com/office/drawing/2014/main" xmlns="" val="3140929958"/>
+                  </a:ext>
+                </a:extLst>
+              </a:tr>
+              <a:tr h="595086">
+                <a:tc>
+                  <a:txBody>
+                    <a:bodyPr/>
+                    <a:lstStyle/>
+                    <a:p>
+                      <a:r>
+                        <a:rPr lang="de-DE" dirty="0">
+                          <a:solidFill>
+                            <a:srgbClr val="00B050"/>
+                          </a:solidFill>
+                        </a:rPr>
+                        <a:t>Cluster 2</a:t>
+                      </a:r>
+                    </a:p>
+                  </a:txBody>
+                  <a:tcPr>
+                    <a:noFill/>
+                  </a:tcPr>
+                </a:tc>
+                <a:tc>
+                  <a:txBody>
+                    <a:bodyPr/>
+                    <a:lstStyle/>
+                    <a:p>
+                      <a:r>
+                        <a:rPr lang="de-DE" dirty="0">
+                          <a:solidFill>
+                            <a:srgbClr val="00B050"/>
+                          </a:solidFill>
+                        </a:rPr>
+                        <a:t>22</a:t>
+                      </a:r>
+                    </a:p>
+                  </a:txBody>
+                  <a:tcPr>
+                    <a:noFill/>
+                  </a:tcPr>
+                </a:tc>
+                <a:tc>
+                  <a:txBody>
+                    <a:bodyPr/>
+                    <a:lstStyle/>
+                    <a:p>
+                      <a:r>
+                        <a:rPr lang="de-DE" dirty="0">
+                          <a:solidFill>
+                            <a:srgbClr val="00B050"/>
+                          </a:solidFill>
+                        </a:rPr>
+                        <a:t>16</a:t>
+                      </a:r>
+                    </a:p>
+                  </a:txBody>
+                  <a:tcPr>
+                    <a:noFill/>
+                  </a:tcPr>
+                </a:tc>
+                <a:extLst>
+                  <a:ext uri="{0D108BD9-81ED-4DB2-BD59-A6C34878D82A}">
+                    <a16:rowId xmlns:a16="http://schemas.microsoft.com/office/drawing/2014/main" xmlns="" val="2462120241"/>
+                  </a:ext>
+                </a:extLst>
+              </a:tr>
+            </a:tbl>
+          </a:graphicData>
+        </a:graphic>
+      </p:graphicFrame>
+      <p:pic>
+        <p:nvPicPr>
+          <p:cNvPr id="6" name="Picture 5" descr="A diagram of a cluster&#10;&#10;Description automatically generated with medium confidence">
+            <a:extLst>
+              <a:ext uri="{FF2B5EF4-FFF2-40B4-BE49-F238E27FC236}">
+                <a16:creationId xmlns:a16="http://schemas.microsoft.com/office/drawing/2014/main" xmlns="" id="{ADC44FA0-6908-C418-743D-8A8293470A2E}"/>
+              </a:ext>
+            </a:extLst>
+          </p:cNvPr>
+          <p:cNvPicPr>
+            <a:picLocks noChangeAspect="1"/>
+          </p:cNvPicPr>
+          <p:nvPr/>
+        </p:nvPicPr>
+        <p:blipFill>
+          <a:blip r:embed="rId2">
+            <a:extLst>
+              <a:ext uri="{28A0092B-C50C-407E-A947-70E740481C1C}">
+                <a14:useLocalDpi xmlns:a14="http://schemas.microsoft.com/office/drawing/2010/main" val="0"/>
+              </a:ext>
+            </a:extLst>
+          </a:blip>
+          <a:stretch>
+            <a:fillRect/>
+          </a:stretch>
+        </p:blipFill>
+        <p:spPr>
+          <a:xfrm>
+            <a:off x="458762" y="1639120"/>
+            <a:ext cx="5541861" cy="4308808"/>
+          </a:xfrm>
+          <a:prstGeom prst="rect">
+            <a:avLst/>
+          </a:prstGeom>
+        </p:spPr>
+      </p:pic>
+      <p:pic>
+        <p:nvPicPr>
+          <p:cNvPr id="11" name="Picture 10" descr="A screenshot of a graph&#10;&#10;Description automatically generated">
+            <a:extLst>
+              <a:ext uri="{FF2B5EF4-FFF2-40B4-BE49-F238E27FC236}">
+                <a16:creationId xmlns:a16="http://schemas.microsoft.com/office/drawing/2014/main" xmlns="" id="{A6BBB299-7EA5-506E-5B23-C88197320337}"/>
+              </a:ext>
+            </a:extLst>
+          </p:cNvPr>
+          <p:cNvPicPr>
+            <a:picLocks noChangeAspect="1"/>
+          </p:cNvPicPr>
+          <p:nvPr/>
+        </p:nvPicPr>
+        <p:blipFill>
+          <a:blip r:embed="rId3">
+            <a:extLst>
+              <a:ext uri="{28A0092B-C50C-407E-A947-70E740481C1C}">
+                <a14:useLocalDpi xmlns:a14="http://schemas.microsoft.com/office/drawing/2010/main" val="0"/>
+              </a:ext>
+            </a:extLst>
+          </a:blip>
+          <a:stretch>
+            <a:fillRect/>
+          </a:stretch>
+        </p:blipFill>
+        <p:spPr>
+          <a:xfrm>
+            <a:off x="6191379" y="1701092"/>
+            <a:ext cx="5361439" cy="4184863"/>
+          </a:xfrm>
+          <a:prstGeom prst="rect">
+            <a:avLst/>
+          </a:prstGeom>
+        </p:spPr>
+      </p:pic>
+    </p:spTree>
+    <p:extLst>
+      <p:ext uri="{BB962C8B-B14F-4D97-AF65-F5344CB8AC3E}">
+        <p14:creationId xmlns:p14="http://schemas.microsoft.com/office/powerpoint/2010/main" val="1224306042"/>
+      </p:ext>
+    </p:extLst>
+  </p:cSld>
+  <p:clrMapOvr>
+    <a:masterClrMapping/>
+  </p:clrMapOvr>
+</p:sld>
+</file>
+
+<file path=ppt/slides/slide22.xml><?xml version="1.0" encoding="utf-8"?>
+<p:sld xmlns:a="http://schemas.openxmlformats.org/drawingml/2006/main" xmlns:r="http://schemas.openxmlformats.org/officeDocument/2006/relationships" xmlns:p="http://schemas.openxmlformats.org/presentationml/2006/main">
+  <p:cSld>
+    <p:spTree>
+      <p:nvGrpSpPr>
+        <p:cNvPr id="1" name=""/>
+        <p:cNvGrpSpPr/>
+        <p:nvPr/>
+      </p:nvGrpSpPr>
+      <p:grpSpPr>
+        <a:xfrm>
+          <a:off x="0" y="0"/>
+          <a:ext cx="0" cy="0"/>
+          <a:chOff x="0" y="0"/>
+          <a:chExt cx="0" cy="0"/>
+        </a:xfrm>
+      </p:grpSpPr>
+      <p:sp>
+        <p:nvSpPr>
+          <p:cNvPr id="2" name="Title 1">
+            <a:extLst>
+              <a:ext uri="{FF2B5EF4-FFF2-40B4-BE49-F238E27FC236}">
+                <a16:creationId xmlns:a16="http://schemas.microsoft.com/office/drawing/2014/main" xmlns="" id="{5FA92E7E-ADAC-9CF6-FBAD-455FD9799F37}"/>
+              </a:ext>
+            </a:extLst>
+          </p:cNvPr>
+          <p:cNvSpPr>
+            <a:spLocks noGrp="1"/>
+          </p:cNvSpPr>
+          <p:nvPr>
+            <p:ph type="title"/>
+          </p:nvPr>
+        </p:nvSpPr>
+        <p:spPr/>
+        <p:txBody>
+          <a:bodyPr/>
+          <a:lstStyle/>
+          <a:p>
+            <a:r>
+              <a:rPr lang="de-DE" dirty="0"/>
+              <a:t>Z-Werte / 2 Altersgruppen</a:t>
+            </a:r>
+          </a:p>
+        </p:txBody>
+      </p:sp>
+      <p:graphicFrame>
+        <p:nvGraphicFramePr>
+          <p:cNvPr id="3" name="Table 2">
+            <a:extLst>
+              <a:ext uri="{FF2B5EF4-FFF2-40B4-BE49-F238E27FC236}">
+                <a16:creationId xmlns:a16="http://schemas.microsoft.com/office/drawing/2014/main" xmlns="" id="{C6396E8E-758E-8C24-1A9E-F7E0F0E87C4A}"/>
               </a:ext>
             </a:extLst>
           </p:cNvPr>
@@ -9128,21 +10115,21 @@
                 <a:gridCol w="1338414">
                   <a:extLst>
                     <a:ext uri="{9D8B030D-6E8A-4147-A177-3AD203B41FA5}">
-                      <a16:colId xmlns:a16="http://schemas.microsoft.com/office/drawing/2014/main" val="2087661091"/>
+                      <a16:colId xmlns:a16="http://schemas.microsoft.com/office/drawing/2014/main" xmlns="" val="2087661091"/>
                     </a:ext>
                   </a:extLst>
                 </a:gridCol>
                 <a:gridCol w="1338414">
                   <a:extLst>
                     <a:ext uri="{9D8B030D-6E8A-4147-A177-3AD203B41FA5}">
-                      <a16:colId xmlns:a16="http://schemas.microsoft.com/office/drawing/2014/main" val="4161442789"/>
+                      <a16:colId xmlns:a16="http://schemas.microsoft.com/office/drawing/2014/main" xmlns="" val="4161442789"/>
                     </a:ext>
                   </a:extLst>
                 </a:gridCol>
                 <a:gridCol w="1338414">
                   <a:extLst>
                     <a:ext uri="{9D8B030D-6E8A-4147-A177-3AD203B41FA5}">
-                      <a16:colId xmlns:a16="http://schemas.microsoft.com/office/drawing/2014/main" val="1065804868"/>
+                      <a16:colId xmlns:a16="http://schemas.microsoft.com/office/drawing/2014/main" xmlns="" val="1065804868"/>
                     </a:ext>
                   </a:extLst>
                 </a:gridCol>
@@ -9234,7 +10221,7 @@
                 </a:tc>
                 <a:extLst>
                   <a:ext uri="{0D108BD9-81ED-4DB2-BD59-A6C34878D82A}">
-                    <a16:rowId xmlns:a16="http://schemas.microsoft.com/office/drawing/2014/main" val="3931383551"/>
+                    <a16:rowId xmlns:a16="http://schemas.microsoft.com/office/drawing/2014/main" xmlns="" val="3931383551"/>
                   </a:ext>
                 </a:extLst>
               </a:tr>
@@ -9298,7 +10285,7 @@
                 </a:tc>
                 <a:extLst>
                   <a:ext uri="{0D108BD9-81ED-4DB2-BD59-A6C34878D82A}">
-                    <a16:rowId xmlns:a16="http://schemas.microsoft.com/office/drawing/2014/main" val="3140929958"/>
+                    <a16:rowId xmlns:a16="http://schemas.microsoft.com/office/drawing/2014/main" xmlns="" val="3140929958"/>
                   </a:ext>
                 </a:extLst>
               </a:tr>
@@ -9362,7 +10349,7 @@
                 </a:tc>
                 <a:extLst>
                   <a:ext uri="{0D108BD9-81ED-4DB2-BD59-A6C34878D82A}">
-                    <a16:rowId xmlns:a16="http://schemas.microsoft.com/office/drawing/2014/main" val="2462120241"/>
+                    <a16:rowId xmlns:a16="http://schemas.microsoft.com/office/drawing/2014/main" xmlns="" val="2462120241"/>
                   </a:ext>
                 </a:extLst>
               </a:tr>
@@ -9375,7 +10362,7 @@
           <p:cNvPr id="6" name="Picture 5" descr="A group of graphs with text&#10;&#10;Description automatically generated with medium confidence">
             <a:extLst>
               <a:ext uri="{FF2B5EF4-FFF2-40B4-BE49-F238E27FC236}">
-                <a16:creationId xmlns:a16="http://schemas.microsoft.com/office/drawing/2014/main" id="{3246DEE5-3DC2-B649-AC20-0C4DA88F1CD2}"/>
+                <a16:creationId xmlns:a16="http://schemas.microsoft.com/office/drawing/2014/main" xmlns="" id="{3246DEE5-3DC2-B649-AC20-0C4DA88F1CD2}"/>
               </a:ext>
             </a:extLst>
           </p:cNvPr>
@@ -9411,7 +10398,7 @@
           <p:cNvPr id="10" name="Picture 9" descr="A screenshot of a graph&#10;&#10;Description automatically generated">
             <a:extLst>
               <a:ext uri="{FF2B5EF4-FFF2-40B4-BE49-F238E27FC236}">
-                <a16:creationId xmlns:a16="http://schemas.microsoft.com/office/drawing/2014/main" id="{554D1ECE-51AD-D3EF-1D0D-8A2EC4D7CB27}"/>
+                <a16:creationId xmlns:a16="http://schemas.microsoft.com/office/drawing/2014/main" xmlns="" id="{554D1ECE-51AD-D3EF-1D0D-8A2EC4D7CB27}"/>
               </a:ext>
             </a:extLst>
           </p:cNvPr>
@@ -9447,7 +10434,7 @@
           <p:cNvPr id="11" name="TextBox 10">
             <a:extLst>
               <a:ext uri="{FF2B5EF4-FFF2-40B4-BE49-F238E27FC236}">
-                <a16:creationId xmlns:a16="http://schemas.microsoft.com/office/drawing/2014/main" id="{D31D8C6F-AA9C-F8DC-3003-905FCDB1BDF1}"/>
+                <a16:creationId xmlns:a16="http://schemas.microsoft.com/office/drawing/2014/main" xmlns="" id="{D31D8C6F-AA9C-F8DC-3003-905FCDB1BDF1}"/>
               </a:ext>
             </a:extLst>
           </p:cNvPr>
@@ -9512,7 +10499,7 @@
           <p:cNvPr id="9" name="Title 8">
             <a:extLst>
               <a:ext uri="{FF2B5EF4-FFF2-40B4-BE49-F238E27FC236}">
-                <a16:creationId xmlns:a16="http://schemas.microsoft.com/office/drawing/2014/main" id="{F6CE8043-B8E0-9565-2116-284810437747}"/>
+                <a16:creationId xmlns:a16="http://schemas.microsoft.com/office/drawing/2014/main" xmlns="" id="{F6CE8043-B8E0-9565-2116-284810437747}"/>
               </a:ext>
             </a:extLst>
           </p:cNvPr>
@@ -9545,7 +10532,7 @@
           <p:cNvPr id="6" name="Content Placeholder 5" descr="A screenshot of a graph&#10;&#10;Description automatically generated">
             <a:extLst>
               <a:ext uri="{FF2B5EF4-FFF2-40B4-BE49-F238E27FC236}">
-                <a16:creationId xmlns:a16="http://schemas.microsoft.com/office/drawing/2014/main" id="{9090C371-7E91-7F41-6303-7B7C6557C27A}"/>
+                <a16:creationId xmlns:a16="http://schemas.microsoft.com/office/drawing/2014/main" xmlns="" id="{9090C371-7E91-7F41-6303-7B7C6557C27A}"/>
               </a:ext>
             </a:extLst>
           </p:cNvPr>
@@ -9580,7 +10567,7 @@
           <p:cNvPr id="8" name="Content Placeholder 7" descr="A graph with colorful squares and red dots&#10;&#10;Description automatically generated">
             <a:extLst>
               <a:ext uri="{FF2B5EF4-FFF2-40B4-BE49-F238E27FC236}">
-                <a16:creationId xmlns:a16="http://schemas.microsoft.com/office/drawing/2014/main" id="{EF975AAE-92F7-3376-1F94-799148669823}"/>
+                <a16:creationId xmlns:a16="http://schemas.microsoft.com/office/drawing/2014/main" xmlns="" id="{EF975AAE-92F7-3376-1F94-799148669823}"/>
               </a:ext>
             </a:extLst>
           </p:cNvPr>
@@ -9615,7 +10602,7 @@
           <p:cNvPr id="2" name="TextBox 1">
             <a:extLst>
               <a:ext uri="{FF2B5EF4-FFF2-40B4-BE49-F238E27FC236}">
-                <a16:creationId xmlns:a16="http://schemas.microsoft.com/office/drawing/2014/main" id="{001484A3-1C74-C5CB-378F-BE5AE096FFB5}"/>
+                <a16:creationId xmlns:a16="http://schemas.microsoft.com/office/drawing/2014/main" xmlns="" id="{001484A3-1C74-C5CB-378F-BE5AE096FFB5}"/>
               </a:ext>
             </a:extLst>
           </p:cNvPr>
@@ -9686,7 +10673,7 @@
           <p:cNvPr id="2" name="Title 1">
             <a:extLst>
               <a:ext uri="{FF2B5EF4-FFF2-40B4-BE49-F238E27FC236}">
-                <a16:creationId xmlns:a16="http://schemas.microsoft.com/office/drawing/2014/main" id="{95206499-659E-95F1-9990-49711C952FA9}"/>
+                <a16:creationId xmlns:a16="http://schemas.microsoft.com/office/drawing/2014/main" xmlns="" id="{95206499-659E-95F1-9990-49711C952FA9}"/>
               </a:ext>
             </a:extLst>
           </p:cNvPr>
@@ -9714,7 +10701,7 @@
           <p:cNvPr id="5" name="Content Placeholder 4" descr="A group of graphs with text&#10;&#10;Description automatically generated with medium confidence">
             <a:extLst>
               <a:ext uri="{FF2B5EF4-FFF2-40B4-BE49-F238E27FC236}">
-                <a16:creationId xmlns:a16="http://schemas.microsoft.com/office/drawing/2014/main" id="{7C11AC9E-24BA-AE26-C641-C042949D2669}"/>
+                <a16:creationId xmlns:a16="http://schemas.microsoft.com/office/drawing/2014/main" xmlns="" id="{7C11AC9E-24BA-AE26-C641-C042949D2669}"/>
               </a:ext>
             </a:extLst>
           </p:cNvPr>
@@ -9749,7 +10736,7 @@
           <p:cNvPr id="3" name="TextBox 2">
             <a:extLst>
               <a:ext uri="{FF2B5EF4-FFF2-40B4-BE49-F238E27FC236}">
-                <a16:creationId xmlns:a16="http://schemas.microsoft.com/office/drawing/2014/main" id="{35FD7E3F-6C38-67FF-F701-5C5EAE496CF8}"/>
+                <a16:creationId xmlns:a16="http://schemas.microsoft.com/office/drawing/2014/main" xmlns="" id="{35FD7E3F-6C38-67FF-F701-5C5EAE496CF8}"/>
               </a:ext>
             </a:extLst>
           </p:cNvPr>
@@ -9814,7 +10801,7 @@
           <p:cNvPr id="2" name="Title 1">
             <a:extLst>
               <a:ext uri="{FF2B5EF4-FFF2-40B4-BE49-F238E27FC236}">
-                <a16:creationId xmlns:a16="http://schemas.microsoft.com/office/drawing/2014/main" id="{95206499-659E-95F1-9990-49711C952FA9}"/>
+                <a16:creationId xmlns:a16="http://schemas.microsoft.com/office/drawing/2014/main" xmlns="" id="{95206499-659E-95F1-9990-49711C952FA9}"/>
               </a:ext>
             </a:extLst>
           </p:cNvPr>
@@ -9842,7 +10829,7 @@
           <p:cNvPr id="7" name="Content Placeholder 6">
             <a:extLst>
               <a:ext uri="{FF2B5EF4-FFF2-40B4-BE49-F238E27FC236}">
-                <a16:creationId xmlns:a16="http://schemas.microsoft.com/office/drawing/2014/main" id="{EE2F1E4D-3EEE-B6BB-CF91-419B3E40393B}"/>
+                <a16:creationId xmlns:a16="http://schemas.microsoft.com/office/drawing/2014/main" xmlns="" id="{EE2F1E4D-3EEE-B6BB-CF91-419B3E40393B}"/>
               </a:ext>
             </a:extLst>
           </p:cNvPr>
@@ -9877,7 +10864,7 @@
           <p:cNvPr id="3" name="TextBox 2">
             <a:extLst>
               <a:ext uri="{FF2B5EF4-FFF2-40B4-BE49-F238E27FC236}">
-                <a16:creationId xmlns:a16="http://schemas.microsoft.com/office/drawing/2014/main" id="{189CA045-1F0A-3C05-A56D-1796CB731849}"/>
+                <a16:creationId xmlns:a16="http://schemas.microsoft.com/office/drawing/2014/main" xmlns="" id="{189CA045-1F0A-3C05-A56D-1796CB731849}"/>
               </a:ext>
             </a:extLst>
           </p:cNvPr>
@@ -9942,7 +10929,7 @@
           <p:cNvPr id="2" name="Title 1">
             <a:extLst>
               <a:ext uri="{FF2B5EF4-FFF2-40B4-BE49-F238E27FC236}">
-                <a16:creationId xmlns:a16="http://schemas.microsoft.com/office/drawing/2014/main" id="{1A22870A-2A54-FCA4-3D77-F2C95F9BA287}"/>
+                <a16:creationId xmlns:a16="http://schemas.microsoft.com/office/drawing/2014/main" xmlns="" id="{1A22870A-2A54-FCA4-3D77-F2C95F9BA287}"/>
               </a:ext>
             </a:extLst>
           </p:cNvPr>
@@ -9982,7 +10969,7 @@
           <p:cNvPr id="5" name="Content Placeholder 4" descr="A group of graphs with different colored squares&#10;&#10;Description automatically generated with medium confidence">
             <a:extLst>
               <a:ext uri="{FF2B5EF4-FFF2-40B4-BE49-F238E27FC236}">
-                <a16:creationId xmlns:a16="http://schemas.microsoft.com/office/drawing/2014/main" id="{7A0C7216-ACF9-6F1D-731B-C064660266BE}"/>
+                <a16:creationId xmlns:a16="http://schemas.microsoft.com/office/drawing/2014/main" xmlns="" id="{7A0C7216-ACF9-6F1D-731B-C064660266BE}"/>
               </a:ext>
             </a:extLst>
           </p:cNvPr>
@@ -10047,7 +11034,7 @@
           <p:cNvPr id="2" name="Title 1">
             <a:extLst>
               <a:ext uri="{FF2B5EF4-FFF2-40B4-BE49-F238E27FC236}">
-                <a16:creationId xmlns:a16="http://schemas.microsoft.com/office/drawing/2014/main" id="{5FA92E7E-ADAC-9CF6-FBAD-455FD9799F37}"/>
+                <a16:creationId xmlns:a16="http://schemas.microsoft.com/office/drawing/2014/main" xmlns="" id="{5FA92E7E-ADAC-9CF6-FBAD-455FD9799F37}"/>
               </a:ext>
             </a:extLst>
           </p:cNvPr>
@@ -10075,7 +11062,7 @@
           <p:cNvPr id="6" name="Table 5">
             <a:extLst>
               <a:ext uri="{FF2B5EF4-FFF2-40B4-BE49-F238E27FC236}">
-                <a16:creationId xmlns:a16="http://schemas.microsoft.com/office/drawing/2014/main" id="{C34BBE34-C539-43D5-936F-D26836FFAE10}"/>
+                <a16:creationId xmlns:a16="http://schemas.microsoft.com/office/drawing/2014/main" xmlns="" id="{C34BBE34-C539-43D5-936F-D26836FFAE10}"/>
               </a:ext>
             </a:extLst>
           </p:cNvPr>
@@ -10104,21 +11091,21 @@
                 <a:gridCol w="1338414">
                   <a:extLst>
                     <a:ext uri="{9D8B030D-6E8A-4147-A177-3AD203B41FA5}">
-                      <a16:colId xmlns:a16="http://schemas.microsoft.com/office/drawing/2014/main" val="2087661091"/>
+                      <a16:colId xmlns:a16="http://schemas.microsoft.com/office/drawing/2014/main" xmlns="" val="2087661091"/>
                     </a:ext>
                   </a:extLst>
                 </a:gridCol>
                 <a:gridCol w="1338414">
                   <a:extLst>
                     <a:ext uri="{9D8B030D-6E8A-4147-A177-3AD203B41FA5}">
-                      <a16:colId xmlns:a16="http://schemas.microsoft.com/office/drawing/2014/main" val="4161442789"/>
+                      <a16:colId xmlns:a16="http://schemas.microsoft.com/office/drawing/2014/main" xmlns="" val="4161442789"/>
                     </a:ext>
                   </a:extLst>
                 </a:gridCol>
                 <a:gridCol w="1338414">
                   <a:extLst>
                     <a:ext uri="{9D8B030D-6E8A-4147-A177-3AD203B41FA5}">
-                      <a16:colId xmlns:a16="http://schemas.microsoft.com/office/drawing/2014/main" val="1065804868"/>
+                      <a16:colId xmlns:a16="http://schemas.microsoft.com/office/drawing/2014/main" xmlns="" val="1065804868"/>
                     </a:ext>
                   </a:extLst>
                 </a:gridCol>
@@ -10210,7 +11197,7 @@
                 </a:tc>
                 <a:extLst>
                   <a:ext uri="{0D108BD9-81ED-4DB2-BD59-A6C34878D82A}">
-                    <a16:rowId xmlns:a16="http://schemas.microsoft.com/office/drawing/2014/main" val="3931383551"/>
+                    <a16:rowId xmlns:a16="http://schemas.microsoft.com/office/drawing/2014/main" xmlns="" val="3931383551"/>
                   </a:ext>
                 </a:extLst>
               </a:tr>
@@ -10274,7 +11261,7 @@
                 </a:tc>
                 <a:extLst>
                   <a:ext uri="{0D108BD9-81ED-4DB2-BD59-A6C34878D82A}">
-                    <a16:rowId xmlns:a16="http://schemas.microsoft.com/office/drawing/2014/main" val="3140929958"/>
+                    <a16:rowId xmlns:a16="http://schemas.microsoft.com/office/drawing/2014/main" xmlns="" val="3140929958"/>
                   </a:ext>
                 </a:extLst>
               </a:tr>
@@ -10338,7 +11325,7 @@
                 </a:tc>
                 <a:extLst>
                   <a:ext uri="{0D108BD9-81ED-4DB2-BD59-A6C34878D82A}">
-                    <a16:rowId xmlns:a16="http://schemas.microsoft.com/office/drawing/2014/main" val="2462120241"/>
+                    <a16:rowId xmlns:a16="http://schemas.microsoft.com/office/drawing/2014/main" xmlns="" val="2462120241"/>
                   </a:ext>
                 </a:extLst>
               </a:tr>
@@ -10351,7 +11338,7 @@
           <p:cNvPr id="7" name="Table 6">
             <a:extLst>
               <a:ext uri="{FF2B5EF4-FFF2-40B4-BE49-F238E27FC236}">
-                <a16:creationId xmlns:a16="http://schemas.microsoft.com/office/drawing/2014/main" id="{0A7E851C-A2D2-B8B5-9750-2F0D12F0550D}"/>
+                <a16:creationId xmlns:a16="http://schemas.microsoft.com/office/drawing/2014/main" xmlns="" id="{0A7E851C-A2D2-B8B5-9750-2F0D12F0550D}"/>
               </a:ext>
             </a:extLst>
           </p:cNvPr>
@@ -10368,7 +11355,7 @@
         </p:nvGraphicFramePr>
         <p:xfrm>
           <a:off x="933091" y="1852160"/>
-          <a:ext cx="1817288" cy="3337560"/>
+          <a:ext cx="1817288" cy="3606800"/>
         </p:xfrm>
         <a:graphic>
           <a:graphicData uri="http://schemas.openxmlformats.org/drawingml/2006/table">
@@ -10380,14 +11367,14 @@
                 <a:gridCol w="1220159">
                   <a:extLst>
                     <a:ext uri="{9D8B030D-6E8A-4147-A177-3AD203B41FA5}">
-                      <a16:colId xmlns:a16="http://schemas.microsoft.com/office/drawing/2014/main" val="3095421252"/>
+                      <a16:colId xmlns:a16="http://schemas.microsoft.com/office/drawing/2014/main" xmlns="" val="3095421252"/>
                     </a:ext>
                   </a:extLst>
                 </a:gridCol>
                 <a:gridCol w="597129">
                   <a:extLst>
                     <a:ext uri="{9D8B030D-6E8A-4147-A177-3AD203B41FA5}">
-                      <a16:colId xmlns:a16="http://schemas.microsoft.com/office/drawing/2014/main" val="2138526489"/>
+                      <a16:colId xmlns:a16="http://schemas.microsoft.com/office/drawing/2014/main" xmlns="" val="2138526489"/>
                     </a:ext>
                   </a:extLst>
                 </a:gridCol>
@@ -10433,7 +11420,7 @@
                 </a:tc>
                 <a:extLst>
                   <a:ext uri="{0D108BD9-81ED-4DB2-BD59-A6C34878D82A}">
-                    <a16:rowId xmlns:a16="http://schemas.microsoft.com/office/drawing/2014/main" val="687688987"/>
+                    <a16:rowId xmlns:a16="http://schemas.microsoft.com/office/drawing/2014/main" xmlns="" val="687688987"/>
                   </a:ext>
                 </a:extLst>
               </a:tr>
@@ -10470,7 +11457,7 @@
                 </a:tc>
                 <a:extLst>
                   <a:ext uri="{0D108BD9-81ED-4DB2-BD59-A6C34878D82A}">
-                    <a16:rowId xmlns:a16="http://schemas.microsoft.com/office/drawing/2014/main" val="1424993290"/>
+                    <a16:rowId xmlns:a16="http://schemas.microsoft.com/office/drawing/2014/main" xmlns="" val="1424993290"/>
                   </a:ext>
                 </a:extLst>
               </a:tr>
@@ -10507,7 +11494,7 @@
                 </a:tc>
                 <a:extLst>
                   <a:ext uri="{0D108BD9-81ED-4DB2-BD59-A6C34878D82A}">
-                    <a16:rowId xmlns:a16="http://schemas.microsoft.com/office/drawing/2014/main" val="640674437"/>
+                    <a16:rowId xmlns:a16="http://schemas.microsoft.com/office/drawing/2014/main" xmlns="" val="640674437"/>
                   </a:ext>
                 </a:extLst>
               </a:tr>
@@ -10544,7 +11531,7 @@
                 </a:tc>
                 <a:extLst>
                   <a:ext uri="{0D108BD9-81ED-4DB2-BD59-A6C34878D82A}">
-                    <a16:rowId xmlns:a16="http://schemas.microsoft.com/office/drawing/2014/main" val="4067803672"/>
+                    <a16:rowId xmlns:a16="http://schemas.microsoft.com/office/drawing/2014/main" xmlns="" val="4067803672"/>
                   </a:ext>
                 </a:extLst>
               </a:tr>
@@ -10581,7 +11568,7 @@
                 </a:tc>
                 <a:extLst>
                   <a:ext uri="{0D108BD9-81ED-4DB2-BD59-A6C34878D82A}">
-                    <a16:rowId xmlns:a16="http://schemas.microsoft.com/office/drawing/2014/main" val="295450064"/>
+                    <a16:rowId xmlns:a16="http://schemas.microsoft.com/office/drawing/2014/main" xmlns="" val="295450064"/>
                   </a:ext>
                 </a:extLst>
               </a:tr>
@@ -10618,7 +11605,7 @@
                 </a:tc>
                 <a:extLst>
                   <a:ext uri="{0D108BD9-81ED-4DB2-BD59-A6C34878D82A}">
-                    <a16:rowId xmlns:a16="http://schemas.microsoft.com/office/drawing/2014/main" val="3857621939"/>
+                    <a16:rowId xmlns:a16="http://schemas.microsoft.com/office/drawing/2014/main" xmlns="" val="3857621939"/>
                   </a:ext>
                 </a:extLst>
               </a:tr>
@@ -10655,7 +11642,7 @@
                 </a:tc>
                 <a:extLst>
                   <a:ext uri="{0D108BD9-81ED-4DB2-BD59-A6C34878D82A}">
-                    <a16:rowId xmlns:a16="http://schemas.microsoft.com/office/drawing/2014/main" val="154008673"/>
+                    <a16:rowId xmlns:a16="http://schemas.microsoft.com/office/drawing/2014/main" xmlns="" val="154008673"/>
                   </a:ext>
                 </a:extLst>
               </a:tr>
@@ -10692,7 +11679,7 @@
                 </a:tc>
                 <a:extLst>
                   <a:ext uri="{0D108BD9-81ED-4DB2-BD59-A6C34878D82A}">
-                    <a16:rowId xmlns:a16="http://schemas.microsoft.com/office/drawing/2014/main" val="799399092"/>
+                    <a16:rowId xmlns:a16="http://schemas.microsoft.com/office/drawing/2014/main" xmlns="" val="799399092"/>
                   </a:ext>
                 </a:extLst>
               </a:tr>
@@ -10729,7 +11716,7 @@
                 </a:tc>
                 <a:extLst>
                   <a:ext uri="{0D108BD9-81ED-4DB2-BD59-A6C34878D82A}">
-                    <a16:rowId xmlns:a16="http://schemas.microsoft.com/office/drawing/2014/main" val="2747931109"/>
+                    <a16:rowId xmlns:a16="http://schemas.microsoft.com/office/drawing/2014/main" xmlns="" val="2747931109"/>
                   </a:ext>
                 </a:extLst>
               </a:tr>
@@ -10772,7 +11759,7 @@
           <p:cNvPr id="2" name="Title 1">
             <a:extLst>
               <a:ext uri="{FF2B5EF4-FFF2-40B4-BE49-F238E27FC236}">
-                <a16:creationId xmlns:a16="http://schemas.microsoft.com/office/drawing/2014/main" id="{5FA92E7E-ADAC-9CF6-FBAD-455FD9799F37}"/>
+                <a16:creationId xmlns:a16="http://schemas.microsoft.com/office/drawing/2014/main" xmlns="" id="{5FA92E7E-ADAC-9CF6-FBAD-455FD9799F37}"/>
               </a:ext>
             </a:extLst>
           </p:cNvPr>
@@ -10800,7 +11787,7 @@
           <p:cNvPr id="10" name="TextBox 9">
             <a:extLst>
               <a:ext uri="{FF2B5EF4-FFF2-40B4-BE49-F238E27FC236}">
-                <a16:creationId xmlns:a16="http://schemas.microsoft.com/office/drawing/2014/main" id="{140A12DA-0ECD-8045-A50A-F11B9BEC367D}"/>
+                <a16:creationId xmlns:a16="http://schemas.microsoft.com/office/drawing/2014/main" xmlns="" id="{140A12DA-0ECD-8045-A50A-F11B9BEC367D}"/>
               </a:ext>
             </a:extLst>
           </p:cNvPr>
@@ -10841,7 +11828,7 @@
           <p:cNvPr id="5" name="Picture 4" descr="A group of graphs with text&#10;&#10;Description automatically generated with medium confidence">
             <a:extLst>
               <a:ext uri="{FF2B5EF4-FFF2-40B4-BE49-F238E27FC236}">
-                <a16:creationId xmlns:a16="http://schemas.microsoft.com/office/drawing/2014/main" id="{658D3379-2C83-88C2-8744-84D21DB42A1A}"/>
+                <a16:creationId xmlns:a16="http://schemas.microsoft.com/office/drawing/2014/main" xmlns="" id="{658D3379-2C83-88C2-8744-84D21DB42A1A}"/>
               </a:ext>
             </a:extLst>
           </p:cNvPr>
@@ -10877,7 +11864,7 @@
           <p:cNvPr id="7" name="Picture 6" descr="A group of graphs with text&#10;&#10;Description automatically generated with medium confidence">
             <a:extLst>
               <a:ext uri="{FF2B5EF4-FFF2-40B4-BE49-F238E27FC236}">
-                <a16:creationId xmlns:a16="http://schemas.microsoft.com/office/drawing/2014/main" id="{3EEE3AE6-41D7-3E88-529F-42ECEA075BE6}"/>
+                <a16:creationId xmlns:a16="http://schemas.microsoft.com/office/drawing/2014/main" xmlns="" id="{3EEE3AE6-41D7-3E88-529F-42ECEA075BE6}"/>
               </a:ext>
             </a:extLst>
           </p:cNvPr>
@@ -10913,7 +11900,7 @@
           <p:cNvPr id="9" name="Table 8">
             <a:extLst>
               <a:ext uri="{FF2B5EF4-FFF2-40B4-BE49-F238E27FC236}">
-                <a16:creationId xmlns:a16="http://schemas.microsoft.com/office/drawing/2014/main" id="{15FB80B1-12F7-56EC-B5B5-062FA843F498}"/>
+                <a16:creationId xmlns:a16="http://schemas.microsoft.com/office/drawing/2014/main" xmlns="" id="{15FB80B1-12F7-56EC-B5B5-062FA843F498}"/>
               </a:ext>
             </a:extLst>
           </p:cNvPr>
@@ -10942,21 +11929,21 @@
                 <a:gridCol w="1107540">
                   <a:extLst>
                     <a:ext uri="{9D8B030D-6E8A-4147-A177-3AD203B41FA5}">
-                      <a16:colId xmlns:a16="http://schemas.microsoft.com/office/drawing/2014/main" val="2087661091"/>
+                      <a16:colId xmlns:a16="http://schemas.microsoft.com/office/drawing/2014/main" xmlns="" val="2087661091"/>
                     </a:ext>
                   </a:extLst>
                 </a:gridCol>
                 <a:gridCol w="1107540">
                   <a:extLst>
                     <a:ext uri="{9D8B030D-6E8A-4147-A177-3AD203B41FA5}">
-                      <a16:colId xmlns:a16="http://schemas.microsoft.com/office/drawing/2014/main" val="4161442789"/>
+                      <a16:colId xmlns:a16="http://schemas.microsoft.com/office/drawing/2014/main" xmlns="" val="4161442789"/>
                     </a:ext>
                   </a:extLst>
                 </a:gridCol>
                 <a:gridCol w="1107540">
                   <a:extLst>
                     <a:ext uri="{9D8B030D-6E8A-4147-A177-3AD203B41FA5}">
-                      <a16:colId xmlns:a16="http://schemas.microsoft.com/office/drawing/2014/main" val="1065804868"/>
+                      <a16:colId xmlns:a16="http://schemas.microsoft.com/office/drawing/2014/main" xmlns="" val="1065804868"/>
                     </a:ext>
                   </a:extLst>
                 </a:gridCol>
@@ -11048,7 +12035,7 @@
                 </a:tc>
                 <a:extLst>
                   <a:ext uri="{0D108BD9-81ED-4DB2-BD59-A6C34878D82A}">
-                    <a16:rowId xmlns:a16="http://schemas.microsoft.com/office/drawing/2014/main" val="3931383551"/>
+                    <a16:rowId xmlns:a16="http://schemas.microsoft.com/office/drawing/2014/main" xmlns="" val="3931383551"/>
                   </a:ext>
                 </a:extLst>
               </a:tr>
@@ -11112,7 +12099,7 @@
                 </a:tc>
                 <a:extLst>
                   <a:ext uri="{0D108BD9-81ED-4DB2-BD59-A6C34878D82A}">
-                    <a16:rowId xmlns:a16="http://schemas.microsoft.com/office/drawing/2014/main" val="3140929958"/>
+                    <a16:rowId xmlns:a16="http://schemas.microsoft.com/office/drawing/2014/main" xmlns="" val="3140929958"/>
                   </a:ext>
                 </a:extLst>
               </a:tr>
@@ -11176,7 +12163,7 @@
                 </a:tc>
                 <a:extLst>
                   <a:ext uri="{0D108BD9-81ED-4DB2-BD59-A6C34878D82A}">
-                    <a16:rowId xmlns:a16="http://schemas.microsoft.com/office/drawing/2014/main" val="2462120241"/>
+                    <a16:rowId xmlns:a16="http://schemas.microsoft.com/office/drawing/2014/main" xmlns="" val="2462120241"/>
                   </a:ext>
                 </a:extLst>
               </a:tr>
@@ -11219,7 +12206,7 @@
           <p:cNvPr id="2" name="Title 1">
             <a:extLst>
               <a:ext uri="{FF2B5EF4-FFF2-40B4-BE49-F238E27FC236}">
-                <a16:creationId xmlns:a16="http://schemas.microsoft.com/office/drawing/2014/main" id="{5FA92E7E-ADAC-9CF6-FBAD-455FD9799F37}"/>
+                <a16:creationId xmlns:a16="http://schemas.microsoft.com/office/drawing/2014/main" xmlns="" id="{5FA92E7E-ADAC-9CF6-FBAD-455FD9799F37}"/>
               </a:ext>
             </a:extLst>
           </p:cNvPr>
@@ -11247,7 +12234,7 @@
           <p:cNvPr id="4" name="Picture 3">
             <a:extLst>
               <a:ext uri="{FF2B5EF4-FFF2-40B4-BE49-F238E27FC236}">
-                <a16:creationId xmlns:a16="http://schemas.microsoft.com/office/drawing/2014/main" id="{263A72D2-190A-A527-E66E-719F7CD55AD6}"/>
+                <a16:creationId xmlns:a16="http://schemas.microsoft.com/office/drawing/2014/main" xmlns="" id="{263A72D2-190A-A527-E66E-719F7CD55AD6}"/>
               </a:ext>
             </a:extLst>
           </p:cNvPr>
@@ -11277,7 +12264,7 @@
           <p:cNvPr id="8" name="Picture 7" descr="A graph with a number of clusters&#10;&#10;Description automatically generated with medium confidence">
             <a:extLst>
               <a:ext uri="{FF2B5EF4-FFF2-40B4-BE49-F238E27FC236}">
-                <a16:creationId xmlns:a16="http://schemas.microsoft.com/office/drawing/2014/main" id="{5CA22BF2-DB80-A3DD-901D-9290659C48EA}"/>
+                <a16:creationId xmlns:a16="http://schemas.microsoft.com/office/drawing/2014/main" xmlns="" id="{5CA22BF2-DB80-A3DD-901D-9290659C48EA}"/>
               </a:ext>
             </a:extLst>
           </p:cNvPr>
@@ -11313,7 +12300,7 @@
           <p:cNvPr id="9" name="Table 8">
             <a:extLst>
               <a:ext uri="{FF2B5EF4-FFF2-40B4-BE49-F238E27FC236}">
-                <a16:creationId xmlns:a16="http://schemas.microsoft.com/office/drawing/2014/main" id="{15FB80B1-12F7-56EC-B5B5-062FA843F498}"/>
+                <a16:creationId xmlns:a16="http://schemas.microsoft.com/office/drawing/2014/main" xmlns="" id="{15FB80B1-12F7-56EC-B5B5-062FA843F498}"/>
               </a:ext>
             </a:extLst>
           </p:cNvPr>
@@ -11342,21 +12329,21 @@
                 <a:gridCol w="1107540">
                   <a:extLst>
                     <a:ext uri="{9D8B030D-6E8A-4147-A177-3AD203B41FA5}">
-                      <a16:colId xmlns:a16="http://schemas.microsoft.com/office/drawing/2014/main" val="2087661091"/>
+                      <a16:colId xmlns:a16="http://schemas.microsoft.com/office/drawing/2014/main" xmlns="" val="2087661091"/>
                     </a:ext>
                   </a:extLst>
                 </a:gridCol>
                 <a:gridCol w="1107540">
                   <a:extLst>
                     <a:ext uri="{9D8B030D-6E8A-4147-A177-3AD203B41FA5}">
-                      <a16:colId xmlns:a16="http://schemas.microsoft.com/office/drawing/2014/main" val="4161442789"/>
+                      <a16:colId xmlns:a16="http://schemas.microsoft.com/office/drawing/2014/main" xmlns="" val="4161442789"/>
                     </a:ext>
                   </a:extLst>
                 </a:gridCol>
                 <a:gridCol w="1107540">
                   <a:extLst>
                     <a:ext uri="{9D8B030D-6E8A-4147-A177-3AD203B41FA5}">
-                      <a16:colId xmlns:a16="http://schemas.microsoft.com/office/drawing/2014/main" val="1065804868"/>
+                      <a16:colId xmlns:a16="http://schemas.microsoft.com/office/drawing/2014/main" xmlns="" val="1065804868"/>
                     </a:ext>
                   </a:extLst>
                 </a:gridCol>
@@ -11448,7 +12435,7 @@
                 </a:tc>
                 <a:extLst>
                   <a:ext uri="{0D108BD9-81ED-4DB2-BD59-A6C34878D82A}">
-                    <a16:rowId xmlns:a16="http://schemas.microsoft.com/office/drawing/2014/main" val="3931383551"/>
+                    <a16:rowId xmlns:a16="http://schemas.microsoft.com/office/drawing/2014/main" xmlns="" val="3931383551"/>
                   </a:ext>
                 </a:extLst>
               </a:tr>
@@ -11512,7 +12499,7 @@
                 </a:tc>
                 <a:extLst>
                   <a:ext uri="{0D108BD9-81ED-4DB2-BD59-A6C34878D82A}">
-                    <a16:rowId xmlns:a16="http://schemas.microsoft.com/office/drawing/2014/main" val="3140929958"/>
+                    <a16:rowId xmlns:a16="http://schemas.microsoft.com/office/drawing/2014/main" xmlns="" val="3140929958"/>
                   </a:ext>
                 </a:extLst>
               </a:tr>
@@ -11576,7 +12563,7 @@
                 </a:tc>
                 <a:extLst>
                   <a:ext uri="{0D108BD9-81ED-4DB2-BD59-A6C34878D82A}">
-                    <a16:rowId xmlns:a16="http://schemas.microsoft.com/office/drawing/2014/main" val="2462120241"/>
+                    <a16:rowId xmlns:a16="http://schemas.microsoft.com/office/drawing/2014/main" xmlns="" val="2462120241"/>
                   </a:ext>
                 </a:extLst>
               </a:tr>
@@ -11589,7 +12576,7 @@
           <p:cNvPr id="10" name="TextBox 9">
             <a:extLst>
               <a:ext uri="{FF2B5EF4-FFF2-40B4-BE49-F238E27FC236}">
-                <a16:creationId xmlns:a16="http://schemas.microsoft.com/office/drawing/2014/main" id="{140A12DA-0ECD-8045-A50A-F11B9BEC367D}"/>
+                <a16:creationId xmlns:a16="http://schemas.microsoft.com/office/drawing/2014/main" xmlns="" id="{140A12DA-0ECD-8045-A50A-F11B9BEC367D}"/>
               </a:ext>
             </a:extLst>
           </p:cNvPr>
@@ -11681,7 +12668,7 @@
     </a:clrScheme>
     <a:fontScheme name="Office">
       <a:majorFont>
-        <a:latin typeface="Aptos Display" panose="02110004020202020204"/>
+        <a:latin typeface="Aptos Display"/>
         <a:ea typeface=""/>
         <a:cs typeface=""/>
         <a:font script="Jpan" typeface="游ゴシック Light"/>
@@ -11733,7 +12720,7 @@
         <a:font script="Tfng" typeface="Ebrima"/>
       </a:majorFont>
       <a:minorFont>
-        <a:latin typeface="Aptos" panose="02110004020202020204"/>
+        <a:latin typeface="Aptos"/>
         <a:ea typeface=""/>
         <a:cs typeface=""/>
         <a:font script="Jpan" typeface="游ゴシック"/>
@@ -11947,8 +12934,293 @@
   <a:extraClrSchemeLst/>
   <a:extLst>
     <a:ext uri="{05A4C25C-085E-4340-85A3-A5531E510DB2}">
-      <thm15:themeFamily xmlns:thm15="http://schemas.microsoft.com/office/thememl/2012/main" name="Office Theme" id="{2E142A2C-CD16-42D6-873A-C26D2A0506FA}" vid="{1BDDFF52-6CD6-40A5-AB3C-68EB2F1E4D0A}"/>
+      <thm15:themeFamily xmlns:thm15="http://schemas.microsoft.com/office/thememl/2012/main" xmlns="" name="Office Theme" id="{2E142A2C-CD16-42D6-873A-C26D2A0506FA}" vid="{1BDDFF52-6CD6-40A5-AB3C-68EB2F1E4D0A}"/>
     </a:ext>
   </a:extLst>
 </a:theme>
+</file>
+
+<file path=ppt/theme/theme2.xml><?xml version="1.0" encoding="utf-8"?>
+<a:theme xmlns:a="http://schemas.openxmlformats.org/drawingml/2006/main" name="Larissa">
+  <a:themeElements>
+    <a:clrScheme name="Larissa">
+      <a:dk1>
+        <a:sysClr val="windowText" lastClr="000000"/>
+      </a:dk1>
+      <a:lt1>
+        <a:sysClr val="window" lastClr="FFFFFF"/>
+      </a:lt1>
+      <a:dk2>
+        <a:srgbClr val="1F497D"/>
+      </a:dk2>
+      <a:lt2>
+        <a:srgbClr val="EEECE1"/>
+      </a:lt2>
+      <a:accent1>
+        <a:srgbClr val="4F81BD"/>
+      </a:accent1>
+      <a:accent2>
+        <a:srgbClr val="C0504D"/>
+      </a:accent2>
+      <a:accent3>
+        <a:srgbClr val="9BBB59"/>
+      </a:accent3>
+      <a:accent4>
+        <a:srgbClr val="8064A2"/>
+      </a:accent4>
+      <a:accent5>
+        <a:srgbClr val="4BACC6"/>
+      </a:accent5>
+      <a:accent6>
+        <a:srgbClr val="F79646"/>
+      </a:accent6>
+      <a:hlink>
+        <a:srgbClr val="0000FF"/>
+      </a:hlink>
+      <a:folHlink>
+        <a:srgbClr val="800080"/>
+      </a:folHlink>
+    </a:clrScheme>
+    <a:fontScheme name="Larissa">
+      <a:majorFont>
+        <a:latin typeface="Calibri"/>
+        <a:ea typeface=""/>
+        <a:cs typeface=""/>
+        <a:font script="Jpan" typeface="ＭＳ Ｐゴシック"/>
+        <a:font script="Hang" typeface="맑은 고딕"/>
+        <a:font script="Hans" typeface="宋体"/>
+        <a:font script="Hant" typeface="新細明體"/>
+        <a:font script="Arab" typeface="Times New Roman"/>
+        <a:font script="Hebr" typeface="Times New Roman"/>
+        <a:font script="Thai" typeface="Angsana New"/>
+        <a:font script="Ethi" typeface="Nyala"/>
+        <a:font script="Beng" typeface="Vrinda"/>
+        <a:font script="Gujr" typeface="Shruti"/>
+        <a:font script="Khmr" typeface="MoolBoran"/>
+        <a:font script="Knda" typeface="Tunga"/>
+        <a:font script="Guru" typeface="Raavi"/>
+        <a:font script="Cans" typeface="Euphemia"/>
+        <a:font script="Cher" typeface="Plantagenet Cherokee"/>
+        <a:font script="Yiii" typeface="Microsoft Yi Baiti"/>
+        <a:font script="Tibt" typeface="Microsoft Himalaya"/>
+        <a:font script="Thaa" typeface="MV Boli"/>
+        <a:font script="Deva" typeface="Mangal"/>
+        <a:font script="Telu" typeface="Gautami"/>
+        <a:font script="Taml" typeface="Latha"/>
+        <a:font script="Syrc" typeface="Estrangelo Edessa"/>
+        <a:font script="Orya" typeface="Kalinga"/>
+        <a:font script="Mlym" typeface="Kartika"/>
+        <a:font script="Laoo" typeface="DokChampa"/>
+        <a:font script="Sinh" typeface="Iskoola Pota"/>
+        <a:font script="Mong" typeface="Mongolian Baiti"/>
+        <a:font script="Viet" typeface="Times New Roman"/>
+        <a:font script="Uigh" typeface="Microsoft Uighur"/>
+        <a:font script="Geor" typeface="Sylfaen"/>
+      </a:majorFont>
+      <a:minorFont>
+        <a:latin typeface="Calibri"/>
+        <a:ea typeface=""/>
+        <a:cs typeface=""/>
+        <a:font script="Jpan" typeface="ＭＳ Ｐゴシック"/>
+        <a:font script="Hang" typeface="맑은 고딕"/>
+        <a:font script="Hans" typeface="宋体"/>
+        <a:font script="Hant" typeface="新細明體"/>
+        <a:font script="Arab" typeface="Arial"/>
+        <a:font script="Hebr" typeface="Arial"/>
+        <a:font script="Thai" typeface="Cordia New"/>
+        <a:font script="Ethi" typeface="Nyala"/>
+        <a:font script="Beng" typeface="Vrinda"/>
+        <a:font script="Gujr" typeface="Shruti"/>
+        <a:font script="Khmr" typeface="DaunPenh"/>
+        <a:font script="Knda" typeface="Tunga"/>
+        <a:font script="Guru" typeface="Raavi"/>
+        <a:font script="Cans" typeface="Euphemia"/>
+        <a:font script="Cher" typeface="Plantagenet Cherokee"/>
+        <a:font script="Yiii" typeface="Microsoft Yi Baiti"/>
+        <a:font script="Tibt" typeface="Microsoft Himalaya"/>
+        <a:font script="Thaa" typeface="MV Boli"/>
+        <a:font script="Deva" typeface="Mangal"/>
+        <a:font script="Telu" typeface="Gautami"/>
+        <a:font script="Taml" typeface="Latha"/>
+        <a:font script="Syrc" typeface="Estrangelo Edessa"/>
+        <a:font script="Orya" typeface="Kalinga"/>
+        <a:font script="Mlym" typeface="Kartika"/>
+        <a:font script="Laoo" typeface="DokChampa"/>
+        <a:font script="Sinh" typeface="Iskoola Pota"/>
+        <a:font script="Mong" typeface="Mongolian Baiti"/>
+        <a:font script="Viet" typeface="Arial"/>
+        <a:font script="Uigh" typeface="Microsoft Uighur"/>
+        <a:font script="Geor" typeface="Sylfaen"/>
+      </a:minorFont>
+    </a:fontScheme>
+    <a:fmtScheme name="Larissa">
+      <a:fillStyleLst>
+        <a:solidFill>
+          <a:schemeClr val="phClr"/>
+        </a:solidFill>
+        <a:gradFill rotWithShape="1">
+          <a:gsLst>
+            <a:gs pos="0">
+              <a:schemeClr val="phClr">
+                <a:tint val="50000"/>
+                <a:satMod val="300000"/>
+              </a:schemeClr>
+            </a:gs>
+            <a:gs pos="35000">
+              <a:schemeClr val="phClr">
+                <a:tint val="37000"/>
+                <a:satMod val="300000"/>
+              </a:schemeClr>
+            </a:gs>
+            <a:gs pos="100000">
+              <a:schemeClr val="phClr">
+                <a:tint val="15000"/>
+                <a:satMod val="350000"/>
+              </a:schemeClr>
+            </a:gs>
+          </a:gsLst>
+          <a:lin ang="16200000" scaled="1"/>
+        </a:gradFill>
+        <a:gradFill rotWithShape="1">
+          <a:gsLst>
+            <a:gs pos="0">
+              <a:schemeClr val="phClr">
+                <a:shade val="51000"/>
+                <a:satMod val="130000"/>
+              </a:schemeClr>
+            </a:gs>
+            <a:gs pos="80000">
+              <a:schemeClr val="phClr">
+                <a:shade val="93000"/>
+                <a:satMod val="130000"/>
+              </a:schemeClr>
+            </a:gs>
+            <a:gs pos="100000">
+              <a:schemeClr val="phClr">
+                <a:shade val="94000"/>
+                <a:satMod val="135000"/>
+              </a:schemeClr>
+            </a:gs>
+          </a:gsLst>
+          <a:lin ang="16200000" scaled="0"/>
+        </a:gradFill>
+      </a:fillStyleLst>
+      <a:lnStyleLst>
+        <a:ln w="9525" cap="flat" cmpd="sng" algn="ctr">
+          <a:solidFill>
+            <a:schemeClr val="phClr">
+              <a:shade val="95000"/>
+              <a:satMod val="105000"/>
+            </a:schemeClr>
+          </a:solidFill>
+          <a:prstDash val="solid"/>
+        </a:ln>
+        <a:ln w="25400" cap="flat" cmpd="sng" algn="ctr">
+          <a:solidFill>
+            <a:schemeClr val="phClr"/>
+          </a:solidFill>
+          <a:prstDash val="solid"/>
+        </a:ln>
+        <a:ln w="38100" cap="flat" cmpd="sng" algn="ctr">
+          <a:solidFill>
+            <a:schemeClr val="phClr"/>
+          </a:solidFill>
+          <a:prstDash val="solid"/>
+        </a:ln>
+      </a:lnStyleLst>
+      <a:effectStyleLst>
+        <a:effectStyle>
+          <a:effectLst>
+            <a:outerShdw blurRad="40000" dist="20000" dir="5400000" rotWithShape="0">
+              <a:srgbClr val="000000">
+                <a:alpha val="38000"/>
+              </a:srgbClr>
+            </a:outerShdw>
+          </a:effectLst>
+        </a:effectStyle>
+        <a:effectStyle>
+          <a:effectLst>
+            <a:outerShdw blurRad="40000" dist="23000" dir="5400000" rotWithShape="0">
+              <a:srgbClr val="000000">
+                <a:alpha val="35000"/>
+              </a:srgbClr>
+            </a:outerShdw>
+          </a:effectLst>
+        </a:effectStyle>
+        <a:effectStyle>
+          <a:effectLst>
+            <a:outerShdw blurRad="40000" dist="23000" dir="5400000" rotWithShape="0">
+              <a:srgbClr val="000000">
+                <a:alpha val="35000"/>
+              </a:srgbClr>
+            </a:outerShdw>
+          </a:effectLst>
+          <a:scene3d>
+            <a:camera prst="orthographicFront">
+              <a:rot lat="0" lon="0" rev="0"/>
+            </a:camera>
+            <a:lightRig rig="threePt" dir="t">
+              <a:rot lat="0" lon="0" rev="1200000"/>
+            </a:lightRig>
+          </a:scene3d>
+          <a:sp3d>
+            <a:bevelT w="63500" h="25400"/>
+          </a:sp3d>
+        </a:effectStyle>
+      </a:effectStyleLst>
+      <a:bgFillStyleLst>
+        <a:solidFill>
+          <a:schemeClr val="phClr"/>
+        </a:solidFill>
+        <a:gradFill rotWithShape="1">
+          <a:gsLst>
+            <a:gs pos="0">
+              <a:schemeClr val="phClr">
+                <a:tint val="40000"/>
+                <a:satMod val="350000"/>
+              </a:schemeClr>
+            </a:gs>
+            <a:gs pos="40000">
+              <a:schemeClr val="phClr">
+                <a:tint val="45000"/>
+                <a:shade val="99000"/>
+                <a:satMod val="350000"/>
+              </a:schemeClr>
+            </a:gs>
+            <a:gs pos="100000">
+              <a:schemeClr val="phClr">
+                <a:shade val="20000"/>
+                <a:satMod val="255000"/>
+              </a:schemeClr>
+            </a:gs>
+          </a:gsLst>
+          <a:path path="circle">
+            <a:fillToRect l="50000" t="-80000" r="50000" b="180000"/>
+          </a:path>
+        </a:gradFill>
+        <a:gradFill rotWithShape="1">
+          <a:gsLst>
+            <a:gs pos="0">
+              <a:schemeClr val="phClr">
+                <a:tint val="80000"/>
+                <a:satMod val="300000"/>
+              </a:schemeClr>
+            </a:gs>
+            <a:gs pos="100000">
+              <a:schemeClr val="phClr">
+                <a:shade val="30000"/>
+                <a:satMod val="200000"/>
+              </a:schemeClr>
+            </a:gs>
+          </a:gsLst>
+          <a:path path="circle">
+            <a:fillToRect l="50000" t="50000" r="50000" b="50000"/>
+          </a:path>
+        </a:gradFill>
+      </a:bgFillStyleLst>
+    </a:fmtScheme>
+  </a:themeElements>
+  <a:objectDefaults/>
+  <a:extraClrSchemeLst/>
+</a:theme>
 </file>